--- a/05. Map Reduce παραδείγματα.pptx
+++ b/05. Map Reduce παραδείγματα.pptx
@@ -124,6 +124,11 @@
       </a:defRPr>
     </a:lvl9pPr>
   </p:defaultTextStyle>
+  <p:extLst>
+    <p:ext uri="{EFAFB233-063F-42B5-8137-9DF3F51BA10A}">
+      <p15:sldGuideLst xmlns:p15="http://schemas.microsoft.com/office/powerpoint/2012/main"/>
+    </p:ext>
+  </p:extLst>
 </p:presentation>
 </file>
 
@@ -12982,7 +12987,7 @@
             </a:r>
             <a:r>
               <a:rPr lang="el-GR" dirty="0"/>
-              <a:t> έχει αναπτυχθεί από το </a:t>
+              <a:t> έχει αναπτυχθεί από τον </a:t>
             </a:r>
             <a:r>
               <a:rPr lang="en-US" dirty="0"/>
@@ -17075,7 +17080,7 @@
         </p:nvSpPr>
         <p:spPr>
           <a:xfrm>
-            <a:off x="3709386" y="2094638"/>
+            <a:off x="3709386" y="1798920"/>
             <a:ext cx="4773227" cy="4247317"/>
           </a:xfrm>
           <a:prstGeom prst="rect">

--- a/05. Map Reduce παραδείγματα.pptx
+++ b/05. Map Reduce παραδείγματα.pptx
@@ -9532,7 +9532,7 @@
         </p:nvSpPr>
         <p:spPr>
           <a:xfrm>
-            <a:off x="2187668" y="1734092"/>
+            <a:off x="2021335" y="1502094"/>
             <a:ext cx="1971869" cy="2031325"/>
           </a:xfrm>
           <a:prstGeom prst="rect">
@@ -10204,7 +10204,7 @@
         </p:nvSpPr>
         <p:spPr>
           <a:xfrm>
-            <a:off x="1895309" y="3802584"/>
+            <a:off x="1728976" y="3570586"/>
             <a:ext cx="2519266" cy="373225"/>
           </a:xfrm>
           <a:prstGeom prst="rect">
@@ -10256,7 +10256,7 @@
         </p:nvSpPr>
         <p:spPr>
           <a:xfrm>
-            <a:off x="5666762" y="2765354"/>
+            <a:off x="5500429" y="2533356"/>
             <a:ext cx="1003176" cy="621437"/>
           </a:xfrm>
           <a:prstGeom prst="rightArrow">
@@ -10302,7 +10302,7 @@
         </p:nvSpPr>
         <p:spPr>
           <a:xfrm>
-            <a:off x="4890989" y="2396022"/>
+            <a:off x="4724656" y="2164024"/>
             <a:ext cx="2957797" cy="369332"/>
           </a:xfrm>
           <a:prstGeom prst="rect">
@@ -10352,7 +10352,7 @@
         </p:nvSpPr>
         <p:spPr>
           <a:xfrm>
-            <a:off x="8177163" y="2352088"/>
+            <a:off x="8010830" y="2120090"/>
             <a:ext cx="2191517" cy="1200329"/>
           </a:xfrm>
           <a:prstGeom prst="rect">
@@ -10669,13 +10669,13 @@
           <p:nvPr>
             <p:extLst>
               <p:ext uri="{D42A27DB-BD31-4B8C-83A1-F6EECF244321}">
-                <p14:modId xmlns:p14="http://schemas.microsoft.com/office/powerpoint/2010/main" val="796681321"/>
+                <p14:modId xmlns:p14="http://schemas.microsoft.com/office/powerpoint/2010/main" val="2638778275"/>
               </p:ext>
             </p:extLst>
           </p:nvPr>
         </p:nvGraphicFramePr>
         <p:xfrm>
-          <a:off x="4224701" y="5003568"/>
+          <a:off x="3131803" y="5515803"/>
           <a:ext cx="1162974" cy="741680"/>
         </p:xfrm>
         <a:graphic>
@@ -10845,13 +10845,13 @@
           <p:nvPr>
             <p:extLst>
               <p:ext uri="{D42A27DB-BD31-4B8C-83A1-F6EECF244321}">
-                <p14:modId xmlns:p14="http://schemas.microsoft.com/office/powerpoint/2010/main" val="3449051172"/>
+                <p14:modId xmlns:p14="http://schemas.microsoft.com/office/powerpoint/2010/main" val="2091800654"/>
               </p:ext>
             </p:extLst>
           </p:nvPr>
         </p:nvGraphicFramePr>
         <p:xfrm>
-          <a:off x="5984222" y="4816438"/>
+          <a:off x="4891324" y="5328673"/>
           <a:ext cx="775438" cy="1097280"/>
         </p:xfrm>
         <a:graphic>
@@ -11020,7 +11020,7 @@
         </p:nvSpPr>
         <p:spPr>
           <a:xfrm>
-            <a:off x="4677211" y="4593176"/>
+            <a:off x="3584313" y="5105411"/>
             <a:ext cx="295274" cy="369332"/>
           </a:xfrm>
           <a:prstGeom prst="rect">
@@ -11056,7 +11056,7 @@
         </p:nvSpPr>
         <p:spPr>
           <a:xfrm>
-            <a:off x="6250580" y="4447106"/>
+            <a:off x="5157682" y="4959341"/>
             <a:ext cx="306494" cy="369332"/>
           </a:xfrm>
           <a:prstGeom prst="rect">
@@ -11092,7 +11092,7 @@
         </p:nvSpPr>
         <p:spPr>
           <a:xfrm>
-            <a:off x="5533502" y="5189742"/>
+            <a:off x="4440604" y="5701977"/>
             <a:ext cx="284052" cy="369332"/>
           </a:xfrm>
           <a:prstGeom prst="rect">
@@ -11128,7 +11128,7 @@
         </p:nvSpPr>
         <p:spPr>
           <a:xfrm>
-            <a:off x="6905488" y="5173257"/>
+            <a:off x="5812590" y="5685492"/>
             <a:ext cx="300082" cy="369332"/>
           </a:xfrm>
           <a:prstGeom prst="rect">
@@ -11165,13 +11165,13 @@
           <p:nvPr>
             <p:extLst>
               <p:ext uri="{D42A27DB-BD31-4B8C-83A1-F6EECF244321}">
-                <p14:modId xmlns:p14="http://schemas.microsoft.com/office/powerpoint/2010/main" val="1117644694"/>
+                <p14:modId xmlns:p14="http://schemas.microsoft.com/office/powerpoint/2010/main" val="2304822902"/>
               </p:ext>
             </p:extLst>
           </p:nvPr>
         </p:nvGraphicFramePr>
         <p:xfrm>
-          <a:off x="7374604" y="4987083"/>
+          <a:off x="6281706" y="5499318"/>
           <a:ext cx="1038847" cy="741680"/>
         </p:xfrm>
         <a:graphic>
@@ -11295,7 +11295,7 @@
         </p:nvSpPr>
         <p:spPr>
           <a:xfrm>
-            <a:off x="7554877" y="4619511"/>
+            <a:off x="6461979" y="5131746"/>
             <a:ext cx="622286" cy="369332"/>
           </a:xfrm>
           <a:prstGeom prst="rect">
@@ -11331,7 +11331,7 @@
         </p:nvSpPr>
         <p:spPr>
           <a:xfrm>
-            <a:off x="8899758" y="4880869"/>
+            <a:off x="7806860" y="5393104"/>
             <a:ext cx="1701107" cy="954107"/>
           </a:xfrm>
           <a:prstGeom prst="rect">
@@ -11512,7 +11512,7 @@
         <p:spPr>
           <a:xfrm>
             <a:off x="410365" y="1858481"/>
-            <a:ext cx="7490761" cy="4524315"/>
+            <a:ext cx="7277697" cy="4524315"/>
           </a:xfrm>
           <a:prstGeom prst="rect">
             <a:avLst/>
@@ -12770,7 +12770,7 @@
         </p:nvSpPr>
         <p:spPr>
           <a:xfrm>
-            <a:off x="9262369" y="4217039"/>
+            <a:off x="9262369" y="4048026"/>
             <a:ext cx="2519266" cy="373225"/>
           </a:xfrm>
           <a:prstGeom prst="rect">
@@ -12816,6 +12816,1283 @@
           </a:p>
         </p:txBody>
       </p:sp>
+      <p:sp>
+        <p:nvSpPr>
+          <p:cNvPr id="3" name="Ορθογώνιο 2">
+            <a:extLst>
+              <a:ext uri="{FF2B5EF4-FFF2-40B4-BE49-F238E27FC236}">
+                <a16:creationId xmlns:a16="http://schemas.microsoft.com/office/drawing/2014/main" id="{45BBFA74-23A0-4B0A-80AF-A08E01CAC1F7}"/>
+              </a:ext>
+            </a:extLst>
+          </p:cNvPr>
+          <p:cNvSpPr/>
+          <p:nvPr/>
+        </p:nvSpPr>
+        <p:spPr>
+          <a:xfrm>
+            <a:off x="8356817" y="4609927"/>
+            <a:ext cx="3424818" cy="1446550"/>
+          </a:xfrm>
+          <a:prstGeom prst="rect">
+            <a:avLst/>
+          </a:prstGeom>
+        </p:spPr>
+        <p:txBody>
+          <a:bodyPr wrap="square">
+            <a:spAutoFit/>
+          </a:bodyPr>
+          <a:lstStyle/>
+          <a:p>
+            <a:r>
+              <a:rPr lang="pt-BR" sz="1100" b="1" dirty="0">
+                <a:solidFill>
+                  <a:srgbClr val="000000"/>
+                </a:solidFill>
+                <a:latin typeface="Consolas" panose="020B0609020204030204" pitchFamily="49" charset="0"/>
+              </a:rPr>
+              <a:t>[[</a:t>
+            </a:r>
+            <a:r>
+              <a:rPr lang="pt-BR" sz="1100" b="1" dirty="0">
+                <a:solidFill>
+                  <a:srgbClr val="09885A"/>
+                </a:solidFill>
+                <a:latin typeface="Consolas" panose="020B0609020204030204" pitchFamily="49" charset="0"/>
+              </a:rPr>
+              <a:t>0</a:t>
+            </a:r>
+            <a:r>
+              <a:rPr lang="pt-BR" sz="1100" b="1" dirty="0">
+                <a:solidFill>
+                  <a:srgbClr val="000000"/>
+                </a:solidFill>
+                <a:latin typeface="Consolas" panose="020B0609020204030204" pitchFamily="49" charset="0"/>
+              </a:rPr>
+              <a:t>, </a:t>
+            </a:r>
+            <a:r>
+              <a:rPr lang="pt-BR" sz="1100" b="1" dirty="0">
+                <a:solidFill>
+                  <a:srgbClr val="09885A"/>
+                </a:solidFill>
+                <a:latin typeface="Consolas" panose="020B0609020204030204" pitchFamily="49" charset="0"/>
+              </a:rPr>
+              <a:t>1</a:t>
+            </a:r>
+            <a:r>
+              <a:rPr lang="pt-BR" sz="1100" b="1" dirty="0">
+                <a:solidFill>
+                  <a:srgbClr val="000000"/>
+                </a:solidFill>
+                <a:latin typeface="Consolas" panose="020B0609020204030204" pitchFamily="49" charset="0"/>
+              </a:rPr>
+              <a:t>], [[</a:t>
+            </a:r>
+            <a:r>
+              <a:rPr lang="pt-BR" sz="1100" b="1" dirty="0">
+                <a:solidFill>
+                  <a:srgbClr val="A31515"/>
+                </a:solidFill>
+                <a:latin typeface="Consolas" panose="020B0609020204030204" pitchFamily="49" charset="0"/>
+              </a:rPr>
+              <a:t>"a"</a:t>
+            </a:r>
+            <a:r>
+              <a:rPr lang="pt-BR" sz="1100" b="1" dirty="0">
+                <a:solidFill>
+                  <a:srgbClr val="000000"/>
+                </a:solidFill>
+                <a:latin typeface="Consolas" panose="020B0609020204030204" pitchFamily="49" charset="0"/>
+              </a:rPr>
+              <a:t>, </a:t>
+            </a:r>
+            <a:r>
+              <a:rPr lang="pt-BR" sz="1100" b="1" dirty="0">
+                <a:solidFill>
+                  <a:srgbClr val="09885A"/>
+                </a:solidFill>
+                <a:latin typeface="Consolas" panose="020B0609020204030204" pitchFamily="49" charset="0"/>
+              </a:rPr>
+              <a:t>0</a:t>
+            </a:r>
+            <a:r>
+              <a:rPr lang="pt-BR" sz="1100" b="1" dirty="0">
+                <a:solidFill>
+                  <a:srgbClr val="000000"/>
+                </a:solidFill>
+                <a:latin typeface="Consolas" panose="020B0609020204030204" pitchFamily="49" charset="0"/>
+              </a:rPr>
+              <a:t>, </a:t>
+            </a:r>
+            <a:r>
+              <a:rPr lang="pt-BR" sz="1100" b="1" dirty="0">
+                <a:solidFill>
+                  <a:srgbClr val="09885A"/>
+                </a:solidFill>
+                <a:latin typeface="Consolas" panose="020B0609020204030204" pitchFamily="49" charset="0"/>
+              </a:rPr>
+              <a:t>0</a:t>
+            </a:r>
+            <a:r>
+              <a:rPr lang="pt-BR" sz="1100" b="1" dirty="0">
+                <a:solidFill>
+                  <a:srgbClr val="000000"/>
+                </a:solidFill>
+                <a:latin typeface="Consolas" panose="020B0609020204030204" pitchFamily="49" charset="0"/>
+              </a:rPr>
+              <a:t>, </a:t>
+            </a:r>
+            <a:r>
+              <a:rPr lang="pt-BR" sz="1100" b="1" dirty="0">
+                <a:solidFill>
+                  <a:srgbClr val="09885A"/>
+                </a:solidFill>
+                <a:latin typeface="Consolas" panose="020B0609020204030204" pitchFamily="49" charset="0"/>
+              </a:rPr>
+              <a:t>2</a:t>
+            </a:r>
+            <a:r>
+              <a:rPr lang="pt-BR" sz="1100" b="1" dirty="0">
+                <a:solidFill>
+                  <a:srgbClr val="000000"/>
+                </a:solidFill>
+                <a:latin typeface="Consolas" panose="020B0609020204030204" pitchFamily="49" charset="0"/>
+              </a:rPr>
+              <a:t>], [</a:t>
+            </a:r>
+            <a:r>
+              <a:rPr lang="pt-BR" sz="1100" b="1" dirty="0">
+                <a:solidFill>
+                  <a:srgbClr val="A31515"/>
+                </a:solidFill>
+                <a:latin typeface="Consolas" panose="020B0609020204030204" pitchFamily="49" charset="0"/>
+              </a:rPr>
+              <a:t>"a"</a:t>
+            </a:r>
+            <a:r>
+              <a:rPr lang="pt-BR" sz="1100" b="1" dirty="0">
+                <a:solidFill>
+                  <a:srgbClr val="000000"/>
+                </a:solidFill>
+                <a:latin typeface="Consolas" panose="020B0609020204030204" pitchFamily="49" charset="0"/>
+              </a:rPr>
+              <a:t>, </a:t>
+            </a:r>
+            <a:r>
+              <a:rPr lang="pt-BR" sz="1100" b="1" dirty="0">
+                <a:solidFill>
+                  <a:srgbClr val="09885A"/>
+                </a:solidFill>
+                <a:latin typeface="Consolas" panose="020B0609020204030204" pitchFamily="49" charset="0"/>
+              </a:rPr>
+              <a:t>0</a:t>
+            </a:r>
+            <a:r>
+              <a:rPr lang="pt-BR" sz="1100" b="1" dirty="0">
+                <a:solidFill>
+                  <a:srgbClr val="000000"/>
+                </a:solidFill>
+                <a:latin typeface="Consolas" panose="020B0609020204030204" pitchFamily="49" charset="0"/>
+              </a:rPr>
+              <a:t>, </a:t>
+            </a:r>
+            <a:r>
+              <a:rPr lang="pt-BR" sz="1100" b="1" dirty="0">
+                <a:solidFill>
+                  <a:srgbClr val="09885A"/>
+                </a:solidFill>
+                <a:latin typeface="Consolas" panose="020B0609020204030204" pitchFamily="49" charset="0"/>
+              </a:rPr>
+              <a:t>2</a:t>
+            </a:r>
+            <a:r>
+              <a:rPr lang="pt-BR" sz="1100" b="1" dirty="0">
+                <a:solidFill>
+                  <a:srgbClr val="000000"/>
+                </a:solidFill>
+                <a:latin typeface="Consolas" panose="020B0609020204030204" pitchFamily="49" charset="0"/>
+              </a:rPr>
+              <a:t>, </a:t>
+            </a:r>
+            <a:r>
+              <a:rPr lang="pt-BR" sz="1100" b="1" dirty="0">
+                <a:solidFill>
+                  <a:srgbClr val="09885A"/>
+                </a:solidFill>
+                <a:latin typeface="Consolas" panose="020B0609020204030204" pitchFamily="49" charset="0"/>
+              </a:rPr>
+              <a:t>1</a:t>
+            </a:r>
+            <a:r>
+              <a:rPr lang="pt-BR" sz="1100" b="1" dirty="0">
+                <a:solidFill>
+                  <a:srgbClr val="000000"/>
+                </a:solidFill>
+                <a:latin typeface="Consolas" panose="020B0609020204030204" pitchFamily="49" charset="0"/>
+              </a:rPr>
+              <a:t>], [</a:t>
+            </a:r>
+            <a:r>
+              <a:rPr lang="pt-BR" sz="1100" b="1" dirty="0">
+                <a:solidFill>
+                  <a:srgbClr val="A31515"/>
+                </a:solidFill>
+                <a:latin typeface="Consolas" panose="020B0609020204030204" pitchFamily="49" charset="0"/>
+              </a:rPr>
+              <a:t>"b"</a:t>
+            </a:r>
+            <a:r>
+              <a:rPr lang="pt-BR" sz="1100" b="1" dirty="0">
+                <a:solidFill>
+                  <a:srgbClr val="000000"/>
+                </a:solidFill>
+                <a:latin typeface="Consolas" panose="020B0609020204030204" pitchFamily="49" charset="0"/>
+              </a:rPr>
+              <a:t>, </a:t>
+            </a:r>
+            <a:r>
+              <a:rPr lang="pt-BR" sz="1100" b="1" dirty="0">
+                <a:solidFill>
+                  <a:srgbClr val="09885A"/>
+                </a:solidFill>
+                <a:latin typeface="Consolas" panose="020B0609020204030204" pitchFamily="49" charset="0"/>
+              </a:rPr>
+              <a:t>0</a:t>
+            </a:r>
+            <a:r>
+              <a:rPr lang="pt-BR" sz="1100" b="1" dirty="0">
+                <a:solidFill>
+                  <a:srgbClr val="000000"/>
+                </a:solidFill>
+                <a:latin typeface="Consolas" panose="020B0609020204030204" pitchFamily="49" charset="0"/>
+              </a:rPr>
+              <a:t>, </a:t>
+            </a:r>
+            <a:r>
+              <a:rPr lang="pt-BR" sz="1100" b="1" dirty="0">
+                <a:solidFill>
+                  <a:srgbClr val="09885A"/>
+                </a:solidFill>
+                <a:latin typeface="Consolas" panose="020B0609020204030204" pitchFamily="49" charset="0"/>
+              </a:rPr>
+              <a:t>1</a:t>
+            </a:r>
+            <a:r>
+              <a:rPr lang="pt-BR" sz="1100" b="1" dirty="0">
+                <a:solidFill>
+                  <a:srgbClr val="000000"/>
+                </a:solidFill>
+                <a:latin typeface="Consolas" panose="020B0609020204030204" pitchFamily="49" charset="0"/>
+              </a:rPr>
+              <a:t>, </a:t>
+            </a:r>
+            <a:r>
+              <a:rPr lang="pt-BR" sz="1100" b="1" dirty="0">
+                <a:solidFill>
+                  <a:srgbClr val="09885A"/>
+                </a:solidFill>
+                <a:latin typeface="Consolas" panose="020B0609020204030204" pitchFamily="49" charset="0"/>
+              </a:rPr>
+              <a:t>7</a:t>
+            </a:r>
+            <a:r>
+              <a:rPr lang="pt-BR" sz="1100" b="1" dirty="0">
+                <a:solidFill>
+                  <a:srgbClr val="000000"/>
+                </a:solidFill>
+                <a:latin typeface="Consolas" panose="020B0609020204030204" pitchFamily="49" charset="0"/>
+              </a:rPr>
+              <a:t>]]]</a:t>
+            </a:r>
+          </a:p>
+          <a:p>
+            <a:r>
+              <a:rPr lang="pt-BR" sz="1100" b="1" dirty="0">
+                <a:solidFill>
+                  <a:srgbClr val="000000"/>
+                </a:solidFill>
+                <a:latin typeface="Consolas" panose="020B0609020204030204" pitchFamily="49" charset="0"/>
+              </a:rPr>
+              <a:t>[[</a:t>
+            </a:r>
+            <a:r>
+              <a:rPr lang="pt-BR" sz="1100" b="1" dirty="0">
+                <a:solidFill>
+                  <a:srgbClr val="09885A"/>
+                </a:solidFill>
+                <a:latin typeface="Consolas" panose="020B0609020204030204" pitchFamily="49" charset="0"/>
+              </a:rPr>
+              <a:t>1</a:t>
+            </a:r>
+            <a:r>
+              <a:rPr lang="pt-BR" sz="1100" b="1" dirty="0">
+                <a:solidFill>
+                  <a:srgbClr val="000000"/>
+                </a:solidFill>
+                <a:latin typeface="Consolas" panose="020B0609020204030204" pitchFamily="49" charset="0"/>
+              </a:rPr>
+              <a:t>, </a:t>
+            </a:r>
+            <a:r>
+              <a:rPr lang="pt-BR" sz="1100" b="1" dirty="0">
+                <a:solidFill>
+                  <a:srgbClr val="09885A"/>
+                </a:solidFill>
+                <a:latin typeface="Consolas" panose="020B0609020204030204" pitchFamily="49" charset="0"/>
+              </a:rPr>
+              <a:t>0</a:t>
+            </a:r>
+            <a:r>
+              <a:rPr lang="pt-BR" sz="1100" b="1" dirty="0">
+                <a:solidFill>
+                  <a:srgbClr val="000000"/>
+                </a:solidFill>
+                <a:latin typeface="Consolas" panose="020B0609020204030204" pitchFamily="49" charset="0"/>
+              </a:rPr>
+              <a:t>], [[</a:t>
+            </a:r>
+            <a:r>
+              <a:rPr lang="pt-BR" sz="1100" b="1" dirty="0">
+                <a:solidFill>
+                  <a:srgbClr val="A31515"/>
+                </a:solidFill>
+                <a:latin typeface="Consolas" panose="020B0609020204030204" pitchFamily="49" charset="0"/>
+              </a:rPr>
+              <a:t>"a"</a:t>
+            </a:r>
+            <a:r>
+              <a:rPr lang="pt-BR" sz="1100" b="1" dirty="0">
+                <a:solidFill>
+                  <a:srgbClr val="000000"/>
+                </a:solidFill>
+                <a:latin typeface="Consolas" panose="020B0609020204030204" pitchFamily="49" charset="0"/>
+              </a:rPr>
+              <a:t>, </a:t>
+            </a:r>
+            <a:r>
+              <a:rPr lang="pt-BR" sz="1100" b="1" dirty="0">
+                <a:solidFill>
+                  <a:srgbClr val="09885A"/>
+                </a:solidFill>
+                <a:latin typeface="Consolas" panose="020B0609020204030204" pitchFamily="49" charset="0"/>
+              </a:rPr>
+              <a:t>1</a:t>
+            </a:r>
+            <a:r>
+              <a:rPr lang="pt-BR" sz="1100" b="1" dirty="0">
+                <a:solidFill>
+                  <a:srgbClr val="000000"/>
+                </a:solidFill>
+                <a:latin typeface="Consolas" panose="020B0609020204030204" pitchFamily="49" charset="0"/>
+              </a:rPr>
+              <a:t>, </a:t>
+            </a:r>
+            <a:r>
+              <a:rPr lang="pt-BR" sz="1100" b="1" dirty="0">
+                <a:solidFill>
+                  <a:srgbClr val="09885A"/>
+                </a:solidFill>
+                <a:latin typeface="Consolas" panose="020B0609020204030204" pitchFamily="49" charset="0"/>
+              </a:rPr>
+              <a:t>0</a:t>
+            </a:r>
+            <a:r>
+              <a:rPr lang="pt-BR" sz="1100" b="1" dirty="0">
+                <a:solidFill>
+                  <a:srgbClr val="000000"/>
+                </a:solidFill>
+                <a:latin typeface="Consolas" panose="020B0609020204030204" pitchFamily="49" charset="0"/>
+              </a:rPr>
+              <a:t>, </a:t>
+            </a:r>
+            <a:r>
+              <a:rPr lang="pt-BR" sz="1100" b="1" dirty="0">
+                <a:solidFill>
+                  <a:srgbClr val="09885A"/>
+                </a:solidFill>
+                <a:latin typeface="Consolas" panose="020B0609020204030204" pitchFamily="49" charset="0"/>
+              </a:rPr>
+              <a:t>4</a:t>
+            </a:r>
+            <a:r>
+              <a:rPr lang="pt-BR" sz="1100" b="1" dirty="0">
+                <a:solidFill>
+                  <a:srgbClr val="000000"/>
+                </a:solidFill>
+                <a:latin typeface="Consolas" panose="020B0609020204030204" pitchFamily="49" charset="0"/>
+              </a:rPr>
+              <a:t>], [</a:t>
+            </a:r>
+            <a:r>
+              <a:rPr lang="pt-BR" sz="1100" b="1" dirty="0">
+                <a:solidFill>
+                  <a:srgbClr val="A31515"/>
+                </a:solidFill>
+                <a:latin typeface="Consolas" panose="020B0609020204030204" pitchFamily="49" charset="0"/>
+              </a:rPr>
+              <a:t>"a"</a:t>
+            </a:r>
+            <a:r>
+              <a:rPr lang="pt-BR" sz="1100" b="1" dirty="0">
+                <a:solidFill>
+                  <a:srgbClr val="000000"/>
+                </a:solidFill>
+                <a:latin typeface="Consolas" panose="020B0609020204030204" pitchFamily="49" charset="0"/>
+              </a:rPr>
+              <a:t>, </a:t>
+            </a:r>
+            <a:r>
+              <a:rPr lang="pt-BR" sz="1100" b="1" dirty="0">
+                <a:solidFill>
+                  <a:srgbClr val="09885A"/>
+                </a:solidFill>
+                <a:latin typeface="Consolas" panose="020B0609020204030204" pitchFamily="49" charset="0"/>
+              </a:rPr>
+              <a:t>1</a:t>
+            </a:r>
+            <a:r>
+              <a:rPr lang="pt-BR" sz="1100" b="1" dirty="0">
+                <a:solidFill>
+                  <a:srgbClr val="000000"/>
+                </a:solidFill>
+                <a:latin typeface="Consolas" panose="020B0609020204030204" pitchFamily="49" charset="0"/>
+              </a:rPr>
+              <a:t>, </a:t>
+            </a:r>
+            <a:r>
+              <a:rPr lang="pt-BR" sz="1100" b="1" dirty="0">
+                <a:solidFill>
+                  <a:srgbClr val="09885A"/>
+                </a:solidFill>
+                <a:latin typeface="Consolas" panose="020B0609020204030204" pitchFamily="49" charset="0"/>
+              </a:rPr>
+              <a:t>2</a:t>
+            </a:r>
+            <a:r>
+              <a:rPr lang="pt-BR" sz="1100" b="1" dirty="0">
+                <a:solidFill>
+                  <a:srgbClr val="000000"/>
+                </a:solidFill>
+                <a:latin typeface="Consolas" panose="020B0609020204030204" pitchFamily="49" charset="0"/>
+              </a:rPr>
+              <a:t>, </a:t>
+            </a:r>
+            <a:r>
+              <a:rPr lang="pt-BR" sz="1100" b="1" dirty="0">
+                <a:solidFill>
+                  <a:srgbClr val="09885A"/>
+                </a:solidFill>
+                <a:latin typeface="Consolas" panose="020B0609020204030204" pitchFamily="49" charset="0"/>
+              </a:rPr>
+              <a:t>5</a:t>
+            </a:r>
+            <a:r>
+              <a:rPr lang="pt-BR" sz="1100" b="1" dirty="0">
+                <a:solidFill>
+                  <a:srgbClr val="000000"/>
+                </a:solidFill>
+                <a:latin typeface="Consolas" panose="020B0609020204030204" pitchFamily="49" charset="0"/>
+              </a:rPr>
+              <a:t>], [</a:t>
+            </a:r>
+            <a:r>
+              <a:rPr lang="pt-BR" sz="1100" b="1" dirty="0">
+                <a:solidFill>
+                  <a:srgbClr val="A31515"/>
+                </a:solidFill>
+                <a:latin typeface="Consolas" panose="020B0609020204030204" pitchFamily="49" charset="0"/>
+              </a:rPr>
+              <a:t>"b"</a:t>
+            </a:r>
+            <a:r>
+              <a:rPr lang="pt-BR" sz="1100" b="1" dirty="0">
+                <a:solidFill>
+                  <a:srgbClr val="000000"/>
+                </a:solidFill>
+                <a:latin typeface="Consolas" panose="020B0609020204030204" pitchFamily="49" charset="0"/>
+              </a:rPr>
+              <a:t>, </a:t>
+            </a:r>
+            <a:r>
+              <a:rPr lang="pt-BR" sz="1100" b="1" dirty="0">
+                <a:solidFill>
+                  <a:srgbClr val="09885A"/>
+                </a:solidFill>
+                <a:latin typeface="Consolas" panose="020B0609020204030204" pitchFamily="49" charset="0"/>
+              </a:rPr>
+              <a:t>0</a:t>
+            </a:r>
+            <a:r>
+              <a:rPr lang="pt-BR" sz="1100" b="1" dirty="0">
+                <a:solidFill>
+                  <a:srgbClr val="000000"/>
+                </a:solidFill>
+                <a:latin typeface="Consolas" panose="020B0609020204030204" pitchFamily="49" charset="0"/>
+              </a:rPr>
+              <a:t>, </a:t>
+            </a:r>
+            <a:r>
+              <a:rPr lang="pt-BR" sz="1100" b="1" dirty="0">
+                <a:solidFill>
+                  <a:srgbClr val="09885A"/>
+                </a:solidFill>
+                <a:latin typeface="Consolas" panose="020B0609020204030204" pitchFamily="49" charset="0"/>
+              </a:rPr>
+              <a:t>0</a:t>
+            </a:r>
+            <a:r>
+              <a:rPr lang="pt-BR" sz="1100" b="1" dirty="0">
+                <a:solidFill>
+                  <a:srgbClr val="000000"/>
+                </a:solidFill>
+                <a:latin typeface="Consolas" panose="020B0609020204030204" pitchFamily="49" charset="0"/>
+              </a:rPr>
+              <a:t>, </a:t>
+            </a:r>
+            <a:r>
+              <a:rPr lang="pt-BR" sz="1100" b="1" dirty="0">
+                <a:solidFill>
+                  <a:srgbClr val="09885A"/>
+                </a:solidFill>
+                <a:latin typeface="Consolas" panose="020B0609020204030204" pitchFamily="49" charset="0"/>
+              </a:rPr>
+              <a:t>1</a:t>
+            </a:r>
+            <a:r>
+              <a:rPr lang="pt-BR" sz="1100" b="1" dirty="0">
+                <a:solidFill>
+                  <a:srgbClr val="000000"/>
+                </a:solidFill>
+                <a:latin typeface="Consolas" panose="020B0609020204030204" pitchFamily="49" charset="0"/>
+              </a:rPr>
+              <a:t>], [</a:t>
+            </a:r>
+            <a:r>
+              <a:rPr lang="pt-BR" sz="1100" b="1" dirty="0">
+                <a:solidFill>
+                  <a:srgbClr val="A31515"/>
+                </a:solidFill>
+                <a:latin typeface="Consolas" panose="020B0609020204030204" pitchFamily="49" charset="0"/>
+              </a:rPr>
+              <a:t>"b"</a:t>
+            </a:r>
+            <a:r>
+              <a:rPr lang="pt-BR" sz="1100" b="1" dirty="0">
+                <a:solidFill>
+                  <a:srgbClr val="000000"/>
+                </a:solidFill>
+                <a:latin typeface="Consolas" panose="020B0609020204030204" pitchFamily="49" charset="0"/>
+              </a:rPr>
+              <a:t>, </a:t>
+            </a:r>
+            <a:r>
+              <a:rPr lang="pt-BR" sz="1100" b="1" dirty="0">
+                <a:solidFill>
+                  <a:srgbClr val="09885A"/>
+                </a:solidFill>
+                <a:latin typeface="Consolas" panose="020B0609020204030204" pitchFamily="49" charset="0"/>
+              </a:rPr>
+              <a:t>2</a:t>
+            </a:r>
+            <a:r>
+              <a:rPr lang="pt-BR" sz="1100" b="1" dirty="0">
+                <a:solidFill>
+                  <a:srgbClr val="000000"/>
+                </a:solidFill>
+                <a:latin typeface="Consolas" panose="020B0609020204030204" pitchFamily="49" charset="0"/>
+              </a:rPr>
+              <a:t>, </a:t>
+            </a:r>
+            <a:r>
+              <a:rPr lang="pt-BR" sz="1100" b="1" dirty="0">
+                <a:solidFill>
+                  <a:srgbClr val="09885A"/>
+                </a:solidFill>
+                <a:latin typeface="Consolas" panose="020B0609020204030204" pitchFamily="49" charset="0"/>
+              </a:rPr>
+              <a:t>0</a:t>
+            </a:r>
+            <a:r>
+              <a:rPr lang="pt-BR" sz="1100" b="1" dirty="0">
+                <a:solidFill>
+                  <a:srgbClr val="000000"/>
+                </a:solidFill>
+                <a:latin typeface="Consolas" panose="020B0609020204030204" pitchFamily="49" charset="0"/>
+              </a:rPr>
+              <a:t>, </a:t>
+            </a:r>
+            <a:r>
+              <a:rPr lang="pt-BR" sz="1100" b="1" dirty="0">
+                <a:solidFill>
+                  <a:srgbClr val="09885A"/>
+                </a:solidFill>
+                <a:latin typeface="Consolas" panose="020B0609020204030204" pitchFamily="49" charset="0"/>
+              </a:rPr>
+              <a:t>3</a:t>
+            </a:r>
+            <a:r>
+              <a:rPr lang="pt-BR" sz="1100" b="1" dirty="0">
+                <a:solidFill>
+                  <a:srgbClr val="000000"/>
+                </a:solidFill>
+                <a:latin typeface="Consolas" panose="020B0609020204030204" pitchFamily="49" charset="0"/>
+              </a:rPr>
+              <a:t>]]]</a:t>
+            </a:r>
+          </a:p>
+          <a:p>
+            <a:r>
+              <a:rPr lang="pt-BR" sz="1100" b="1" dirty="0">
+                <a:solidFill>
+                  <a:srgbClr val="000000"/>
+                </a:solidFill>
+                <a:latin typeface="Consolas" panose="020B0609020204030204" pitchFamily="49" charset="0"/>
+              </a:rPr>
+              <a:t>[[</a:t>
+            </a:r>
+            <a:r>
+              <a:rPr lang="pt-BR" sz="1100" b="1" dirty="0">
+                <a:solidFill>
+                  <a:srgbClr val="09885A"/>
+                </a:solidFill>
+                <a:latin typeface="Consolas" panose="020B0609020204030204" pitchFamily="49" charset="0"/>
+              </a:rPr>
+              <a:t>0</a:t>
+            </a:r>
+            <a:r>
+              <a:rPr lang="pt-BR" sz="1100" b="1" dirty="0">
+                <a:solidFill>
+                  <a:srgbClr val="000000"/>
+                </a:solidFill>
+                <a:latin typeface="Consolas" panose="020B0609020204030204" pitchFamily="49" charset="0"/>
+              </a:rPr>
+              <a:t>, </a:t>
+            </a:r>
+            <a:r>
+              <a:rPr lang="pt-BR" sz="1100" b="1" dirty="0">
+                <a:solidFill>
+                  <a:srgbClr val="09885A"/>
+                </a:solidFill>
+                <a:latin typeface="Consolas" panose="020B0609020204030204" pitchFamily="49" charset="0"/>
+              </a:rPr>
+              <a:t>0</a:t>
+            </a:r>
+            <a:r>
+              <a:rPr lang="pt-BR" sz="1100" b="1" dirty="0">
+                <a:solidFill>
+                  <a:srgbClr val="000000"/>
+                </a:solidFill>
+                <a:latin typeface="Consolas" panose="020B0609020204030204" pitchFamily="49" charset="0"/>
+              </a:rPr>
+              <a:t>], [[</a:t>
+            </a:r>
+            <a:r>
+              <a:rPr lang="pt-BR" sz="1100" b="1" dirty="0">
+                <a:solidFill>
+                  <a:srgbClr val="A31515"/>
+                </a:solidFill>
+                <a:latin typeface="Consolas" panose="020B0609020204030204" pitchFamily="49" charset="0"/>
+              </a:rPr>
+              <a:t>"a"</a:t>
+            </a:r>
+            <a:r>
+              <a:rPr lang="pt-BR" sz="1100" b="1" dirty="0">
+                <a:solidFill>
+                  <a:srgbClr val="000000"/>
+                </a:solidFill>
+                <a:latin typeface="Consolas" panose="020B0609020204030204" pitchFamily="49" charset="0"/>
+              </a:rPr>
+              <a:t>, </a:t>
+            </a:r>
+            <a:r>
+              <a:rPr lang="pt-BR" sz="1100" b="1" dirty="0">
+                <a:solidFill>
+                  <a:srgbClr val="09885A"/>
+                </a:solidFill>
+                <a:latin typeface="Consolas" panose="020B0609020204030204" pitchFamily="49" charset="0"/>
+              </a:rPr>
+              <a:t>0</a:t>
+            </a:r>
+            <a:r>
+              <a:rPr lang="pt-BR" sz="1100" b="1" dirty="0">
+                <a:solidFill>
+                  <a:srgbClr val="000000"/>
+                </a:solidFill>
+                <a:latin typeface="Consolas" panose="020B0609020204030204" pitchFamily="49" charset="0"/>
+              </a:rPr>
+              <a:t>, </a:t>
+            </a:r>
+            <a:r>
+              <a:rPr lang="pt-BR" sz="1100" b="1" dirty="0">
+                <a:solidFill>
+                  <a:srgbClr val="09885A"/>
+                </a:solidFill>
+                <a:latin typeface="Consolas" panose="020B0609020204030204" pitchFamily="49" charset="0"/>
+              </a:rPr>
+              <a:t>0</a:t>
+            </a:r>
+            <a:r>
+              <a:rPr lang="pt-BR" sz="1100" b="1" dirty="0">
+                <a:solidFill>
+                  <a:srgbClr val="000000"/>
+                </a:solidFill>
+                <a:latin typeface="Consolas" panose="020B0609020204030204" pitchFamily="49" charset="0"/>
+              </a:rPr>
+              <a:t>, </a:t>
+            </a:r>
+            <a:r>
+              <a:rPr lang="pt-BR" sz="1100" b="1" dirty="0">
+                <a:solidFill>
+                  <a:srgbClr val="09885A"/>
+                </a:solidFill>
+                <a:latin typeface="Consolas" panose="020B0609020204030204" pitchFamily="49" charset="0"/>
+              </a:rPr>
+              <a:t>2</a:t>
+            </a:r>
+            <a:r>
+              <a:rPr lang="pt-BR" sz="1100" b="1" dirty="0">
+                <a:solidFill>
+                  <a:srgbClr val="000000"/>
+                </a:solidFill>
+                <a:latin typeface="Consolas" panose="020B0609020204030204" pitchFamily="49" charset="0"/>
+              </a:rPr>
+              <a:t>], [</a:t>
+            </a:r>
+            <a:r>
+              <a:rPr lang="pt-BR" sz="1100" b="1" dirty="0">
+                <a:solidFill>
+                  <a:srgbClr val="A31515"/>
+                </a:solidFill>
+                <a:latin typeface="Consolas" panose="020B0609020204030204" pitchFamily="49" charset="0"/>
+              </a:rPr>
+              <a:t>"a"</a:t>
+            </a:r>
+            <a:r>
+              <a:rPr lang="pt-BR" sz="1100" b="1" dirty="0">
+                <a:solidFill>
+                  <a:srgbClr val="000000"/>
+                </a:solidFill>
+                <a:latin typeface="Consolas" panose="020B0609020204030204" pitchFamily="49" charset="0"/>
+              </a:rPr>
+              <a:t>, </a:t>
+            </a:r>
+            <a:r>
+              <a:rPr lang="pt-BR" sz="1100" b="1" dirty="0">
+                <a:solidFill>
+                  <a:srgbClr val="09885A"/>
+                </a:solidFill>
+                <a:latin typeface="Consolas" panose="020B0609020204030204" pitchFamily="49" charset="0"/>
+              </a:rPr>
+              <a:t>0</a:t>
+            </a:r>
+            <a:r>
+              <a:rPr lang="pt-BR" sz="1100" b="1" dirty="0">
+                <a:solidFill>
+                  <a:srgbClr val="000000"/>
+                </a:solidFill>
+                <a:latin typeface="Consolas" panose="020B0609020204030204" pitchFamily="49" charset="0"/>
+              </a:rPr>
+              <a:t>, </a:t>
+            </a:r>
+            <a:r>
+              <a:rPr lang="pt-BR" sz="1100" b="1" dirty="0">
+                <a:solidFill>
+                  <a:srgbClr val="09885A"/>
+                </a:solidFill>
+                <a:latin typeface="Consolas" panose="020B0609020204030204" pitchFamily="49" charset="0"/>
+              </a:rPr>
+              <a:t>2</a:t>
+            </a:r>
+            <a:r>
+              <a:rPr lang="pt-BR" sz="1100" b="1" dirty="0">
+                <a:solidFill>
+                  <a:srgbClr val="000000"/>
+                </a:solidFill>
+                <a:latin typeface="Consolas" panose="020B0609020204030204" pitchFamily="49" charset="0"/>
+              </a:rPr>
+              <a:t>, </a:t>
+            </a:r>
+            <a:r>
+              <a:rPr lang="pt-BR" sz="1100" b="1" dirty="0">
+                <a:solidFill>
+                  <a:srgbClr val="09885A"/>
+                </a:solidFill>
+                <a:latin typeface="Consolas" panose="020B0609020204030204" pitchFamily="49" charset="0"/>
+              </a:rPr>
+              <a:t>1</a:t>
+            </a:r>
+            <a:r>
+              <a:rPr lang="pt-BR" sz="1100" b="1" dirty="0">
+                <a:solidFill>
+                  <a:srgbClr val="000000"/>
+                </a:solidFill>
+                <a:latin typeface="Consolas" panose="020B0609020204030204" pitchFamily="49" charset="0"/>
+              </a:rPr>
+              <a:t>], [</a:t>
+            </a:r>
+            <a:r>
+              <a:rPr lang="pt-BR" sz="1100" b="1" dirty="0">
+                <a:solidFill>
+                  <a:srgbClr val="A31515"/>
+                </a:solidFill>
+                <a:latin typeface="Consolas" panose="020B0609020204030204" pitchFamily="49" charset="0"/>
+              </a:rPr>
+              <a:t>"b"</a:t>
+            </a:r>
+            <a:r>
+              <a:rPr lang="pt-BR" sz="1100" b="1" dirty="0">
+                <a:solidFill>
+                  <a:srgbClr val="000000"/>
+                </a:solidFill>
+                <a:latin typeface="Consolas" panose="020B0609020204030204" pitchFamily="49" charset="0"/>
+              </a:rPr>
+              <a:t>, </a:t>
+            </a:r>
+            <a:r>
+              <a:rPr lang="pt-BR" sz="1100" b="1" dirty="0">
+                <a:solidFill>
+                  <a:srgbClr val="09885A"/>
+                </a:solidFill>
+                <a:latin typeface="Consolas" panose="020B0609020204030204" pitchFamily="49" charset="0"/>
+              </a:rPr>
+              <a:t>0</a:t>
+            </a:r>
+            <a:r>
+              <a:rPr lang="pt-BR" sz="1100" b="1" dirty="0">
+                <a:solidFill>
+                  <a:srgbClr val="000000"/>
+                </a:solidFill>
+                <a:latin typeface="Consolas" panose="020B0609020204030204" pitchFamily="49" charset="0"/>
+              </a:rPr>
+              <a:t>, </a:t>
+            </a:r>
+            <a:r>
+              <a:rPr lang="pt-BR" sz="1100" b="1" dirty="0">
+                <a:solidFill>
+                  <a:srgbClr val="09885A"/>
+                </a:solidFill>
+                <a:latin typeface="Consolas" panose="020B0609020204030204" pitchFamily="49" charset="0"/>
+              </a:rPr>
+              <a:t>0</a:t>
+            </a:r>
+            <a:r>
+              <a:rPr lang="pt-BR" sz="1100" b="1" dirty="0">
+                <a:solidFill>
+                  <a:srgbClr val="000000"/>
+                </a:solidFill>
+                <a:latin typeface="Consolas" panose="020B0609020204030204" pitchFamily="49" charset="0"/>
+              </a:rPr>
+              <a:t>, </a:t>
+            </a:r>
+            <a:r>
+              <a:rPr lang="pt-BR" sz="1100" b="1" dirty="0">
+                <a:solidFill>
+                  <a:srgbClr val="09885A"/>
+                </a:solidFill>
+                <a:latin typeface="Consolas" panose="020B0609020204030204" pitchFamily="49" charset="0"/>
+              </a:rPr>
+              <a:t>1</a:t>
+            </a:r>
+            <a:r>
+              <a:rPr lang="pt-BR" sz="1100" b="1" dirty="0">
+                <a:solidFill>
+                  <a:srgbClr val="000000"/>
+                </a:solidFill>
+                <a:latin typeface="Consolas" panose="020B0609020204030204" pitchFamily="49" charset="0"/>
+              </a:rPr>
+              <a:t>], [</a:t>
+            </a:r>
+            <a:r>
+              <a:rPr lang="pt-BR" sz="1100" b="1" dirty="0">
+                <a:solidFill>
+                  <a:srgbClr val="A31515"/>
+                </a:solidFill>
+                <a:latin typeface="Consolas" panose="020B0609020204030204" pitchFamily="49" charset="0"/>
+              </a:rPr>
+              <a:t>"b"</a:t>
+            </a:r>
+            <a:r>
+              <a:rPr lang="pt-BR" sz="1100" b="1" dirty="0">
+                <a:solidFill>
+                  <a:srgbClr val="000000"/>
+                </a:solidFill>
+                <a:latin typeface="Consolas" panose="020B0609020204030204" pitchFamily="49" charset="0"/>
+              </a:rPr>
+              <a:t>, </a:t>
+            </a:r>
+            <a:r>
+              <a:rPr lang="pt-BR" sz="1100" b="1" dirty="0">
+                <a:solidFill>
+                  <a:srgbClr val="09885A"/>
+                </a:solidFill>
+                <a:latin typeface="Consolas" panose="020B0609020204030204" pitchFamily="49" charset="0"/>
+              </a:rPr>
+              <a:t>2</a:t>
+            </a:r>
+            <a:r>
+              <a:rPr lang="pt-BR" sz="1100" b="1" dirty="0">
+                <a:solidFill>
+                  <a:srgbClr val="000000"/>
+                </a:solidFill>
+                <a:latin typeface="Consolas" panose="020B0609020204030204" pitchFamily="49" charset="0"/>
+              </a:rPr>
+              <a:t>, </a:t>
+            </a:r>
+            <a:r>
+              <a:rPr lang="pt-BR" sz="1100" b="1" dirty="0">
+                <a:solidFill>
+                  <a:srgbClr val="09885A"/>
+                </a:solidFill>
+                <a:latin typeface="Consolas" panose="020B0609020204030204" pitchFamily="49" charset="0"/>
+              </a:rPr>
+              <a:t>0</a:t>
+            </a:r>
+            <a:r>
+              <a:rPr lang="pt-BR" sz="1100" b="1" dirty="0">
+                <a:solidFill>
+                  <a:srgbClr val="000000"/>
+                </a:solidFill>
+                <a:latin typeface="Consolas" panose="020B0609020204030204" pitchFamily="49" charset="0"/>
+              </a:rPr>
+              <a:t>, </a:t>
+            </a:r>
+            <a:r>
+              <a:rPr lang="pt-BR" sz="1100" b="1" dirty="0">
+                <a:solidFill>
+                  <a:srgbClr val="09885A"/>
+                </a:solidFill>
+                <a:latin typeface="Consolas" panose="020B0609020204030204" pitchFamily="49" charset="0"/>
+              </a:rPr>
+              <a:t>3</a:t>
+            </a:r>
+            <a:r>
+              <a:rPr lang="pt-BR" sz="1100" b="1" dirty="0">
+                <a:solidFill>
+                  <a:srgbClr val="000000"/>
+                </a:solidFill>
+                <a:latin typeface="Consolas" panose="020B0609020204030204" pitchFamily="49" charset="0"/>
+              </a:rPr>
+              <a:t>]]]</a:t>
+            </a:r>
+          </a:p>
+          <a:p>
+            <a:r>
+              <a:rPr lang="pt-BR" sz="1100" b="1" dirty="0">
+                <a:solidFill>
+                  <a:srgbClr val="000000"/>
+                </a:solidFill>
+                <a:latin typeface="Consolas" panose="020B0609020204030204" pitchFamily="49" charset="0"/>
+              </a:rPr>
+              <a:t>[[</a:t>
+            </a:r>
+            <a:r>
+              <a:rPr lang="pt-BR" sz="1100" b="1" dirty="0">
+                <a:solidFill>
+                  <a:srgbClr val="09885A"/>
+                </a:solidFill>
+                <a:latin typeface="Consolas" panose="020B0609020204030204" pitchFamily="49" charset="0"/>
+              </a:rPr>
+              <a:t>1</a:t>
+            </a:r>
+            <a:r>
+              <a:rPr lang="pt-BR" sz="1100" b="1" dirty="0">
+                <a:solidFill>
+                  <a:srgbClr val="000000"/>
+                </a:solidFill>
+                <a:latin typeface="Consolas" panose="020B0609020204030204" pitchFamily="49" charset="0"/>
+              </a:rPr>
+              <a:t>, </a:t>
+            </a:r>
+            <a:r>
+              <a:rPr lang="pt-BR" sz="1100" b="1" dirty="0">
+                <a:solidFill>
+                  <a:srgbClr val="09885A"/>
+                </a:solidFill>
+                <a:latin typeface="Consolas" panose="020B0609020204030204" pitchFamily="49" charset="0"/>
+              </a:rPr>
+              <a:t>1</a:t>
+            </a:r>
+            <a:r>
+              <a:rPr lang="pt-BR" sz="1100" b="1" dirty="0">
+                <a:solidFill>
+                  <a:srgbClr val="000000"/>
+                </a:solidFill>
+                <a:latin typeface="Consolas" panose="020B0609020204030204" pitchFamily="49" charset="0"/>
+              </a:rPr>
+              <a:t>], [[</a:t>
+            </a:r>
+            <a:r>
+              <a:rPr lang="pt-BR" sz="1100" b="1" dirty="0">
+                <a:solidFill>
+                  <a:srgbClr val="A31515"/>
+                </a:solidFill>
+                <a:latin typeface="Consolas" panose="020B0609020204030204" pitchFamily="49" charset="0"/>
+              </a:rPr>
+              <a:t>"a"</a:t>
+            </a:r>
+            <a:r>
+              <a:rPr lang="pt-BR" sz="1100" b="1" dirty="0">
+                <a:solidFill>
+                  <a:srgbClr val="000000"/>
+                </a:solidFill>
+                <a:latin typeface="Consolas" panose="020B0609020204030204" pitchFamily="49" charset="0"/>
+              </a:rPr>
+              <a:t>, </a:t>
+            </a:r>
+            <a:r>
+              <a:rPr lang="pt-BR" sz="1100" b="1" dirty="0">
+                <a:solidFill>
+                  <a:srgbClr val="09885A"/>
+                </a:solidFill>
+                <a:latin typeface="Consolas" panose="020B0609020204030204" pitchFamily="49" charset="0"/>
+              </a:rPr>
+              <a:t>1</a:t>
+            </a:r>
+            <a:r>
+              <a:rPr lang="pt-BR" sz="1100" b="1" dirty="0">
+                <a:solidFill>
+                  <a:srgbClr val="000000"/>
+                </a:solidFill>
+                <a:latin typeface="Consolas" panose="020B0609020204030204" pitchFamily="49" charset="0"/>
+              </a:rPr>
+              <a:t>, </a:t>
+            </a:r>
+            <a:r>
+              <a:rPr lang="pt-BR" sz="1100" b="1" dirty="0">
+                <a:solidFill>
+                  <a:srgbClr val="09885A"/>
+                </a:solidFill>
+                <a:latin typeface="Consolas" panose="020B0609020204030204" pitchFamily="49" charset="0"/>
+              </a:rPr>
+              <a:t>0</a:t>
+            </a:r>
+            <a:r>
+              <a:rPr lang="pt-BR" sz="1100" b="1" dirty="0">
+                <a:solidFill>
+                  <a:srgbClr val="000000"/>
+                </a:solidFill>
+                <a:latin typeface="Consolas" panose="020B0609020204030204" pitchFamily="49" charset="0"/>
+              </a:rPr>
+              <a:t>, </a:t>
+            </a:r>
+            <a:r>
+              <a:rPr lang="pt-BR" sz="1100" b="1" dirty="0">
+                <a:solidFill>
+                  <a:srgbClr val="09885A"/>
+                </a:solidFill>
+                <a:latin typeface="Consolas" panose="020B0609020204030204" pitchFamily="49" charset="0"/>
+              </a:rPr>
+              <a:t>4</a:t>
+            </a:r>
+            <a:r>
+              <a:rPr lang="pt-BR" sz="1100" b="1" dirty="0">
+                <a:solidFill>
+                  <a:srgbClr val="000000"/>
+                </a:solidFill>
+                <a:latin typeface="Consolas" panose="020B0609020204030204" pitchFamily="49" charset="0"/>
+              </a:rPr>
+              <a:t>], [</a:t>
+            </a:r>
+            <a:r>
+              <a:rPr lang="pt-BR" sz="1100" b="1" dirty="0">
+                <a:solidFill>
+                  <a:srgbClr val="A31515"/>
+                </a:solidFill>
+                <a:latin typeface="Consolas" panose="020B0609020204030204" pitchFamily="49" charset="0"/>
+              </a:rPr>
+              <a:t>"a"</a:t>
+            </a:r>
+            <a:r>
+              <a:rPr lang="pt-BR" sz="1100" b="1" dirty="0">
+                <a:solidFill>
+                  <a:srgbClr val="000000"/>
+                </a:solidFill>
+                <a:latin typeface="Consolas" panose="020B0609020204030204" pitchFamily="49" charset="0"/>
+              </a:rPr>
+              <a:t>, </a:t>
+            </a:r>
+            <a:r>
+              <a:rPr lang="pt-BR" sz="1100" b="1" dirty="0">
+                <a:solidFill>
+                  <a:srgbClr val="09885A"/>
+                </a:solidFill>
+                <a:latin typeface="Consolas" panose="020B0609020204030204" pitchFamily="49" charset="0"/>
+              </a:rPr>
+              <a:t>1</a:t>
+            </a:r>
+            <a:r>
+              <a:rPr lang="pt-BR" sz="1100" b="1" dirty="0">
+                <a:solidFill>
+                  <a:srgbClr val="000000"/>
+                </a:solidFill>
+                <a:latin typeface="Consolas" panose="020B0609020204030204" pitchFamily="49" charset="0"/>
+              </a:rPr>
+              <a:t>, </a:t>
+            </a:r>
+            <a:r>
+              <a:rPr lang="pt-BR" sz="1100" b="1" dirty="0">
+                <a:solidFill>
+                  <a:srgbClr val="09885A"/>
+                </a:solidFill>
+                <a:latin typeface="Consolas" panose="020B0609020204030204" pitchFamily="49" charset="0"/>
+              </a:rPr>
+              <a:t>2</a:t>
+            </a:r>
+            <a:r>
+              <a:rPr lang="pt-BR" sz="1100" b="1" dirty="0">
+                <a:solidFill>
+                  <a:srgbClr val="000000"/>
+                </a:solidFill>
+                <a:latin typeface="Consolas" panose="020B0609020204030204" pitchFamily="49" charset="0"/>
+              </a:rPr>
+              <a:t>, </a:t>
+            </a:r>
+            <a:r>
+              <a:rPr lang="pt-BR" sz="1100" b="1" dirty="0">
+                <a:solidFill>
+                  <a:srgbClr val="09885A"/>
+                </a:solidFill>
+                <a:latin typeface="Consolas" panose="020B0609020204030204" pitchFamily="49" charset="0"/>
+              </a:rPr>
+              <a:t>5</a:t>
+            </a:r>
+            <a:r>
+              <a:rPr lang="pt-BR" sz="1100" b="1" dirty="0">
+                <a:solidFill>
+                  <a:srgbClr val="000000"/>
+                </a:solidFill>
+                <a:latin typeface="Consolas" panose="020B0609020204030204" pitchFamily="49" charset="0"/>
+              </a:rPr>
+              <a:t>], [</a:t>
+            </a:r>
+            <a:r>
+              <a:rPr lang="pt-BR" sz="1100" b="1" dirty="0">
+                <a:solidFill>
+                  <a:srgbClr val="A31515"/>
+                </a:solidFill>
+                <a:latin typeface="Consolas" panose="020B0609020204030204" pitchFamily="49" charset="0"/>
+              </a:rPr>
+              <a:t>"b"</a:t>
+            </a:r>
+            <a:r>
+              <a:rPr lang="pt-BR" sz="1100" b="1" dirty="0">
+                <a:solidFill>
+                  <a:srgbClr val="000000"/>
+                </a:solidFill>
+                <a:latin typeface="Consolas" panose="020B0609020204030204" pitchFamily="49" charset="0"/>
+              </a:rPr>
+              <a:t>, </a:t>
+            </a:r>
+            <a:r>
+              <a:rPr lang="pt-BR" sz="1100" b="1" dirty="0">
+                <a:solidFill>
+                  <a:srgbClr val="09885A"/>
+                </a:solidFill>
+                <a:latin typeface="Consolas" panose="020B0609020204030204" pitchFamily="49" charset="0"/>
+              </a:rPr>
+              <a:t>0</a:t>
+            </a:r>
+            <a:r>
+              <a:rPr lang="pt-BR" sz="1100" b="1" dirty="0">
+                <a:solidFill>
+                  <a:srgbClr val="000000"/>
+                </a:solidFill>
+                <a:latin typeface="Consolas" panose="020B0609020204030204" pitchFamily="49" charset="0"/>
+              </a:rPr>
+              <a:t>, </a:t>
+            </a:r>
+            <a:r>
+              <a:rPr lang="pt-BR" sz="1100" b="1" dirty="0">
+                <a:solidFill>
+                  <a:srgbClr val="09885A"/>
+                </a:solidFill>
+                <a:latin typeface="Consolas" panose="020B0609020204030204" pitchFamily="49" charset="0"/>
+              </a:rPr>
+              <a:t>1</a:t>
+            </a:r>
+            <a:r>
+              <a:rPr lang="pt-BR" sz="1100" b="1" dirty="0">
+                <a:solidFill>
+                  <a:srgbClr val="000000"/>
+                </a:solidFill>
+                <a:latin typeface="Consolas" panose="020B0609020204030204" pitchFamily="49" charset="0"/>
+              </a:rPr>
+              <a:t>, </a:t>
+            </a:r>
+            <a:r>
+              <a:rPr lang="pt-BR" sz="1100" b="1" dirty="0">
+                <a:solidFill>
+                  <a:srgbClr val="09885A"/>
+                </a:solidFill>
+                <a:latin typeface="Consolas" panose="020B0609020204030204" pitchFamily="49" charset="0"/>
+              </a:rPr>
+              <a:t>7</a:t>
+            </a:r>
+            <a:r>
+              <a:rPr lang="pt-BR" sz="1100" b="1" dirty="0">
+                <a:solidFill>
+                  <a:srgbClr val="000000"/>
+                </a:solidFill>
+                <a:latin typeface="Consolas" panose="020B0609020204030204" pitchFamily="49" charset="0"/>
+              </a:rPr>
+              <a:t>]]]</a:t>
+            </a:r>
+            <a:endParaRPr lang="pt-BR" sz="1100" b="1" dirty="0">
+              <a:solidFill>
+                <a:srgbClr val="000000"/>
+              </a:solidFill>
+              <a:effectLst/>
+              <a:latin typeface="Consolas" panose="020B0609020204030204" pitchFamily="49" charset="0"/>
+            </a:endParaRPr>
+          </a:p>
+        </p:txBody>
+      </p:sp>
+      <p:sp>
+        <p:nvSpPr>
+          <p:cNvPr id="4" name="Βέλος: Δεξιό 3">
+            <a:extLst>
+              <a:ext uri="{FF2B5EF4-FFF2-40B4-BE49-F238E27FC236}">
+                <a16:creationId xmlns:a16="http://schemas.microsoft.com/office/drawing/2014/main" id="{FDC298CF-4F41-4870-BAF4-8D2AB3000C3D}"/>
+              </a:ext>
+            </a:extLst>
+          </p:cNvPr>
+          <p:cNvSpPr/>
+          <p:nvPr/>
+        </p:nvSpPr>
+        <p:spPr>
+          <a:xfrm>
+            <a:off x="7789626" y="4990898"/>
+            <a:ext cx="644160" cy="352828"/>
+          </a:xfrm>
+          <a:prstGeom prst="rightArrow">
+            <a:avLst/>
+          </a:prstGeom>
+        </p:spPr>
+        <p:style>
+          <a:lnRef idx="2">
+            <a:schemeClr val="accent1">
+              <a:shade val="50000"/>
+            </a:schemeClr>
+          </a:lnRef>
+          <a:fillRef idx="1">
+            <a:schemeClr val="accent1"/>
+          </a:fillRef>
+          <a:effectRef idx="0">
+            <a:schemeClr val="accent1"/>
+          </a:effectRef>
+          <a:fontRef idx="minor">
+            <a:schemeClr val="lt1"/>
+          </a:fontRef>
+        </p:style>
+        <p:txBody>
+          <a:bodyPr rtlCol="0" anchor="ctr"/>
+          <a:lstStyle/>
+          <a:p>
+            <a:pPr algn="ctr"/>
+            <a:endParaRPr lang="el-GR"/>
+          </a:p>
+        </p:txBody>
+      </p:sp>
     </p:spTree>
     <p:extLst>
       <p:ext uri="{BB962C8B-B14F-4D97-AF65-F5344CB8AC3E}">
@@ -12826,6 +14103,186 @@
   <p:clrMapOvr>
     <a:masterClrMapping/>
   </p:clrMapOvr>
+  <p:timing>
+    <p:tnLst>
+      <p:par>
+        <p:cTn id="1" dur="indefinite" restart="never" nodeType="tmRoot">
+          <p:childTnLst>
+            <p:seq concurrent="1" nextAc="seek">
+              <p:cTn id="2" dur="indefinite" nodeType="mainSeq">
+                <p:childTnLst>
+                  <p:par>
+                    <p:cTn id="3" fill="hold">
+                      <p:stCondLst>
+                        <p:cond delay="indefinite"/>
+                      </p:stCondLst>
+                      <p:childTnLst>
+                        <p:par>
+                          <p:cTn id="4" fill="hold">
+                            <p:stCondLst>
+                              <p:cond delay="0"/>
+                            </p:stCondLst>
+                            <p:childTnLst>
+                              <p:par>
+                                <p:cTn id="5" presetID="1" presetClass="entr" presetSubtype="0" fill="hold" grpId="0" nodeType="clickEffect">
+                                  <p:stCondLst>
+                                    <p:cond delay="0"/>
+                                  </p:stCondLst>
+                                  <p:childTnLst>
+                                    <p:set>
+                                      <p:cBhvr>
+                                        <p:cTn id="6" dur="1" fill="hold">
+                                          <p:stCondLst>
+                                            <p:cond delay="0"/>
+                                          </p:stCondLst>
+                                        </p:cTn>
+                                        <p:tgtEl>
+                                          <p:spTgt spid="4"/>
+                                        </p:tgtEl>
+                                        <p:attrNameLst>
+                                          <p:attrName>style.visibility</p:attrName>
+                                        </p:attrNameLst>
+                                      </p:cBhvr>
+                                      <p:to>
+                                        <p:strVal val="visible"/>
+                                      </p:to>
+                                    </p:set>
+                                  </p:childTnLst>
+                                </p:cTn>
+                              </p:par>
+                              <p:par>
+                                <p:cTn id="7" presetID="1" presetClass="entr" presetSubtype="0" fill="hold" grpId="0" nodeType="withEffect">
+                                  <p:stCondLst>
+                                    <p:cond delay="0"/>
+                                  </p:stCondLst>
+                                  <p:childTnLst>
+                                    <p:set>
+                                      <p:cBhvr>
+                                        <p:cTn id="8" dur="1" fill="hold">
+                                          <p:stCondLst>
+                                            <p:cond delay="0"/>
+                                          </p:stCondLst>
+                                        </p:cTn>
+                                        <p:tgtEl>
+                                          <p:spTgt spid="3"/>
+                                        </p:tgtEl>
+                                        <p:attrNameLst>
+                                          <p:attrName>style.visibility</p:attrName>
+                                        </p:attrNameLst>
+                                      </p:cBhvr>
+                                      <p:to>
+                                        <p:strVal val="visible"/>
+                                      </p:to>
+                                    </p:set>
+                                  </p:childTnLst>
+                                </p:cTn>
+                              </p:par>
+                            </p:childTnLst>
+                          </p:cTn>
+                        </p:par>
+                      </p:childTnLst>
+                    </p:cTn>
+                  </p:par>
+                  <p:par>
+                    <p:cTn id="9" fill="hold">
+                      <p:stCondLst>
+                        <p:cond delay="indefinite"/>
+                      </p:stCondLst>
+                      <p:childTnLst>
+                        <p:par>
+                          <p:cTn id="10" fill="hold">
+                            <p:stCondLst>
+                              <p:cond delay="0"/>
+                            </p:stCondLst>
+                            <p:childTnLst>
+                              <p:par>
+                                <p:cTn id="11" presetID="1" presetClass="entr" presetSubtype="0" fill="hold" grpId="0" nodeType="clickEffect">
+                                  <p:stCondLst>
+                                    <p:cond delay="0"/>
+                                  </p:stCondLst>
+                                  <p:childTnLst>
+                                    <p:set>
+                                      <p:cBhvr>
+                                        <p:cTn id="12" dur="1" fill="hold">
+                                          <p:stCondLst>
+                                            <p:cond delay="0"/>
+                                          </p:stCondLst>
+                                        </p:cTn>
+                                        <p:tgtEl>
+                                          <p:spTgt spid="7"/>
+                                        </p:tgtEl>
+                                        <p:attrNameLst>
+                                          <p:attrName>style.visibility</p:attrName>
+                                        </p:attrNameLst>
+                                      </p:cBhvr>
+                                      <p:to>
+                                        <p:strVal val="visible"/>
+                                      </p:to>
+                                    </p:set>
+                                  </p:childTnLst>
+                                </p:cTn>
+                              </p:par>
+                              <p:par>
+                                <p:cTn id="13" presetID="1" presetClass="entr" presetSubtype="0" fill="hold" grpId="0" nodeType="withEffect">
+                                  <p:stCondLst>
+                                    <p:cond delay="0"/>
+                                  </p:stCondLst>
+                                  <p:childTnLst>
+                                    <p:set>
+                                      <p:cBhvr>
+                                        <p:cTn id="14" dur="1" fill="hold">
+                                          <p:stCondLst>
+                                            <p:cond delay="0"/>
+                                          </p:stCondLst>
+                                        </p:cTn>
+                                        <p:tgtEl>
+                                          <p:spTgt spid="10"/>
+                                        </p:tgtEl>
+                                        <p:attrNameLst>
+                                          <p:attrName>style.visibility</p:attrName>
+                                        </p:attrNameLst>
+                                      </p:cBhvr>
+                                      <p:to>
+                                        <p:strVal val="visible"/>
+                                      </p:to>
+                                    </p:set>
+                                  </p:childTnLst>
+                                </p:cTn>
+                              </p:par>
+                            </p:childTnLst>
+                          </p:cTn>
+                        </p:par>
+                      </p:childTnLst>
+                    </p:cTn>
+                  </p:par>
+                </p:childTnLst>
+              </p:cTn>
+              <p:prevCondLst>
+                <p:cond evt="onPrev" delay="0">
+                  <p:tgtEl>
+                    <p:sldTgt/>
+                  </p:tgtEl>
+                </p:cond>
+              </p:prevCondLst>
+              <p:nextCondLst>
+                <p:cond evt="onNext" delay="0">
+                  <p:tgtEl>
+                    <p:sldTgt/>
+                  </p:tgtEl>
+                </p:cond>
+              </p:nextCondLst>
+            </p:seq>
+          </p:childTnLst>
+        </p:cTn>
+      </p:par>
+    </p:tnLst>
+    <p:bldLst>
+      <p:bldP spid="7" grpId="0" animBg="1"/>
+      <p:bldP spid="10" grpId="0" animBg="1"/>
+      <p:bldP spid="3" grpId="0"/>
+      <p:bldP spid="4" grpId="0" animBg="1"/>
+    </p:bldLst>
+  </p:timing>
 </p:sld>
 </file>
 
@@ -15941,7 +17398,7 @@
         </p:nvSpPr>
         <p:spPr>
           <a:xfrm>
-            <a:off x="532404" y="3691791"/>
+            <a:off x="638937" y="3691791"/>
             <a:ext cx="3130858" cy="1200329"/>
           </a:xfrm>
           <a:prstGeom prst="rect">
@@ -16317,7 +17774,7 @@
         </p:nvSpPr>
         <p:spPr>
           <a:xfrm>
-            <a:off x="5666912" y="3603910"/>
+            <a:off x="5773445" y="3603910"/>
             <a:ext cx="6096000" cy="1477328"/>
           </a:xfrm>
           <a:prstGeom prst="rect">
@@ -16825,7 +18282,7 @@
         </p:nvSpPr>
         <p:spPr>
           <a:xfrm>
-            <a:off x="4222313" y="3950165"/>
+            <a:off x="4328846" y="3950165"/>
             <a:ext cx="861134" cy="683580"/>
           </a:xfrm>
           <a:prstGeom prst="rightArrow">
@@ -16871,7 +18328,7 @@
         </p:nvSpPr>
         <p:spPr>
           <a:xfrm>
-            <a:off x="838200" y="5036850"/>
+            <a:off x="944733" y="5036850"/>
             <a:ext cx="2519266" cy="373225"/>
           </a:xfrm>
           <a:prstGeom prst="rect">
@@ -16923,7 +18380,7 @@
         </p:nvSpPr>
         <p:spPr>
           <a:xfrm>
-            <a:off x="3148878" y="3284307"/>
+            <a:off x="3255411" y="3284307"/>
             <a:ext cx="2719014" cy="369332"/>
           </a:xfrm>
           <a:prstGeom prst="rect">
@@ -17081,7 +18538,7 @@
         <p:spPr>
           <a:xfrm>
             <a:off x="3709386" y="1798920"/>
-            <a:ext cx="4773227" cy="4247317"/>
+            <a:ext cx="4773227" cy="3416320"/>
           </a:xfrm>
           <a:prstGeom prst="rect">
             <a:avLst/>
@@ -17366,61 +18823,9 @@
                 <a:effectLst/>
                 <a:latin typeface="Consolas" panose="020B0609020204030204" pitchFamily="49" charset="0"/>
               </a:rPr>
-              <a:t>    list = []</a:t>
-            </a:r>
-          </a:p>
-          <a:p>
-            <a:r>
-              <a:rPr lang="en-US" b="0" dirty="0">
-                <a:solidFill>
-                  <a:srgbClr val="000000"/>
-                </a:solidFill>
-                <a:effectLst/>
-                <a:latin typeface="Consolas" panose="020B0609020204030204" pitchFamily="49" charset="0"/>
-              </a:rPr>
               <a:t>    </a:t>
             </a:r>
             <a:r>
-              <a:rPr lang="en-US" b="0" dirty="0">
-                <a:solidFill>
-                  <a:srgbClr val="0000FF"/>
-                </a:solidFill>
-                <a:effectLst/>
-                <a:latin typeface="Consolas" panose="020B0609020204030204" pitchFamily="49" charset="0"/>
-              </a:rPr>
-              <a:t>for</a:t>
-            </a:r>
-            <a:r>
-              <a:rPr lang="en-US" b="0" dirty="0">
-                <a:solidFill>
-                  <a:srgbClr val="000000"/>
-                </a:solidFill>
-                <a:effectLst/>
-                <a:latin typeface="Consolas" panose="020B0609020204030204" pitchFamily="49" charset="0"/>
-              </a:rPr>
-              <a:t> v </a:t>
-            </a:r>
-            <a:r>
-              <a:rPr lang="en-US" b="0" dirty="0">
-                <a:solidFill>
-                  <a:srgbClr val="0000FF"/>
-                </a:solidFill>
-                <a:effectLst/>
-                <a:latin typeface="Consolas" panose="020B0609020204030204" pitchFamily="49" charset="0"/>
-              </a:rPr>
-              <a:t>in</a:t>
-            </a:r>
-            <a:r>
-              <a:rPr lang="en-US" b="0" dirty="0">
-                <a:solidFill>
-                  <a:srgbClr val="000000"/>
-                </a:solidFill>
-                <a:effectLst/>
-                <a:latin typeface="Consolas" panose="020B0609020204030204" pitchFamily="49" charset="0"/>
-              </a:rPr>
-              <a:t> </a:t>
-            </a:r>
-            <a:r>
               <a:rPr lang="en-US" b="0" dirty="0" err="1">
                 <a:solidFill>
                   <a:srgbClr val="000000"/>
@@ -17428,29 +18833,27 @@
                 <a:effectLst/>
                 <a:latin typeface="Consolas" panose="020B0609020204030204" pitchFamily="49" charset="0"/>
               </a:rPr>
-              <a:t>list_of_values</a:t>
-            </a:r>
-            <a:r>
-              <a:rPr lang="en-US" b="0" dirty="0">
-                <a:solidFill>
-                  <a:srgbClr val="000000"/>
-                </a:solidFill>
-                <a:effectLst/>
-                <a:latin typeface="Consolas" panose="020B0609020204030204" pitchFamily="49" charset="0"/>
-              </a:rPr>
-              <a:t>:</a:t>
-            </a:r>
-          </a:p>
-          <a:p>
-            <a:r>
-              <a:rPr lang="en-US" b="0" dirty="0">
-                <a:solidFill>
-                  <a:srgbClr val="000000"/>
-                </a:solidFill>
-                <a:effectLst/>
-                <a:latin typeface="Consolas" panose="020B0609020204030204" pitchFamily="49" charset="0"/>
-              </a:rPr>
-              <a:t>      </a:t>
+              <a:t>mr.emit</a:t>
+            </a:r>
+            <a:r>
+              <a:rPr lang="en-US" b="0" dirty="0">
+                <a:solidFill>
+                  <a:srgbClr val="000000"/>
+                </a:solidFill>
+                <a:effectLst/>
+                <a:latin typeface="Consolas" panose="020B0609020204030204" pitchFamily="49" charset="0"/>
+              </a:rPr>
+              <a:t>((key, list</a:t>
+            </a:r>
+            <a:r>
+              <a:rPr lang="el-GR" b="0" dirty="0">
+                <a:solidFill>
+                  <a:srgbClr val="000000"/>
+                </a:solidFill>
+                <a:effectLst/>
+                <a:latin typeface="Consolas" panose="020B0609020204030204" pitchFamily="49" charset="0"/>
+              </a:rPr>
+              <a:t>_</a:t>
             </a:r>
             <a:r>
               <a:rPr lang="en-US" b="0" dirty="0" err="1">
@@ -17460,49 +18863,17 @@
                 <a:effectLst/>
                 <a:latin typeface="Consolas" panose="020B0609020204030204" pitchFamily="49" charset="0"/>
               </a:rPr>
-              <a:t>list.append</a:t>
-            </a:r>
-            <a:r>
-              <a:rPr lang="en-US" b="0" dirty="0">
-                <a:solidFill>
-                  <a:srgbClr val="000000"/>
-                </a:solidFill>
-                <a:effectLst/>
-                <a:latin typeface="Consolas" panose="020B0609020204030204" pitchFamily="49" charset="0"/>
-              </a:rPr>
-              <a:t>(v)</a:t>
-            </a:r>
-          </a:p>
-          <a:p>
-            <a:r>
-              <a:rPr lang="en-US" b="0" dirty="0">
-                <a:solidFill>
-                  <a:srgbClr val="000000"/>
-                </a:solidFill>
-                <a:effectLst/>
-                <a:latin typeface="Consolas" panose="020B0609020204030204" pitchFamily="49" charset="0"/>
-              </a:rPr>
-              <a:t>    </a:t>
-            </a:r>
-            <a:r>
-              <a:rPr lang="en-US" b="0" dirty="0" err="1">
-                <a:solidFill>
-                  <a:srgbClr val="000000"/>
-                </a:solidFill>
-                <a:effectLst/>
-                <a:latin typeface="Consolas" panose="020B0609020204030204" pitchFamily="49" charset="0"/>
-              </a:rPr>
-              <a:t>mr.emit</a:t>
-            </a:r>
-            <a:r>
-              <a:rPr lang="en-US" b="0" dirty="0">
-                <a:solidFill>
-                  <a:srgbClr val="000000"/>
-                </a:solidFill>
-                <a:effectLst/>
-                <a:latin typeface="Consolas" panose="020B0609020204030204" pitchFamily="49" charset="0"/>
-              </a:rPr>
-              <a:t>((key, list))</a:t>
+              <a:t>of_values</a:t>
+            </a:r>
+            <a:r>
+              <a:rPr lang="en-US" b="0" dirty="0">
+                <a:solidFill>
+                  <a:srgbClr val="000000"/>
+                </a:solidFill>
+                <a:effectLst/>
+                <a:latin typeface="Consolas" panose="020B0609020204030204" pitchFamily="49" charset="0"/>
+              </a:rPr>
+              <a:t>))</a:t>
             </a:r>
           </a:p>
           <a:p>
@@ -19283,21 +20654,40 @@
                 <a:effectLst/>
                 <a:latin typeface="Consolas" panose="020B0609020204030204" pitchFamily="49" charset="0"/>
               </a:rPr>
-              <a:t>    order = []</a:t>
-            </a:r>
-          </a:p>
-          <a:p>
-            <a:r>
-              <a:rPr lang="en-US" b="0" dirty="0">
-                <a:solidFill>
-                  <a:srgbClr val="000000"/>
-                </a:solidFill>
-                <a:effectLst/>
-                <a:latin typeface="Consolas" panose="020B0609020204030204" pitchFamily="49" charset="0"/>
-              </a:rPr>
               <a:t>    </a:t>
             </a:r>
             <a:r>
+              <a:rPr lang="en-US" dirty="0">
+                <a:solidFill>
+                  <a:srgbClr val="000000"/>
+                </a:solidFill>
+                <a:latin typeface="Consolas" panose="020B0609020204030204" pitchFamily="49" charset="0"/>
+              </a:rPr>
+              <a:t>row</a:t>
+            </a:r>
+            <a:r>
+              <a:rPr lang="en-US" b="0" dirty="0">
+                <a:solidFill>
+                  <a:srgbClr val="000000"/>
+                </a:solidFill>
+                <a:effectLst/>
+                <a:latin typeface="Consolas" panose="020B0609020204030204" pitchFamily="49" charset="0"/>
+              </a:rPr>
+              <a:t> = []</a:t>
+            </a:r>
+          </a:p>
+          <a:p>
+            <a:r>
+              <a:rPr lang="en-US" b="0" dirty="0">
+                <a:solidFill>
+                  <a:srgbClr val="000000"/>
+                </a:solidFill>
+                <a:effectLst/>
+                <a:latin typeface="Consolas" panose="020B0609020204030204" pitchFamily="49" charset="0"/>
+              </a:rPr>
+              <a:t>    </a:t>
+            </a:r>
+            <a:r>
               <a:rPr lang="en-US" b="0" dirty="0">
                 <a:solidFill>
                   <a:srgbClr val="0000FF"/>
@@ -19315,7 +20705,7 @@
                 <a:effectLst/>
                 <a:latin typeface="Consolas" panose="020B0609020204030204" pitchFamily="49" charset="0"/>
               </a:rPr>
-              <a:t> value </a:t>
+              <a:t> record </a:t>
             </a:r>
             <a:r>
               <a:rPr lang="en-US" b="0" dirty="0">
@@ -19387,7 +20777,7 @@
                 <a:effectLst/>
                 <a:latin typeface="Consolas" panose="020B0609020204030204" pitchFamily="49" charset="0"/>
               </a:rPr>
-              <a:t> value[</a:t>
+              <a:t> record[</a:t>
             </a:r>
             <a:r>
               <a:rPr lang="en-US" b="0" dirty="0">
@@ -19439,7 +20829,7 @@
                 <a:effectLst/>
                 <a:latin typeface="Consolas" panose="020B0609020204030204" pitchFamily="49" charset="0"/>
               </a:rPr>
-              <a:t>            order=value</a:t>
+              <a:t>            row=record</a:t>
             </a:r>
           </a:p>
           <a:p>
@@ -19513,7 +20903,7 @@
                 <a:effectLst/>
                 <a:latin typeface="Consolas" panose="020B0609020204030204" pitchFamily="49" charset="0"/>
               </a:rPr>
-              <a:t>order+value</a:t>
+              <a:t>row+record</a:t>
             </a:r>
             <a:r>
               <a:rPr lang="en-US" b="0" dirty="0">

--- a/05. Map Reduce παραδείγματα.pptx
+++ b/05. Map Reduce παραδείγματα.pptx
@@ -5,7 +5,7 @@
     <p:sldMasterId id="2147483648" r:id="rId1"/>
   </p:sldMasterIdLst>
   <p:notesMasterIdLst>
-    <p:notesMasterId r:id="rId20"/>
+    <p:notesMasterId r:id="rId21"/>
   </p:notesMasterIdLst>
   <p:sldIdLst>
     <p:sldId id="256" r:id="rId2"/>
@@ -26,6 +26,7 @@
     <p:sldId id="271" r:id="rId17"/>
     <p:sldId id="273" r:id="rId18"/>
     <p:sldId id="272" r:id="rId19"/>
+    <p:sldId id="274" r:id="rId20"/>
   </p:sldIdLst>
   <p:sldSz cx="12192000" cy="6858000"/>
   <p:notesSz cx="6858000" cy="9144000"/>
@@ -214,7 +215,7 @@
           <a:p>
             <a:fld id="{4BB23C5E-D2A1-436A-9C05-1A4AA2518BB1}" type="datetimeFigureOut">
               <a:rPr lang="el-GR" smtClean="0"/>
-              <a:t>29/10/2019</a:t>
+              <a:t>11/5/2020</a:t>
             </a:fld>
             <a:endParaRPr lang="el-GR"/>
           </a:p>
@@ -628,7 +629,7 @@
           <a:p>
             <a:fld id="{5F4E8635-A364-4D56-A16B-E41E9FA091F6}" type="datetime1">
               <a:rPr lang="el-GR" smtClean="0"/>
-              <a:t>29/10/2019</a:t>
+              <a:t>11/5/2020</a:t>
             </a:fld>
             <a:endParaRPr lang="el-GR"/>
           </a:p>
@@ -826,7 +827,7 @@
           <a:p>
             <a:fld id="{4E131DBA-F5D1-489B-8C02-BDD2B35EB4DE}" type="datetime1">
               <a:rPr lang="el-GR" smtClean="0"/>
-              <a:t>29/10/2019</a:t>
+              <a:t>11/5/2020</a:t>
             </a:fld>
             <a:endParaRPr lang="el-GR"/>
           </a:p>
@@ -1034,7 +1035,7 @@
           <a:p>
             <a:fld id="{0DA43FA4-BCCB-4028-8472-A7034677EE97}" type="datetime1">
               <a:rPr lang="el-GR" smtClean="0"/>
-              <a:t>29/10/2019</a:t>
+              <a:t>11/5/2020</a:t>
             </a:fld>
             <a:endParaRPr lang="el-GR"/>
           </a:p>
@@ -1232,7 +1233,7 @@
           <a:p>
             <a:fld id="{CF3DFA95-DECF-422D-A72A-3E4173CD611C}" type="datetime1">
               <a:rPr lang="el-GR" smtClean="0"/>
-              <a:t>29/10/2019</a:t>
+              <a:t>11/5/2020</a:t>
             </a:fld>
             <a:endParaRPr lang="el-GR"/>
           </a:p>
@@ -1507,7 +1508,7 @@
           <a:p>
             <a:fld id="{C65D9C0E-E7DA-4274-A5E0-0DF4F330584E}" type="datetime1">
               <a:rPr lang="el-GR" smtClean="0"/>
-              <a:t>29/10/2019</a:t>
+              <a:t>11/5/2020</a:t>
             </a:fld>
             <a:endParaRPr lang="el-GR"/>
           </a:p>
@@ -1772,7 +1773,7 @@
           <a:p>
             <a:fld id="{08D726C5-1810-4B12-9D44-2BE5A139C34C}" type="datetime1">
               <a:rPr lang="el-GR" smtClean="0"/>
-              <a:t>29/10/2019</a:t>
+              <a:t>11/5/2020</a:t>
             </a:fld>
             <a:endParaRPr lang="el-GR"/>
           </a:p>
@@ -2184,7 +2185,7 @@
           <a:p>
             <a:fld id="{D4C681F9-A035-4BC9-A256-BA38B1B94BD3}" type="datetime1">
               <a:rPr lang="el-GR" smtClean="0"/>
-              <a:t>29/10/2019</a:t>
+              <a:t>11/5/2020</a:t>
             </a:fld>
             <a:endParaRPr lang="el-GR"/>
           </a:p>
@@ -2325,7 +2326,7 @@
           <a:p>
             <a:fld id="{51E73F00-DF2E-4672-B5AF-F4AF52D2EC7F}" type="datetime1">
               <a:rPr lang="el-GR" smtClean="0"/>
-              <a:t>29/10/2019</a:t>
+              <a:t>11/5/2020</a:t>
             </a:fld>
             <a:endParaRPr lang="el-GR"/>
           </a:p>
@@ -2438,7 +2439,7 @@
           <a:p>
             <a:fld id="{E68DEB75-453B-4A1B-B5DC-E4E3985DEC3A}" type="datetime1">
               <a:rPr lang="el-GR" smtClean="0"/>
-              <a:t>29/10/2019</a:t>
+              <a:t>11/5/2020</a:t>
             </a:fld>
             <a:endParaRPr lang="el-GR"/>
           </a:p>
@@ -2749,7 +2750,7 @@
           <a:p>
             <a:fld id="{4DC479BF-546D-4727-B394-515D724753B0}" type="datetime1">
               <a:rPr lang="el-GR" smtClean="0"/>
-              <a:t>29/10/2019</a:t>
+              <a:t>11/5/2020</a:t>
             </a:fld>
             <a:endParaRPr lang="el-GR"/>
           </a:p>
@@ -3037,7 +3038,7 @@
           <a:p>
             <a:fld id="{272D9275-AEAC-4CC7-8959-F7BF56D76948}" type="datetime1">
               <a:rPr lang="el-GR" smtClean="0"/>
-              <a:t>29/10/2019</a:t>
+              <a:t>11/5/2020</a:t>
             </a:fld>
             <a:endParaRPr lang="el-GR"/>
           </a:p>
@@ -3278,7 +3279,7 @@
           <a:p>
             <a:fld id="{78626D7C-F468-4B9B-A189-8D8CEE015935}" type="datetime1">
               <a:rPr lang="el-GR" smtClean="0"/>
-              <a:t>29/10/2019</a:t>
+              <a:t>11/5/2020</a:t>
             </a:fld>
             <a:endParaRPr lang="el-GR"/>
           </a:p>
@@ -4060,7 +4061,7 @@
                 <a:ea typeface="+mn-ea"/>
                 <a:cs typeface="+mn-cs"/>
               </a:rPr>
-              <a:t>29/10/2019</a:t>
+              <a:t>11/05/2020</a:t>
             </a:r>
           </a:p>
           <a:p>
@@ -11493,7 +11494,7 @@
               <a:rPr lang="el-GR" smtClean="0"/>
               <a:t>18</a:t>
             </a:fld>
-            <a:endParaRPr lang="el-GR"/>
+            <a:endParaRPr lang="el-GR" dirty="0"/>
           </a:p>
         </p:txBody>
       </p:sp>
@@ -11512,7 +11513,7 @@
         <p:spPr>
           <a:xfrm>
             <a:off x="410365" y="1858481"/>
-            <a:ext cx="7277697" cy="4524315"/>
+            <a:ext cx="7277697" cy="4247317"/>
           </a:xfrm>
           <a:prstGeom prst="rect">
             <a:avLst/>
@@ -11644,38 +11645,6 @@
                 <a:latin typeface="Consolas" panose="020B0609020204030204" pitchFamily="49" charset="0"/>
               </a:rPr>
               <a:t> mapper(record):</a:t>
-            </a:r>
-          </a:p>
-          <a:p>
-            <a:r>
-              <a:rPr lang="en-US" b="0" dirty="0">
-                <a:solidFill>
-                  <a:srgbClr val="000000"/>
-                </a:solidFill>
-                <a:effectLst/>
-                <a:latin typeface="Consolas" panose="020B0609020204030204" pitchFamily="49" charset="0"/>
-              </a:rPr>
-              <a:t>    key = record[</a:t>
-            </a:r>
-            <a:r>
-              <a:rPr lang="en-US" b="0" dirty="0">
-                <a:solidFill>
-                  <a:srgbClr val="09885A"/>
-                </a:solidFill>
-                <a:effectLst/>
-                <a:latin typeface="Consolas" panose="020B0609020204030204" pitchFamily="49" charset="0"/>
-              </a:rPr>
-              <a:t>0</a:t>
-            </a:r>
-            <a:r>
-              <a:rPr lang="en-US" b="0" dirty="0">
-                <a:solidFill>
-                  <a:srgbClr val="000000"/>
-                </a:solidFill>
-                <a:effectLst/>
-                <a:latin typeface="Consolas" panose="020B0609020204030204" pitchFamily="49" charset="0"/>
-              </a:rPr>
-              <a:t>]</a:t>
             </a:r>
           </a:p>
           <a:p>
@@ -14093,6 +14062,36 @@
           </a:p>
         </p:txBody>
       </p:sp>
+      <p:pic>
+        <p:nvPicPr>
+          <p:cNvPr id="8" name="Εικόνα 7">
+            <a:extLst>
+              <a:ext uri="{FF2B5EF4-FFF2-40B4-BE49-F238E27FC236}">
+                <a16:creationId xmlns:a16="http://schemas.microsoft.com/office/drawing/2014/main" id="{A5C989A1-E8D7-411F-B41D-A10001E37AEC}"/>
+              </a:ext>
+            </a:extLst>
+          </p:cNvPr>
+          <p:cNvPicPr>
+            <a:picLocks noChangeAspect="1"/>
+          </p:cNvPicPr>
+          <p:nvPr/>
+        </p:nvPicPr>
+        <p:blipFill>
+          <a:blip r:embed="rId2"/>
+          <a:stretch>
+            <a:fillRect/>
+          </a:stretch>
+        </p:blipFill>
+        <p:spPr>
+          <a:xfrm>
+            <a:off x="8082642" y="457081"/>
+            <a:ext cx="3606014" cy="928149"/>
+          </a:xfrm>
+          <a:prstGeom prst="rect">
+            <a:avLst/>
+          </a:prstGeom>
+        </p:spPr>
+      </p:pic>
     </p:spTree>
     <p:extLst>
       <p:ext uri="{BB962C8B-B14F-4D97-AF65-F5344CB8AC3E}">
@@ -14283,6 +14282,135 @@
       <p:bldP spid="4" grpId="0" animBg="1"/>
     </p:bldLst>
   </p:timing>
+</p:sld>
+</file>
+
+<file path=ppt/slides/slide19.xml><?xml version="1.0" encoding="utf-8"?>
+<p:sld xmlns:a="http://schemas.openxmlformats.org/drawingml/2006/main" xmlns:r="http://schemas.openxmlformats.org/officeDocument/2006/relationships" xmlns:p="http://schemas.openxmlformats.org/presentationml/2006/main">
+  <p:cSld>
+    <p:spTree>
+      <p:nvGrpSpPr>
+        <p:cNvPr id="1" name=""/>
+        <p:cNvGrpSpPr/>
+        <p:nvPr/>
+      </p:nvGrpSpPr>
+      <p:grpSpPr>
+        <a:xfrm>
+          <a:off x="0" y="0"/>
+          <a:ext cx="0" cy="0"/>
+          <a:chOff x="0" y="0"/>
+          <a:chExt cx="0" cy="0"/>
+        </a:xfrm>
+      </p:grpSpPr>
+      <p:sp>
+        <p:nvSpPr>
+          <p:cNvPr id="2" name="Τίτλος 1">
+            <a:extLst>
+              <a:ext uri="{FF2B5EF4-FFF2-40B4-BE49-F238E27FC236}">
+                <a16:creationId xmlns:a16="http://schemas.microsoft.com/office/drawing/2014/main" id="{A679B039-F170-4017-ABEE-92BCA3B2EE68}"/>
+              </a:ext>
+            </a:extLst>
+          </p:cNvPr>
+          <p:cNvSpPr>
+            <a:spLocks noGrp="1"/>
+          </p:cNvSpPr>
+          <p:nvPr>
+            <p:ph type="title"/>
+          </p:nvPr>
+        </p:nvSpPr>
+        <p:spPr/>
+        <p:txBody>
+          <a:bodyPr/>
+          <a:lstStyle/>
+          <a:p>
+            <a:r>
+              <a:rPr lang="el-GR" dirty="0"/>
+              <a:t>Αναφορές</a:t>
+            </a:r>
+          </a:p>
+        </p:txBody>
+      </p:sp>
+      <p:sp>
+        <p:nvSpPr>
+          <p:cNvPr id="4" name="Θέση περιεχομένου 3">
+            <a:extLst>
+              <a:ext uri="{FF2B5EF4-FFF2-40B4-BE49-F238E27FC236}">
+                <a16:creationId xmlns:a16="http://schemas.microsoft.com/office/drawing/2014/main" id="{672F0AFA-1AFC-4F0A-B162-41E5B372107A}"/>
+              </a:ext>
+            </a:extLst>
+          </p:cNvPr>
+          <p:cNvSpPr>
+            <a:spLocks noGrp="1"/>
+          </p:cNvSpPr>
+          <p:nvPr>
+            <p:ph idx="1"/>
+          </p:nvPr>
+        </p:nvSpPr>
+        <p:spPr/>
+        <p:txBody>
+          <a:bodyPr/>
+          <a:lstStyle/>
+          <a:p>
+            <a:r>
+              <a:rPr lang="en-US" dirty="0"/>
+              <a:t>Coursera. Data Manipulation at Scale: Systems and Algorithms by University of Washington (Bill Howe)</a:t>
+            </a:r>
+          </a:p>
+          <a:p>
+            <a:r>
+              <a:rPr lang="en-US" dirty="0">
+                <a:hlinkClick r:id="rId2"/>
+              </a:rPr>
+              <a:t>https://hadoop.apache.org/docs/current/hadoop-mapreduce-client/hadoop-mapreduce-client-core/MapReduceTutorial.html</a:t>
+            </a:r>
+            <a:endParaRPr lang="en-US" dirty="0">
+              <a:hlinkClick r:id="rId3"/>
+            </a:endParaRPr>
+          </a:p>
+          <a:p>
+            <a:endParaRPr lang="el-GR" dirty="0"/>
+          </a:p>
+        </p:txBody>
+      </p:sp>
+      <p:sp>
+        <p:nvSpPr>
+          <p:cNvPr id="3" name="Θέση αριθμού διαφάνειας 2">
+            <a:extLst>
+              <a:ext uri="{FF2B5EF4-FFF2-40B4-BE49-F238E27FC236}">
+                <a16:creationId xmlns:a16="http://schemas.microsoft.com/office/drawing/2014/main" id="{B58CAB1B-C233-4EA7-8E52-F315D2C5F99A}"/>
+              </a:ext>
+            </a:extLst>
+          </p:cNvPr>
+          <p:cNvSpPr>
+            <a:spLocks noGrp="1"/>
+          </p:cNvSpPr>
+          <p:nvPr>
+            <p:ph type="sldNum" sz="quarter" idx="12"/>
+          </p:nvPr>
+        </p:nvSpPr>
+        <p:spPr/>
+        <p:txBody>
+          <a:bodyPr/>
+          <a:lstStyle/>
+          <a:p>
+            <a:fld id="{3C0D2874-9FE3-403B-82C8-3DB60AEBAF49}" type="slidenum">
+              <a:rPr lang="el-GR" smtClean="0"/>
+              <a:t>19</a:t>
+            </a:fld>
+            <a:endParaRPr lang="el-GR"/>
+          </a:p>
+        </p:txBody>
+      </p:sp>
+    </p:spTree>
+    <p:extLst>
+      <p:ext uri="{BB962C8B-B14F-4D97-AF65-F5344CB8AC3E}">
+        <p14:creationId xmlns:p14="http://schemas.microsoft.com/office/powerpoint/2010/main" val="3374282458"/>
+      </p:ext>
+    </p:extLst>
+  </p:cSld>
+  <p:clrMapOvr>
+    <a:masterClrMapping/>
+  </p:clrMapOvr>
 </p:sld>
 </file>
 

--- a/05. Map Reduce παραδείγματα.pptx
+++ b/05. Map Reduce παραδείγματα.pptx
@@ -5,7 +5,7 @@
     <p:sldMasterId id="2147483648" r:id="rId1"/>
   </p:sldMasterIdLst>
   <p:notesMasterIdLst>
-    <p:notesMasterId r:id="rId21"/>
+    <p:notesMasterId r:id="rId22"/>
   </p:notesMasterIdLst>
   <p:sldIdLst>
     <p:sldId id="256" r:id="rId2"/>
@@ -26,7 +26,8 @@
     <p:sldId id="271" r:id="rId17"/>
     <p:sldId id="273" r:id="rId18"/>
     <p:sldId id="272" r:id="rId19"/>
-    <p:sldId id="274" r:id="rId20"/>
+    <p:sldId id="275" r:id="rId20"/>
+    <p:sldId id="274" r:id="rId21"/>
   </p:sldIdLst>
   <p:sldSz cx="12192000" cy="6858000"/>
   <p:notesSz cx="6858000" cy="9144000"/>
@@ -215,7 +216,7 @@
           <a:p>
             <a:fld id="{4BB23C5E-D2A1-436A-9C05-1A4AA2518BB1}" type="datetimeFigureOut">
               <a:rPr lang="el-GR" smtClean="0"/>
-              <a:t>11/5/2020</a:t>
+              <a:t>17/5/2020</a:t>
             </a:fld>
             <a:endParaRPr lang="el-GR"/>
           </a:p>
@@ -482,6 +483,106 @@
 </p:notesMaster>
 </file>
 
+<file path=ppt/notesSlides/notesSlide1.xml><?xml version="1.0" encoding="utf-8"?>
+<p:notes xmlns:a="http://schemas.openxmlformats.org/drawingml/2006/main" xmlns:r="http://schemas.openxmlformats.org/officeDocument/2006/relationships" xmlns:p="http://schemas.openxmlformats.org/presentationml/2006/main">
+  <p:cSld>
+    <p:spTree>
+      <p:nvGrpSpPr>
+        <p:cNvPr id="1" name=""/>
+        <p:cNvGrpSpPr/>
+        <p:nvPr/>
+      </p:nvGrpSpPr>
+      <p:grpSpPr>
+        <a:xfrm>
+          <a:off x="0" y="0"/>
+          <a:ext cx="0" cy="0"/>
+          <a:chOff x="0" y="0"/>
+          <a:chExt cx="0" cy="0"/>
+        </a:xfrm>
+      </p:grpSpPr>
+      <p:sp>
+        <p:nvSpPr>
+          <p:cNvPr id="2" name="Θέση εικόνας διαφάνειας 1"/>
+          <p:cNvSpPr>
+            <a:spLocks noGrp="1" noRot="1" noChangeAspect="1"/>
+          </p:cNvSpPr>
+          <p:nvPr>
+            <p:ph type="sldImg"/>
+          </p:nvPr>
+        </p:nvSpPr>
+        <p:spPr/>
+      </p:sp>
+      <p:sp>
+        <p:nvSpPr>
+          <p:cNvPr id="3" name="Θέση σημειώσεων 2"/>
+          <p:cNvSpPr>
+            <a:spLocks noGrp="1"/>
+          </p:cNvSpPr>
+          <p:nvPr>
+            <p:ph type="body" idx="1"/>
+          </p:nvPr>
+        </p:nvSpPr>
+        <p:spPr/>
+        <p:txBody>
+          <a:bodyPr/>
+          <a:lstStyle/>
+          <a:p>
+            <a:r>
+              <a:rPr lang="el-GR" dirty="0"/>
+              <a:t>Υλοποίηση του </a:t>
+            </a:r>
+            <a:r>
+              <a:rPr lang="en-US" dirty="0"/>
+              <a:t>reducer </a:t>
+            </a:r>
+            <a:r>
+              <a:rPr lang="el-GR" dirty="0"/>
+              <a:t>με χρήση </a:t>
+            </a:r>
+            <a:r>
+              <a:rPr lang="en-US" dirty="0"/>
+              <a:t>dictionary</a:t>
+            </a:r>
+            <a:endParaRPr lang="el-GR" dirty="0"/>
+          </a:p>
+        </p:txBody>
+      </p:sp>
+      <p:sp>
+        <p:nvSpPr>
+          <p:cNvPr id="4" name="Θέση αριθμού διαφάνειας 3"/>
+          <p:cNvSpPr>
+            <a:spLocks noGrp="1"/>
+          </p:cNvSpPr>
+          <p:nvPr>
+            <p:ph type="sldNum" sz="quarter" idx="5"/>
+          </p:nvPr>
+        </p:nvSpPr>
+        <p:spPr/>
+        <p:txBody>
+          <a:bodyPr/>
+          <a:lstStyle/>
+          <a:p>
+            <a:fld id="{31155281-851B-47EB-AEDF-B29BD884EACA}" type="slidenum">
+              <a:rPr lang="el-GR" smtClean="0"/>
+              <a:t>19</a:t>
+            </a:fld>
+            <a:endParaRPr lang="el-GR"/>
+          </a:p>
+        </p:txBody>
+      </p:sp>
+    </p:spTree>
+    <p:extLst>
+      <p:ext uri="{BB962C8B-B14F-4D97-AF65-F5344CB8AC3E}">
+        <p14:creationId xmlns:p14="http://schemas.microsoft.com/office/powerpoint/2010/main" val="1730855988"/>
+      </p:ext>
+    </p:extLst>
+  </p:cSld>
+  <p:clrMapOvr>
+    <a:masterClrMapping/>
+  </p:clrMapOvr>
+</p:notes>
+</file>
+
 <file path=ppt/slideLayouts/slideLayout1.xml><?xml version="1.0" encoding="utf-8"?>
 <p:sldLayout xmlns:a="http://schemas.openxmlformats.org/drawingml/2006/main" xmlns:r="http://schemas.openxmlformats.org/officeDocument/2006/relationships" xmlns:p="http://schemas.openxmlformats.org/presentationml/2006/main" type="title" preserve="1">
   <p:cSld name="Διαφάνεια τίτλου">
@@ -629,7 +730,7 @@
           <a:p>
             <a:fld id="{5F4E8635-A364-4D56-A16B-E41E9FA091F6}" type="datetime1">
               <a:rPr lang="el-GR" smtClean="0"/>
-              <a:t>11/5/2020</a:t>
+              <a:t>17/5/2020</a:t>
             </a:fld>
             <a:endParaRPr lang="el-GR"/>
           </a:p>
@@ -827,7 +928,7 @@
           <a:p>
             <a:fld id="{4E131DBA-F5D1-489B-8C02-BDD2B35EB4DE}" type="datetime1">
               <a:rPr lang="el-GR" smtClean="0"/>
-              <a:t>11/5/2020</a:t>
+              <a:t>17/5/2020</a:t>
             </a:fld>
             <a:endParaRPr lang="el-GR"/>
           </a:p>
@@ -1035,7 +1136,7 @@
           <a:p>
             <a:fld id="{0DA43FA4-BCCB-4028-8472-A7034677EE97}" type="datetime1">
               <a:rPr lang="el-GR" smtClean="0"/>
-              <a:t>11/5/2020</a:t>
+              <a:t>17/5/2020</a:t>
             </a:fld>
             <a:endParaRPr lang="el-GR"/>
           </a:p>
@@ -1233,7 +1334,7 @@
           <a:p>
             <a:fld id="{CF3DFA95-DECF-422D-A72A-3E4173CD611C}" type="datetime1">
               <a:rPr lang="el-GR" smtClean="0"/>
-              <a:t>11/5/2020</a:t>
+              <a:t>17/5/2020</a:t>
             </a:fld>
             <a:endParaRPr lang="el-GR"/>
           </a:p>
@@ -1508,7 +1609,7 @@
           <a:p>
             <a:fld id="{C65D9C0E-E7DA-4274-A5E0-0DF4F330584E}" type="datetime1">
               <a:rPr lang="el-GR" smtClean="0"/>
-              <a:t>11/5/2020</a:t>
+              <a:t>17/5/2020</a:t>
             </a:fld>
             <a:endParaRPr lang="el-GR"/>
           </a:p>
@@ -1773,7 +1874,7 @@
           <a:p>
             <a:fld id="{08D726C5-1810-4B12-9D44-2BE5A139C34C}" type="datetime1">
               <a:rPr lang="el-GR" smtClean="0"/>
-              <a:t>11/5/2020</a:t>
+              <a:t>17/5/2020</a:t>
             </a:fld>
             <a:endParaRPr lang="el-GR"/>
           </a:p>
@@ -2185,7 +2286,7 @@
           <a:p>
             <a:fld id="{D4C681F9-A035-4BC9-A256-BA38B1B94BD3}" type="datetime1">
               <a:rPr lang="el-GR" smtClean="0"/>
-              <a:t>11/5/2020</a:t>
+              <a:t>17/5/2020</a:t>
             </a:fld>
             <a:endParaRPr lang="el-GR"/>
           </a:p>
@@ -2326,7 +2427,7 @@
           <a:p>
             <a:fld id="{51E73F00-DF2E-4672-B5AF-F4AF52D2EC7F}" type="datetime1">
               <a:rPr lang="el-GR" smtClean="0"/>
-              <a:t>11/5/2020</a:t>
+              <a:t>17/5/2020</a:t>
             </a:fld>
             <a:endParaRPr lang="el-GR"/>
           </a:p>
@@ -2439,7 +2540,7 @@
           <a:p>
             <a:fld id="{E68DEB75-453B-4A1B-B5DC-E4E3985DEC3A}" type="datetime1">
               <a:rPr lang="el-GR" smtClean="0"/>
-              <a:t>11/5/2020</a:t>
+              <a:t>17/5/2020</a:t>
             </a:fld>
             <a:endParaRPr lang="el-GR"/>
           </a:p>
@@ -2750,7 +2851,7 @@
           <a:p>
             <a:fld id="{4DC479BF-546D-4727-B394-515D724753B0}" type="datetime1">
               <a:rPr lang="el-GR" smtClean="0"/>
-              <a:t>11/5/2020</a:t>
+              <a:t>17/5/2020</a:t>
             </a:fld>
             <a:endParaRPr lang="el-GR"/>
           </a:p>
@@ -3038,7 +3139,7 @@
           <a:p>
             <a:fld id="{272D9275-AEAC-4CC7-8959-F7BF56D76948}" type="datetime1">
               <a:rPr lang="el-GR" smtClean="0"/>
-              <a:t>11/5/2020</a:t>
+              <a:t>17/5/2020</a:t>
             </a:fld>
             <a:endParaRPr lang="el-GR"/>
           </a:p>
@@ -3279,7 +3380,7 @@
           <a:p>
             <a:fld id="{78626D7C-F468-4B9B-A189-8D8CEE015935}" type="datetime1">
               <a:rPr lang="el-GR" smtClean="0"/>
-              <a:t>11/5/2020</a:t>
+              <a:t>17/5/2020</a:t>
             </a:fld>
             <a:endParaRPr lang="el-GR"/>
           </a:p>
@@ -8077,7 +8178,9 @@
         </p:nvSpPr>
         <p:spPr/>
         <p:txBody>
-          <a:bodyPr/>
+          <a:bodyPr>
+            <a:normAutofit/>
+          </a:bodyPr>
           <a:lstStyle/>
           <a:p>
             <a:r>
@@ -8098,24 +8201,36 @@
             </a:r>
             <a:r>
               <a:rPr lang="el-GR" dirty="0"/>
-              <a:t>σε μορφή αραιού πίνακα (κάθε μη μηδενική τιμή καταγράφεται ως τριάδα: </a:t>
-            </a:r>
-            <a:r>
-              <a:rPr lang="en-US" dirty="0"/>
+              <a:t>σε μορφή αραιών πινάκων, δηλαδή </a:t>
+            </a:r>
+            <a:r>
+              <a:rPr lang="el-GR" u="sng" dirty="0"/>
+              <a:t>κάθε μη μηδενική τιμή </a:t>
+            </a:r>
+            <a:r>
+              <a:rPr lang="el-GR" dirty="0"/>
+              <a:t>καταγράφεται ως τριάδα: </a:t>
+            </a:r>
+            <a:br>
+              <a:rPr lang="el-GR" dirty="0"/>
+            </a:br>
+            <a:r>
+              <a:rPr lang="en-US" sz="1800" dirty="0"/>
               <a:t>&lt;</a:t>
             </a:r>
             <a:r>
-              <a:rPr lang="el-GR" dirty="0"/>
+              <a:rPr lang="el-GR" sz="1800" dirty="0"/>
               <a:t>αριθμός σειράς</a:t>
             </a:r>
             <a:r>
-              <a:rPr lang="en-US" dirty="0"/>
+              <a:rPr lang="en-US" sz="1800" dirty="0"/>
               <a:t>&gt;,</a:t>
             </a:r>
             <a:r>
-              <a:rPr lang="el-GR" dirty="0"/>
-              <a:t>&lt;αριθμός στήλης&gt;,&lt;τιμή&gt;). </a:t>
-            </a:r>
+              <a:rPr lang="el-GR" sz="1800" dirty="0"/>
+              <a:t>&lt;αριθμός στήλης&gt;,&lt;τιμή&gt;</a:t>
+            </a:r>
+            <a:endParaRPr lang="el-GR" dirty="0"/>
           </a:p>
           <a:p>
             <a:r>
@@ -8161,12 +8276,14 @@
           </a:xfrm>
         </p:spPr>
         <p:txBody>
-          <a:bodyPr/>
+          <a:bodyPr>
+            <a:normAutofit/>
+          </a:bodyPr>
           <a:lstStyle/>
           <a:p>
             <a:r>
               <a:rPr lang="el-GR" dirty="0"/>
-              <a:t>Τα δεδομένα δίνονται ως ένα ενιαίο αρχείο κειμένου με εγγραφές όπου το πρώτο στοιχείο αναγνωρίζει σε ποιον πίνακα (</a:t>
+              <a:t>Τα δεδομένα δίνονται ως ένα ενιαίο αρχείο κειμένου με εγγραφές όπου το πρώτο στοιχείο αναγνωρίζει τον πίνακα (</a:t>
             </a:r>
             <a:r>
               <a:rPr lang="en-US" dirty="0"/>
@@ -8190,7 +8307,7 @@
             </a:r>
             <a:r>
               <a:rPr lang="el-GR" dirty="0"/>
-              <a:t>ανήκει η εγγραφή.</a:t>
+              <a:t>στον οποίον ανήκει η εγγραφή.</a:t>
             </a:r>
           </a:p>
         </p:txBody>
@@ -12415,14 +12532,32 @@
               <a:t>] == </a:t>
             </a:r>
             <a:r>
-              <a:rPr lang="en-US" b="0" dirty="0">
-                <a:solidFill>
-                  <a:srgbClr val="A31515"/>
-                </a:solidFill>
-                <a:effectLst/>
-                <a:latin typeface="Consolas" panose="020B0609020204030204" pitchFamily="49" charset="0"/>
-              </a:rPr>
-              <a:t>"a"</a:t>
+              <a:rPr lang="el-GR" dirty="0">
+                <a:solidFill>
+                  <a:srgbClr val="A31515"/>
+                </a:solidFill>
+                <a:latin typeface="Consolas" panose="020B0609020204030204" pitchFamily="49" charset="0"/>
+              </a:rPr>
+              <a:t>'</a:t>
+            </a:r>
+            <a:r>
+              <a:rPr lang="en-US" b="0" dirty="0">
+                <a:solidFill>
+                  <a:srgbClr val="A31515"/>
+                </a:solidFill>
+                <a:effectLst/>
+                <a:latin typeface="Consolas" panose="020B0609020204030204" pitchFamily="49" charset="0"/>
+              </a:rPr>
+              <a:t>a</a:t>
+            </a:r>
+            <a:r>
+              <a:rPr lang="el-GR" dirty="0">
+                <a:solidFill>
+                  <a:srgbClr val="A31515"/>
+                </a:solidFill>
+                <a:latin typeface="Consolas" panose="020B0609020204030204" pitchFamily="49" charset="0"/>
+              </a:rPr>
+              <a:t>'</a:t>
             </a:r>
             <a:r>
               <a:rPr lang="en-US" b="0" dirty="0">
@@ -12559,14 +12694,32 @@
               <a:t>] == </a:t>
             </a:r>
             <a:r>
-              <a:rPr lang="en-US" b="0" dirty="0">
-                <a:solidFill>
-                  <a:srgbClr val="A31515"/>
-                </a:solidFill>
-                <a:effectLst/>
-                <a:latin typeface="Consolas" panose="020B0609020204030204" pitchFamily="49" charset="0"/>
-              </a:rPr>
-              <a:t>"b"</a:t>
+              <a:rPr lang="el-GR" dirty="0">
+                <a:solidFill>
+                  <a:srgbClr val="A31515"/>
+                </a:solidFill>
+                <a:latin typeface="Consolas" panose="020B0609020204030204" pitchFamily="49" charset="0"/>
+              </a:rPr>
+              <a:t>'</a:t>
+            </a:r>
+            <a:r>
+              <a:rPr lang="en-US" b="0" dirty="0">
+                <a:solidFill>
+                  <a:srgbClr val="A31515"/>
+                </a:solidFill>
+                <a:effectLst/>
+                <a:latin typeface="Consolas" panose="020B0609020204030204" pitchFamily="49" charset="0"/>
+              </a:rPr>
+              <a:t>b</a:t>
+            </a:r>
+            <a:r>
+              <a:rPr lang="el-GR" dirty="0">
+                <a:solidFill>
+                  <a:srgbClr val="A31515"/>
+                </a:solidFill>
+                <a:latin typeface="Consolas" panose="020B0609020204030204" pitchFamily="49" charset="0"/>
+              </a:rPr>
+              <a:t>'</a:t>
             </a:r>
             <a:r>
               <a:rPr lang="en-US" b="0" dirty="0">
@@ -12799,8 +12952,8 @@
         </p:nvSpPr>
         <p:spPr>
           <a:xfrm>
-            <a:off x="8356817" y="4609927"/>
-            <a:ext cx="3424818" cy="1446550"/>
+            <a:off x="8127546" y="4762182"/>
+            <a:ext cx="3951515" cy="830997"/>
           </a:xfrm>
           <a:prstGeom prst="rect">
             <a:avLst/>
@@ -12813,1205 +12966,1618 @@
           <a:lstStyle/>
           <a:p>
             <a:r>
-              <a:rPr lang="pt-BR" sz="1100" b="1" dirty="0">
-                <a:solidFill>
-                  <a:srgbClr val="000000"/>
-                </a:solidFill>
-                <a:latin typeface="Consolas" panose="020B0609020204030204" pitchFamily="49" charset="0"/>
+              <a:rPr lang="pt-BR" sz="1200" b="1" dirty="0">
+                <a:solidFill>
+                  <a:srgbClr val="000000"/>
+                </a:solidFill>
+                <a:latin typeface="Calibri Light" panose="020F0302020204030204" pitchFamily="34" charset="0"/>
+                <a:cs typeface="Calibri Light" panose="020F0302020204030204" pitchFamily="34" charset="0"/>
               </a:rPr>
               <a:t>[[</a:t>
             </a:r>
             <a:r>
-              <a:rPr lang="pt-BR" sz="1100" b="1" dirty="0">
+              <a:rPr lang="pt-BR" sz="1200" b="1" dirty="0">
                 <a:solidFill>
                   <a:srgbClr val="09885A"/>
                 </a:solidFill>
-                <a:latin typeface="Consolas" panose="020B0609020204030204" pitchFamily="49" charset="0"/>
+                <a:latin typeface="Calibri Light" panose="020F0302020204030204" pitchFamily="34" charset="0"/>
+                <a:cs typeface="Calibri Light" panose="020F0302020204030204" pitchFamily="34" charset="0"/>
               </a:rPr>
               <a:t>0</a:t>
             </a:r>
             <a:r>
-              <a:rPr lang="pt-BR" sz="1100" b="1" dirty="0">
-                <a:solidFill>
-                  <a:srgbClr val="000000"/>
-                </a:solidFill>
-                <a:latin typeface="Consolas" panose="020B0609020204030204" pitchFamily="49" charset="0"/>
+              <a:rPr lang="pt-BR" sz="1200" b="1" dirty="0">
+                <a:solidFill>
+                  <a:srgbClr val="000000"/>
+                </a:solidFill>
+                <a:latin typeface="Calibri Light" panose="020F0302020204030204" pitchFamily="34" charset="0"/>
+                <a:cs typeface="Calibri Light" panose="020F0302020204030204" pitchFamily="34" charset="0"/>
               </a:rPr>
               <a:t>, </a:t>
             </a:r>
             <a:r>
-              <a:rPr lang="pt-BR" sz="1100" b="1" dirty="0">
+              <a:rPr lang="pt-BR" sz="1200" b="1" dirty="0">
                 <a:solidFill>
                   <a:srgbClr val="09885A"/>
                 </a:solidFill>
-                <a:latin typeface="Consolas" panose="020B0609020204030204" pitchFamily="49" charset="0"/>
+                <a:latin typeface="Calibri Light" panose="020F0302020204030204" pitchFamily="34" charset="0"/>
+                <a:cs typeface="Calibri Light" panose="020F0302020204030204" pitchFamily="34" charset="0"/>
               </a:rPr>
               <a:t>1</a:t>
             </a:r>
             <a:r>
-              <a:rPr lang="pt-BR" sz="1100" b="1" dirty="0">
-                <a:solidFill>
-                  <a:srgbClr val="000000"/>
-                </a:solidFill>
-                <a:latin typeface="Consolas" panose="020B0609020204030204" pitchFamily="49" charset="0"/>
+              <a:rPr lang="pt-BR" sz="1200" b="1" dirty="0">
+                <a:solidFill>
+                  <a:srgbClr val="000000"/>
+                </a:solidFill>
+                <a:latin typeface="Calibri Light" panose="020F0302020204030204" pitchFamily="34" charset="0"/>
+                <a:cs typeface="Calibri Light" panose="020F0302020204030204" pitchFamily="34" charset="0"/>
               </a:rPr>
               <a:t>], [[</a:t>
             </a:r>
             <a:r>
-              <a:rPr lang="pt-BR" sz="1100" b="1" dirty="0">
-                <a:solidFill>
-                  <a:srgbClr val="A31515"/>
-                </a:solidFill>
-                <a:latin typeface="Consolas" panose="020B0609020204030204" pitchFamily="49" charset="0"/>
-              </a:rPr>
-              <a:t>"a"</a:t>
-            </a:r>
-            <a:r>
-              <a:rPr lang="pt-BR" sz="1100" b="1" dirty="0">
-                <a:solidFill>
-                  <a:srgbClr val="000000"/>
-                </a:solidFill>
-                <a:latin typeface="Consolas" panose="020B0609020204030204" pitchFamily="49" charset="0"/>
+              <a:rPr lang="el-GR" sz="1200" b="1" dirty="0">
+                <a:solidFill>
+                  <a:srgbClr val="A31515"/>
+                </a:solidFill>
+                <a:latin typeface="Calibri Light" panose="020F0302020204030204" pitchFamily="34" charset="0"/>
+                <a:cs typeface="Calibri Light" panose="020F0302020204030204" pitchFamily="34" charset="0"/>
+              </a:rPr>
+              <a:t>'</a:t>
+            </a:r>
+            <a:r>
+              <a:rPr lang="pt-BR" sz="1200" b="1" dirty="0">
+                <a:solidFill>
+                  <a:srgbClr val="A31515"/>
+                </a:solidFill>
+                <a:latin typeface="Calibri Light" panose="020F0302020204030204" pitchFamily="34" charset="0"/>
+                <a:cs typeface="Calibri Light" panose="020F0302020204030204" pitchFamily="34" charset="0"/>
+              </a:rPr>
+              <a:t>a</a:t>
+            </a:r>
+            <a:r>
+              <a:rPr lang="el-GR" sz="1200" b="1" dirty="0">
+                <a:solidFill>
+                  <a:srgbClr val="A31515"/>
+                </a:solidFill>
+                <a:latin typeface="Calibri Light" panose="020F0302020204030204" pitchFamily="34" charset="0"/>
+                <a:cs typeface="Calibri Light" panose="020F0302020204030204" pitchFamily="34" charset="0"/>
+              </a:rPr>
+              <a:t>'</a:t>
+            </a:r>
+            <a:r>
+              <a:rPr lang="pt-BR" sz="1200" b="1" dirty="0">
+                <a:solidFill>
+                  <a:srgbClr val="000000"/>
+                </a:solidFill>
+                <a:latin typeface="Calibri Light" panose="020F0302020204030204" pitchFamily="34" charset="0"/>
+                <a:cs typeface="Calibri Light" panose="020F0302020204030204" pitchFamily="34" charset="0"/>
               </a:rPr>
               <a:t>, </a:t>
             </a:r>
             <a:r>
-              <a:rPr lang="pt-BR" sz="1100" b="1" dirty="0">
+              <a:rPr lang="pt-BR" sz="1200" b="1" dirty="0">
                 <a:solidFill>
                   <a:srgbClr val="09885A"/>
                 </a:solidFill>
-                <a:latin typeface="Consolas" panose="020B0609020204030204" pitchFamily="49" charset="0"/>
+                <a:latin typeface="Calibri Light" panose="020F0302020204030204" pitchFamily="34" charset="0"/>
+                <a:cs typeface="Calibri Light" panose="020F0302020204030204" pitchFamily="34" charset="0"/>
               </a:rPr>
               <a:t>0</a:t>
             </a:r>
             <a:r>
-              <a:rPr lang="pt-BR" sz="1100" b="1" dirty="0">
-                <a:solidFill>
-                  <a:srgbClr val="000000"/>
-                </a:solidFill>
-                <a:latin typeface="Consolas" panose="020B0609020204030204" pitchFamily="49" charset="0"/>
+              <a:rPr lang="pt-BR" sz="1200" b="1" dirty="0">
+                <a:solidFill>
+                  <a:srgbClr val="000000"/>
+                </a:solidFill>
+                <a:latin typeface="Calibri Light" panose="020F0302020204030204" pitchFamily="34" charset="0"/>
+                <a:cs typeface="Calibri Light" panose="020F0302020204030204" pitchFamily="34" charset="0"/>
               </a:rPr>
               <a:t>, </a:t>
             </a:r>
             <a:r>
-              <a:rPr lang="pt-BR" sz="1100" b="1" dirty="0">
+              <a:rPr lang="pt-BR" sz="1200" b="1" dirty="0">
                 <a:solidFill>
                   <a:srgbClr val="09885A"/>
                 </a:solidFill>
-                <a:latin typeface="Consolas" panose="020B0609020204030204" pitchFamily="49" charset="0"/>
+                <a:latin typeface="Calibri Light" panose="020F0302020204030204" pitchFamily="34" charset="0"/>
+                <a:cs typeface="Calibri Light" panose="020F0302020204030204" pitchFamily="34" charset="0"/>
               </a:rPr>
               <a:t>0</a:t>
             </a:r>
             <a:r>
-              <a:rPr lang="pt-BR" sz="1100" b="1" dirty="0">
-                <a:solidFill>
-                  <a:srgbClr val="000000"/>
-                </a:solidFill>
-                <a:latin typeface="Consolas" panose="020B0609020204030204" pitchFamily="49" charset="0"/>
+              <a:rPr lang="pt-BR" sz="1200" b="1" dirty="0">
+                <a:solidFill>
+                  <a:srgbClr val="000000"/>
+                </a:solidFill>
+                <a:latin typeface="Calibri Light" panose="020F0302020204030204" pitchFamily="34" charset="0"/>
+                <a:cs typeface="Calibri Light" panose="020F0302020204030204" pitchFamily="34" charset="0"/>
               </a:rPr>
               <a:t>, </a:t>
             </a:r>
             <a:r>
-              <a:rPr lang="pt-BR" sz="1100" b="1" dirty="0">
+              <a:rPr lang="pt-BR" sz="1200" b="1" dirty="0">
                 <a:solidFill>
                   <a:srgbClr val="09885A"/>
                 </a:solidFill>
-                <a:latin typeface="Consolas" panose="020B0609020204030204" pitchFamily="49" charset="0"/>
+                <a:latin typeface="Calibri Light" panose="020F0302020204030204" pitchFamily="34" charset="0"/>
+                <a:cs typeface="Calibri Light" panose="020F0302020204030204" pitchFamily="34" charset="0"/>
               </a:rPr>
               <a:t>2</a:t>
             </a:r>
             <a:r>
-              <a:rPr lang="pt-BR" sz="1100" b="1" dirty="0">
-                <a:solidFill>
-                  <a:srgbClr val="000000"/>
-                </a:solidFill>
-                <a:latin typeface="Consolas" panose="020B0609020204030204" pitchFamily="49" charset="0"/>
+              <a:rPr lang="pt-BR" sz="1200" b="1" dirty="0">
+                <a:solidFill>
+                  <a:srgbClr val="000000"/>
+                </a:solidFill>
+                <a:latin typeface="Calibri Light" panose="020F0302020204030204" pitchFamily="34" charset="0"/>
+                <a:cs typeface="Calibri Light" panose="020F0302020204030204" pitchFamily="34" charset="0"/>
               </a:rPr>
               <a:t>], [</a:t>
             </a:r>
             <a:r>
-              <a:rPr lang="pt-BR" sz="1100" b="1" dirty="0">
-                <a:solidFill>
-                  <a:srgbClr val="A31515"/>
-                </a:solidFill>
-                <a:latin typeface="Consolas" panose="020B0609020204030204" pitchFamily="49" charset="0"/>
-              </a:rPr>
-              <a:t>"a"</a:t>
-            </a:r>
-            <a:r>
-              <a:rPr lang="pt-BR" sz="1100" b="1" dirty="0">
-                <a:solidFill>
-                  <a:srgbClr val="000000"/>
-                </a:solidFill>
-                <a:latin typeface="Consolas" panose="020B0609020204030204" pitchFamily="49" charset="0"/>
+              <a:rPr lang="el-GR" sz="1200" b="1" dirty="0">
+                <a:solidFill>
+                  <a:srgbClr val="A31515"/>
+                </a:solidFill>
+                <a:latin typeface="Calibri Light" panose="020F0302020204030204" pitchFamily="34" charset="0"/>
+                <a:cs typeface="Calibri Light" panose="020F0302020204030204" pitchFamily="34" charset="0"/>
+              </a:rPr>
+              <a:t>'</a:t>
+            </a:r>
+            <a:r>
+              <a:rPr lang="pt-BR" sz="1200" b="1" dirty="0">
+                <a:solidFill>
+                  <a:srgbClr val="A31515"/>
+                </a:solidFill>
+                <a:latin typeface="Calibri Light" panose="020F0302020204030204" pitchFamily="34" charset="0"/>
+                <a:cs typeface="Calibri Light" panose="020F0302020204030204" pitchFamily="34" charset="0"/>
+              </a:rPr>
+              <a:t>a</a:t>
+            </a:r>
+            <a:r>
+              <a:rPr lang="el-GR" sz="1200" b="1" dirty="0">
+                <a:solidFill>
+                  <a:srgbClr val="A31515"/>
+                </a:solidFill>
+                <a:latin typeface="Calibri Light" panose="020F0302020204030204" pitchFamily="34" charset="0"/>
+                <a:cs typeface="Calibri Light" panose="020F0302020204030204" pitchFamily="34" charset="0"/>
+              </a:rPr>
+              <a:t>'</a:t>
+            </a:r>
+            <a:r>
+              <a:rPr lang="pt-BR" sz="1200" b="1" dirty="0">
+                <a:solidFill>
+                  <a:srgbClr val="000000"/>
+                </a:solidFill>
+                <a:latin typeface="Calibri Light" panose="020F0302020204030204" pitchFamily="34" charset="0"/>
+                <a:cs typeface="Calibri Light" panose="020F0302020204030204" pitchFamily="34" charset="0"/>
               </a:rPr>
               <a:t>, </a:t>
             </a:r>
             <a:r>
-              <a:rPr lang="pt-BR" sz="1100" b="1" dirty="0">
+              <a:rPr lang="pt-BR" sz="1200" b="1" dirty="0">
                 <a:solidFill>
                   <a:srgbClr val="09885A"/>
                 </a:solidFill>
-                <a:latin typeface="Consolas" panose="020B0609020204030204" pitchFamily="49" charset="0"/>
+                <a:latin typeface="Calibri Light" panose="020F0302020204030204" pitchFamily="34" charset="0"/>
+                <a:cs typeface="Calibri Light" panose="020F0302020204030204" pitchFamily="34" charset="0"/>
               </a:rPr>
               <a:t>0</a:t>
             </a:r>
             <a:r>
-              <a:rPr lang="pt-BR" sz="1100" b="1" dirty="0">
-                <a:solidFill>
-                  <a:srgbClr val="000000"/>
-                </a:solidFill>
-                <a:latin typeface="Consolas" panose="020B0609020204030204" pitchFamily="49" charset="0"/>
+              <a:rPr lang="pt-BR" sz="1200" b="1" dirty="0">
+                <a:solidFill>
+                  <a:srgbClr val="000000"/>
+                </a:solidFill>
+                <a:latin typeface="Calibri Light" panose="020F0302020204030204" pitchFamily="34" charset="0"/>
+                <a:cs typeface="Calibri Light" panose="020F0302020204030204" pitchFamily="34" charset="0"/>
               </a:rPr>
               <a:t>, </a:t>
             </a:r>
             <a:r>
-              <a:rPr lang="pt-BR" sz="1100" b="1" dirty="0">
+              <a:rPr lang="pt-BR" sz="1200" b="1" dirty="0">
                 <a:solidFill>
                   <a:srgbClr val="09885A"/>
                 </a:solidFill>
-                <a:latin typeface="Consolas" panose="020B0609020204030204" pitchFamily="49" charset="0"/>
+                <a:latin typeface="Calibri Light" panose="020F0302020204030204" pitchFamily="34" charset="0"/>
+                <a:cs typeface="Calibri Light" panose="020F0302020204030204" pitchFamily="34" charset="0"/>
               </a:rPr>
               <a:t>2</a:t>
             </a:r>
             <a:r>
-              <a:rPr lang="pt-BR" sz="1100" b="1" dirty="0">
-                <a:solidFill>
-                  <a:srgbClr val="000000"/>
-                </a:solidFill>
-                <a:latin typeface="Consolas" panose="020B0609020204030204" pitchFamily="49" charset="0"/>
+              <a:rPr lang="pt-BR" sz="1200" b="1" dirty="0">
+                <a:solidFill>
+                  <a:srgbClr val="000000"/>
+                </a:solidFill>
+                <a:latin typeface="Calibri Light" panose="020F0302020204030204" pitchFamily="34" charset="0"/>
+                <a:cs typeface="Calibri Light" panose="020F0302020204030204" pitchFamily="34" charset="0"/>
               </a:rPr>
               <a:t>, </a:t>
             </a:r>
             <a:r>
-              <a:rPr lang="pt-BR" sz="1100" b="1" dirty="0">
+              <a:rPr lang="pt-BR" sz="1200" b="1" dirty="0">
                 <a:solidFill>
                   <a:srgbClr val="09885A"/>
                 </a:solidFill>
-                <a:latin typeface="Consolas" panose="020B0609020204030204" pitchFamily="49" charset="0"/>
+                <a:latin typeface="Calibri Light" panose="020F0302020204030204" pitchFamily="34" charset="0"/>
+                <a:cs typeface="Calibri Light" panose="020F0302020204030204" pitchFamily="34" charset="0"/>
               </a:rPr>
               <a:t>1</a:t>
             </a:r>
             <a:r>
-              <a:rPr lang="pt-BR" sz="1100" b="1" dirty="0">
-                <a:solidFill>
-                  <a:srgbClr val="000000"/>
-                </a:solidFill>
-                <a:latin typeface="Consolas" panose="020B0609020204030204" pitchFamily="49" charset="0"/>
+              <a:rPr lang="pt-BR" sz="1200" b="1" dirty="0">
+                <a:solidFill>
+                  <a:srgbClr val="000000"/>
+                </a:solidFill>
+                <a:latin typeface="Calibri Light" panose="020F0302020204030204" pitchFamily="34" charset="0"/>
+                <a:cs typeface="Calibri Light" panose="020F0302020204030204" pitchFamily="34" charset="0"/>
               </a:rPr>
               <a:t>], [</a:t>
             </a:r>
             <a:r>
-              <a:rPr lang="pt-BR" sz="1100" b="1" dirty="0">
-                <a:solidFill>
-                  <a:srgbClr val="A31515"/>
-                </a:solidFill>
-                <a:latin typeface="Consolas" panose="020B0609020204030204" pitchFamily="49" charset="0"/>
-              </a:rPr>
-              <a:t>"b"</a:t>
-            </a:r>
-            <a:r>
-              <a:rPr lang="pt-BR" sz="1100" b="1" dirty="0">
-                <a:solidFill>
-                  <a:srgbClr val="000000"/>
-                </a:solidFill>
-                <a:latin typeface="Consolas" panose="020B0609020204030204" pitchFamily="49" charset="0"/>
+              <a:rPr lang="el-GR" sz="1200" b="1" dirty="0">
+                <a:solidFill>
+                  <a:srgbClr val="A31515"/>
+                </a:solidFill>
+                <a:latin typeface="Calibri Light" panose="020F0302020204030204" pitchFamily="34" charset="0"/>
+                <a:cs typeface="Calibri Light" panose="020F0302020204030204" pitchFamily="34" charset="0"/>
+              </a:rPr>
+              <a:t>'</a:t>
+            </a:r>
+            <a:r>
+              <a:rPr lang="pt-BR" sz="1200" b="1" dirty="0">
+                <a:solidFill>
+                  <a:srgbClr val="A31515"/>
+                </a:solidFill>
+                <a:latin typeface="Calibri Light" panose="020F0302020204030204" pitchFamily="34" charset="0"/>
+                <a:cs typeface="Calibri Light" panose="020F0302020204030204" pitchFamily="34" charset="0"/>
+              </a:rPr>
+              <a:t>b</a:t>
+            </a:r>
+            <a:r>
+              <a:rPr lang="el-GR" sz="1200" b="1" dirty="0">
+                <a:solidFill>
+                  <a:srgbClr val="A31515"/>
+                </a:solidFill>
+                <a:latin typeface="Calibri Light" panose="020F0302020204030204" pitchFamily="34" charset="0"/>
+                <a:cs typeface="Calibri Light" panose="020F0302020204030204" pitchFamily="34" charset="0"/>
+              </a:rPr>
+              <a:t>'</a:t>
+            </a:r>
+            <a:r>
+              <a:rPr lang="pt-BR" sz="1200" b="1" dirty="0">
+                <a:solidFill>
+                  <a:srgbClr val="000000"/>
+                </a:solidFill>
+                <a:latin typeface="Calibri Light" panose="020F0302020204030204" pitchFamily="34" charset="0"/>
+                <a:cs typeface="Calibri Light" panose="020F0302020204030204" pitchFamily="34" charset="0"/>
               </a:rPr>
               <a:t>, </a:t>
             </a:r>
             <a:r>
-              <a:rPr lang="pt-BR" sz="1100" b="1" dirty="0">
+              <a:rPr lang="pt-BR" sz="1200" b="1" dirty="0">
                 <a:solidFill>
                   <a:srgbClr val="09885A"/>
                 </a:solidFill>
-                <a:latin typeface="Consolas" panose="020B0609020204030204" pitchFamily="49" charset="0"/>
+                <a:latin typeface="Calibri Light" panose="020F0302020204030204" pitchFamily="34" charset="0"/>
+                <a:cs typeface="Calibri Light" panose="020F0302020204030204" pitchFamily="34" charset="0"/>
               </a:rPr>
               <a:t>0</a:t>
             </a:r>
             <a:r>
-              <a:rPr lang="pt-BR" sz="1100" b="1" dirty="0">
-                <a:solidFill>
-                  <a:srgbClr val="000000"/>
-                </a:solidFill>
-                <a:latin typeface="Consolas" panose="020B0609020204030204" pitchFamily="49" charset="0"/>
+              <a:rPr lang="pt-BR" sz="1200" b="1" dirty="0">
+                <a:solidFill>
+                  <a:srgbClr val="000000"/>
+                </a:solidFill>
+                <a:latin typeface="Calibri Light" panose="020F0302020204030204" pitchFamily="34" charset="0"/>
+                <a:cs typeface="Calibri Light" panose="020F0302020204030204" pitchFamily="34" charset="0"/>
               </a:rPr>
               <a:t>, </a:t>
             </a:r>
             <a:r>
-              <a:rPr lang="pt-BR" sz="1100" b="1" dirty="0">
+              <a:rPr lang="pt-BR" sz="1200" b="1" dirty="0">
                 <a:solidFill>
                   <a:srgbClr val="09885A"/>
                 </a:solidFill>
-                <a:latin typeface="Consolas" panose="020B0609020204030204" pitchFamily="49" charset="0"/>
+                <a:latin typeface="Calibri Light" panose="020F0302020204030204" pitchFamily="34" charset="0"/>
+                <a:cs typeface="Calibri Light" panose="020F0302020204030204" pitchFamily="34" charset="0"/>
               </a:rPr>
               <a:t>1</a:t>
             </a:r>
             <a:r>
-              <a:rPr lang="pt-BR" sz="1100" b="1" dirty="0">
-                <a:solidFill>
-                  <a:srgbClr val="000000"/>
-                </a:solidFill>
-                <a:latin typeface="Consolas" panose="020B0609020204030204" pitchFamily="49" charset="0"/>
+              <a:rPr lang="pt-BR" sz="1200" b="1" dirty="0">
+                <a:solidFill>
+                  <a:srgbClr val="000000"/>
+                </a:solidFill>
+                <a:latin typeface="Calibri Light" panose="020F0302020204030204" pitchFamily="34" charset="0"/>
+                <a:cs typeface="Calibri Light" panose="020F0302020204030204" pitchFamily="34" charset="0"/>
               </a:rPr>
               <a:t>, </a:t>
             </a:r>
             <a:r>
-              <a:rPr lang="pt-BR" sz="1100" b="1" dirty="0">
+              <a:rPr lang="pt-BR" sz="1200" b="1" dirty="0">
                 <a:solidFill>
                   <a:srgbClr val="09885A"/>
                 </a:solidFill>
-                <a:latin typeface="Consolas" panose="020B0609020204030204" pitchFamily="49" charset="0"/>
+                <a:latin typeface="Calibri Light" panose="020F0302020204030204" pitchFamily="34" charset="0"/>
+                <a:cs typeface="Calibri Light" panose="020F0302020204030204" pitchFamily="34" charset="0"/>
               </a:rPr>
               <a:t>7</a:t>
             </a:r>
             <a:r>
-              <a:rPr lang="pt-BR" sz="1100" b="1" dirty="0">
-                <a:solidFill>
-                  <a:srgbClr val="000000"/>
-                </a:solidFill>
-                <a:latin typeface="Consolas" panose="020B0609020204030204" pitchFamily="49" charset="0"/>
+              <a:rPr lang="pt-BR" sz="1200" b="1" dirty="0">
+                <a:solidFill>
+                  <a:srgbClr val="000000"/>
+                </a:solidFill>
+                <a:latin typeface="Calibri Light" panose="020F0302020204030204" pitchFamily="34" charset="0"/>
+                <a:cs typeface="Calibri Light" panose="020F0302020204030204" pitchFamily="34" charset="0"/>
               </a:rPr>
               <a:t>]]]</a:t>
             </a:r>
           </a:p>
           <a:p>
             <a:r>
-              <a:rPr lang="pt-BR" sz="1100" b="1" dirty="0">
-                <a:solidFill>
-                  <a:srgbClr val="000000"/>
-                </a:solidFill>
-                <a:latin typeface="Consolas" panose="020B0609020204030204" pitchFamily="49" charset="0"/>
+              <a:rPr lang="pt-BR" sz="1200" b="1" dirty="0">
+                <a:solidFill>
+                  <a:srgbClr val="000000"/>
+                </a:solidFill>
+                <a:latin typeface="Calibri Light" panose="020F0302020204030204" pitchFamily="34" charset="0"/>
+                <a:cs typeface="Calibri Light" panose="020F0302020204030204" pitchFamily="34" charset="0"/>
               </a:rPr>
               <a:t>[[</a:t>
             </a:r>
             <a:r>
-              <a:rPr lang="pt-BR" sz="1100" b="1" dirty="0">
+              <a:rPr lang="pt-BR" sz="1200" b="1" dirty="0">
                 <a:solidFill>
                   <a:srgbClr val="09885A"/>
                 </a:solidFill>
-                <a:latin typeface="Consolas" panose="020B0609020204030204" pitchFamily="49" charset="0"/>
+                <a:latin typeface="Calibri Light" panose="020F0302020204030204" pitchFamily="34" charset="0"/>
+                <a:cs typeface="Calibri Light" panose="020F0302020204030204" pitchFamily="34" charset="0"/>
               </a:rPr>
               <a:t>1</a:t>
             </a:r>
             <a:r>
-              <a:rPr lang="pt-BR" sz="1100" b="1" dirty="0">
-                <a:solidFill>
-                  <a:srgbClr val="000000"/>
-                </a:solidFill>
-                <a:latin typeface="Consolas" panose="020B0609020204030204" pitchFamily="49" charset="0"/>
+              <a:rPr lang="pt-BR" sz="1200" b="1" dirty="0">
+                <a:solidFill>
+                  <a:srgbClr val="000000"/>
+                </a:solidFill>
+                <a:latin typeface="Calibri Light" panose="020F0302020204030204" pitchFamily="34" charset="0"/>
+                <a:cs typeface="Calibri Light" panose="020F0302020204030204" pitchFamily="34" charset="0"/>
               </a:rPr>
               <a:t>, </a:t>
             </a:r>
             <a:r>
-              <a:rPr lang="pt-BR" sz="1100" b="1" dirty="0">
+              <a:rPr lang="pt-BR" sz="1200" b="1" dirty="0">
                 <a:solidFill>
                   <a:srgbClr val="09885A"/>
                 </a:solidFill>
-                <a:latin typeface="Consolas" panose="020B0609020204030204" pitchFamily="49" charset="0"/>
+                <a:latin typeface="Calibri Light" panose="020F0302020204030204" pitchFamily="34" charset="0"/>
+                <a:cs typeface="Calibri Light" panose="020F0302020204030204" pitchFamily="34" charset="0"/>
               </a:rPr>
               <a:t>0</a:t>
             </a:r>
             <a:r>
-              <a:rPr lang="pt-BR" sz="1100" b="1" dirty="0">
-                <a:solidFill>
-                  <a:srgbClr val="000000"/>
-                </a:solidFill>
-                <a:latin typeface="Consolas" panose="020B0609020204030204" pitchFamily="49" charset="0"/>
+              <a:rPr lang="pt-BR" sz="1200" b="1" dirty="0">
+                <a:solidFill>
+                  <a:srgbClr val="000000"/>
+                </a:solidFill>
+                <a:latin typeface="Calibri Light" panose="020F0302020204030204" pitchFamily="34" charset="0"/>
+                <a:cs typeface="Calibri Light" panose="020F0302020204030204" pitchFamily="34" charset="0"/>
               </a:rPr>
               <a:t>], [[</a:t>
             </a:r>
             <a:r>
-              <a:rPr lang="pt-BR" sz="1100" b="1" dirty="0">
-                <a:solidFill>
-                  <a:srgbClr val="A31515"/>
-                </a:solidFill>
-                <a:latin typeface="Consolas" panose="020B0609020204030204" pitchFamily="49" charset="0"/>
-              </a:rPr>
-              <a:t>"a"</a:t>
-            </a:r>
-            <a:r>
-              <a:rPr lang="pt-BR" sz="1100" b="1" dirty="0">
-                <a:solidFill>
-                  <a:srgbClr val="000000"/>
-                </a:solidFill>
-                <a:latin typeface="Consolas" panose="020B0609020204030204" pitchFamily="49" charset="0"/>
+              <a:rPr lang="el-GR" sz="1200" b="1" dirty="0">
+                <a:solidFill>
+                  <a:srgbClr val="A31515"/>
+                </a:solidFill>
+                <a:latin typeface="Calibri Light" panose="020F0302020204030204" pitchFamily="34" charset="0"/>
+                <a:cs typeface="Calibri Light" panose="020F0302020204030204" pitchFamily="34" charset="0"/>
+              </a:rPr>
+              <a:t>'</a:t>
+            </a:r>
+            <a:r>
+              <a:rPr lang="pt-BR" sz="1200" b="1" dirty="0">
+                <a:solidFill>
+                  <a:srgbClr val="A31515"/>
+                </a:solidFill>
+                <a:latin typeface="Calibri Light" panose="020F0302020204030204" pitchFamily="34" charset="0"/>
+                <a:cs typeface="Calibri Light" panose="020F0302020204030204" pitchFamily="34" charset="0"/>
+              </a:rPr>
+              <a:t>a</a:t>
+            </a:r>
+            <a:r>
+              <a:rPr lang="el-GR" sz="1200" b="1" dirty="0">
+                <a:solidFill>
+                  <a:srgbClr val="A31515"/>
+                </a:solidFill>
+                <a:latin typeface="Calibri Light" panose="020F0302020204030204" pitchFamily="34" charset="0"/>
+                <a:cs typeface="Calibri Light" panose="020F0302020204030204" pitchFamily="34" charset="0"/>
+              </a:rPr>
+              <a:t>'</a:t>
+            </a:r>
+            <a:r>
+              <a:rPr lang="pt-BR" sz="1200" b="1" dirty="0">
+                <a:solidFill>
+                  <a:srgbClr val="000000"/>
+                </a:solidFill>
+                <a:latin typeface="Calibri Light" panose="020F0302020204030204" pitchFamily="34" charset="0"/>
+                <a:cs typeface="Calibri Light" panose="020F0302020204030204" pitchFamily="34" charset="0"/>
               </a:rPr>
               <a:t>, </a:t>
             </a:r>
             <a:r>
-              <a:rPr lang="pt-BR" sz="1100" b="1" dirty="0">
+              <a:rPr lang="pt-BR" sz="1200" b="1" dirty="0">
                 <a:solidFill>
                   <a:srgbClr val="09885A"/>
                 </a:solidFill>
-                <a:latin typeface="Consolas" panose="020B0609020204030204" pitchFamily="49" charset="0"/>
+                <a:latin typeface="Calibri Light" panose="020F0302020204030204" pitchFamily="34" charset="0"/>
+                <a:cs typeface="Calibri Light" panose="020F0302020204030204" pitchFamily="34" charset="0"/>
               </a:rPr>
               <a:t>1</a:t>
             </a:r>
             <a:r>
-              <a:rPr lang="pt-BR" sz="1100" b="1" dirty="0">
-                <a:solidFill>
-                  <a:srgbClr val="000000"/>
-                </a:solidFill>
-                <a:latin typeface="Consolas" panose="020B0609020204030204" pitchFamily="49" charset="0"/>
+              <a:rPr lang="pt-BR" sz="1200" b="1" dirty="0">
+                <a:solidFill>
+                  <a:srgbClr val="000000"/>
+                </a:solidFill>
+                <a:latin typeface="Calibri Light" panose="020F0302020204030204" pitchFamily="34" charset="0"/>
+                <a:cs typeface="Calibri Light" panose="020F0302020204030204" pitchFamily="34" charset="0"/>
               </a:rPr>
               <a:t>, </a:t>
             </a:r>
             <a:r>
-              <a:rPr lang="pt-BR" sz="1100" b="1" dirty="0">
+              <a:rPr lang="pt-BR" sz="1200" b="1" dirty="0">
                 <a:solidFill>
                   <a:srgbClr val="09885A"/>
                 </a:solidFill>
-                <a:latin typeface="Consolas" panose="020B0609020204030204" pitchFamily="49" charset="0"/>
+                <a:latin typeface="Calibri Light" panose="020F0302020204030204" pitchFamily="34" charset="0"/>
+                <a:cs typeface="Calibri Light" panose="020F0302020204030204" pitchFamily="34" charset="0"/>
               </a:rPr>
               <a:t>0</a:t>
             </a:r>
             <a:r>
-              <a:rPr lang="pt-BR" sz="1100" b="1" dirty="0">
-                <a:solidFill>
-                  <a:srgbClr val="000000"/>
-                </a:solidFill>
-                <a:latin typeface="Consolas" panose="020B0609020204030204" pitchFamily="49" charset="0"/>
+              <a:rPr lang="pt-BR" sz="1200" b="1" dirty="0">
+                <a:solidFill>
+                  <a:srgbClr val="000000"/>
+                </a:solidFill>
+                <a:latin typeface="Calibri Light" panose="020F0302020204030204" pitchFamily="34" charset="0"/>
+                <a:cs typeface="Calibri Light" panose="020F0302020204030204" pitchFamily="34" charset="0"/>
               </a:rPr>
               <a:t>, </a:t>
             </a:r>
             <a:r>
-              <a:rPr lang="pt-BR" sz="1100" b="1" dirty="0">
+              <a:rPr lang="pt-BR" sz="1200" b="1" dirty="0">
                 <a:solidFill>
                   <a:srgbClr val="09885A"/>
                 </a:solidFill>
-                <a:latin typeface="Consolas" panose="020B0609020204030204" pitchFamily="49" charset="0"/>
+                <a:latin typeface="Calibri Light" panose="020F0302020204030204" pitchFamily="34" charset="0"/>
+                <a:cs typeface="Calibri Light" panose="020F0302020204030204" pitchFamily="34" charset="0"/>
               </a:rPr>
               <a:t>4</a:t>
             </a:r>
             <a:r>
-              <a:rPr lang="pt-BR" sz="1100" b="1" dirty="0">
-                <a:solidFill>
-                  <a:srgbClr val="000000"/>
-                </a:solidFill>
-                <a:latin typeface="Consolas" panose="020B0609020204030204" pitchFamily="49" charset="0"/>
+              <a:rPr lang="pt-BR" sz="1200" b="1" dirty="0">
+                <a:solidFill>
+                  <a:srgbClr val="000000"/>
+                </a:solidFill>
+                <a:latin typeface="Calibri Light" panose="020F0302020204030204" pitchFamily="34" charset="0"/>
+                <a:cs typeface="Calibri Light" panose="020F0302020204030204" pitchFamily="34" charset="0"/>
               </a:rPr>
               <a:t>], [</a:t>
             </a:r>
             <a:r>
-              <a:rPr lang="pt-BR" sz="1100" b="1" dirty="0">
-                <a:solidFill>
-                  <a:srgbClr val="A31515"/>
-                </a:solidFill>
-                <a:latin typeface="Consolas" panose="020B0609020204030204" pitchFamily="49" charset="0"/>
-              </a:rPr>
-              <a:t>"a"</a:t>
-            </a:r>
-            <a:r>
-              <a:rPr lang="pt-BR" sz="1100" b="1" dirty="0">
-                <a:solidFill>
-                  <a:srgbClr val="000000"/>
-                </a:solidFill>
-                <a:latin typeface="Consolas" panose="020B0609020204030204" pitchFamily="49" charset="0"/>
+              <a:rPr lang="el-GR" sz="1200" b="1" dirty="0">
+                <a:solidFill>
+                  <a:srgbClr val="A31515"/>
+                </a:solidFill>
+                <a:latin typeface="Calibri Light" panose="020F0302020204030204" pitchFamily="34" charset="0"/>
+                <a:cs typeface="Calibri Light" panose="020F0302020204030204" pitchFamily="34" charset="0"/>
+              </a:rPr>
+              <a:t>'</a:t>
+            </a:r>
+            <a:r>
+              <a:rPr lang="pt-BR" sz="1200" b="1" dirty="0">
+                <a:solidFill>
+                  <a:srgbClr val="A31515"/>
+                </a:solidFill>
+                <a:latin typeface="Calibri Light" panose="020F0302020204030204" pitchFamily="34" charset="0"/>
+                <a:cs typeface="Calibri Light" panose="020F0302020204030204" pitchFamily="34" charset="0"/>
+              </a:rPr>
+              <a:t>a</a:t>
+            </a:r>
+            <a:r>
+              <a:rPr lang="el-GR" sz="1200" b="1" dirty="0">
+                <a:solidFill>
+                  <a:srgbClr val="A31515"/>
+                </a:solidFill>
+                <a:latin typeface="Calibri Light" panose="020F0302020204030204" pitchFamily="34" charset="0"/>
+                <a:cs typeface="Calibri Light" panose="020F0302020204030204" pitchFamily="34" charset="0"/>
+              </a:rPr>
+              <a:t>'</a:t>
+            </a:r>
+            <a:r>
+              <a:rPr lang="pt-BR" sz="1200" b="1" dirty="0">
+                <a:solidFill>
+                  <a:srgbClr val="000000"/>
+                </a:solidFill>
+                <a:latin typeface="Calibri Light" panose="020F0302020204030204" pitchFamily="34" charset="0"/>
+                <a:cs typeface="Calibri Light" panose="020F0302020204030204" pitchFamily="34" charset="0"/>
               </a:rPr>
               <a:t>, </a:t>
             </a:r>
             <a:r>
-              <a:rPr lang="pt-BR" sz="1100" b="1" dirty="0">
+              <a:rPr lang="pt-BR" sz="1200" b="1" dirty="0">
                 <a:solidFill>
                   <a:srgbClr val="09885A"/>
                 </a:solidFill>
-                <a:latin typeface="Consolas" panose="020B0609020204030204" pitchFamily="49" charset="0"/>
+                <a:latin typeface="Calibri Light" panose="020F0302020204030204" pitchFamily="34" charset="0"/>
+                <a:cs typeface="Calibri Light" panose="020F0302020204030204" pitchFamily="34" charset="0"/>
               </a:rPr>
               <a:t>1</a:t>
             </a:r>
             <a:r>
-              <a:rPr lang="pt-BR" sz="1100" b="1" dirty="0">
-                <a:solidFill>
-                  <a:srgbClr val="000000"/>
-                </a:solidFill>
-                <a:latin typeface="Consolas" panose="020B0609020204030204" pitchFamily="49" charset="0"/>
+              <a:rPr lang="pt-BR" sz="1200" b="1" dirty="0">
+                <a:solidFill>
+                  <a:srgbClr val="000000"/>
+                </a:solidFill>
+                <a:latin typeface="Calibri Light" panose="020F0302020204030204" pitchFamily="34" charset="0"/>
+                <a:cs typeface="Calibri Light" panose="020F0302020204030204" pitchFamily="34" charset="0"/>
               </a:rPr>
               <a:t>, </a:t>
             </a:r>
             <a:r>
-              <a:rPr lang="pt-BR" sz="1100" b="1" dirty="0">
+              <a:rPr lang="pt-BR" sz="1200" b="1" dirty="0">
                 <a:solidFill>
                   <a:srgbClr val="09885A"/>
                 </a:solidFill>
-                <a:latin typeface="Consolas" panose="020B0609020204030204" pitchFamily="49" charset="0"/>
+                <a:latin typeface="Calibri Light" panose="020F0302020204030204" pitchFamily="34" charset="0"/>
+                <a:cs typeface="Calibri Light" panose="020F0302020204030204" pitchFamily="34" charset="0"/>
               </a:rPr>
               <a:t>2</a:t>
             </a:r>
             <a:r>
-              <a:rPr lang="pt-BR" sz="1100" b="1" dirty="0">
-                <a:solidFill>
-                  <a:srgbClr val="000000"/>
-                </a:solidFill>
-                <a:latin typeface="Consolas" panose="020B0609020204030204" pitchFamily="49" charset="0"/>
+              <a:rPr lang="pt-BR" sz="1200" b="1" dirty="0">
+                <a:solidFill>
+                  <a:srgbClr val="000000"/>
+                </a:solidFill>
+                <a:latin typeface="Calibri Light" panose="020F0302020204030204" pitchFamily="34" charset="0"/>
+                <a:cs typeface="Calibri Light" panose="020F0302020204030204" pitchFamily="34" charset="0"/>
               </a:rPr>
               <a:t>, </a:t>
             </a:r>
             <a:r>
-              <a:rPr lang="pt-BR" sz="1100" b="1" dirty="0">
+              <a:rPr lang="pt-BR" sz="1200" b="1" dirty="0">
                 <a:solidFill>
                   <a:srgbClr val="09885A"/>
                 </a:solidFill>
-                <a:latin typeface="Consolas" panose="020B0609020204030204" pitchFamily="49" charset="0"/>
+                <a:latin typeface="Calibri Light" panose="020F0302020204030204" pitchFamily="34" charset="0"/>
+                <a:cs typeface="Calibri Light" panose="020F0302020204030204" pitchFamily="34" charset="0"/>
               </a:rPr>
               <a:t>5</a:t>
             </a:r>
             <a:r>
-              <a:rPr lang="pt-BR" sz="1100" b="1" dirty="0">
-                <a:solidFill>
-                  <a:srgbClr val="000000"/>
-                </a:solidFill>
-                <a:latin typeface="Consolas" panose="020B0609020204030204" pitchFamily="49" charset="0"/>
+              <a:rPr lang="pt-BR" sz="1200" b="1" dirty="0">
+                <a:solidFill>
+                  <a:srgbClr val="000000"/>
+                </a:solidFill>
+                <a:latin typeface="Calibri Light" panose="020F0302020204030204" pitchFamily="34" charset="0"/>
+                <a:cs typeface="Calibri Light" panose="020F0302020204030204" pitchFamily="34" charset="0"/>
               </a:rPr>
               <a:t>], [</a:t>
             </a:r>
             <a:r>
-              <a:rPr lang="pt-BR" sz="1100" b="1" dirty="0">
-                <a:solidFill>
-                  <a:srgbClr val="A31515"/>
-                </a:solidFill>
-                <a:latin typeface="Consolas" panose="020B0609020204030204" pitchFamily="49" charset="0"/>
-              </a:rPr>
-              <a:t>"b"</a:t>
-            </a:r>
-            <a:r>
-              <a:rPr lang="pt-BR" sz="1100" b="1" dirty="0">
-                <a:solidFill>
-                  <a:srgbClr val="000000"/>
-                </a:solidFill>
-                <a:latin typeface="Consolas" panose="020B0609020204030204" pitchFamily="49" charset="0"/>
+              <a:rPr lang="el-GR" sz="1200" b="1" dirty="0">
+                <a:solidFill>
+                  <a:srgbClr val="A31515"/>
+                </a:solidFill>
+                <a:latin typeface="Calibri Light" panose="020F0302020204030204" pitchFamily="34" charset="0"/>
+                <a:cs typeface="Calibri Light" panose="020F0302020204030204" pitchFamily="34" charset="0"/>
+              </a:rPr>
+              <a:t>'</a:t>
+            </a:r>
+            <a:r>
+              <a:rPr lang="pt-BR" sz="1200" b="1" dirty="0">
+                <a:solidFill>
+                  <a:srgbClr val="A31515"/>
+                </a:solidFill>
+                <a:latin typeface="Calibri Light" panose="020F0302020204030204" pitchFamily="34" charset="0"/>
+                <a:cs typeface="Calibri Light" panose="020F0302020204030204" pitchFamily="34" charset="0"/>
+              </a:rPr>
+              <a:t>b</a:t>
+            </a:r>
+            <a:r>
+              <a:rPr lang="el-GR" sz="1200" b="1" dirty="0">
+                <a:solidFill>
+                  <a:srgbClr val="A31515"/>
+                </a:solidFill>
+                <a:latin typeface="Calibri Light" panose="020F0302020204030204" pitchFamily="34" charset="0"/>
+                <a:cs typeface="Calibri Light" panose="020F0302020204030204" pitchFamily="34" charset="0"/>
+              </a:rPr>
+              <a:t>'</a:t>
+            </a:r>
+            <a:r>
+              <a:rPr lang="pt-BR" sz="1200" b="1" dirty="0">
+                <a:solidFill>
+                  <a:srgbClr val="000000"/>
+                </a:solidFill>
+                <a:latin typeface="Calibri Light" panose="020F0302020204030204" pitchFamily="34" charset="0"/>
+                <a:cs typeface="Calibri Light" panose="020F0302020204030204" pitchFamily="34" charset="0"/>
               </a:rPr>
               <a:t>, </a:t>
             </a:r>
             <a:r>
-              <a:rPr lang="pt-BR" sz="1100" b="1" dirty="0">
+              <a:rPr lang="pt-BR" sz="1200" b="1" dirty="0">
                 <a:solidFill>
                   <a:srgbClr val="09885A"/>
                 </a:solidFill>
-                <a:latin typeface="Consolas" panose="020B0609020204030204" pitchFamily="49" charset="0"/>
+                <a:latin typeface="Calibri Light" panose="020F0302020204030204" pitchFamily="34" charset="0"/>
+                <a:cs typeface="Calibri Light" panose="020F0302020204030204" pitchFamily="34" charset="0"/>
               </a:rPr>
               <a:t>0</a:t>
             </a:r>
             <a:r>
-              <a:rPr lang="pt-BR" sz="1100" b="1" dirty="0">
-                <a:solidFill>
-                  <a:srgbClr val="000000"/>
-                </a:solidFill>
-                <a:latin typeface="Consolas" panose="020B0609020204030204" pitchFamily="49" charset="0"/>
+              <a:rPr lang="pt-BR" sz="1200" b="1" dirty="0">
+                <a:solidFill>
+                  <a:srgbClr val="000000"/>
+                </a:solidFill>
+                <a:latin typeface="Calibri Light" panose="020F0302020204030204" pitchFamily="34" charset="0"/>
+                <a:cs typeface="Calibri Light" panose="020F0302020204030204" pitchFamily="34" charset="0"/>
               </a:rPr>
               <a:t>, </a:t>
             </a:r>
             <a:r>
-              <a:rPr lang="pt-BR" sz="1100" b="1" dirty="0">
+              <a:rPr lang="pt-BR" sz="1200" b="1" dirty="0">
                 <a:solidFill>
                   <a:srgbClr val="09885A"/>
                 </a:solidFill>
-                <a:latin typeface="Consolas" panose="020B0609020204030204" pitchFamily="49" charset="0"/>
+                <a:latin typeface="Calibri Light" panose="020F0302020204030204" pitchFamily="34" charset="0"/>
+                <a:cs typeface="Calibri Light" panose="020F0302020204030204" pitchFamily="34" charset="0"/>
               </a:rPr>
               <a:t>0</a:t>
             </a:r>
             <a:r>
-              <a:rPr lang="pt-BR" sz="1100" b="1" dirty="0">
-                <a:solidFill>
-                  <a:srgbClr val="000000"/>
-                </a:solidFill>
-                <a:latin typeface="Consolas" panose="020B0609020204030204" pitchFamily="49" charset="0"/>
+              <a:rPr lang="pt-BR" sz="1200" b="1" dirty="0">
+                <a:solidFill>
+                  <a:srgbClr val="000000"/>
+                </a:solidFill>
+                <a:latin typeface="Calibri Light" panose="020F0302020204030204" pitchFamily="34" charset="0"/>
+                <a:cs typeface="Calibri Light" panose="020F0302020204030204" pitchFamily="34" charset="0"/>
               </a:rPr>
               <a:t>, </a:t>
             </a:r>
             <a:r>
-              <a:rPr lang="pt-BR" sz="1100" b="1" dirty="0">
+              <a:rPr lang="pt-BR" sz="1200" b="1" dirty="0">
                 <a:solidFill>
                   <a:srgbClr val="09885A"/>
                 </a:solidFill>
-                <a:latin typeface="Consolas" panose="020B0609020204030204" pitchFamily="49" charset="0"/>
+                <a:latin typeface="Calibri Light" panose="020F0302020204030204" pitchFamily="34" charset="0"/>
+                <a:cs typeface="Calibri Light" panose="020F0302020204030204" pitchFamily="34" charset="0"/>
               </a:rPr>
               <a:t>1</a:t>
             </a:r>
             <a:r>
-              <a:rPr lang="pt-BR" sz="1100" b="1" dirty="0">
-                <a:solidFill>
-                  <a:srgbClr val="000000"/>
-                </a:solidFill>
-                <a:latin typeface="Consolas" panose="020B0609020204030204" pitchFamily="49" charset="0"/>
+              <a:rPr lang="pt-BR" sz="1200" b="1" dirty="0">
+                <a:solidFill>
+                  <a:srgbClr val="000000"/>
+                </a:solidFill>
+                <a:latin typeface="Calibri Light" panose="020F0302020204030204" pitchFamily="34" charset="0"/>
+                <a:cs typeface="Calibri Light" panose="020F0302020204030204" pitchFamily="34" charset="0"/>
               </a:rPr>
               <a:t>], [</a:t>
             </a:r>
             <a:r>
-              <a:rPr lang="pt-BR" sz="1100" b="1" dirty="0">
-                <a:solidFill>
-                  <a:srgbClr val="A31515"/>
-                </a:solidFill>
-                <a:latin typeface="Consolas" panose="020B0609020204030204" pitchFamily="49" charset="0"/>
-              </a:rPr>
-              <a:t>"b"</a:t>
-            </a:r>
-            <a:r>
-              <a:rPr lang="pt-BR" sz="1100" b="1" dirty="0">
-                <a:solidFill>
-                  <a:srgbClr val="000000"/>
-                </a:solidFill>
-                <a:latin typeface="Consolas" panose="020B0609020204030204" pitchFamily="49" charset="0"/>
+              <a:rPr lang="el-GR" sz="1200" b="1" dirty="0">
+                <a:solidFill>
+                  <a:srgbClr val="A31515"/>
+                </a:solidFill>
+                <a:latin typeface="Calibri Light" panose="020F0302020204030204" pitchFamily="34" charset="0"/>
+                <a:cs typeface="Calibri Light" panose="020F0302020204030204" pitchFamily="34" charset="0"/>
+              </a:rPr>
+              <a:t>'</a:t>
+            </a:r>
+            <a:r>
+              <a:rPr lang="pt-BR" sz="1200" b="1" dirty="0">
+                <a:solidFill>
+                  <a:srgbClr val="A31515"/>
+                </a:solidFill>
+                <a:latin typeface="Calibri Light" panose="020F0302020204030204" pitchFamily="34" charset="0"/>
+                <a:cs typeface="Calibri Light" panose="020F0302020204030204" pitchFamily="34" charset="0"/>
+              </a:rPr>
+              <a:t>b</a:t>
+            </a:r>
+            <a:r>
+              <a:rPr lang="el-GR" sz="1200" b="1" dirty="0">
+                <a:solidFill>
+                  <a:srgbClr val="A31515"/>
+                </a:solidFill>
+                <a:latin typeface="Calibri Light" panose="020F0302020204030204" pitchFamily="34" charset="0"/>
+                <a:cs typeface="Calibri Light" panose="020F0302020204030204" pitchFamily="34" charset="0"/>
+              </a:rPr>
+              <a:t>'</a:t>
+            </a:r>
+            <a:r>
+              <a:rPr lang="pt-BR" sz="1200" b="1" dirty="0">
+                <a:solidFill>
+                  <a:srgbClr val="000000"/>
+                </a:solidFill>
+                <a:latin typeface="Calibri Light" panose="020F0302020204030204" pitchFamily="34" charset="0"/>
+                <a:cs typeface="Calibri Light" panose="020F0302020204030204" pitchFamily="34" charset="0"/>
               </a:rPr>
               <a:t>, </a:t>
             </a:r>
             <a:r>
-              <a:rPr lang="pt-BR" sz="1100" b="1" dirty="0">
+              <a:rPr lang="pt-BR" sz="1200" b="1" dirty="0">
                 <a:solidFill>
                   <a:srgbClr val="09885A"/>
                 </a:solidFill>
-                <a:latin typeface="Consolas" panose="020B0609020204030204" pitchFamily="49" charset="0"/>
+                <a:latin typeface="Calibri Light" panose="020F0302020204030204" pitchFamily="34" charset="0"/>
+                <a:cs typeface="Calibri Light" panose="020F0302020204030204" pitchFamily="34" charset="0"/>
               </a:rPr>
               <a:t>2</a:t>
             </a:r>
             <a:r>
-              <a:rPr lang="pt-BR" sz="1100" b="1" dirty="0">
-                <a:solidFill>
-                  <a:srgbClr val="000000"/>
-                </a:solidFill>
-                <a:latin typeface="Consolas" panose="020B0609020204030204" pitchFamily="49" charset="0"/>
+              <a:rPr lang="pt-BR" sz="1200" b="1" dirty="0">
+                <a:solidFill>
+                  <a:srgbClr val="000000"/>
+                </a:solidFill>
+                <a:latin typeface="Calibri Light" panose="020F0302020204030204" pitchFamily="34" charset="0"/>
+                <a:cs typeface="Calibri Light" panose="020F0302020204030204" pitchFamily="34" charset="0"/>
               </a:rPr>
               <a:t>, </a:t>
             </a:r>
             <a:r>
-              <a:rPr lang="pt-BR" sz="1100" b="1" dirty="0">
+              <a:rPr lang="pt-BR" sz="1200" b="1" dirty="0">
                 <a:solidFill>
                   <a:srgbClr val="09885A"/>
                 </a:solidFill>
-                <a:latin typeface="Consolas" panose="020B0609020204030204" pitchFamily="49" charset="0"/>
+                <a:latin typeface="Calibri Light" panose="020F0302020204030204" pitchFamily="34" charset="0"/>
+                <a:cs typeface="Calibri Light" panose="020F0302020204030204" pitchFamily="34" charset="0"/>
               </a:rPr>
               <a:t>0</a:t>
             </a:r>
             <a:r>
-              <a:rPr lang="pt-BR" sz="1100" b="1" dirty="0">
-                <a:solidFill>
-                  <a:srgbClr val="000000"/>
-                </a:solidFill>
-                <a:latin typeface="Consolas" panose="020B0609020204030204" pitchFamily="49" charset="0"/>
+              <a:rPr lang="pt-BR" sz="1200" b="1" dirty="0">
+                <a:solidFill>
+                  <a:srgbClr val="000000"/>
+                </a:solidFill>
+                <a:latin typeface="Calibri Light" panose="020F0302020204030204" pitchFamily="34" charset="0"/>
+                <a:cs typeface="Calibri Light" panose="020F0302020204030204" pitchFamily="34" charset="0"/>
               </a:rPr>
               <a:t>, </a:t>
             </a:r>
             <a:r>
-              <a:rPr lang="pt-BR" sz="1100" b="1" dirty="0">
+              <a:rPr lang="pt-BR" sz="1200" b="1" dirty="0">
                 <a:solidFill>
                   <a:srgbClr val="09885A"/>
                 </a:solidFill>
-                <a:latin typeface="Consolas" panose="020B0609020204030204" pitchFamily="49" charset="0"/>
+                <a:latin typeface="Calibri Light" panose="020F0302020204030204" pitchFamily="34" charset="0"/>
+                <a:cs typeface="Calibri Light" panose="020F0302020204030204" pitchFamily="34" charset="0"/>
               </a:rPr>
               <a:t>3</a:t>
             </a:r>
             <a:r>
-              <a:rPr lang="pt-BR" sz="1100" b="1" dirty="0">
-                <a:solidFill>
-                  <a:srgbClr val="000000"/>
-                </a:solidFill>
-                <a:latin typeface="Consolas" panose="020B0609020204030204" pitchFamily="49" charset="0"/>
+              <a:rPr lang="pt-BR" sz="1200" b="1" dirty="0">
+                <a:solidFill>
+                  <a:srgbClr val="000000"/>
+                </a:solidFill>
+                <a:latin typeface="Calibri Light" panose="020F0302020204030204" pitchFamily="34" charset="0"/>
+                <a:cs typeface="Calibri Light" panose="020F0302020204030204" pitchFamily="34" charset="0"/>
               </a:rPr>
               <a:t>]]]</a:t>
             </a:r>
           </a:p>
           <a:p>
             <a:r>
-              <a:rPr lang="pt-BR" sz="1100" b="1" dirty="0">
-                <a:solidFill>
-                  <a:srgbClr val="000000"/>
-                </a:solidFill>
-                <a:latin typeface="Consolas" panose="020B0609020204030204" pitchFamily="49" charset="0"/>
+              <a:rPr lang="pt-BR" sz="1200" b="1" dirty="0">
+                <a:solidFill>
+                  <a:srgbClr val="000000"/>
+                </a:solidFill>
+                <a:latin typeface="Calibri Light" panose="020F0302020204030204" pitchFamily="34" charset="0"/>
+                <a:cs typeface="Calibri Light" panose="020F0302020204030204" pitchFamily="34" charset="0"/>
               </a:rPr>
               <a:t>[[</a:t>
             </a:r>
             <a:r>
-              <a:rPr lang="pt-BR" sz="1100" b="1" dirty="0">
+              <a:rPr lang="pt-BR" sz="1200" b="1" dirty="0">
                 <a:solidFill>
                   <a:srgbClr val="09885A"/>
                 </a:solidFill>
-                <a:latin typeface="Consolas" panose="020B0609020204030204" pitchFamily="49" charset="0"/>
+                <a:latin typeface="Calibri Light" panose="020F0302020204030204" pitchFamily="34" charset="0"/>
+                <a:cs typeface="Calibri Light" panose="020F0302020204030204" pitchFamily="34" charset="0"/>
               </a:rPr>
               <a:t>0</a:t>
             </a:r>
             <a:r>
-              <a:rPr lang="pt-BR" sz="1100" b="1" dirty="0">
-                <a:solidFill>
-                  <a:srgbClr val="000000"/>
-                </a:solidFill>
-                <a:latin typeface="Consolas" panose="020B0609020204030204" pitchFamily="49" charset="0"/>
+              <a:rPr lang="pt-BR" sz="1200" b="1" dirty="0">
+                <a:solidFill>
+                  <a:srgbClr val="000000"/>
+                </a:solidFill>
+                <a:latin typeface="Calibri Light" panose="020F0302020204030204" pitchFamily="34" charset="0"/>
+                <a:cs typeface="Calibri Light" panose="020F0302020204030204" pitchFamily="34" charset="0"/>
               </a:rPr>
               <a:t>, </a:t>
             </a:r>
             <a:r>
-              <a:rPr lang="pt-BR" sz="1100" b="1" dirty="0">
+              <a:rPr lang="pt-BR" sz="1200" b="1" dirty="0">
                 <a:solidFill>
                   <a:srgbClr val="09885A"/>
                 </a:solidFill>
-                <a:latin typeface="Consolas" panose="020B0609020204030204" pitchFamily="49" charset="0"/>
+                <a:latin typeface="Calibri Light" panose="020F0302020204030204" pitchFamily="34" charset="0"/>
+                <a:cs typeface="Calibri Light" panose="020F0302020204030204" pitchFamily="34" charset="0"/>
               </a:rPr>
               <a:t>0</a:t>
             </a:r>
             <a:r>
-              <a:rPr lang="pt-BR" sz="1100" b="1" dirty="0">
-                <a:solidFill>
-                  <a:srgbClr val="000000"/>
-                </a:solidFill>
-                <a:latin typeface="Consolas" panose="020B0609020204030204" pitchFamily="49" charset="0"/>
+              <a:rPr lang="pt-BR" sz="1200" b="1" dirty="0">
+                <a:solidFill>
+                  <a:srgbClr val="000000"/>
+                </a:solidFill>
+                <a:latin typeface="Calibri Light" panose="020F0302020204030204" pitchFamily="34" charset="0"/>
+                <a:cs typeface="Calibri Light" panose="020F0302020204030204" pitchFamily="34" charset="0"/>
               </a:rPr>
               <a:t>], [[</a:t>
             </a:r>
             <a:r>
-              <a:rPr lang="pt-BR" sz="1100" b="1" dirty="0">
-                <a:solidFill>
-                  <a:srgbClr val="A31515"/>
-                </a:solidFill>
-                <a:latin typeface="Consolas" panose="020B0609020204030204" pitchFamily="49" charset="0"/>
-              </a:rPr>
-              <a:t>"a"</a:t>
-            </a:r>
-            <a:r>
-              <a:rPr lang="pt-BR" sz="1100" b="1" dirty="0">
-                <a:solidFill>
-                  <a:srgbClr val="000000"/>
-                </a:solidFill>
-                <a:latin typeface="Consolas" panose="020B0609020204030204" pitchFamily="49" charset="0"/>
+              <a:rPr lang="el-GR" sz="1200" b="1" dirty="0">
+                <a:solidFill>
+                  <a:srgbClr val="A31515"/>
+                </a:solidFill>
+                <a:latin typeface="Calibri Light" panose="020F0302020204030204" pitchFamily="34" charset="0"/>
+                <a:cs typeface="Calibri Light" panose="020F0302020204030204" pitchFamily="34" charset="0"/>
+              </a:rPr>
+              <a:t>'</a:t>
+            </a:r>
+            <a:r>
+              <a:rPr lang="pt-BR" sz="1200" b="1" dirty="0">
+                <a:solidFill>
+                  <a:srgbClr val="A31515"/>
+                </a:solidFill>
+                <a:latin typeface="Calibri Light" panose="020F0302020204030204" pitchFamily="34" charset="0"/>
+                <a:cs typeface="Calibri Light" panose="020F0302020204030204" pitchFamily="34" charset="0"/>
+              </a:rPr>
+              <a:t>a</a:t>
+            </a:r>
+            <a:r>
+              <a:rPr lang="el-GR" sz="1200" b="1" dirty="0">
+                <a:solidFill>
+                  <a:srgbClr val="A31515"/>
+                </a:solidFill>
+                <a:latin typeface="Calibri Light" panose="020F0302020204030204" pitchFamily="34" charset="0"/>
+                <a:cs typeface="Calibri Light" panose="020F0302020204030204" pitchFamily="34" charset="0"/>
+              </a:rPr>
+              <a:t>'</a:t>
+            </a:r>
+            <a:r>
+              <a:rPr lang="pt-BR" sz="1200" b="1" dirty="0">
+                <a:solidFill>
+                  <a:srgbClr val="000000"/>
+                </a:solidFill>
+                <a:latin typeface="Calibri Light" panose="020F0302020204030204" pitchFamily="34" charset="0"/>
+                <a:cs typeface="Calibri Light" panose="020F0302020204030204" pitchFamily="34" charset="0"/>
               </a:rPr>
               <a:t>, </a:t>
             </a:r>
             <a:r>
-              <a:rPr lang="pt-BR" sz="1100" b="1" dirty="0">
+              <a:rPr lang="pt-BR" sz="1200" b="1" dirty="0">
                 <a:solidFill>
                   <a:srgbClr val="09885A"/>
                 </a:solidFill>
-                <a:latin typeface="Consolas" panose="020B0609020204030204" pitchFamily="49" charset="0"/>
+                <a:latin typeface="Calibri Light" panose="020F0302020204030204" pitchFamily="34" charset="0"/>
+                <a:cs typeface="Calibri Light" panose="020F0302020204030204" pitchFamily="34" charset="0"/>
               </a:rPr>
               <a:t>0</a:t>
             </a:r>
             <a:r>
-              <a:rPr lang="pt-BR" sz="1100" b="1" dirty="0">
-                <a:solidFill>
-                  <a:srgbClr val="000000"/>
-                </a:solidFill>
-                <a:latin typeface="Consolas" panose="020B0609020204030204" pitchFamily="49" charset="0"/>
+              <a:rPr lang="pt-BR" sz="1200" b="1" dirty="0">
+                <a:solidFill>
+                  <a:srgbClr val="000000"/>
+                </a:solidFill>
+                <a:latin typeface="Calibri Light" panose="020F0302020204030204" pitchFamily="34" charset="0"/>
+                <a:cs typeface="Calibri Light" panose="020F0302020204030204" pitchFamily="34" charset="0"/>
               </a:rPr>
               <a:t>, </a:t>
             </a:r>
             <a:r>
-              <a:rPr lang="pt-BR" sz="1100" b="1" dirty="0">
+              <a:rPr lang="pt-BR" sz="1200" b="1" dirty="0">
                 <a:solidFill>
                   <a:srgbClr val="09885A"/>
                 </a:solidFill>
-                <a:latin typeface="Consolas" panose="020B0609020204030204" pitchFamily="49" charset="0"/>
+                <a:latin typeface="Calibri Light" panose="020F0302020204030204" pitchFamily="34" charset="0"/>
+                <a:cs typeface="Calibri Light" panose="020F0302020204030204" pitchFamily="34" charset="0"/>
               </a:rPr>
               <a:t>0</a:t>
             </a:r>
             <a:r>
-              <a:rPr lang="pt-BR" sz="1100" b="1" dirty="0">
-                <a:solidFill>
-                  <a:srgbClr val="000000"/>
-                </a:solidFill>
-                <a:latin typeface="Consolas" panose="020B0609020204030204" pitchFamily="49" charset="0"/>
+              <a:rPr lang="pt-BR" sz="1200" b="1" dirty="0">
+                <a:solidFill>
+                  <a:srgbClr val="000000"/>
+                </a:solidFill>
+                <a:latin typeface="Calibri Light" panose="020F0302020204030204" pitchFamily="34" charset="0"/>
+                <a:cs typeface="Calibri Light" panose="020F0302020204030204" pitchFamily="34" charset="0"/>
               </a:rPr>
               <a:t>, </a:t>
             </a:r>
             <a:r>
-              <a:rPr lang="pt-BR" sz="1100" b="1" dirty="0">
+              <a:rPr lang="pt-BR" sz="1200" b="1" dirty="0">
                 <a:solidFill>
                   <a:srgbClr val="09885A"/>
                 </a:solidFill>
-                <a:latin typeface="Consolas" panose="020B0609020204030204" pitchFamily="49" charset="0"/>
+                <a:latin typeface="Calibri Light" panose="020F0302020204030204" pitchFamily="34" charset="0"/>
+                <a:cs typeface="Calibri Light" panose="020F0302020204030204" pitchFamily="34" charset="0"/>
               </a:rPr>
               <a:t>2</a:t>
             </a:r>
             <a:r>
-              <a:rPr lang="pt-BR" sz="1100" b="1" dirty="0">
-                <a:solidFill>
-                  <a:srgbClr val="000000"/>
-                </a:solidFill>
-                <a:latin typeface="Consolas" panose="020B0609020204030204" pitchFamily="49" charset="0"/>
+              <a:rPr lang="pt-BR" sz="1200" b="1" dirty="0">
+                <a:solidFill>
+                  <a:srgbClr val="000000"/>
+                </a:solidFill>
+                <a:latin typeface="Calibri Light" panose="020F0302020204030204" pitchFamily="34" charset="0"/>
+                <a:cs typeface="Calibri Light" panose="020F0302020204030204" pitchFamily="34" charset="0"/>
               </a:rPr>
               <a:t>], [</a:t>
             </a:r>
             <a:r>
-              <a:rPr lang="pt-BR" sz="1100" b="1" dirty="0">
-                <a:solidFill>
-                  <a:srgbClr val="A31515"/>
-                </a:solidFill>
-                <a:latin typeface="Consolas" panose="020B0609020204030204" pitchFamily="49" charset="0"/>
-              </a:rPr>
-              <a:t>"a"</a:t>
-            </a:r>
-            <a:r>
-              <a:rPr lang="pt-BR" sz="1100" b="1" dirty="0">
-                <a:solidFill>
-                  <a:srgbClr val="000000"/>
-                </a:solidFill>
-                <a:latin typeface="Consolas" panose="020B0609020204030204" pitchFamily="49" charset="0"/>
+              <a:rPr lang="el-GR" sz="1200" b="1" dirty="0">
+                <a:solidFill>
+                  <a:srgbClr val="A31515"/>
+                </a:solidFill>
+                <a:latin typeface="Calibri Light" panose="020F0302020204030204" pitchFamily="34" charset="0"/>
+                <a:cs typeface="Calibri Light" panose="020F0302020204030204" pitchFamily="34" charset="0"/>
+              </a:rPr>
+              <a:t>'</a:t>
+            </a:r>
+            <a:r>
+              <a:rPr lang="pt-BR" sz="1200" b="1" dirty="0">
+                <a:solidFill>
+                  <a:srgbClr val="A31515"/>
+                </a:solidFill>
+                <a:latin typeface="Calibri Light" panose="020F0302020204030204" pitchFamily="34" charset="0"/>
+                <a:cs typeface="Calibri Light" panose="020F0302020204030204" pitchFamily="34" charset="0"/>
+              </a:rPr>
+              <a:t>a</a:t>
+            </a:r>
+            <a:r>
+              <a:rPr lang="el-GR" sz="1200" b="1" dirty="0">
+                <a:solidFill>
+                  <a:srgbClr val="A31515"/>
+                </a:solidFill>
+                <a:latin typeface="Calibri Light" panose="020F0302020204030204" pitchFamily="34" charset="0"/>
+                <a:cs typeface="Calibri Light" panose="020F0302020204030204" pitchFamily="34" charset="0"/>
+              </a:rPr>
+              <a:t>'</a:t>
+            </a:r>
+            <a:r>
+              <a:rPr lang="pt-BR" sz="1200" b="1" dirty="0">
+                <a:solidFill>
+                  <a:srgbClr val="000000"/>
+                </a:solidFill>
+                <a:latin typeface="Calibri Light" panose="020F0302020204030204" pitchFamily="34" charset="0"/>
+                <a:cs typeface="Calibri Light" panose="020F0302020204030204" pitchFamily="34" charset="0"/>
               </a:rPr>
               <a:t>, </a:t>
             </a:r>
             <a:r>
-              <a:rPr lang="pt-BR" sz="1100" b="1" dirty="0">
+              <a:rPr lang="pt-BR" sz="1200" b="1" dirty="0">
                 <a:solidFill>
                   <a:srgbClr val="09885A"/>
                 </a:solidFill>
-                <a:latin typeface="Consolas" panose="020B0609020204030204" pitchFamily="49" charset="0"/>
+                <a:latin typeface="Calibri Light" panose="020F0302020204030204" pitchFamily="34" charset="0"/>
+                <a:cs typeface="Calibri Light" panose="020F0302020204030204" pitchFamily="34" charset="0"/>
               </a:rPr>
               <a:t>0</a:t>
             </a:r>
             <a:r>
-              <a:rPr lang="pt-BR" sz="1100" b="1" dirty="0">
-                <a:solidFill>
-                  <a:srgbClr val="000000"/>
-                </a:solidFill>
-                <a:latin typeface="Consolas" panose="020B0609020204030204" pitchFamily="49" charset="0"/>
+              <a:rPr lang="pt-BR" sz="1200" b="1" dirty="0">
+                <a:solidFill>
+                  <a:srgbClr val="000000"/>
+                </a:solidFill>
+                <a:latin typeface="Calibri Light" panose="020F0302020204030204" pitchFamily="34" charset="0"/>
+                <a:cs typeface="Calibri Light" panose="020F0302020204030204" pitchFamily="34" charset="0"/>
               </a:rPr>
               <a:t>, </a:t>
             </a:r>
             <a:r>
-              <a:rPr lang="pt-BR" sz="1100" b="1" dirty="0">
+              <a:rPr lang="pt-BR" sz="1200" b="1" dirty="0">
                 <a:solidFill>
                   <a:srgbClr val="09885A"/>
                 </a:solidFill>
-                <a:latin typeface="Consolas" panose="020B0609020204030204" pitchFamily="49" charset="0"/>
+                <a:latin typeface="Calibri Light" panose="020F0302020204030204" pitchFamily="34" charset="0"/>
+                <a:cs typeface="Calibri Light" panose="020F0302020204030204" pitchFamily="34" charset="0"/>
               </a:rPr>
               <a:t>2</a:t>
             </a:r>
             <a:r>
-              <a:rPr lang="pt-BR" sz="1100" b="1" dirty="0">
-                <a:solidFill>
-                  <a:srgbClr val="000000"/>
-                </a:solidFill>
-                <a:latin typeface="Consolas" panose="020B0609020204030204" pitchFamily="49" charset="0"/>
+              <a:rPr lang="pt-BR" sz="1200" b="1" dirty="0">
+                <a:solidFill>
+                  <a:srgbClr val="000000"/>
+                </a:solidFill>
+                <a:latin typeface="Calibri Light" panose="020F0302020204030204" pitchFamily="34" charset="0"/>
+                <a:cs typeface="Calibri Light" panose="020F0302020204030204" pitchFamily="34" charset="0"/>
               </a:rPr>
               <a:t>, </a:t>
             </a:r>
             <a:r>
-              <a:rPr lang="pt-BR" sz="1100" b="1" dirty="0">
+              <a:rPr lang="pt-BR" sz="1200" b="1" dirty="0">
                 <a:solidFill>
                   <a:srgbClr val="09885A"/>
                 </a:solidFill>
-                <a:latin typeface="Consolas" panose="020B0609020204030204" pitchFamily="49" charset="0"/>
+                <a:latin typeface="Calibri Light" panose="020F0302020204030204" pitchFamily="34" charset="0"/>
+                <a:cs typeface="Calibri Light" panose="020F0302020204030204" pitchFamily="34" charset="0"/>
               </a:rPr>
               <a:t>1</a:t>
             </a:r>
             <a:r>
-              <a:rPr lang="pt-BR" sz="1100" b="1" dirty="0">
-                <a:solidFill>
-                  <a:srgbClr val="000000"/>
-                </a:solidFill>
-                <a:latin typeface="Consolas" panose="020B0609020204030204" pitchFamily="49" charset="0"/>
+              <a:rPr lang="pt-BR" sz="1200" b="1" dirty="0">
+                <a:solidFill>
+                  <a:srgbClr val="000000"/>
+                </a:solidFill>
+                <a:latin typeface="Calibri Light" panose="020F0302020204030204" pitchFamily="34" charset="0"/>
+                <a:cs typeface="Calibri Light" panose="020F0302020204030204" pitchFamily="34" charset="0"/>
               </a:rPr>
               <a:t>], [</a:t>
             </a:r>
             <a:r>
-              <a:rPr lang="pt-BR" sz="1100" b="1" dirty="0">
-                <a:solidFill>
-                  <a:srgbClr val="A31515"/>
-                </a:solidFill>
-                <a:latin typeface="Consolas" panose="020B0609020204030204" pitchFamily="49" charset="0"/>
-              </a:rPr>
-              <a:t>"b"</a:t>
-            </a:r>
-            <a:r>
-              <a:rPr lang="pt-BR" sz="1100" b="1" dirty="0">
-                <a:solidFill>
-                  <a:srgbClr val="000000"/>
-                </a:solidFill>
-                <a:latin typeface="Consolas" panose="020B0609020204030204" pitchFamily="49" charset="0"/>
+              <a:rPr lang="el-GR" sz="1200" b="1" dirty="0">
+                <a:solidFill>
+                  <a:srgbClr val="A31515"/>
+                </a:solidFill>
+                <a:latin typeface="Calibri Light" panose="020F0302020204030204" pitchFamily="34" charset="0"/>
+                <a:cs typeface="Calibri Light" panose="020F0302020204030204" pitchFamily="34" charset="0"/>
+              </a:rPr>
+              <a:t>'</a:t>
+            </a:r>
+            <a:r>
+              <a:rPr lang="pt-BR" sz="1200" b="1" dirty="0">
+                <a:solidFill>
+                  <a:srgbClr val="A31515"/>
+                </a:solidFill>
+                <a:latin typeface="Calibri Light" panose="020F0302020204030204" pitchFamily="34" charset="0"/>
+                <a:cs typeface="Calibri Light" panose="020F0302020204030204" pitchFamily="34" charset="0"/>
+              </a:rPr>
+              <a:t>b</a:t>
+            </a:r>
+            <a:r>
+              <a:rPr lang="el-GR" sz="1200" b="1" dirty="0">
+                <a:solidFill>
+                  <a:srgbClr val="A31515"/>
+                </a:solidFill>
+                <a:latin typeface="Calibri Light" panose="020F0302020204030204" pitchFamily="34" charset="0"/>
+                <a:cs typeface="Calibri Light" panose="020F0302020204030204" pitchFamily="34" charset="0"/>
+              </a:rPr>
+              <a:t>'</a:t>
+            </a:r>
+            <a:r>
+              <a:rPr lang="pt-BR" sz="1200" b="1" dirty="0">
+                <a:solidFill>
+                  <a:srgbClr val="000000"/>
+                </a:solidFill>
+                <a:latin typeface="Calibri Light" panose="020F0302020204030204" pitchFamily="34" charset="0"/>
+                <a:cs typeface="Calibri Light" panose="020F0302020204030204" pitchFamily="34" charset="0"/>
               </a:rPr>
               <a:t>, </a:t>
             </a:r>
             <a:r>
-              <a:rPr lang="pt-BR" sz="1100" b="1" dirty="0">
+              <a:rPr lang="pt-BR" sz="1200" b="1" dirty="0">
                 <a:solidFill>
                   <a:srgbClr val="09885A"/>
                 </a:solidFill>
-                <a:latin typeface="Consolas" panose="020B0609020204030204" pitchFamily="49" charset="0"/>
+                <a:latin typeface="Calibri Light" panose="020F0302020204030204" pitchFamily="34" charset="0"/>
+                <a:cs typeface="Calibri Light" panose="020F0302020204030204" pitchFamily="34" charset="0"/>
               </a:rPr>
               <a:t>0</a:t>
             </a:r>
             <a:r>
-              <a:rPr lang="pt-BR" sz="1100" b="1" dirty="0">
-                <a:solidFill>
-                  <a:srgbClr val="000000"/>
-                </a:solidFill>
-                <a:latin typeface="Consolas" panose="020B0609020204030204" pitchFamily="49" charset="0"/>
+              <a:rPr lang="pt-BR" sz="1200" b="1" dirty="0">
+                <a:solidFill>
+                  <a:srgbClr val="000000"/>
+                </a:solidFill>
+                <a:latin typeface="Calibri Light" panose="020F0302020204030204" pitchFamily="34" charset="0"/>
+                <a:cs typeface="Calibri Light" panose="020F0302020204030204" pitchFamily="34" charset="0"/>
               </a:rPr>
               <a:t>, </a:t>
             </a:r>
             <a:r>
-              <a:rPr lang="pt-BR" sz="1100" b="1" dirty="0">
+              <a:rPr lang="pt-BR" sz="1200" b="1" dirty="0">
                 <a:solidFill>
                   <a:srgbClr val="09885A"/>
                 </a:solidFill>
-                <a:latin typeface="Consolas" panose="020B0609020204030204" pitchFamily="49" charset="0"/>
+                <a:latin typeface="Calibri Light" panose="020F0302020204030204" pitchFamily="34" charset="0"/>
+                <a:cs typeface="Calibri Light" panose="020F0302020204030204" pitchFamily="34" charset="0"/>
               </a:rPr>
               <a:t>0</a:t>
             </a:r>
             <a:r>
-              <a:rPr lang="pt-BR" sz="1100" b="1" dirty="0">
-                <a:solidFill>
-                  <a:srgbClr val="000000"/>
-                </a:solidFill>
-                <a:latin typeface="Consolas" panose="020B0609020204030204" pitchFamily="49" charset="0"/>
+              <a:rPr lang="pt-BR" sz="1200" b="1" dirty="0">
+                <a:solidFill>
+                  <a:srgbClr val="000000"/>
+                </a:solidFill>
+                <a:latin typeface="Calibri Light" panose="020F0302020204030204" pitchFamily="34" charset="0"/>
+                <a:cs typeface="Calibri Light" panose="020F0302020204030204" pitchFamily="34" charset="0"/>
               </a:rPr>
               <a:t>, </a:t>
             </a:r>
             <a:r>
-              <a:rPr lang="pt-BR" sz="1100" b="1" dirty="0">
+              <a:rPr lang="pt-BR" sz="1200" b="1" dirty="0">
                 <a:solidFill>
                   <a:srgbClr val="09885A"/>
                 </a:solidFill>
-                <a:latin typeface="Consolas" panose="020B0609020204030204" pitchFamily="49" charset="0"/>
+                <a:latin typeface="Calibri Light" panose="020F0302020204030204" pitchFamily="34" charset="0"/>
+                <a:cs typeface="Calibri Light" panose="020F0302020204030204" pitchFamily="34" charset="0"/>
               </a:rPr>
               <a:t>1</a:t>
             </a:r>
             <a:r>
-              <a:rPr lang="pt-BR" sz="1100" b="1" dirty="0">
-                <a:solidFill>
-                  <a:srgbClr val="000000"/>
-                </a:solidFill>
-                <a:latin typeface="Consolas" panose="020B0609020204030204" pitchFamily="49" charset="0"/>
+              <a:rPr lang="pt-BR" sz="1200" b="1" dirty="0">
+                <a:solidFill>
+                  <a:srgbClr val="000000"/>
+                </a:solidFill>
+                <a:latin typeface="Calibri Light" panose="020F0302020204030204" pitchFamily="34" charset="0"/>
+                <a:cs typeface="Calibri Light" panose="020F0302020204030204" pitchFamily="34" charset="0"/>
               </a:rPr>
               <a:t>], [</a:t>
             </a:r>
             <a:r>
-              <a:rPr lang="pt-BR" sz="1100" b="1" dirty="0">
-                <a:solidFill>
-                  <a:srgbClr val="A31515"/>
-                </a:solidFill>
-                <a:latin typeface="Consolas" panose="020B0609020204030204" pitchFamily="49" charset="0"/>
-              </a:rPr>
-              <a:t>"b"</a:t>
-            </a:r>
-            <a:r>
-              <a:rPr lang="pt-BR" sz="1100" b="1" dirty="0">
-                <a:solidFill>
-                  <a:srgbClr val="000000"/>
-                </a:solidFill>
-                <a:latin typeface="Consolas" panose="020B0609020204030204" pitchFamily="49" charset="0"/>
+              <a:rPr lang="el-GR" sz="1200" b="1" dirty="0">
+                <a:solidFill>
+                  <a:srgbClr val="A31515"/>
+                </a:solidFill>
+                <a:latin typeface="Calibri Light" panose="020F0302020204030204" pitchFamily="34" charset="0"/>
+                <a:cs typeface="Calibri Light" panose="020F0302020204030204" pitchFamily="34" charset="0"/>
+              </a:rPr>
+              <a:t>'</a:t>
+            </a:r>
+            <a:r>
+              <a:rPr lang="pt-BR" sz="1200" b="1" dirty="0">
+                <a:solidFill>
+                  <a:srgbClr val="A31515"/>
+                </a:solidFill>
+                <a:latin typeface="Calibri Light" panose="020F0302020204030204" pitchFamily="34" charset="0"/>
+                <a:cs typeface="Calibri Light" panose="020F0302020204030204" pitchFamily="34" charset="0"/>
+              </a:rPr>
+              <a:t>b</a:t>
+            </a:r>
+            <a:r>
+              <a:rPr lang="el-GR" sz="1200" b="1" dirty="0">
+                <a:solidFill>
+                  <a:srgbClr val="A31515"/>
+                </a:solidFill>
+                <a:latin typeface="Calibri Light" panose="020F0302020204030204" pitchFamily="34" charset="0"/>
+                <a:cs typeface="Calibri Light" panose="020F0302020204030204" pitchFamily="34" charset="0"/>
+              </a:rPr>
+              <a:t>'</a:t>
+            </a:r>
+            <a:r>
+              <a:rPr lang="pt-BR" sz="1200" b="1" dirty="0">
+                <a:solidFill>
+                  <a:srgbClr val="000000"/>
+                </a:solidFill>
+                <a:latin typeface="Calibri Light" panose="020F0302020204030204" pitchFamily="34" charset="0"/>
+                <a:cs typeface="Calibri Light" panose="020F0302020204030204" pitchFamily="34" charset="0"/>
               </a:rPr>
               <a:t>, </a:t>
             </a:r>
             <a:r>
-              <a:rPr lang="pt-BR" sz="1100" b="1" dirty="0">
+              <a:rPr lang="pt-BR" sz="1200" b="1" dirty="0">
                 <a:solidFill>
                   <a:srgbClr val="09885A"/>
                 </a:solidFill>
-                <a:latin typeface="Consolas" panose="020B0609020204030204" pitchFamily="49" charset="0"/>
+                <a:latin typeface="Calibri Light" panose="020F0302020204030204" pitchFamily="34" charset="0"/>
+                <a:cs typeface="Calibri Light" panose="020F0302020204030204" pitchFamily="34" charset="0"/>
               </a:rPr>
               <a:t>2</a:t>
             </a:r>
             <a:r>
-              <a:rPr lang="pt-BR" sz="1100" b="1" dirty="0">
-                <a:solidFill>
-                  <a:srgbClr val="000000"/>
-                </a:solidFill>
-                <a:latin typeface="Consolas" panose="020B0609020204030204" pitchFamily="49" charset="0"/>
+              <a:rPr lang="pt-BR" sz="1200" b="1" dirty="0">
+                <a:solidFill>
+                  <a:srgbClr val="000000"/>
+                </a:solidFill>
+                <a:latin typeface="Calibri Light" panose="020F0302020204030204" pitchFamily="34" charset="0"/>
+                <a:cs typeface="Calibri Light" panose="020F0302020204030204" pitchFamily="34" charset="0"/>
               </a:rPr>
               <a:t>, </a:t>
             </a:r>
             <a:r>
-              <a:rPr lang="pt-BR" sz="1100" b="1" dirty="0">
+              <a:rPr lang="pt-BR" sz="1200" b="1" dirty="0">
                 <a:solidFill>
                   <a:srgbClr val="09885A"/>
                 </a:solidFill>
-                <a:latin typeface="Consolas" panose="020B0609020204030204" pitchFamily="49" charset="0"/>
+                <a:latin typeface="Calibri Light" panose="020F0302020204030204" pitchFamily="34" charset="0"/>
+                <a:cs typeface="Calibri Light" panose="020F0302020204030204" pitchFamily="34" charset="0"/>
               </a:rPr>
               <a:t>0</a:t>
             </a:r>
             <a:r>
-              <a:rPr lang="pt-BR" sz="1100" b="1" dirty="0">
-                <a:solidFill>
-                  <a:srgbClr val="000000"/>
-                </a:solidFill>
-                <a:latin typeface="Consolas" panose="020B0609020204030204" pitchFamily="49" charset="0"/>
+              <a:rPr lang="pt-BR" sz="1200" b="1" dirty="0">
+                <a:solidFill>
+                  <a:srgbClr val="000000"/>
+                </a:solidFill>
+                <a:latin typeface="Calibri Light" panose="020F0302020204030204" pitchFamily="34" charset="0"/>
+                <a:cs typeface="Calibri Light" panose="020F0302020204030204" pitchFamily="34" charset="0"/>
               </a:rPr>
               <a:t>, </a:t>
             </a:r>
             <a:r>
-              <a:rPr lang="pt-BR" sz="1100" b="1" dirty="0">
+              <a:rPr lang="pt-BR" sz="1200" b="1" dirty="0">
                 <a:solidFill>
                   <a:srgbClr val="09885A"/>
                 </a:solidFill>
-                <a:latin typeface="Consolas" panose="020B0609020204030204" pitchFamily="49" charset="0"/>
+                <a:latin typeface="Calibri Light" panose="020F0302020204030204" pitchFamily="34" charset="0"/>
+                <a:cs typeface="Calibri Light" panose="020F0302020204030204" pitchFamily="34" charset="0"/>
               </a:rPr>
               <a:t>3</a:t>
             </a:r>
             <a:r>
-              <a:rPr lang="pt-BR" sz="1100" b="1" dirty="0">
-                <a:solidFill>
-                  <a:srgbClr val="000000"/>
-                </a:solidFill>
-                <a:latin typeface="Consolas" panose="020B0609020204030204" pitchFamily="49" charset="0"/>
+              <a:rPr lang="pt-BR" sz="1200" b="1" dirty="0">
+                <a:solidFill>
+                  <a:srgbClr val="000000"/>
+                </a:solidFill>
+                <a:latin typeface="Calibri Light" panose="020F0302020204030204" pitchFamily="34" charset="0"/>
+                <a:cs typeface="Calibri Light" panose="020F0302020204030204" pitchFamily="34" charset="0"/>
               </a:rPr>
               <a:t>]]]</a:t>
             </a:r>
           </a:p>
           <a:p>
             <a:r>
-              <a:rPr lang="pt-BR" sz="1100" b="1" dirty="0">
-                <a:solidFill>
-                  <a:srgbClr val="000000"/>
-                </a:solidFill>
-                <a:latin typeface="Consolas" panose="020B0609020204030204" pitchFamily="49" charset="0"/>
+              <a:rPr lang="pt-BR" sz="1200" b="1" dirty="0">
+                <a:solidFill>
+                  <a:srgbClr val="000000"/>
+                </a:solidFill>
+                <a:latin typeface="Calibri Light" panose="020F0302020204030204" pitchFamily="34" charset="0"/>
+                <a:cs typeface="Calibri Light" panose="020F0302020204030204" pitchFamily="34" charset="0"/>
               </a:rPr>
               <a:t>[[</a:t>
             </a:r>
             <a:r>
-              <a:rPr lang="pt-BR" sz="1100" b="1" dirty="0">
+              <a:rPr lang="pt-BR" sz="1200" b="1" dirty="0">
                 <a:solidFill>
                   <a:srgbClr val="09885A"/>
                 </a:solidFill>
-                <a:latin typeface="Consolas" panose="020B0609020204030204" pitchFamily="49" charset="0"/>
+                <a:latin typeface="Calibri Light" panose="020F0302020204030204" pitchFamily="34" charset="0"/>
+                <a:cs typeface="Calibri Light" panose="020F0302020204030204" pitchFamily="34" charset="0"/>
               </a:rPr>
               <a:t>1</a:t>
             </a:r>
             <a:r>
-              <a:rPr lang="pt-BR" sz="1100" b="1" dirty="0">
-                <a:solidFill>
-                  <a:srgbClr val="000000"/>
-                </a:solidFill>
-                <a:latin typeface="Consolas" panose="020B0609020204030204" pitchFamily="49" charset="0"/>
+              <a:rPr lang="pt-BR" sz="1200" b="1" dirty="0">
+                <a:solidFill>
+                  <a:srgbClr val="000000"/>
+                </a:solidFill>
+                <a:latin typeface="Calibri Light" panose="020F0302020204030204" pitchFamily="34" charset="0"/>
+                <a:cs typeface="Calibri Light" panose="020F0302020204030204" pitchFamily="34" charset="0"/>
               </a:rPr>
               <a:t>, </a:t>
             </a:r>
             <a:r>
-              <a:rPr lang="pt-BR" sz="1100" b="1" dirty="0">
+              <a:rPr lang="pt-BR" sz="1200" b="1" dirty="0">
                 <a:solidFill>
                   <a:srgbClr val="09885A"/>
                 </a:solidFill>
-                <a:latin typeface="Consolas" panose="020B0609020204030204" pitchFamily="49" charset="0"/>
+                <a:latin typeface="Calibri Light" panose="020F0302020204030204" pitchFamily="34" charset="0"/>
+                <a:cs typeface="Calibri Light" panose="020F0302020204030204" pitchFamily="34" charset="0"/>
               </a:rPr>
               <a:t>1</a:t>
             </a:r>
             <a:r>
-              <a:rPr lang="pt-BR" sz="1100" b="1" dirty="0">
-                <a:solidFill>
-                  <a:srgbClr val="000000"/>
-                </a:solidFill>
-                <a:latin typeface="Consolas" panose="020B0609020204030204" pitchFamily="49" charset="0"/>
+              <a:rPr lang="pt-BR" sz="1200" b="1" dirty="0">
+                <a:solidFill>
+                  <a:srgbClr val="000000"/>
+                </a:solidFill>
+                <a:latin typeface="Calibri Light" panose="020F0302020204030204" pitchFamily="34" charset="0"/>
+                <a:cs typeface="Calibri Light" panose="020F0302020204030204" pitchFamily="34" charset="0"/>
               </a:rPr>
               <a:t>], [[</a:t>
             </a:r>
             <a:r>
-              <a:rPr lang="pt-BR" sz="1100" b="1" dirty="0">
-                <a:solidFill>
-                  <a:srgbClr val="A31515"/>
-                </a:solidFill>
-                <a:latin typeface="Consolas" panose="020B0609020204030204" pitchFamily="49" charset="0"/>
-              </a:rPr>
-              <a:t>"a"</a:t>
-            </a:r>
-            <a:r>
-              <a:rPr lang="pt-BR" sz="1100" b="1" dirty="0">
-                <a:solidFill>
-                  <a:srgbClr val="000000"/>
-                </a:solidFill>
-                <a:latin typeface="Consolas" panose="020B0609020204030204" pitchFamily="49" charset="0"/>
+              <a:rPr lang="el-GR" sz="1200" b="1" dirty="0">
+                <a:solidFill>
+                  <a:srgbClr val="A31515"/>
+                </a:solidFill>
+                <a:latin typeface="Calibri Light" panose="020F0302020204030204" pitchFamily="34" charset="0"/>
+                <a:cs typeface="Calibri Light" panose="020F0302020204030204" pitchFamily="34" charset="0"/>
+              </a:rPr>
+              <a:t>'</a:t>
+            </a:r>
+            <a:r>
+              <a:rPr lang="pt-BR" sz="1200" b="1" dirty="0">
+                <a:solidFill>
+                  <a:srgbClr val="A31515"/>
+                </a:solidFill>
+                <a:latin typeface="Calibri Light" panose="020F0302020204030204" pitchFamily="34" charset="0"/>
+                <a:cs typeface="Calibri Light" panose="020F0302020204030204" pitchFamily="34" charset="0"/>
+              </a:rPr>
+              <a:t>a</a:t>
+            </a:r>
+            <a:r>
+              <a:rPr lang="el-GR" sz="1200" b="1" dirty="0">
+                <a:solidFill>
+                  <a:srgbClr val="A31515"/>
+                </a:solidFill>
+                <a:latin typeface="Calibri Light" panose="020F0302020204030204" pitchFamily="34" charset="0"/>
+                <a:cs typeface="Calibri Light" panose="020F0302020204030204" pitchFamily="34" charset="0"/>
+              </a:rPr>
+              <a:t>'</a:t>
+            </a:r>
+            <a:r>
+              <a:rPr lang="pt-BR" sz="1200" b="1" dirty="0">
+                <a:solidFill>
+                  <a:srgbClr val="000000"/>
+                </a:solidFill>
+                <a:latin typeface="Calibri Light" panose="020F0302020204030204" pitchFamily="34" charset="0"/>
+                <a:cs typeface="Calibri Light" panose="020F0302020204030204" pitchFamily="34" charset="0"/>
               </a:rPr>
               <a:t>, </a:t>
             </a:r>
             <a:r>
-              <a:rPr lang="pt-BR" sz="1100" b="1" dirty="0">
+              <a:rPr lang="pt-BR" sz="1200" b="1" dirty="0">
                 <a:solidFill>
                   <a:srgbClr val="09885A"/>
                 </a:solidFill>
-                <a:latin typeface="Consolas" panose="020B0609020204030204" pitchFamily="49" charset="0"/>
+                <a:latin typeface="Calibri Light" panose="020F0302020204030204" pitchFamily="34" charset="0"/>
+                <a:cs typeface="Calibri Light" panose="020F0302020204030204" pitchFamily="34" charset="0"/>
               </a:rPr>
               <a:t>1</a:t>
             </a:r>
             <a:r>
-              <a:rPr lang="pt-BR" sz="1100" b="1" dirty="0">
-                <a:solidFill>
-                  <a:srgbClr val="000000"/>
-                </a:solidFill>
-                <a:latin typeface="Consolas" panose="020B0609020204030204" pitchFamily="49" charset="0"/>
+              <a:rPr lang="pt-BR" sz="1200" b="1" dirty="0">
+                <a:solidFill>
+                  <a:srgbClr val="000000"/>
+                </a:solidFill>
+                <a:latin typeface="Calibri Light" panose="020F0302020204030204" pitchFamily="34" charset="0"/>
+                <a:cs typeface="Calibri Light" panose="020F0302020204030204" pitchFamily="34" charset="0"/>
               </a:rPr>
               <a:t>, </a:t>
             </a:r>
             <a:r>
-              <a:rPr lang="pt-BR" sz="1100" b="1" dirty="0">
+              <a:rPr lang="pt-BR" sz="1200" b="1" dirty="0">
                 <a:solidFill>
                   <a:srgbClr val="09885A"/>
                 </a:solidFill>
-                <a:latin typeface="Consolas" panose="020B0609020204030204" pitchFamily="49" charset="0"/>
+                <a:latin typeface="Calibri Light" panose="020F0302020204030204" pitchFamily="34" charset="0"/>
+                <a:cs typeface="Calibri Light" panose="020F0302020204030204" pitchFamily="34" charset="0"/>
               </a:rPr>
               <a:t>0</a:t>
             </a:r>
             <a:r>
-              <a:rPr lang="pt-BR" sz="1100" b="1" dirty="0">
-                <a:solidFill>
-                  <a:srgbClr val="000000"/>
-                </a:solidFill>
-                <a:latin typeface="Consolas" panose="020B0609020204030204" pitchFamily="49" charset="0"/>
+              <a:rPr lang="pt-BR" sz="1200" b="1" dirty="0">
+                <a:solidFill>
+                  <a:srgbClr val="000000"/>
+                </a:solidFill>
+                <a:latin typeface="Calibri Light" panose="020F0302020204030204" pitchFamily="34" charset="0"/>
+                <a:cs typeface="Calibri Light" panose="020F0302020204030204" pitchFamily="34" charset="0"/>
               </a:rPr>
               <a:t>, </a:t>
             </a:r>
             <a:r>
-              <a:rPr lang="pt-BR" sz="1100" b="1" dirty="0">
+              <a:rPr lang="pt-BR" sz="1200" b="1" dirty="0">
                 <a:solidFill>
                   <a:srgbClr val="09885A"/>
                 </a:solidFill>
-                <a:latin typeface="Consolas" panose="020B0609020204030204" pitchFamily="49" charset="0"/>
+                <a:latin typeface="Calibri Light" panose="020F0302020204030204" pitchFamily="34" charset="0"/>
+                <a:cs typeface="Calibri Light" panose="020F0302020204030204" pitchFamily="34" charset="0"/>
               </a:rPr>
               <a:t>4</a:t>
             </a:r>
             <a:r>
-              <a:rPr lang="pt-BR" sz="1100" b="1" dirty="0">
-                <a:solidFill>
-                  <a:srgbClr val="000000"/>
-                </a:solidFill>
-                <a:latin typeface="Consolas" panose="020B0609020204030204" pitchFamily="49" charset="0"/>
+              <a:rPr lang="pt-BR" sz="1200" b="1" dirty="0">
+                <a:solidFill>
+                  <a:srgbClr val="000000"/>
+                </a:solidFill>
+                <a:latin typeface="Calibri Light" panose="020F0302020204030204" pitchFamily="34" charset="0"/>
+                <a:cs typeface="Calibri Light" panose="020F0302020204030204" pitchFamily="34" charset="0"/>
               </a:rPr>
               <a:t>], [</a:t>
             </a:r>
             <a:r>
-              <a:rPr lang="pt-BR" sz="1100" b="1" dirty="0">
-                <a:solidFill>
-                  <a:srgbClr val="A31515"/>
-                </a:solidFill>
-                <a:latin typeface="Consolas" panose="020B0609020204030204" pitchFamily="49" charset="0"/>
-              </a:rPr>
-              <a:t>"a"</a:t>
-            </a:r>
-            <a:r>
-              <a:rPr lang="pt-BR" sz="1100" b="1" dirty="0">
-                <a:solidFill>
-                  <a:srgbClr val="000000"/>
-                </a:solidFill>
-                <a:latin typeface="Consolas" panose="020B0609020204030204" pitchFamily="49" charset="0"/>
+              <a:rPr lang="el-GR" sz="1200" b="1" dirty="0">
+                <a:solidFill>
+                  <a:srgbClr val="A31515"/>
+                </a:solidFill>
+                <a:latin typeface="Calibri Light" panose="020F0302020204030204" pitchFamily="34" charset="0"/>
+                <a:cs typeface="Calibri Light" panose="020F0302020204030204" pitchFamily="34" charset="0"/>
+              </a:rPr>
+              <a:t>'</a:t>
+            </a:r>
+            <a:r>
+              <a:rPr lang="pt-BR" sz="1200" b="1" dirty="0">
+                <a:solidFill>
+                  <a:srgbClr val="A31515"/>
+                </a:solidFill>
+                <a:latin typeface="Calibri Light" panose="020F0302020204030204" pitchFamily="34" charset="0"/>
+                <a:cs typeface="Calibri Light" panose="020F0302020204030204" pitchFamily="34" charset="0"/>
+              </a:rPr>
+              <a:t>a</a:t>
+            </a:r>
+            <a:r>
+              <a:rPr lang="el-GR" sz="1200" b="1" dirty="0">
+                <a:solidFill>
+                  <a:srgbClr val="A31515"/>
+                </a:solidFill>
+                <a:latin typeface="Calibri Light" panose="020F0302020204030204" pitchFamily="34" charset="0"/>
+                <a:cs typeface="Calibri Light" panose="020F0302020204030204" pitchFamily="34" charset="0"/>
+              </a:rPr>
+              <a:t>'</a:t>
+            </a:r>
+            <a:r>
+              <a:rPr lang="pt-BR" sz="1200" b="1" dirty="0">
+                <a:solidFill>
+                  <a:srgbClr val="000000"/>
+                </a:solidFill>
+                <a:latin typeface="Calibri Light" panose="020F0302020204030204" pitchFamily="34" charset="0"/>
+                <a:cs typeface="Calibri Light" panose="020F0302020204030204" pitchFamily="34" charset="0"/>
               </a:rPr>
               <a:t>, </a:t>
             </a:r>
             <a:r>
-              <a:rPr lang="pt-BR" sz="1100" b="1" dirty="0">
+              <a:rPr lang="pt-BR" sz="1200" b="1" dirty="0">
                 <a:solidFill>
                   <a:srgbClr val="09885A"/>
                 </a:solidFill>
-                <a:latin typeface="Consolas" panose="020B0609020204030204" pitchFamily="49" charset="0"/>
+                <a:latin typeface="Calibri Light" panose="020F0302020204030204" pitchFamily="34" charset="0"/>
+                <a:cs typeface="Calibri Light" panose="020F0302020204030204" pitchFamily="34" charset="0"/>
               </a:rPr>
               <a:t>1</a:t>
             </a:r>
             <a:r>
-              <a:rPr lang="pt-BR" sz="1100" b="1" dirty="0">
-                <a:solidFill>
-                  <a:srgbClr val="000000"/>
-                </a:solidFill>
-                <a:latin typeface="Consolas" panose="020B0609020204030204" pitchFamily="49" charset="0"/>
+              <a:rPr lang="pt-BR" sz="1200" b="1" dirty="0">
+                <a:solidFill>
+                  <a:srgbClr val="000000"/>
+                </a:solidFill>
+                <a:latin typeface="Calibri Light" panose="020F0302020204030204" pitchFamily="34" charset="0"/>
+                <a:cs typeface="Calibri Light" panose="020F0302020204030204" pitchFamily="34" charset="0"/>
               </a:rPr>
               <a:t>, </a:t>
             </a:r>
             <a:r>
-              <a:rPr lang="pt-BR" sz="1100" b="1" dirty="0">
+              <a:rPr lang="pt-BR" sz="1200" b="1" dirty="0">
                 <a:solidFill>
                   <a:srgbClr val="09885A"/>
                 </a:solidFill>
-                <a:latin typeface="Consolas" panose="020B0609020204030204" pitchFamily="49" charset="0"/>
+                <a:latin typeface="Calibri Light" panose="020F0302020204030204" pitchFamily="34" charset="0"/>
+                <a:cs typeface="Calibri Light" panose="020F0302020204030204" pitchFamily="34" charset="0"/>
               </a:rPr>
               <a:t>2</a:t>
             </a:r>
             <a:r>
-              <a:rPr lang="pt-BR" sz="1100" b="1" dirty="0">
-                <a:solidFill>
-                  <a:srgbClr val="000000"/>
-                </a:solidFill>
-                <a:latin typeface="Consolas" panose="020B0609020204030204" pitchFamily="49" charset="0"/>
+              <a:rPr lang="pt-BR" sz="1200" b="1" dirty="0">
+                <a:solidFill>
+                  <a:srgbClr val="000000"/>
+                </a:solidFill>
+                <a:latin typeface="Calibri Light" panose="020F0302020204030204" pitchFamily="34" charset="0"/>
+                <a:cs typeface="Calibri Light" panose="020F0302020204030204" pitchFamily="34" charset="0"/>
               </a:rPr>
               <a:t>, </a:t>
             </a:r>
             <a:r>
-              <a:rPr lang="pt-BR" sz="1100" b="1" dirty="0">
+              <a:rPr lang="pt-BR" sz="1200" b="1" dirty="0">
                 <a:solidFill>
                   <a:srgbClr val="09885A"/>
                 </a:solidFill>
-                <a:latin typeface="Consolas" panose="020B0609020204030204" pitchFamily="49" charset="0"/>
+                <a:latin typeface="Calibri Light" panose="020F0302020204030204" pitchFamily="34" charset="0"/>
+                <a:cs typeface="Calibri Light" panose="020F0302020204030204" pitchFamily="34" charset="0"/>
               </a:rPr>
               <a:t>5</a:t>
             </a:r>
             <a:r>
-              <a:rPr lang="pt-BR" sz="1100" b="1" dirty="0">
-                <a:solidFill>
-                  <a:srgbClr val="000000"/>
-                </a:solidFill>
-                <a:latin typeface="Consolas" panose="020B0609020204030204" pitchFamily="49" charset="0"/>
+              <a:rPr lang="pt-BR" sz="1200" b="1" dirty="0">
+                <a:solidFill>
+                  <a:srgbClr val="000000"/>
+                </a:solidFill>
+                <a:latin typeface="Calibri Light" panose="020F0302020204030204" pitchFamily="34" charset="0"/>
+                <a:cs typeface="Calibri Light" panose="020F0302020204030204" pitchFamily="34" charset="0"/>
               </a:rPr>
               <a:t>], [</a:t>
             </a:r>
             <a:r>
-              <a:rPr lang="pt-BR" sz="1100" b="1" dirty="0">
-                <a:solidFill>
-                  <a:srgbClr val="A31515"/>
-                </a:solidFill>
-                <a:latin typeface="Consolas" panose="020B0609020204030204" pitchFamily="49" charset="0"/>
-              </a:rPr>
-              <a:t>"b"</a:t>
-            </a:r>
-            <a:r>
-              <a:rPr lang="pt-BR" sz="1100" b="1" dirty="0">
-                <a:solidFill>
-                  <a:srgbClr val="000000"/>
-                </a:solidFill>
-                <a:latin typeface="Consolas" panose="020B0609020204030204" pitchFamily="49" charset="0"/>
+              <a:rPr lang="el-GR" sz="1200" b="1" dirty="0">
+                <a:solidFill>
+                  <a:srgbClr val="A31515"/>
+                </a:solidFill>
+                <a:latin typeface="Calibri Light" panose="020F0302020204030204" pitchFamily="34" charset="0"/>
+                <a:cs typeface="Calibri Light" panose="020F0302020204030204" pitchFamily="34" charset="0"/>
+              </a:rPr>
+              <a:t>'</a:t>
+            </a:r>
+            <a:r>
+              <a:rPr lang="pt-BR" sz="1200" b="1" dirty="0">
+                <a:solidFill>
+                  <a:srgbClr val="A31515"/>
+                </a:solidFill>
+                <a:latin typeface="Calibri Light" panose="020F0302020204030204" pitchFamily="34" charset="0"/>
+                <a:cs typeface="Calibri Light" panose="020F0302020204030204" pitchFamily="34" charset="0"/>
+              </a:rPr>
+              <a:t>b</a:t>
+            </a:r>
+            <a:r>
+              <a:rPr lang="el-GR" sz="1200" b="1" dirty="0">
+                <a:solidFill>
+                  <a:srgbClr val="A31515"/>
+                </a:solidFill>
+                <a:latin typeface="Calibri Light" panose="020F0302020204030204" pitchFamily="34" charset="0"/>
+                <a:cs typeface="Calibri Light" panose="020F0302020204030204" pitchFamily="34" charset="0"/>
+              </a:rPr>
+              <a:t>'</a:t>
+            </a:r>
+            <a:r>
+              <a:rPr lang="pt-BR" sz="1200" b="1" dirty="0">
+                <a:solidFill>
+                  <a:srgbClr val="000000"/>
+                </a:solidFill>
+                <a:latin typeface="Calibri Light" panose="020F0302020204030204" pitchFamily="34" charset="0"/>
+                <a:cs typeface="Calibri Light" panose="020F0302020204030204" pitchFamily="34" charset="0"/>
               </a:rPr>
               <a:t>, </a:t>
             </a:r>
             <a:r>
-              <a:rPr lang="pt-BR" sz="1100" b="1" dirty="0">
+              <a:rPr lang="pt-BR" sz="1200" b="1" dirty="0">
                 <a:solidFill>
                   <a:srgbClr val="09885A"/>
                 </a:solidFill>
-                <a:latin typeface="Consolas" panose="020B0609020204030204" pitchFamily="49" charset="0"/>
+                <a:latin typeface="Calibri Light" panose="020F0302020204030204" pitchFamily="34" charset="0"/>
+                <a:cs typeface="Calibri Light" panose="020F0302020204030204" pitchFamily="34" charset="0"/>
               </a:rPr>
               <a:t>0</a:t>
             </a:r>
             <a:r>
-              <a:rPr lang="pt-BR" sz="1100" b="1" dirty="0">
-                <a:solidFill>
-                  <a:srgbClr val="000000"/>
-                </a:solidFill>
-                <a:latin typeface="Consolas" panose="020B0609020204030204" pitchFamily="49" charset="0"/>
+              <a:rPr lang="pt-BR" sz="1200" b="1" dirty="0">
+                <a:solidFill>
+                  <a:srgbClr val="000000"/>
+                </a:solidFill>
+                <a:latin typeface="Calibri Light" panose="020F0302020204030204" pitchFamily="34" charset="0"/>
+                <a:cs typeface="Calibri Light" panose="020F0302020204030204" pitchFamily="34" charset="0"/>
               </a:rPr>
               <a:t>, </a:t>
             </a:r>
             <a:r>
-              <a:rPr lang="pt-BR" sz="1100" b="1" dirty="0">
+              <a:rPr lang="pt-BR" sz="1200" b="1" dirty="0">
                 <a:solidFill>
                   <a:srgbClr val="09885A"/>
                 </a:solidFill>
-                <a:latin typeface="Consolas" panose="020B0609020204030204" pitchFamily="49" charset="0"/>
+                <a:latin typeface="Calibri Light" panose="020F0302020204030204" pitchFamily="34" charset="0"/>
+                <a:cs typeface="Calibri Light" panose="020F0302020204030204" pitchFamily="34" charset="0"/>
               </a:rPr>
               <a:t>1</a:t>
             </a:r>
             <a:r>
-              <a:rPr lang="pt-BR" sz="1100" b="1" dirty="0">
-                <a:solidFill>
-                  <a:srgbClr val="000000"/>
-                </a:solidFill>
-                <a:latin typeface="Consolas" panose="020B0609020204030204" pitchFamily="49" charset="0"/>
+              <a:rPr lang="pt-BR" sz="1200" b="1" dirty="0">
+                <a:solidFill>
+                  <a:srgbClr val="000000"/>
+                </a:solidFill>
+                <a:latin typeface="Calibri Light" panose="020F0302020204030204" pitchFamily="34" charset="0"/>
+                <a:cs typeface="Calibri Light" panose="020F0302020204030204" pitchFamily="34" charset="0"/>
               </a:rPr>
               <a:t>, </a:t>
             </a:r>
             <a:r>
-              <a:rPr lang="pt-BR" sz="1100" b="1" dirty="0">
+              <a:rPr lang="pt-BR" sz="1200" b="1" dirty="0">
                 <a:solidFill>
                   <a:srgbClr val="09885A"/>
                 </a:solidFill>
-                <a:latin typeface="Consolas" panose="020B0609020204030204" pitchFamily="49" charset="0"/>
+                <a:latin typeface="Calibri Light" panose="020F0302020204030204" pitchFamily="34" charset="0"/>
+                <a:cs typeface="Calibri Light" panose="020F0302020204030204" pitchFamily="34" charset="0"/>
               </a:rPr>
               <a:t>7</a:t>
             </a:r>
             <a:r>
-              <a:rPr lang="pt-BR" sz="1100" b="1" dirty="0">
-                <a:solidFill>
-                  <a:srgbClr val="000000"/>
-                </a:solidFill>
-                <a:latin typeface="Consolas" panose="020B0609020204030204" pitchFamily="49" charset="0"/>
+              <a:rPr lang="pt-BR" sz="1200" b="1" dirty="0">
+                <a:solidFill>
+                  <a:srgbClr val="000000"/>
+                </a:solidFill>
+                <a:latin typeface="Calibri Light" panose="020F0302020204030204" pitchFamily="34" charset="0"/>
+                <a:cs typeface="Calibri Light" panose="020F0302020204030204" pitchFamily="34" charset="0"/>
               </a:rPr>
               <a:t>]]]</a:t>
             </a:r>
-            <a:endParaRPr lang="pt-BR" sz="1100" b="1" dirty="0">
+            <a:endParaRPr lang="pt-BR" sz="1200" b="1" dirty="0">
               <a:solidFill>
                 <a:srgbClr val="000000"/>
               </a:solidFill>
               <a:effectLst/>
-              <a:latin typeface="Consolas" panose="020B0609020204030204" pitchFamily="49" charset="0"/>
+              <a:latin typeface="Calibri Light" panose="020F0302020204030204" pitchFamily="34" charset="0"/>
+              <a:cs typeface="Calibri Light" panose="020F0302020204030204" pitchFamily="34" charset="0"/>
             </a:endParaRPr>
           </a:p>
         </p:txBody>
@@ -14031,7 +14597,7 @@
         <p:spPr>
           <a:xfrm>
             <a:off x="7789626" y="4990898"/>
-            <a:ext cx="644160" cy="352828"/>
+            <a:ext cx="337920" cy="352828"/>
           </a:xfrm>
           <a:prstGeom prst="rightArrow">
             <a:avLst/>
@@ -14307,7 +14873,7 @@
           <p:cNvPr id="2" name="Τίτλος 1">
             <a:extLst>
               <a:ext uri="{FF2B5EF4-FFF2-40B4-BE49-F238E27FC236}">
-                <a16:creationId xmlns:a16="http://schemas.microsoft.com/office/drawing/2014/main" id="{A679B039-F170-4017-ABEE-92BCA3B2EE68}"/>
+                <a16:creationId xmlns:a16="http://schemas.microsoft.com/office/drawing/2014/main" id="{1A284B23-7FDD-45BF-A459-A12D6A65ED1F}"/>
               </a:ext>
             </a:extLst>
           </p:cNvPr>
@@ -14320,64 +14886,45 @@
         </p:nvSpPr>
         <p:spPr/>
         <p:txBody>
-          <a:bodyPr/>
+          <a:bodyPr>
+            <a:normAutofit/>
+          </a:bodyPr>
           <a:lstStyle/>
           <a:p>
             <a:r>
-              <a:rPr lang="el-GR" dirty="0"/>
-              <a:t>Αναφορές</a:t>
-            </a:r>
+              <a:rPr lang="el-GR" sz="4000" dirty="0"/>
+              <a:t>Λύση παραδείγματος 6</a:t>
+            </a:r>
+            <a:r>
+              <a:rPr lang="en-US" sz="4000" dirty="0"/>
+              <a:t> (</a:t>
+            </a:r>
+            <a:r>
+              <a:rPr lang="el-GR" sz="4000" dirty="0"/>
+              <a:t>β</a:t>
+            </a:r>
+            <a:r>
+              <a:rPr lang="en-US" sz="4000" dirty="0"/>
+              <a:t>’ </a:t>
+            </a:r>
+            <a:r>
+              <a:rPr lang="el-GR" sz="4000" dirty="0"/>
+              <a:t>τρόπος</a:t>
+            </a:r>
+            <a:r>
+              <a:rPr lang="en-US" sz="4000" dirty="0"/>
+              <a:t>)</a:t>
+            </a:r>
+            <a:endParaRPr lang="el-GR" sz="4000" dirty="0"/>
           </a:p>
         </p:txBody>
       </p:sp>
       <p:sp>
         <p:nvSpPr>
-          <p:cNvPr id="4" name="Θέση περιεχομένου 3">
+          <p:cNvPr id="5" name="Θέση αριθμού διαφάνειας 4">
             <a:extLst>
               <a:ext uri="{FF2B5EF4-FFF2-40B4-BE49-F238E27FC236}">
-                <a16:creationId xmlns:a16="http://schemas.microsoft.com/office/drawing/2014/main" id="{672F0AFA-1AFC-4F0A-B162-41E5B372107A}"/>
-              </a:ext>
-            </a:extLst>
-          </p:cNvPr>
-          <p:cNvSpPr>
-            <a:spLocks noGrp="1"/>
-          </p:cNvSpPr>
-          <p:nvPr>
-            <p:ph idx="1"/>
-          </p:nvPr>
-        </p:nvSpPr>
-        <p:spPr/>
-        <p:txBody>
-          <a:bodyPr/>
-          <a:lstStyle/>
-          <a:p>
-            <a:r>
-              <a:rPr lang="en-US" dirty="0"/>
-              <a:t>Coursera. Data Manipulation at Scale: Systems and Algorithms by University of Washington (Bill Howe)</a:t>
-            </a:r>
-          </a:p>
-          <a:p>
-            <a:r>
-              <a:rPr lang="en-US" dirty="0">
-                <a:hlinkClick r:id="rId2"/>
-              </a:rPr>
-              <a:t>https://hadoop.apache.org/docs/current/hadoop-mapreduce-client/hadoop-mapreduce-client-core/MapReduceTutorial.html</a:t>
-            </a:r>
-            <a:endParaRPr lang="en-US" dirty="0">
-              <a:hlinkClick r:id="rId3"/>
-            </a:endParaRPr>
-          </a:p>
-          <a:p>
-            <a:endParaRPr lang="el-GR" dirty="0"/>
-          </a:p>
-        </p:txBody>
-      </p:sp>
-      <p:sp>
-        <p:nvSpPr>
-          <p:cNvPr id="3" name="Θέση αριθμού διαφάνειας 2">
-            <a:extLst>
-              <a:ext uri="{FF2B5EF4-FFF2-40B4-BE49-F238E27FC236}">
-                <a16:creationId xmlns:a16="http://schemas.microsoft.com/office/drawing/2014/main" id="{B58CAB1B-C233-4EA7-8E52-F315D2C5F99A}"/>
+                <a16:creationId xmlns:a16="http://schemas.microsoft.com/office/drawing/2014/main" id="{53C760A2-8FCB-440C-A1DD-E785A443073C}"/>
               </a:ext>
             </a:extLst>
           </p:cNvPr>
@@ -14397,20 +14944,3234 @@
               <a:rPr lang="el-GR" smtClean="0"/>
               <a:t>19</a:t>
             </a:fld>
-            <a:endParaRPr lang="el-GR"/>
+            <a:endParaRPr lang="el-GR" dirty="0"/>
           </a:p>
         </p:txBody>
       </p:sp>
+      <p:sp>
+        <p:nvSpPr>
+          <p:cNvPr id="6" name="Ορθογώνιο 5">
+            <a:extLst>
+              <a:ext uri="{FF2B5EF4-FFF2-40B4-BE49-F238E27FC236}">
+                <a16:creationId xmlns:a16="http://schemas.microsoft.com/office/drawing/2014/main" id="{753F676F-2EBA-4AA9-A3B3-A70B848CF1BD}"/>
+              </a:ext>
+            </a:extLst>
+          </p:cNvPr>
+          <p:cNvSpPr/>
+          <p:nvPr/>
+        </p:nvSpPr>
+        <p:spPr>
+          <a:xfrm>
+            <a:off x="410365" y="1858481"/>
+            <a:ext cx="7277697" cy="4247317"/>
+          </a:xfrm>
+          <a:prstGeom prst="rect">
+            <a:avLst/>
+          </a:prstGeom>
+          <a:ln>
+            <a:solidFill>
+              <a:schemeClr val="tx1"/>
+            </a:solidFill>
+          </a:ln>
+        </p:spPr>
+        <p:txBody>
+          <a:bodyPr wrap="square">
+            <a:spAutoFit/>
+          </a:bodyPr>
+          <a:lstStyle/>
+          <a:p>
+            <a:r>
+              <a:rPr lang="pt-BR" b="0" dirty="0">
+                <a:solidFill>
+                  <a:srgbClr val="000000"/>
+                </a:solidFill>
+                <a:effectLst/>
+                <a:latin typeface="Consolas" panose="020B0609020204030204" pitchFamily="49" charset="0"/>
+              </a:rPr>
+              <a:t>L = </a:t>
+            </a:r>
+            <a:r>
+              <a:rPr lang="pt-BR" b="0" dirty="0">
+                <a:solidFill>
+                  <a:srgbClr val="09885A"/>
+                </a:solidFill>
+                <a:effectLst/>
+                <a:latin typeface="Consolas" panose="020B0609020204030204" pitchFamily="49" charset="0"/>
+              </a:rPr>
+              <a:t>2</a:t>
+            </a:r>
+            <a:endParaRPr lang="pt-BR" b="0" dirty="0">
+              <a:solidFill>
+                <a:srgbClr val="000000"/>
+              </a:solidFill>
+              <a:effectLst/>
+              <a:latin typeface="Consolas" panose="020B0609020204030204" pitchFamily="49" charset="0"/>
+            </a:endParaRPr>
+          </a:p>
+          <a:p>
+            <a:r>
+              <a:rPr lang="pt-BR" b="0" dirty="0">
+                <a:solidFill>
+                  <a:srgbClr val="000000"/>
+                </a:solidFill>
+                <a:effectLst/>
+                <a:latin typeface="Consolas" panose="020B0609020204030204" pitchFamily="49" charset="0"/>
+              </a:rPr>
+              <a:t>M = </a:t>
+            </a:r>
+            <a:r>
+              <a:rPr lang="pt-BR" b="0" dirty="0">
+                <a:solidFill>
+                  <a:srgbClr val="09885A"/>
+                </a:solidFill>
+                <a:effectLst/>
+                <a:latin typeface="Consolas" panose="020B0609020204030204" pitchFamily="49" charset="0"/>
+              </a:rPr>
+              <a:t>3</a:t>
+            </a:r>
+            <a:endParaRPr lang="pt-BR" b="0" dirty="0">
+              <a:solidFill>
+                <a:srgbClr val="000000"/>
+              </a:solidFill>
+              <a:effectLst/>
+              <a:latin typeface="Consolas" panose="020B0609020204030204" pitchFamily="49" charset="0"/>
+            </a:endParaRPr>
+          </a:p>
+          <a:p>
+            <a:r>
+              <a:rPr lang="pt-BR" b="0" dirty="0">
+                <a:solidFill>
+                  <a:srgbClr val="000000"/>
+                </a:solidFill>
+                <a:effectLst/>
+                <a:latin typeface="Consolas" panose="020B0609020204030204" pitchFamily="49" charset="0"/>
+              </a:rPr>
+              <a:t>N = </a:t>
+            </a:r>
+            <a:r>
+              <a:rPr lang="pt-BR" b="0" dirty="0">
+                <a:solidFill>
+                  <a:srgbClr val="09885A"/>
+                </a:solidFill>
+                <a:effectLst/>
+                <a:latin typeface="Consolas" panose="020B0609020204030204" pitchFamily="49" charset="0"/>
+              </a:rPr>
+              <a:t>2</a:t>
+            </a:r>
+            <a:endParaRPr lang="pt-BR" b="0" dirty="0">
+              <a:solidFill>
+                <a:srgbClr val="000000"/>
+              </a:solidFill>
+              <a:effectLst/>
+              <a:latin typeface="Consolas" panose="020B0609020204030204" pitchFamily="49" charset="0"/>
+            </a:endParaRPr>
+          </a:p>
+          <a:p>
+            <a:endParaRPr lang="el-GR" b="0" dirty="0">
+              <a:solidFill>
+                <a:srgbClr val="0000FF"/>
+              </a:solidFill>
+              <a:effectLst/>
+              <a:latin typeface="Consolas" panose="020B0609020204030204" pitchFamily="49" charset="0"/>
+            </a:endParaRPr>
+          </a:p>
+          <a:p>
+            <a:r>
+              <a:rPr lang="en-US" b="0" dirty="0">
+                <a:solidFill>
+                  <a:srgbClr val="0000FF"/>
+                </a:solidFill>
+                <a:effectLst/>
+                <a:latin typeface="Consolas" panose="020B0609020204030204" pitchFamily="49" charset="0"/>
+              </a:rPr>
+              <a:t>def</a:t>
+            </a:r>
+            <a:r>
+              <a:rPr lang="en-US" b="0" dirty="0">
+                <a:solidFill>
+                  <a:srgbClr val="000000"/>
+                </a:solidFill>
+                <a:effectLst/>
+                <a:latin typeface="Consolas" panose="020B0609020204030204" pitchFamily="49" charset="0"/>
+              </a:rPr>
+              <a:t> mapper(record):</a:t>
+            </a:r>
+          </a:p>
+          <a:p>
+            <a:r>
+              <a:rPr lang="en-US" b="0" dirty="0">
+                <a:solidFill>
+                  <a:srgbClr val="000000"/>
+                </a:solidFill>
+                <a:effectLst/>
+                <a:latin typeface="Consolas" panose="020B0609020204030204" pitchFamily="49" charset="0"/>
+              </a:rPr>
+              <a:t>    </a:t>
+            </a:r>
+            <a:r>
+              <a:rPr lang="en-US" b="0" dirty="0" err="1">
+                <a:solidFill>
+                  <a:srgbClr val="000000"/>
+                </a:solidFill>
+                <a:effectLst/>
+                <a:latin typeface="Consolas" panose="020B0609020204030204" pitchFamily="49" charset="0"/>
+              </a:rPr>
+              <a:t>i</a:t>
+            </a:r>
+            <a:r>
+              <a:rPr lang="en-US" b="0" dirty="0">
+                <a:solidFill>
+                  <a:srgbClr val="000000"/>
+                </a:solidFill>
+                <a:effectLst/>
+                <a:latin typeface="Consolas" panose="020B0609020204030204" pitchFamily="49" charset="0"/>
+              </a:rPr>
+              <a:t> = record[</a:t>
+            </a:r>
+            <a:r>
+              <a:rPr lang="en-US" b="0" dirty="0">
+                <a:solidFill>
+                  <a:srgbClr val="09885A"/>
+                </a:solidFill>
+                <a:effectLst/>
+                <a:latin typeface="Consolas" panose="020B0609020204030204" pitchFamily="49" charset="0"/>
+              </a:rPr>
+              <a:t>1</a:t>
+            </a:r>
+            <a:r>
+              <a:rPr lang="en-US" b="0" dirty="0">
+                <a:solidFill>
+                  <a:srgbClr val="000000"/>
+                </a:solidFill>
+                <a:effectLst/>
+                <a:latin typeface="Consolas" panose="020B0609020204030204" pitchFamily="49" charset="0"/>
+              </a:rPr>
+              <a:t>]</a:t>
+            </a:r>
+          </a:p>
+          <a:p>
+            <a:r>
+              <a:rPr lang="en-US" b="0" dirty="0">
+                <a:solidFill>
+                  <a:srgbClr val="000000"/>
+                </a:solidFill>
+                <a:effectLst/>
+                <a:latin typeface="Consolas" panose="020B0609020204030204" pitchFamily="49" charset="0"/>
+              </a:rPr>
+              <a:t>    j = record[</a:t>
+            </a:r>
+            <a:r>
+              <a:rPr lang="en-US" b="0" dirty="0">
+                <a:solidFill>
+                  <a:srgbClr val="09885A"/>
+                </a:solidFill>
+                <a:effectLst/>
+                <a:latin typeface="Consolas" panose="020B0609020204030204" pitchFamily="49" charset="0"/>
+              </a:rPr>
+              <a:t>2</a:t>
+            </a:r>
+            <a:r>
+              <a:rPr lang="en-US" b="0" dirty="0">
+                <a:solidFill>
+                  <a:srgbClr val="000000"/>
+                </a:solidFill>
+                <a:effectLst/>
+                <a:latin typeface="Consolas" panose="020B0609020204030204" pitchFamily="49" charset="0"/>
+              </a:rPr>
+              <a:t>]</a:t>
+            </a:r>
+          </a:p>
+          <a:p>
+            <a:r>
+              <a:rPr lang="en-US" b="0" dirty="0">
+                <a:solidFill>
+                  <a:srgbClr val="000000"/>
+                </a:solidFill>
+                <a:effectLst/>
+                <a:latin typeface="Consolas" panose="020B0609020204030204" pitchFamily="49" charset="0"/>
+              </a:rPr>
+              <a:t>    v = record[</a:t>
+            </a:r>
+            <a:r>
+              <a:rPr lang="en-US" b="0" dirty="0">
+                <a:solidFill>
+                  <a:srgbClr val="09885A"/>
+                </a:solidFill>
+                <a:effectLst/>
+                <a:latin typeface="Consolas" panose="020B0609020204030204" pitchFamily="49" charset="0"/>
+              </a:rPr>
+              <a:t>3</a:t>
+            </a:r>
+            <a:r>
+              <a:rPr lang="en-US" b="0" dirty="0">
+                <a:solidFill>
+                  <a:srgbClr val="000000"/>
+                </a:solidFill>
+                <a:effectLst/>
+                <a:latin typeface="Consolas" panose="020B0609020204030204" pitchFamily="49" charset="0"/>
+              </a:rPr>
+              <a:t>]</a:t>
+            </a:r>
+          </a:p>
+          <a:p>
+            <a:r>
+              <a:rPr lang="en-US" b="0" dirty="0">
+                <a:solidFill>
+                  <a:srgbClr val="000000"/>
+                </a:solidFill>
+                <a:effectLst/>
+                <a:latin typeface="Consolas" panose="020B0609020204030204" pitchFamily="49" charset="0"/>
+              </a:rPr>
+              <a:t>    </a:t>
+            </a:r>
+            <a:r>
+              <a:rPr lang="en-US" b="0" dirty="0">
+                <a:solidFill>
+                  <a:srgbClr val="0000FF"/>
+                </a:solidFill>
+                <a:effectLst/>
+                <a:latin typeface="Consolas" panose="020B0609020204030204" pitchFamily="49" charset="0"/>
+              </a:rPr>
+              <a:t>if</a:t>
+            </a:r>
+            <a:r>
+              <a:rPr lang="en-US" b="0" dirty="0">
+                <a:solidFill>
+                  <a:srgbClr val="000000"/>
+                </a:solidFill>
+                <a:effectLst/>
+                <a:latin typeface="Consolas" panose="020B0609020204030204" pitchFamily="49" charset="0"/>
+              </a:rPr>
+              <a:t> record[</a:t>
+            </a:r>
+            <a:r>
+              <a:rPr lang="en-US" b="0" dirty="0">
+                <a:solidFill>
+                  <a:srgbClr val="09885A"/>
+                </a:solidFill>
+                <a:effectLst/>
+                <a:latin typeface="Consolas" panose="020B0609020204030204" pitchFamily="49" charset="0"/>
+              </a:rPr>
+              <a:t>0</a:t>
+            </a:r>
+            <a:r>
+              <a:rPr lang="en-US" b="0" dirty="0">
+                <a:solidFill>
+                  <a:srgbClr val="000000"/>
+                </a:solidFill>
+                <a:effectLst/>
+                <a:latin typeface="Consolas" panose="020B0609020204030204" pitchFamily="49" charset="0"/>
+              </a:rPr>
+              <a:t>] == </a:t>
+            </a:r>
+            <a:r>
+              <a:rPr lang="en-US" b="0" dirty="0">
+                <a:solidFill>
+                  <a:srgbClr val="A31515"/>
+                </a:solidFill>
+                <a:effectLst/>
+                <a:latin typeface="Consolas" panose="020B0609020204030204" pitchFamily="49" charset="0"/>
+              </a:rPr>
+              <a:t>"a"</a:t>
+            </a:r>
+            <a:r>
+              <a:rPr lang="en-US" b="0" dirty="0">
+                <a:solidFill>
+                  <a:srgbClr val="000000"/>
+                </a:solidFill>
+                <a:effectLst/>
+                <a:latin typeface="Consolas" panose="020B0609020204030204" pitchFamily="49" charset="0"/>
+              </a:rPr>
+              <a:t>:</a:t>
+            </a:r>
+          </a:p>
+          <a:p>
+            <a:r>
+              <a:rPr lang="en-US" b="0" dirty="0">
+                <a:solidFill>
+                  <a:srgbClr val="000000"/>
+                </a:solidFill>
+                <a:effectLst/>
+                <a:latin typeface="Consolas" panose="020B0609020204030204" pitchFamily="49" charset="0"/>
+              </a:rPr>
+              <a:t>        </a:t>
+            </a:r>
+            <a:r>
+              <a:rPr lang="en-US" b="0" dirty="0">
+                <a:solidFill>
+                  <a:srgbClr val="0000FF"/>
+                </a:solidFill>
+                <a:effectLst/>
+                <a:latin typeface="Consolas" panose="020B0609020204030204" pitchFamily="49" charset="0"/>
+              </a:rPr>
+              <a:t>for</a:t>
+            </a:r>
+            <a:r>
+              <a:rPr lang="en-US" b="0" dirty="0">
+                <a:solidFill>
+                  <a:srgbClr val="000000"/>
+                </a:solidFill>
+                <a:effectLst/>
+                <a:latin typeface="Consolas" panose="020B0609020204030204" pitchFamily="49" charset="0"/>
+              </a:rPr>
+              <a:t> k </a:t>
+            </a:r>
+            <a:r>
+              <a:rPr lang="en-US" b="0" dirty="0">
+                <a:solidFill>
+                  <a:srgbClr val="0000FF"/>
+                </a:solidFill>
+                <a:effectLst/>
+                <a:latin typeface="Consolas" panose="020B0609020204030204" pitchFamily="49" charset="0"/>
+              </a:rPr>
+              <a:t>in</a:t>
+            </a:r>
+            <a:r>
+              <a:rPr lang="en-US" b="0" dirty="0">
+                <a:solidFill>
+                  <a:srgbClr val="000000"/>
+                </a:solidFill>
+                <a:effectLst/>
+                <a:latin typeface="Consolas" panose="020B0609020204030204" pitchFamily="49" charset="0"/>
+              </a:rPr>
+              <a:t> range(N):</a:t>
+            </a:r>
+          </a:p>
+          <a:p>
+            <a:r>
+              <a:rPr lang="en-US" b="0" dirty="0">
+                <a:solidFill>
+                  <a:srgbClr val="000000"/>
+                </a:solidFill>
+                <a:effectLst/>
+                <a:latin typeface="Consolas" panose="020B0609020204030204" pitchFamily="49" charset="0"/>
+              </a:rPr>
+              <a:t>            </a:t>
+            </a:r>
+            <a:r>
+              <a:rPr lang="en-US" b="0" dirty="0" err="1">
+                <a:solidFill>
+                  <a:srgbClr val="000000"/>
+                </a:solidFill>
+                <a:effectLst/>
+                <a:latin typeface="Consolas" panose="020B0609020204030204" pitchFamily="49" charset="0"/>
+              </a:rPr>
+              <a:t>mr.emit_intermediate</a:t>
+            </a:r>
+            <a:r>
+              <a:rPr lang="en-US" b="0" dirty="0">
+                <a:solidFill>
+                  <a:srgbClr val="000000"/>
+                </a:solidFill>
+                <a:effectLst/>
+                <a:latin typeface="Consolas" panose="020B0609020204030204" pitchFamily="49" charset="0"/>
+              </a:rPr>
+              <a:t>((</a:t>
+            </a:r>
+            <a:r>
+              <a:rPr lang="en-US" b="0" dirty="0" err="1">
+                <a:solidFill>
+                  <a:srgbClr val="000000"/>
+                </a:solidFill>
+                <a:effectLst/>
+                <a:latin typeface="Consolas" panose="020B0609020204030204" pitchFamily="49" charset="0"/>
+              </a:rPr>
+              <a:t>i</a:t>
+            </a:r>
+            <a:r>
+              <a:rPr lang="en-US" b="0" dirty="0">
+                <a:solidFill>
+                  <a:srgbClr val="000000"/>
+                </a:solidFill>
+                <a:effectLst/>
+                <a:latin typeface="Consolas" panose="020B0609020204030204" pitchFamily="49" charset="0"/>
+              </a:rPr>
+              <a:t>, k), (</a:t>
+            </a:r>
+            <a:r>
+              <a:rPr lang="en-US" b="0" dirty="0">
+                <a:solidFill>
+                  <a:srgbClr val="A31515"/>
+                </a:solidFill>
+                <a:effectLst/>
+                <a:latin typeface="Consolas" panose="020B0609020204030204" pitchFamily="49" charset="0"/>
+              </a:rPr>
+              <a:t>'a'</a:t>
+            </a:r>
+            <a:r>
+              <a:rPr lang="en-US" b="0" dirty="0">
+                <a:solidFill>
+                  <a:srgbClr val="000000"/>
+                </a:solidFill>
+                <a:effectLst/>
+                <a:latin typeface="Consolas" panose="020B0609020204030204" pitchFamily="49" charset="0"/>
+              </a:rPr>
+              <a:t>, </a:t>
+            </a:r>
+            <a:r>
+              <a:rPr lang="en-US" b="0" dirty="0" err="1">
+                <a:solidFill>
+                  <a:srgbClr val="000000"/>
+                </a:solidFill>
+                <a:effectLst/>
+                <a:latin typeface="Consolas" panose="020B0609020204030204" pitchFamily="49" charset="0"/>
+              </a:rPr>
+              <a:t>i</a:t>
+            </a:r>
+            <a:r>
+              <a:rPr lang="en-US" b="0" dirty="0">
+                <a:solidFill>
+                  <a:srgbClr val="000000"/>
+                </a:solidFill>
+                <a:effectLst/>
+                <a:latin typeface="Consolas" panose="020B0609020204030204" pitchFamily="49" charset="0"/>
+              </a:rPr>
+              <a:t>, j, v))</a:t>
+            </a:r>
+          </a:p>
+          <a:p>
+            <a:br>
+              <a:rPr lang="en-US" b="0" dirty="0">
+                <a:solidFill>
+                  <a:srgbClr val="000000"/>
+                </a:solidFill>
+                <a:effectLst/>
+                <a:latin typeface="Consolas" panose="020B0609020204030204" pitchFamily="49" charset="0"/>
+              </a:rPr>
+            </a:br>
+            <a:r>
+              <a:rPr lang="en-US" b="0" dirty="0">
+                <a:solidFill>
+                  <a:srgbClr val="000000"/>
+                </a:solidFill>
+                <a:effectLst/>
+                <a:latin typeface="Consolas" panose="020B0609020204030204" pitchFamily="49" charset="0"/>
+              </a:rPr>
+              <a:t>    </a:t>
+            </a:r>
+            <a:r>
+              <a:rPr lang="en-US" b="0" dirty="0">
+                <a:solidFill>
+                  <a:srgbClr val="0000FF"/>
+                </a:solidFill>
+                <a:effectLst/>
+                <a:latin typeface="Consolas" panose="020B0609020204030204" pitchFamily="49" charset="0"/>
+              </a:rPr>
+              <a:t>if</a:t>
+            </a:r>
+            <a:r>
+              <a:rPr lang="en-US" b="0" dirty="0">
+                <a:solidFill>
+                  <a:srgbClr val="000000"/>
+                </a:solidFill>
+                <a:effectLst/>
+                <a:latin typeface="Consolas" panose="020B0609020204030204" pitchFamily="49" charset="0"/>
+              </a:rPr>
+              <a:t> record[</a:t>
+            </a:r>
+            <a:r>
+              <a:rPr lang="en-US" b="0" dirty="0">
+                <a:solidFill>
+                  <a:srgbClr val="09885A"/>
+                </a:solidFill>
+                <a:effectLst/>
+                <a:latin typeface="Consolas" panose="020B0609020204030204" pitchFamily="49" charset="0"/>
+              </a:rPr>
+              <a:t>0</a:t>
+            </a:r>
+            <a:r>
+              <a:rPr lang="en-US" b="0" dirty="0">
+                <a:solidFill>
+                  <a:srgbClr val="000000"/>
+                </a:solidFill>
+                <a:effectLst/>
+                <a:latin typeface="Consolas" panose="020B0609020204030204" pitchFamily="49" charset="0"/>
+              </a:rPr>
+              <a:t>] == </a:t>
+            </a:r>
+            <a:r>
+              <a:rPr lang="en-US" b="0" dirty="0">
+                <a:solidFill>
+                  <a:srgbClr val="A31515"/>
+                </a:solidFill>
+                <a:effectLst/>
+                <a:latin typeface="Consolas" panose="020B0609020204030204" pitchFamily="49" charset="0"/>
+              </a:rPr>
+              <a:t>"b"</a:t>
+            </a:r>
+            <a:r>
+              <a:rPr lang="en-US" b="0" dirty="0">
+                <a:solidFill>
+                  <a:srgbClr val="000000"/>
+                </a:solidFill>
+                <a:effectLst/>
+                <a:latin typeface="Consolas" panose="020B0609020204030204" pitchFamily="49" charset="0"/>
+              </a:rPr>
+              <a:t>:</a:t>
+            </a:r>
+          </a:p>
+          <a:p>
+            <a:r>
+              <a:rPr lang="en-US" b="0" dirty="0">
+                <a:solidFill>
+                  <a:srgbClr val="000000"/>
+                </a:solidFill>
+                <a:effectLst/>
+                <a:latin typeface="Consolas" panose="020B0609020204030204" pitchFamily="49" charset="0"/>
+              </a:rPr>
+              <a:t>        </a:t>
+            </a:r>
+            <a:r>
+              <a:rPr lang="en-US" b="0" dirty="0">
+                <a:solidFill>
+                  <a:srgbClr val="0000FF"/>
+                </a:solidFill>
+                <a:effectLst/>
+                <a:latin typeface="Consolas" panose="020B0609020204030204" pitchFamily="49" charset="0"/>
+              </a:rPr>
+              <a:t>for</a:t>
+            </a:r>
+            <a:r>
+              <a:rPr lang="en-US" b="0" dirty="0">
+                <a:solidFill>
+                  <a:srgbClr val="000000"/>
+                </a:solidFill>
+                <a:effectLst/>
+                <a:latin typeface="Consolas" panose="020B0609020204030204" pitchFamily="49" charset="0"/>
+              </a:rPr>
+              <a:t> k </a:t>
+            </a:r>
+            <a:r>
+              <a:rPr lang="en-US" b="0" dirty="0">
+                <a:solidFill>
+                  <a:srgbClr val="0000FF"/>
+                </a:solidFill>
+                <a:effectLst/>
+                <a:latin typeface="Consolas" panose="020B0609020204030204" pitchFamily="49" charset="0"/>
+              </a:rPr>
+              <a:t>in</a:t>
+            </a:r>
+            <a:r>
+              <a:rPr lang="en-US" b="0" dirty="0">
+                <a:solidFill>
+                  <a:srgbClr val="000000"/>
+                </a:solidFill>
+                <a:effectLst/>
+                <a:latin typeface="Consolas" panose="020B0609020204030204" pitchFamily="49" charset="0"/>
+              </a:rPr>
+              <a:t> range(L):</a:t>
+            </a:r>
+          </a:p>
+          <a:p>
+            <a:r>
+              <a:rPr lang="en-US" b="0" dirty="0">
+                <a:solidFill>
+                  <a:srgbClr val="000000"/>
+                </a:solidFill>
+                <a:effectLst/>
+                <a:latin typeface="Consolas" panose="020B0609020204030204" pitchFamily="49" charset="0"/>
+              </a:rPr>
+              <a:t>            </a:t>
+            </a:r>
+            <a:r>
+              <a:rPr lang="en-US" b="0" dirty="0" err="1">
+                <a:solidFill>
+                  <a:srgbClr val="000000"/>
+                </a:solidFill>
+                <a:effectLst/>
+                <a:latin typeface="Consolas" panose="020B0609020204030204" pitchFamily="49" charset="0"/>
+              </a:rPr>
+              <a:t>mr.emit_intermediate</a:t>
+            </a:r>
+            <a:r>
+              <a:rPr lang="en-US" b="0" dirty="0">
+                <a:solidFill>
+                  <a:srgbClr val="000000"/>
+                </a:solidFill>
+                <a:effectLst/>
+                <a:latin typeface="Consolas" panose="020B0609020204030204" pitchFamily="49" charset="0"/>
+              </a:rPr>
+              <a:t>((k, j), (</a:t>
+            </a:r>
+            <a:r>
+              <a:rPr lang="en-US" b="0" dirty="0">
+                <a:solidFill>
+                  <a:srgbClr val="A31515"/>
+                </a:solidFill>
+                <a:effectLst/>
+                <a:latin typeface="Consolas" panose="020B0609020204030204" pitchFamily="49" charset="0"/>
+              </a:rPr>
+              <a:t>'b'</a:t>
+            </a:r>
+            <a:r>
+              <a:rPr lang="en-US" b="0" dirty="0">
+                <a:solidFill>
+                  <a:srgbClr val="000000"/>
+                </a:solidFill>
+                <a:effectLst/>
+                <a:latin typeface="Consolas" panose="020B0609020204030204" pitchFamily="49" charset="0"/>
+              </a:rPr>
+              <a:t>, </a:t>
+            </a:r>
+            <a:r>
+              <a:rPr lang="en-US" b="0" dirty="0" err="1">
+                <a:solidFill>
+                  <a:srgbClr val="000000"/>
+                </a:solidFill>
+                <a:effectLst/>
+                <a:latin typeface="Consolas" panose="020B0609020204030204" pitchFamily="49" charset="0"/>
+              </a:rPr>
+              <a:t>i</a:t>
+            </a:r>
+            <a:r>
+              <a:rPr lang="en-US" b="0" dirty="0">
+                <a:solidFill>
+                  <a:srgbClr val="000000"/>
+                </a:solidFill>
+                <a:effectLst/>
+                <a:latin typeface="Consolas" panose="020B0609020204030204" pitchFamily="49" charset="0"/>
+              </a:rPr>
+              <a:t>, j, v))</a:t>
+            </a:r>
+          </a:p>
+        </p:txBody>
+      </p:sp>
+      <p:sp>
+        <p:nvSpPr>
+          <p:cNvPr id="7" name="Ορθογώνιο 6">
+            <a:extLst>
+              <a:ext uri="{FF2B5EF4-FFF2-40B4-BE49-F238E27FC236}">
+                <a16:creationId xmlns:a16="http://schemas.microsoft.com/office/drawing/2014/main" id="{2E537C16-FF2F-42C9-8441-CD5709871864}"/>
+              </a:ext>
+            </a:extLst>
+          </p:cNvPr>
+          <p:cNvSpPr/>
+          <p:nvPr/>
+        </p:nvSpPr>
+        <p:spPr>
+          <a:xfrm>
+            <a:off x="5016942" y="1690688"/>
+            <a:ext cx="6764693" cy="2862322"/>
+          </a:xfrm>
+          <a:prstGeom prst="rect">
+            <a:avLst/>
+          </a:prstGeom>
+          <a:solidFill>
+            <a:schemeClr val="bg1"/>
+          </a:solidFill>
+          <a:ln>
+            <a:solidFill>
+              <a:schemeClr val="tx1"/>
+            </a:solidFill>
+          </a:ln>
+        </p:spPr>
+        <p:txBody>
+          <a:bodyPr wrap="square">
+            <a:spAutoFit/>
+          </a:bodyPr>
+          <a:lstStyle/>
+          <a:p>
+            <a:r>
+              <a:rPr lang="en-US" dirty="0">
+                <a:solidFill>
+                  <a:srgbClr val="0000FF"/>
+                </a:solidFill>
+                <a:latin typeface="Consolas" panose="020B0609020204030204" pitchFamily="49" charset="0"/>
+              </a:rPr>
+              <a:t>def</a:t>
+            </a:r>
+            <a:r>
+              <a:rPr lang="en-US" dirty="0">
+                <a:solidFill>
+                  <a:srgbClr val="000000"/>
+                </a:solidFill>
+                <a:latin typeface="Consolas" panose="020B0609020204030204" pitchFamily="49" charset="0"/>
+              </a:rPr>
+              <a:t> reducer(key, </a:t>
+            </a:r>
+            <a:r>
+              <a:rPr lang="en-US" dirty="0" err="1">
+                <a:solidFill>
+                  <a:srgbClr val="000000"/>
+                </a:solidFill>
+                <a:latin typeface="Consolas" panose="020B0609020204030204" pitchFamily="49" charset="0"/>
+              </a:rPr>
+              <a:t>list_of_values</a:t>
+            </a:r>
+            <a:r>
+              <a:rPr lang="en-US" dirty="0">
+                <a:solidFill>
+                  <a:srgbClr val="000000"/>
+                </a:solidFill>
+                <a:latin typeface="Consolas" panose="020B0609020204030204" pitchFamily="49" charset="0"/>
+              </a:rPr>
+              <a:t>):</a:t>
+            </a:r>
+          </a:p>
+          <a:p>
+            <a:r>
+              <a:rPr lang="en-US" dirty="0">
+                <a:solidFill>
+                  <a:srgbClr val="000000"/>
+                </a:solidFill>
+                <a:latin typeface="Consolas" panose="020B0609020204030204" pitchFamily="49" charset="0"/>
+              </a:rPr>
+              <a:t>    sum = </a:t>
+            </a:r>
+            <a:r>
+              <a:rPr lang="en-US" dirty="0">
+                <a:solidFill>
+                  <a:srgbClr val="098658"/>
+                </a:solidFill>
+                <a:latin typeface="Consolas" panose="020B0609020204030204" pitchFamily="49" charset="0"/>
+              </a:rPr>
+              <a:t>0</a:t>
+            </a:r>
+            <a:endParaRPr lang="en-US" dirty="0">
+              <a:solidFill>
+                <a:srgbClr val="000000"/>
+              </a:solidFill>
+              <a:latin typeface="Consolas" panose="020B0609020204030204" pitchFamily="49" charset="0"/>
+            </a:endParaRPr>
+          </a:p>
+          <a:p>
+            <a:r>
+              <a:rPr lang="en-US" dirty="0">
+                <a:solidFill>
+                  <a:srgbClr val="000000"/>
+                </a:solidFill>
+                <a:latin typeface="Consolas" panose="020B0609020204030204" pitchFamily="49" charset="0"/>
+              </a:rPr>
+              <a:t>    </a:t>
+            </a:r>
+            <a:r>
+              <a:rPr lang="en-US" dirty="0" err="1">
+                <a:solidFill>
+                  <a:srgbClr val="000000"/>
+                </a:solidFill>
+                <a:latin typeface="Consolas" panose="020B0609020204030204" pitchFamily="49" charset="0"/>
+              </a:rPr>
+              <a:t>dict_a</a:t>
+            </a:r>
+            <a:r>
+              <a:rPr lang="en-US" dirty="0">
+                <a:solidFill>
+                  <a:srgbClr val="000000"/>
+                </a:solidFill>
+                <a:latin typeface="Consolas" panose="020B0609020204030204" pitchFamily="49" charset="0"/>
+              </a:rPr>
+              <a:t> = {}</a:t>
+            </a:r>
+          </a:p>
+          <a:p>
+            <a:r>
+              <a:rPr lang="en-US" dirty="0">
+                <a:solidFill>
+                  <a:srgbClr val="000000"/>
+                </a:solidFill>
+                <a:latin typeface="Consolas" panose="020B0609020204030204" pitchFamily="49" charset="0"/>
+              </a:rPr>
+              <a:t>    </a:t>
+            </a:r>
+            <a:r>
+              <a:rPr lang="en-US" dirty="0">
+                <a:solidFill>
+                  <a:srgbClr val="0000FF"/>
+                </a:solidFill>
+                <a:latin typeface="Consolas" panose="020B0609020204030204" pitchFamily="49" charset="0"/>
+              </a:rPr>
+              <a:t>for</a:t>
+            </a:r>
+            <a:r>
+              <a:rPr lang="en-US" dirty="0">
+                <a:solidFill>
+                  <a:srgbClr val="000000"/>
+                </a:solidFill>
+                <a:latin typeface="Consolas" panose="020B0609020204030204" pitchFamily="49" charset="0"/>
+              </a:rPr>
+              <a:t> v </a:t>
+            </a:r>
+            <a:r>
+              <a:rPr lang="en-US" dirty="0">
+                <a:solidFill>
+                  <a:srgbClr val="0000FF"/>
+                </a:solidFill>
+                <a:latin typeface="Consolas" panose="020B0609020204030204" pitchFamily="49" charset="0"/>
+              </a:rPr>
+              <a:t>in</a:t>
+            </a:r>
+            <a:r>
+              <a:rPr lang="en-US" dirty="0">
+                <a:solidFill>
+                  <a:srgbClr val="000000"/>
+                </a:solidFill>
+                <a:latin typeface="Consolas" panose="020B0609020204030204" pitchFamily="49" charset="0"/>
+              </a:rPr>
+              <a:t> </a:t>
+            </a:r>
+            <a:r>
+              <a:rPr lang="en-US" dirty="0" err="1">
+                <a:solidFill>
+                  <a:srgbClr val="000000"/>
+                </a:solidFill>
+                <a:latin typeface="Consolas" panose="020B0609020204030204" pitchFamily="49" charset="0"/>
+              </a:rPr>
+              <a:t>list_of_values</a:t>
+            </a:r>
+            <a:r>
+              <a:rPr lang="en-US" dirty="0">
+                <a:solidFill>
+                  <a:srgbClr val="000000"/>
+                </a:solidFill>
+                <a:latin typeface="Consolas" panose="020B0609020204030204" pitchFamily="49" charset="0"/>
+              </a:rPr>
+              <a:t>:</a:t>
+            </a:r>
+          </a:p>
+          <a:p>
+            <a:r>
+              <a:rPr lang="en-US" dirty="0">
+                <a:solidFill>
+                  <a:srgbClr val="000000"/>
+                </a:solidFill>
+                <a:latin typeface="Consolas" panose="020B0609020204030204" pitchFamily="49" charset="0"/>
+              </a:rPr>
+              <a:t>        </a:t>
+            </a:r>
+            <a:r>
+              <a:rPr lang="en-US" dirty="0">
+                <a:solidFill>
+                  <a:srgbClr val="0000FF"/>
+                </a:solidFill>
+                <a:latin typeface="Consolas" panose="020B0609020204030204" pitchFamily="49" charset="0"/>
+              </a:rPr>
+              <a:t>if</a:t>
+            </a:r>
+            <a:r>
+              <a:rPr lang="en-US" dirty="0">
+                <a:solidFill>
+                  <a:srgbClr val="000000"/>
+                </a:solidFill>
+                <a:latin typeface="Consolas" panose="020B0609020204030204" pitchFamily="49" charset="0"/>
+              </a:rPr>
+              <a:t> v[</a:t>
+            </a:r>
+            <a:r>
+              <a:rPr lang="en-US" dirty="0">
+                <a:solidFill>
+                  <a:srgbClr val="098658"/>
+                </a:solidFill>
+                <a:latin typeface="Consolas" panose="020B0609020204030204" pitchFamily="49" charset="0"/>
+              </a:rPr>
+              <a:t>0</a:t>
+            </a:r>
+            <a:r>
+              <a:rPr lang="en-US" dirty="0">
+                <a:solidFill>
+                  <a:srgbClr val="000000"/>
+                </a:solidFill>
+                <a:latin typeface="Consolas" panose="020B0609020204030204" pitchFamily="49" charset="0"/>
+              </a:rPr>
+              <a:t>] == </a:t>
+            </a:r>
+            <a:r>
+              <a:rPr lang="en-US" dirty="0">
+                <a:solidFill>
+                  <a:srgbClr val="A31515"/>
+                </a:solidFill>
+                <a:latin typeface="Consolas" panose="020B0609020204030204" pitchFamily="49" charset="0"/>
+              </a:rPr>
+              <a:t>"a"</a:t>
+            </a:r>
+            <a:r>
+              <a:rPr lang="en-US" dirty="0">
+                <a:solidFill>
+                  <a:srgbClr val="000000"/>
+                </a:solidFill>
+                <a:latin typeface="Consolas" panose="020B0609020204030204" pitchFamily="49" charset="0"/>
+              </a:rPr>
+              <a:t>:</a:t>
+            </a:r>
+          </a:p>
+          <a:p>
+            <a:r>
+              <a:rPr lang="en-US" dirty="0">
+                <a:solidFill>
+                  <a:srgbClr val="000000"/>
+                </a:solidFill>
+                <a:latin typeface="Consolas" panose="020B0609020204030204" pitchFamily="49" charset="0"/>
+              </a:rPr>
+              <a:t>            </a:t>
+            </a:r>
+            <a:r>
+              <a:rPr lang="en-US" dirty="0" err="1">
+                <a:solidFill>
+                  <a:srgbClr val="000000"/>
+                </a:solidFill>
+                <a:latin typeface="Consolas" panose="020B0609020204030204" pitchFamily="49" charset="0"/>
+              </a:rPr>
+              <a:t>dict_a</a:t>
+            </a:r>
+            <a:r>
+              <a:rPr lang="en-US" dirty="0">
+                <a:solidFill>
+                  <a:srgbClr val="000000"/>
+                </a:solidFill>
+                <a:latin typeface="Consolas" panose="020B0609020204030204" pitchFamily="49" charset="0"/>
+              </a:rPr>
+              <a:t>[v[</a:t>
+            </a:r>
+            <a:r>
+              <a:rPr lang="en-US" dirty="0">
+                <a:solidFill>
+                  <a:srgbClr val="098658"/>
+                </a:solidFill>
+                <a:latin typeface="Consolas" panose="020B0609020204030204" pitchFamily="49" charset="0"/>
+              </a:rPr>
+              <a:t>2</a:t>
+            </a:r>
+            <a:r>
+              <a:rPr lang="en-US" dirty="0">
+                <a:solidFill>
+                  <a:srgbClr val="000000"/>
+                </a:solidFill>
+                <a:latin typeface="Consolas" panose="020B0609020204030204" pitchFamily="49" charset="0"/>
+              </a:rPr>
+              <a:t>]] = v[</a:t>
+            </a:r>
+            <a:r>
+              <a:rPr lang="en-US" dirty="0">
+                <a:solidFill>
+                  <a:srgbClr val="098658"/>
+                </a:solidFill>
+                <a:latin typeface="Consolas" panose="020B0609020204030204" pitchFamily="49" charset="0"/>
+              </a:rPr>
+              <a:t>3</a:t>
+            </a:r>
+            <a:r>
+              <a:rPr lang="en-US" dirty="0">
+                <a:solidFill>
+                  <a:srgbClr val="000000"/>
+                </a:solidFill>
+                <a:latin typeface="Consolas" panose="020B0609020204030204" pitchFamily="49" charset="0"/>
+              </a:rPr>
+              <a:t>]; </a:t>
+            </a:r>
+          </a:p>
+          <a:p>
+            <a:r>
+              <a:rPr lang="en-US" dirty="0">
+                <a:solidFill>
+                  <a:srgbClr val="000000"/>
+                </a:solidFill>
+                <a:latin typeface="Consolas" panose="020B0609020204030204" pitchFamily="49" charset="0"/>
+              </a:rPr>
+              <a:t>        </a:t>
+            </a:r>
+            <a:r>
+              <a:rPr lang="en-US" dirty="0" err="1">
+                <a:solidFill>
+                  <a:srgbClr val="0000FF"/>
+                </a:solidFill>
+                <a:latin typeface="Consolas" panose="020B0609020204030204" pitchFamily="49" charset="0"/>
+              </a:rPr>
+              <a:t>elif</a:t>
+            </a:r>
+            <a:r>
+              <a:rPr lang="en-US" dirty="0">
+                <a:solidFill>
+                  <a:srgbClr val="000000"/>
+                </a:solidFill>
+                <a:latin typeface="Consolas" panose="020B0609020204030204" pitchFamily="49" charset="0"/>
+              </a:rPr>
+              <a:t> v[</a:t>
+            </a:r>
+            <a:r>
+              <a:rPr lang="en-US" dirty="0">
+                <a:solidFill>
+                  <a:srgbClr val="098658"/>
+                </a:solidFill>
+                <a:latin typeface="Consolas" panose="020B0609020204030204" pitchFamily="49" charset="0"/>
+              </a:rPr>
+              <a:t>0</a:t>
+            </a:r>
+            <a:r>
+              <a:rPr lang="en-US" dirty="0">
+                <a:solidFill>
+                  <a:srgbClr val="000000"/>
+                </a:solidFill>
+                <a:latin typeface="Consolas" panose="020B0609020204030204" pitchFamily="49" charset="0"/>
+              </a:rPr>
+              <a:t>]==</a:t>
+            </a:r>
+            <a:r>
+              <a:rPr lang="en-US" dirty="0">
+                <a:solidFill>
+                  <a:srgbClr val="A31515"/>
+                </a:solidFill>
+                <a:latin typeface="Consolas" panose="020B0609020204030204" pitchFamily="49" charset="0"/>
+              </a:rPr>
+              <a:t>"b"</a:t>
+            </a:r>
+            <a:r>
+              <a:rPr lang="en-US" dirty="0">
+                <a:solidFill>
+                  <a:srgbClr val="000000"/>
+                </a:solidFill>
+                <a:latin typeface="Consolas" panose="020B0609020204030204" pitchFamily="49" charset="0"/>
+              </a:rPr>
+              <a:t>:</a:t>
+            </a:r>
+          </a:p>
+          <a:p>
+            <a:r>
+              <a:rPr lang="en-US" dirty="0">
+                <a:solidFill>
+                  <a:srgbClr val="000000"/>
+                </a:solidFill>
+                <a:latin typeface="Consolas" panose="020B0609020204030204" pitchFamily="49" charset="0"/>
+              </a:rPr>
+              <a:t>            </a:t>
+            </a:r>
+            <a:r>
+              <a:rPr lang="en-US" dirty="0">
+                <a:solidFill>
+                  <a:srgbClr val="0000FF"/>
+                </a:solidFill>
+                <a:latin typeface="Consolas" panose="020B0609020204030204" pitchFamily="49" charset="0"/>
+              </a:rPr>
+              <a:t>if</a:t>
+            </a:r>
+            <a:r>
+              <a:rPr lang="en-US" dirty="0">
+                <a:solidFill>
+                  <a:srgbClr val="000000"/>
+                </a:solidFill>
+                <a:latin typeface="Consolas" panose="020B0609020204030204" pitchFamily="49" charset="0"/>
+              </a:rPr>
+              <a:t> v[</a:t>
+            </a:r>
+            <a:r>
+              <a:rPr lang="en-US" dirty="0">
+                <a:solidFill>
+                  <a:srgbClr val="098658"/>
+                </a:solidFill>
+                <a:latin typeface="Consolas" panose="020B0609020204030204" pitchFamily="49" charset="0"/>
+              </a:rPr>
+              <a:t>1</a:t>
+            </a:r>
+            <a:r>
+              <a:rPr lang="en-US" dirty="0">
+                <a:solidFill>
+                  <a:srgbClr val="000000"/>
+                </a:solidFill>
+                <a:latin typeface="Consolas" panose="020B0609020204030204" pitchFamily="49" charset="0"/>
+              </a:rPr>
+              <a:t>] </a:t>
+            </a:r>
+            <a:r>
+              <a:rPr lang="en-US" dirty="0">
+                <a:solidFill>
+                  <a:srgbClr val="0000FF"/>
+                </a:solidFill>
+                <a:latin typeface="Consolas" panose="020B0609020204030204" pitchFamily="49" charset="0"/>
+              </a:rPr>
+              <a:t>in</a:t>
+            </a:r>
+            <a:r>
+              <a:rPr lang="en-US" dirty="0">
+                <a:solidFill>
+                  <a:srgbClr val="000000"/>
+                </a:solidFill>
+                <a:latin typeface="Consolas" panose="020B0609020204030204" pitchFamily="49" charset="0"/>
+              </a:rPr>
+              <a:t> </a:t>
+            </a:r>
+            <a:r>
+              <a:rPr lang="en-US" dirty="0" err="1">
+                <a:solidFill>
+                  <a:srgbClr val="000000"/>
+                </a:solidFill>
+                <a:latin typeface="Consolas" panose="020B0609020204030204" pitchFamily="49" charset="0"/>
+              </a:rPr>
+              <a:t>dict_a</a:t>
+            </a:r>
+            <a:r>
+              <a:rPr lang="en-US" dirty="0">
+                <a:solidFill>
+                  <a:srgbClr val="000000"/>
+                </a:solidFill>
+                <a:latin typeface="Consolas" panose="020B0609020204030204" pitchFamily="49" charset="0"/>
+              </a:rPr>
+              <a:t>:</a:t>
+            </a:r>
+          </a:p>
+          <a:p>
+            <a:r>
+              <a:rPr lang="en-US" dirty="0">
+                <a:solidFill>
+                  <a:srgbClr val="000000"/>
+                </a:solidFill>
+                <a:latin typeface="Consolas" panose="020B0609020204030204" pitchFamily="49" charset="0"/>
+              </a:rPr>
+              <a:t>                sum += </a:t>
+            </a:r>
+            <a:r>
+              <a:rPr lang="en-US" dirty="0" err="1">
+                <a:solidFill>
+                  <a:srgbClr val="000000"/>
+                </a:solidFill>
+                <a:latin typeface="Consolas" panose="020B0609020204030204" pitchFamily="49" charset="0"/>
+              </a:rPr>
+              <a:t>dict_a</a:t>
+            </a:r>
+            <a:r>
+              <a:rPr lang="en-US" dirty="0">
+                <a:solidFill>
+                  <a:srgbClr val="000000"/>
+                </a:solidFill>
+                <a:latin typeface="Consolas" panose="020B0609020204030204" pitchFamily="49" charset="0"/>
+              </a:rPr>
+              <a:t>[v[</a:t>
+            </a:r>
+            <a:r>
+              <a:rPr lang="en-US" dirty="0">
+                <a:solidFill>
+                  <a:srgbClr val="098658"/>
+                </a:solidFill>
+                <a:latin typeface="Consolas" panose="020B0609020204030204" pitchFamily="49" charset="0"/>
+              </a:rPr>
+              <a:t>1</a:t>
+            </a:r>
+            <a:r>
+              <a:rPr lang="en-US" dirty="0">
+                <a:solidFill>
+                  <a:srgbClr val="000000"/>
+                </a:solidFill>
+                <a:latin typeface="Consolas" panose="020B0609020204030204" pitchFamily="49" charset="0"/>
+              </a:rPr>
+              <a:t>]] * v[</a:t>
+            </a:r>
+            <a:r>
+              <a:rPr lang="en-US" dirty="0">
+                <a:solidFill>
+                  <a:srgbClr val="098658"/>
+                </a:solidFill>
+                <a:latin typeface="Consolas" panose="020B0609020204030204" pitchFamily="49" charset="0"/>
+              </a:rPr>
+              <a:t>3</a:t>
+            </a:r>
+            <a:r>
+              <a:rPr lang="en-US" dirty="0">
+                <a:solidFill>
+                  <a:srgbClr val="000000"/>
+                </a:solidFill>
+                <a:latin typeface="Consolas" panose="020B0609020204030204" pitchFamily="49" charset="0"/>
+              </a:rPr>
+              <a:t>]</a:t>
+            </a:r>
+          </a:p>
+          <a:p>
+            <a:r>
+              <a:rPr lang="en-US" dirty="0">
+                <a:solidFill>
+                  <a:srgbClr val="000000"/>
+                </a:solidFill>
+                <a:latin typeface="Consolas" panose="020B0609020204030204" pitchFamily="49" charset="0"/>
+              </a:rPr>
+              <a:t>    </a:t>
+            </a:r>
+            <a:r>
+              <a:rPr lang="en-US" dirty="0" err="1">
+                <a:solidFill>
+                  <a:srgbClr val="000000"/>
+                </a:solidFill>
+                <a:latin typeface="Consolas" panose="020B0609020204030204" pitchFamily="49" charset="0"/>
+              </a:rPr>
+              <a:t>mr.emit</a:t>
+            </a:r>
+            <a:r>
+              <a:rPr lang="en-US" dirty="0">
+                <a:solidFill>
+                  <a:srgbClr val="000000"/>
+                </a:solidFill>
+                <a:latin typeface="Consolas" panose="020B0609020204030204" pitchFamily="49" charset="0"/>
+              </a:rPr>
+              <a:t>((key, sum))</a:t>
+            </a:r>
+          </a:p>
+        </p:txBody>
+      </p:sp>
+      <p:sp>
+        <p:nvSpPr>
+          <p:cNvPr id="10" name="TextBox 9">
+            <a:extLst>
+              <a:ext uri="{FF2B5EF4-FFF2-40B4-BE49-F238E27FC236}">
+                <a16:creationId xmlns:a16="http://schemas.microsoft.com/office/drawing/2014/main" id="{A08D1482-B142-4224-8336-0D3F5E1A83AE}"/>
+              </a:ext>
+            </a:extLst>
+          </p:cNvPr>
+          <p:cNvSpPr txBox="1"/>
+          <p:nvPr/>
+        </p:nvSpPr>
+        <p:spPr>
+          <a:xfrm>
+            <a:off x="9262369" y="4366397"/>
+            <a:ext cx="2519266" cy="373225"/>
+          </a:xfrm>
+          <a:prstGeom prst="rect">
+            <a:avLst/>
+          </a:prstGeom>
+        </p:spPr>
+        <p:style>
+          <a:lnRef idx="2">
+            <a:schemeClr val="accent1">
+              <a:shade val="50000"/>
+            </a:schemeClr>
+          </a:lnRef>
+          <a:fillRef idx="1">
+            <a:schemeClr val="accent1"/>
+          </a:fillRef>
+          <a:effectRef idx="0">
+            <a:schemeClr val="accent1"/>
+          </a:effectRef>
+          <a:fontRef idx="minor">
+            <a:schemeClr val="lt1"/>
+          </a:fontRef>
+        </p:style>
+        <p:txBody>
+          <a:bodyPr wrap="square" rtlCol="0">
+            <a:spAutoFit/>
+          </a:bodyPr>
+          <a:lstStyle/>
+          <a:p>
+            <a:pPr algn="ctr"/>
+            <a:r>
+              <a:rPr lang="en-US" dirty="0" err="1"/>
+              <a:t>mr</a:t>
+            </a:r>
+            <a:r>
+              <a:rPr lang="el-GR" dirty="0"/>
+              <a:t>6</a:t>
+            </a:r>
+            <a:r>
+              <a:rPr lang="en-US" dirty="0"/>
+              <a:t>b.py</a:t>
+            </a:r>
+            <a:endParaRPr lang="el-GR" dirty="0"/>
+          </a:p>
+        </p:txBody>
+      </p:sp>
+      <p:sp>
+        <p:nvSpPr>
+          <p:cNvPr id="3" name="Ορθογώνιο 2">
+            <a:extLst>
+              <a:ext uri="{FF2B5EF4-FFF2-40B4-BE49-F238E27FC236}">
+                <a16:creationId xmlns:a16="http://schemas.microsoft.com/office/drawing/2014/main" id="{45BBFA74-23A0-4B0A-80AF-A08E01CAC1F7}"/>
+              </a:ext>
+            </a:extLst>
+          </p:cNvPr>
+          <p:cNvSpPr/>
+          <p:nvPr/>
+        </p:nvSpPr>
+        <p:spPr>
+          <a:xfrm>
+            <a:off x="8127546" y="4762182"/>
+            <a:ext cx="3951515" cy="830997"/>
+          </a:xfrm>
+          <a:prstGeom prst="rect">
+            <a:avLst/>
+          </a:prstGeom>
+        </p:spPr>
+        <p:txBody>
+          <a:bodyPr wrap="square">
+            <a:spAutoFit/>
+          </a:bodyPr>
+          <a:lstStyle/>
+          <a:p>
+            <a:r>
+              <a:rPr lang="pt-BR" sz="1200" b="1" dirty="0">
+                <a:solidFill>
+                  <a:srgbClr val="000000"/>
+                </a:solidFill>
+                <a:latin typeface="Calibri Light" panose="020F0302020204030204" pitchFamily="34" charset="0"/>
+                <a:cs typeface="Calibri Light" panose="020F0302020204030204" pitchFamily="34" charset="0"/>
+              </a:rPr>
+              <a:t>[[</a:t>
+            </a:r>
+            <a:r>
+              <a:rPr lang="pt-BR" sz="1200" b="1" dirty="0">
+                <a:solidFill>
+                  <a:srgbClr val="09885A"/>
+                </a:solidFill>
+                <a:latin typeface="Calibri Light" panose="020F0302020204030204" pitchFamily="34" charset="0"/>
+                <a:cs typeface="Calibri Light" panose="020F0302020204030204" pitchFamily="34" charset="0"/>
+              </a:rPr>
+              <a:t>0</a:t>
+            </a:r>
+            <a:r>
+              <a:rPr lang="pt-BR" sz="1200" b="1" dirty="0">
+                <a:solidFill>
+                  <a:srgbClr val="000000"/>
+                </a:solidFill>
+                <a:latin typeface="Calibri Light" panose="020F0302020204030204" pitchFamily="34" charset="0"/>
+                <a:cs typeface="Calibri Light" panose="020F0302020204030204" pitchFamily="34" charset="0"/>
+              </a:rPr>
+              <a:t>, </a:t>
+            </a:r>
+            <a:r>
+              <a:rPr lang="pt-BR" sz="1200" b="1" dirty="0">
+                <a:solidFill>
+                  <a:srgbClr val="09885A"/>
+                </a:solidFill>
+                <a:latin typeface="Calibri Light" panose="020F0302020204030204" pitchFamily="34" charset="0"/>
+                <a:cs typeface="Calibri Light" panose="020F0302020204030204" pitchFamily="34" charset="0"/>
+              </a:rPr>
+              <a:t>1</a:t>
+            </a:r>
+            <a:r>
+              <a:rPr lang="pt-BR" sz="1200" b="1" dirty="0">
+                <a:solidFill>
+                  <a:srgbClr val="000000"/>
+                </a:solidFill>
+                <a:latin typeface="Calibri Light" panose="020F0302020204030204" pitchFamily="34" charset="0"/>
+                <a:cs typeface="Calibri Light" panose="020F0302020204030204" pitchFamily="34" charset="0"/>
+              </a:rPr>
+              <a:t>], [[</a:t>
+            </a:r>
+            <a:r>
+              <a:rPr lang="el-GR" sz="1200" b="1" dirty="0">
+                <a:solidFill>
+                  <a:srgbClr val="A31515"/>
+                </a:solidFill>
+                <a:latin typeface="Calibri Light" panose="020F0302020204030204" pitchFamily="34" charset="0"/>
+                <a:cs typeface="Calibri Light" panose="020F0302020204030204" pitchFamily="34" charset="0"/>
+              </a:rPr>
+              <a:t>'</a:t>
+            </a:r>
+            <a:r>
+              <a:rPr lang="pt-BR" sz="1200" b="1" dirty="0">
+                <a:solidFill>
+                  <a:srgbClr val="A31515"/>
+                </a:solidFill>
+                <a:latin typeface="Calibri Light" panose="020F0302020204030204" pitchFamily="34" charset="0"/>
+                <a:cs typeface="Calibri Light" panose="020F0302020204030204" pitchFamily="34" charset="0"/>
+              </a:rPr>
+              <a:t>a</a:t>
+            </a:r>
+            <a:r>
+              <a:rPr lang="el-GR" sz="1200" b="1" dirty="0">
+                <a:solidFill>
+                  <a:srgbClr val="A31515"/>
+                </a:solidFill>
+                <a:latin typeface="Calibri Light" panose="020F0302020204030204" pitchFamily="34" charset="0"/>
+                <a:cs typeface="Calibri Light" panose="020F0302020204030204" pitchFamily="34" charset="0"/>
+              </a:rPr>
+              <a:t>'</a:t>
+            </a:r>
+            <a:r>
+              <a:rPr lang="pt-BR" sz="1200" b="1" dirty="0">
+                <a:solidFill>
+                  <a:srgbClr val="000000"/>
+                </a:solidFill>
+                <a:latin typeface="Calibri Light" panose="020F0302020204030204" pitchFamily="34" charset="0"/>
+                <a:cs typeface="Calibri Light" panose="020F0302020204030204" pitchFamily="34" charset="0"/>
+              </a:rPr>
+              <a:t>, </a:t>
+            </a:r>
+            <a:r>
+              <a:rPr lang="pt-BR" sz="1200" b="1" dirty="0">
+                <a:solidFill>
+                  <a:srgbClr val="09885A"/>
+                </a:solidFill>
+                <a:latin typeface="Calibri Light" panose="020F0302020204030204" pitchFamily="34" charset="0"/>
+                <a:cs typeface="Calibri Light" panose="020F0302020204030204" pitchFamily="34" charset="0"/>
+              </a:rPr>
+              <a:t>0</a:t>
+            </a:r>
+            <a:r>
+              <a:rPr lang="pt-BR" sz="1200" b="1" dirty="0">
+                <a:solidFill>
+                  <a:srgbClr val="000000"/>
+                </a:solidFill>
+                <a:latin typeface="Calibri Light" panose="020F0302020204030204" pitchFamily="34" charset="0"/>
+                <a:cs typeface="Calibri Light" panose="020F0302020204030204" pitchFamily="34" charset="0"/>
+              </a:rPr>
+              <a:t>, </a:t>
+            </a:r>
+            <a:r>
+              <a:rPr lang="pt-BR" sz="1200" b="1" dirty="0">
+                <a:solidFill>
+                  <a:srgbClr val="09885A"/>
+                </a:solidFill>
+                <a:latin typeface="Calibri Light" panose="020F0302020204030204" pitchFamily="34" charset="0"/>
+                <a:cs typeface="Calibri Light" panose="020F0302020204030204" pitchFamily="34" charset="0"/>
+              </a:rPr>
+              <a:t>0</a:t>
+            </a:r>
+            <a:r>
+              <a:rPr lang="pt-BR" sz="1200" b="1" dirty="0">
+                <a:solidFill>
+                  <a:srgbClr val="000000"/>
+                </a:solidFill>
+                <a:latin typeface="Calibri Light" panose="020F0302020204030204" pitchFamily="34" charset="0"/>
+                <a:cs typeface="Calibri Light" panose="020F0302020204030204" pitchFamily="34" charset="0"/>
+              </a:rPr>
+              <a:t>, </a:t>
+            </a:r>
+            <a:r>
+              <a:rPr lang="pt-BR" sz="1200" b="1" dirty="0">
+                <a:solidFill>
+                  <a:srgbClr val="09885A"/>
+                </a:solidFill>
+                <a:latin typeface="Calibri Light" panose="020F0302020204030204" pitchFamily="34" charset="0"/>
+                <a:cs typeface="Calibri Light" panose="020F0302020204030204" pitchFamily="34" charset="0"/>
+              </a:rPr>
+              <a:t>2</a:t>
+            </a:r>
+            <a:r>
+              <a:rPr lang="pt-BR" sz="1200" b="1" dirty="0">
+                <a:solidFill>
+                  <a:srgbClr val="000000"/>
+                </a:solidFill>
+                <a:latin typeface="Calibri Light" panose="020F0302020204030204" pitchFamily="34" charset="0"/>
+                <a:cs typeface="Calibri Light" panose="020F0302020204030204" pitchFamily="34" charset="0"/>
+              </a:rPr>
+              <a:t>], [</a:t>
+            </a:r>
+            <a:r>
+              <a:rPr lang="el-GR" sz="1200" b="1" dirty="0">
+                <a:solidFill>
+                  <a:srgbClr val="A31515"/>
+                </a:solidFill>
+                <a:latin typeface="Calibri Light" panose="020F0302020204030204" pitchFamily="34" charset="0"/>
+                <a:cs typeface="Calibri Light" panose="020F0302020204030204" pitchFamily="34" charset="0"/>
+              </a:rPr>
+              <a:t>'</a:t>
+            </a:r>
+            <a:r>
+              <a:rPr lang="pt-BR" sz="1200" b="1" dirty="0">
+                <a:solidFill>
+                  <a:srgbClr val="A31515"/>
+                </a:solidFill>
+                <a:latin typeface="Calibri Light" panose="020F0302020204030204" pitchFamily="34" charset="0"/>
+                <a:cs typeface="Calibri Light" panose="020F0302020204030204" pitchFamily="34" charset="0"/>
+              </a:rPr>
+              <a:t>a</a:t>
+            </a:r>
+            <a:r>
+              <a:rPr lang="el-GR" sz="1200" b="1" dirty="0">
+                <a:solidFill>
+                  <a:srgbClr val="A31515"/>
+                </a:solidFill>
+                <a:latin typeface="Calibri Light" panose="020F0302020204030204" pitchFamily="34" charset="0"/>
+                <a:cs typeface="Calibri Light" panose="020F0302020204030204" pitchFamily="34" charset="0"/>
+              </a:rPr>
+              <a:t>'</a:t>
+            </a:r>
+            <a:r>
+              <a:rPr lang="pt-BR" sz="1200" b="1" dirty="0">
+                <a:solidFill>
+                  <a:srgbClr val="000000"/>
+                </a:solidFill>
+                <a:latin typeface="Calibri Light" panose="020F0302020204030204" pitchFamily="34" charset="0"/>
+                <a:cs typeface="Calibri Light" panose="020F0302020204030204" pitchFamily="34" charset="0"/>
+              </a:rPr>
+              <a:t>, </a:t>
+            </a:r>
+            <a:r>
+              <a:rPr lang="pt-BR" sz="1200" b="1" dirty="0">
+                <a:solidFill>
+                  <a:srgbClr val="09885A"/>
+                </a:solidFill>
+                <a:latin typeface="Calibri Light" panose="020F0302020204030204" pitchFamily="34" charset="0"/>
+                <a:cs typeface="Calibri Light" panose="020F0302020204030204" pitchFamily="34" charset="0"/>
+              </a:rPr>
+              <a:t>0</a:t>
+            </a:r>
+            <a:r>
+              <a:rPr lang="pt-BR" sz="1200" b="1" dirty="0">
+                <a:solidFill>
+                  <a:srgbClr val="000000"/>
+                </a:solidFill>
+                <a:latin typeface="Calibri Light" panose="020F0302020204030204" pitchFamily="34" charset="0"/>
+                <a:cs typeface="Calibri Light" panose="020F0302020204030204" pitchFamily="34" charset="0"/>
+              </a:rPr>
+              <a:t>, </a:t>
+            </a:r>
+            <a:r>
+              <a:rPr lang="pt-BR" sz="1200" b="1" dirty="0">
+                <a:solidFill>
+                  <a:srgbClr val="09885A"/>
+                </a:solidFill>
+                <a:latin typeface="Calibri Light" panose="020F0302020204030204" pitchFamily="34" charset="0"/>
+                <a:cs typeface="Calibri Light" panose="020F0302020204030204" pitchFamily="34" charset="0"/>
+              </a:rPr>
+              <a:t>2</a:t>
+            </a:r>
+            <a:r>
+              <a:rPr lang="pt-BR" sz="1200" b="1" dirty="0">
+                <a:solidFill>
+                  <a:srgbClr val="000000"/>
+                </a:solidFill>
+                <a:latin typeface="Calibri Light" panose="020F0302020204030204" pitchFamily="34" charset="0"/>
+                <a:cs typeface="Calibri Light" panose="020F0302020204030204" pitchFamily="34" charset="0"/>
+              </a:rPr>
+              <a:t>, </a:t>
+            </a:r>
+            <a:r>
+              <a:rPr lang="pt-BR" sz="1200" b="1" dirty="0">
+                <a:solidFill>
+                  <a:srgbClr val="09885A"/>
+                </a:solidFill>
+                <a:latin typeface="Calibri Light" panose="020F0302020204030204" pitchFamily="34" charset="0"/>
+                <a:cs typeface="Calibri Light" panose="020F0302020204030204" pitchFamily="34" charset="0"/>
+              </a:rPr>
+              <a:t>1</a:t>
+            </a:r>
+            <a:r>
+              <a:rPr lang="pt-BR" sz="1200" b="1" dirty="0">
+                <a:solidFill>
+                  <a:srgbClr val="000000"/>
+                </a:solidFill>
+                <a:latin typeface="Calibri Light" panose="020F0302020204030204" pitchFamily="34" charset="0"/>
+                <a:cs typeface="Calibri Light" panose="020F0302020204030204" pitchFamily="34" charset="0"/>
+              </a:rPr>
+              <a:t>], [</a:t>
+            </a:r>
+            <a:r>
+              <a:rPr lang="el-GR" sz="1200" b="1" dirty="0">
+                <a:solidFill>
+                  <a:srgbClr val="A31515"/>
+                </a:solidFill>
+                <a:latin typeface="Calibri Light" panose="020F0302020204030204" pitchFamily="34" charset="0"/>
+                <a:cs typeface="Calibri Light" panose="020F0302020204030204" pitchFamily="34" charset="0"/>
+              </a:rPr>
+              <a:t>'</a:t>
+            </a:r>
+            <a:r>
+              <a:rPr lang="pt-BR" sz="1200" b="1" dirty="0">
+                <a:solidFill>
+                  <a:srgbClr val="A31515"/>
+                </a:solidFill>
+                <a:latin typeface="Calibri Light" panose="020F0302020204030204" pitchFamily="34" charset="0"/>
+                <a:cs typeface="Calibri Light" panose="020F0302020204030204" pitchFamily="34" charset="0"/>
+              </a:rPr>
+              <a:t>b</a:t>
+            </a:r>
+            <a:r>
+              <a:rPr lang="el-GR" sz="1200" b="1" dirty="0">
+                <a:solidFill>
+                  <a:srgbClr val="A31515"/>
+                </a:solidFill>
+                <a:latin typeface="Calibri Light" panose="020F0302020204030204" pitchFamily="34" charset="0"/>
+                <a:cs typeface="Calibri Light" panose="020F0302020204030204" pitchFamily="34" charset="0"/>
+              </a:rPr>
+              <a:t>'</a:t>
+            </a:r>
+            <a:r>
+              <a:rPr lang="pt-BR" sz="1200" b="1" dirty="0">
+                <a:solidFill>
+                  <a:srgbClr val="000000"/>
+                </a:solidFill>
+                <a:latin typeface="Calibri Light" panose="020F0302020204030204" pitchFamily="34" charset="0"/>
+                <a:cs typeface="Calibri Light" panose="020F0302020204030204" pitchFamily="34" charset="0"/>
+              </a:rPr>
+              <a:t>, </a:t>
+            </a:r>
+            <a:r>
+              <a:rPr lang="pt-BR" sz="1200" b="1" dirty="0">
+                <a:solidFill>
+                  <a:srgbClr val="09885A"/>
+                </a:solidFill>
+                <a:latin typeface="Calibri Light" panose="020F0302020204030204" pitchFamily="34" charset="0"/>
+                <a:cs typeface="Calibri Light" panose="020F0302020204030204" pitchFamily="34" charset="0"/>
+              </a:rPr>
+              <a:t>0</a:t>
+            </a:r>
+            <a:r>
+              <a:rPr lang="pt-BR" sz="1200" b="1" dirty="0">
+                <a:solidFill>
+                  <a:srgbClr val="000000"/>
+                </a:solidFill>
+                <a:latin typeface="Calibri Light" panose="020F0302020204030204" pitchFamily="34" charset="0"/>
+                <a:cs typeface="Calibri Light" panose="020F0302020204030204" pitchFamily="34" charset="0"/>
+              </a:rPr>
+              <a:t>, </a:t>
+            </a:r>
+            <a:r>
+              <a:rPr lang="pt-BR" sz="1200" b="1" dirty="0">
+                <a:solidFill>
+                  <a:srgbClr val="09885A"/>
+                </a:solidFill>
+                <a:latin typeface="Calibri Light" panose="020F0302020204030204" pitchFamily="34" charset="0"/>
+                <a:cs typeface="Calibri Light" panose="020F0302020204030204" pitchFamily="34" charset="0"/>
+              </a:rPr>
+              <a:t>1</a:t>
+            </a:r>
+            <a:r>
+              <a:rPr lang="pt-BR" sz="1200" b="1" dirty="0">
+                <a:solidFill>
+                  <a:srgbClr val="000000"/>
+                </a:solidFill>
+                <a:latin typeface="Calibri Light" panose="020F0302020204030204" pitchFamily="34" charset="0"/>
+                <a:cs typeface="Calibri Light" panose="020F0302020204030204" pitchFamily="34" charset="0"/>
+              </a:rPr>
+              <a:t>, </a:t>
+            </a:r>
+            <a:r>
+              <a:rPr lang="pt-BR" sz="1200" b="1" dirty="0">
+                <a:solidFill>
+                  <a:srgbClr val="09885A"/>
+                </a:solidFill>
+                <a:latin typeface="Calibri Light" panose="020F0302020204030204" pitchFamily="34" charset="0"/>
+                <a:cs typeface="Calibri Light" panose="020F0302020204030204" pitchFamily="34" charset="0"/>
+              </a:rPr>
+              <a:t>7</a:t>
+            </a:r>
+            <a:r>
+              <a:rPr lang="pt-BR" sz="1200" b="1" dirty="0">
+                <a:solidFill>
+                  <a:srgbClr val="000000"/>
+                </a:solidFill>
+                <a:latin typeface="Calibri Light" panose="020F0302020204030204" pitchFamily="34" charset="0"/>
+                <a:cs typeface="Calibri Light" panose="020F0302020204030204" pitchFamily="34" charset="0"/>
+              </a:rPr>
+              <a:t>]]]</a:t>
+            </a:r>
+          </a:p>
+          <a:p>
+            <a:r>
+              <a:rPr lang="pt-BR" sz="1200" b="1" dirty="0">
+                <a:solidFill>
+                  <a:srgbClr val="000000"/>
+                </a:solidFill>
+                <a:latin typeface="Calibri Light" panose="020F0302020204030204" pitchFamily="34" charset="0"/>
+                <a:cs typeface="Calibri Light" panose="020F0302020204030204" pitchFamily="34" charset="0"/>
+              </a:rPr>
+              <a:t>[[</a:t>
+            </a:r>
+            <a:r>
+              <a:rPr lang="pt-BR" sz="1200" b="1" dirty="0">
+                <a:solidFill>
+                  <a:srgbClr val="09885A"/>
+                </a:solidFill>
+                <a:latin typeface="Calibri Light" panose="020F0302020204030204" pitchFamily="34" charset="0"/>
+                <a:cs typeface="Calibri Light" panose="020F0302020204030204" pitchFamily="34" charset="0"/>
+              </a:rPr>
+              <a:t>1</a:t>
+            </a:r>
+            <a:r>
+              <a:rPr lang="pt-BR" sz="1200" b="1" dirty="0">
+                <a:solidFill>
+                  <a:srgbClr val="000000"/>
+                </a:solidFill>
+                <a:latin typeface="Calibri Light" panose="020F0302020204030204" pitchFamily="34" charset="0"/>
+                <a:cs typeface="Calibri Light" panose="020F0302020204030204" pitchFamily="34" charset="0"/>
+              </a:rPr>
+              <a:t>, </a:t>
+            </a:r>
+            <a:r>
+              <a:rPr lang="pt-BR" sz="1200" b="1" dirty="0">
+                <a:solidFill>
+                  <a:srgbClr val="09885A"/>
+                </a:solidFill>
+                <a:latin typeface="Calibri Light" panose="020F0302020204030204" pitchFamily="34" charset="0"/>
+                <a:cs typeface="Calibri Light" panose="020F0302020204030204" pitchFamily="34" charset="0"/>
+              </a:rPr>
+              <a:t>0</a:t>
+            </a:r>
+            <a:r>
+              <a:rPr lang="pt-BR" sz="1200" b="1" dirty="0">
+                <a:solidFill>
+                  <a:srgbClr val="000000"/>
+                </a:solidFill>
+                <a:latin typeface="Calibri Light" panose="020F0302020204030204" pitchFamily="34" charset="0"/>
+                <a:cs typeface="Calibri Light" panose="020F0302020204030204" pitchFamily="34" charset="0"/>
+              </a:rPr>
+              <a:t>], [[</a:t>
+            </a:r>
+            <a:r>
+              <a:rPr lang="el-GR" sz="1200" b="1" dirty="0">
+                <a:solidFill>
+                  <a:srgbClr val="A31515"/>
+                </a:solidFill>
+                <a:latin typeface="Calibri Light" panose="020F0302020204030204" pitchFamily="34" charset="0"/>
+                <a:cs typeface="Calibri Light" panose="020F0302020204030204" pitchFamily="34" charset="0"/>
+              </a:rPr>
+              <a:t>'</a:t>
+            </a:r>
+            <a:r>
+              <a:rPr lang="pt-BR" sz="1200" b="1" dirty="0">
+                <a:solidFill>
+                  <a:srgbClr val="A31515"/>
+                </a:solidFill>
+                <a:latin typeface="Calibri Light" panose="020F0302020204030204" pitchFamily="34" charset="0"/>
+                <a:cs typeface="Calibri Light" panose="020F0302020204030204" pitchFamily="34" charset="0"/>
+              </a:rPr>
+              <a:t>a</a:t>
+            </a:r>
+            <a:r>
+              <a:rPr lang="el-GR" sz="1200" b="1" dirty="0">
+                <a:solidFill>
+                  <a:srgbClr val="A31515"/>
+                </a:solidFill>
+                <a:latin typeface="Calibri Light" panose="020F0302020204030204" pitchFamily="34" charset="0"/>
+                <a:cs typeface="Calibri Light" panose="020F0302020204030204" pitchFamily="34" charset="0"/>
+              </a:rPr>
+              <a:t>'</a:t>
+            </a:r>
+            <a:r>
+              <a:rPr lang="pt-BR" sz="1200" b="1" dirty="0">
+                <a:solidFill>
+                  <a:srgbClr val="000000"/>
+                </a:solidFill>
+                <a:latin typeface="Calibri Light" panose="020F0302020204030204" pitchFamily="34" charset="0"/>
+                <a:cs typeface="Calibri Light" panose="020F0302020204030204" pitchFamily="34" charset="0"/>
+              </a:rPr>
+              <a:t>, </a:t>
+            </a:r>
+            <a:r>
+              <a:rPr lang="pt-BR" sz="1200" b="1" dirty="0">
+                <a:solidFill>
+                  <a:srgbClr val="09885A"/>
+                </a:solidFill>
+                <a:latin typeface="Calibri Light" panose="020F0302020204030204" pitchFamily="34" charset="0"/>
+                <a:cs typeface="Calibri Light" panose="020F0302020204030204" pitchFamily="34" charset="0"/>
+              </a:rPr>
+              <a:t>1</a:t>
+            </a:r>
+            <a:r>
+              <a:rPr lang="pt-BR" sz="1200" b="1" dirty="0">
+                <a:solidFill>
+                  <a:srgbClr val="000000"/>
+                </a:solidFill>
+                <a:latin typeface="Calibri Light" panose="020F0302020204030204" pitchFamily="34" charset="0"/>
+                <a:cs typeface="Calibri Light" panose="020F0302020204030204" pitchFamily="34" charset="0"/>
+              </a:rPr>
+              <a:t>, </a:t>
+            </a:r>
+            <a:r>
+              <a:rPr lang="pt-BR" sz="1200" b="1" dirty="0">
+                <a:solidFill>
+                  <a:srgbClr val="09885A"/>
+                </a:solidFill>
+                <a:latin typeface="Calibri Light" panose="020F0302020204030204" pitchFamily="34" charset="0"/>
+                <a:cs typeface="Calibri Light" panose="020F0302020204030204" pitchFamily="34" charset="0"/>
+              </a:rPr>
+              <a:t>0</a:t>
+            </a:r>
+            <a:r>
+              <a:rPr lang="pt-BR" sz="1200" b="1" dirty="0">
+                <a:solidFill>
+                  <a:srgbClr val="000000"/>
+                </a:solidFill>
+                <a:latin typeface="Calibri Light" panose="020F0302020204030204" pitchFamily="34" charset="0"/>
+                <a:cs typeface="Calibri Light" panose="020F0302020204030204" pitchFamily="34" charset="0"/>
+              </a:rPr>
+              <a:t>, </a:t>
+            </a:r>
+            <a:r>
+              <a:rPr lang="pt-BR" sz="1200" b="1" dirty="0">
+                <a:solidFill>
+                  <a:srgbClr val="09885A"/>
+                </a:solidFill>
+                <a:latin typeface="Calibri Light" panose="020F0302020204030204" pitchFamily="34" charset="0"/>
+                <a:cs typeface="Calibri Light" panose="020F0302020204030204" pitchFamily="34" charset="0"/>
+              </a:rPr>
+              <a:t>4</a:t>
+            </a:r>
+            <a:r>
+              <a:rPr lang="pt-BR" sz="1200" b="1" dirty="0">
+                <a:solidFill>
+                  <a:srgbClr val="000000"/>
+                </a:solidFill>
+                <a:latin typeface="Calibri Light" panose="020F0302020204030204" pitchFamily="34" charset="0"/>
+                <a:cs typeface="Calibri Light" panose="020F0302020204030204" pitchFamily="34" charset="0"/>
+              </a:rPr>
+              <a:t>], [</a:t>
+            </a:r>
+            <a:r>
+              <a:rPr lang="el-GR" sz="1200" b="1" dirty="0">
+                <a:solidFill>
+                  <a:srgbClr val="A31515"/>
+                </a:solidFill>
+                <a:latin typeface="Calibri Light" panose="020F0302020204030204" pitchFamily="34" charset="0"/>
+                <a:cs typeface="Calibri Light" panose="020F0302020204030204" pitchFamily="34" charset="0"/>
+              </a:rPr>
+              <a:t>'</a:t>
+            </a:r>
+            <a:r>
+              <a:rPr lang="pt-BR" sz="1200" b="1" dirty="0">
+                <a:solidFill>
+                  <a:srgbClr val="A31515"/>
+                </a:solidFill>
+                <a:latin typeface="Calibri Light" panose="020F0302020204030204" pitchFamily="34" charset="0"/>
+                <a:cs typeface="Calibri Light" panose="020F0302020204030204" pitchFamily="34" charset="0"/>
+              </a:rPr>
+              <a:t>a</a:t>
+            </a:r>
+            <a:r>
+              <a:rPr lang="el-GR" sz="1200" b="1" dirty="0">
+                <a:solidFill>
+                  <a:srgbClr val="A31515"/>
+                </a:solidFill>
+                <a:latin typeface="Calibri Light" panose="020F0302020204030204" pitchFamily="34" charset="0"/>
+                <a:cs typeface="Calibri Light" panose="020F0302020204030204" pitchFamily="34" charset="0"/>
+              </a:rPr>
+              <a:t>'</a:t>
+            </a:r>
+            <a:r>
+              <a:rPr lang="pt-BR" sz="1200" b="1" dirty="0">
+                <a:solidFill>
+                  <a:srgbClr val="000000"/>
+                </a:solidFill>
+                <a:latin typeface="Calibri Light" panose="020F0302020204030204" pitchFamily="34" charset="0"/>
+                <a:cs typeface="Calibri Light" panose="020F0302020204030204" pitchFamily="34" charset="0"/>
+              </a:rPr>
+              <a:t>, </a:t>
+            </a:r>
+            <a:r>
+              <a:rPr lang="pt-BR" sz="1200" b="1" dirty="0">
+                <a:solidFill>
+                  <a:srgbClr val="09885A"/>
+                </a:solidFill>
+                <a:latin typeface="Calibri Light" panose="020F0302020204030204" pitchFamily="34" charset="0"/>
+                <a:cs typeface="Calibri Light" panose="020F0302020204030204" pitchFamily="34" charset="0"/>
+              </a:rPr>
+              <a:t>1</a:t>
+            </a:r>
+            <a:r>
+              <a:rPr lang="pt-BR" sz="1200" b="1" dirty="0">
+                <a:solidFill>
+                  <a:srgbClr val="000000"/>
+                </a:solidFill>
+                <a:latin typeface="Calibri Light" panose="020F0302020204030204" pitchFamily="34" charset="0"/>
+                <a:cs typeface="Calibri Light" panose="020F0302020204030204" pitchFamily="34" charset="0"/>
+              </a:rPr>
+              <a:t>, </a:t>
+            </a:r>
+            <a:r>
+              <a:rPr lang="pt-BR" sz="1200" b="1" dirty="0">
+                <a:solidFill>
+                  <a:srgbClr val="09885A"/>
+                </a:solidFill>
+                <a:latin typeface="Calibri Light" panose="020F0302020204030204" pitchFamily="34" charset="0"/>
+                <a:cs typeface="Calibri Light" panose="020F0302020204030204" pitchFamily="34" charset="0"/>
+              </a:rPr>
+              <a:t>2</a:t>
+            </a:r>
+            <a:r>
+              <a:rPr lang="pt-BR" sz="1200" b="1" dirty="0">
+                <a:solidFill>
+                  <a:srgbClr val="000000"/>
+                </a:solidFill>
+                <a:latin typeface="Calibri Light" panose="020F0302020204030204" pitchFamily="34" charset="0"/>
+                <a:cs typeface="Calibri Light" panose="020F0302020204030204" pitchFamily="34" charset="0"/>
+              </a:rPr>
+              <a:t>, </a:t>
+            </a:r>
+            <a:r>
+              <a:rPr lang="pt-BR" sz="1200" b="1" dirty="0">
+                <a:solidFill>
+                  <a:srgbClr val="09885A"/>
+                </a:solidFill>
+                <a:latin typeface="Calibri Light" panose="020F0302020204030204" pitchFamily="34" charset="0"/>
+                <a:cs typeface="Calibri Light" panose="020F0302020204030204" pitchFamily="34" charset="0"/>
+              </a:rPr>
+              <a:t>5</a:t>
+            </a:r>
+            <a:r>
+              <a:rPr lang="pt-BR" sz="1200" b="1" dirty="0">
+                <a:solidFill>
+                  <a:srgbClr val="000000"/>
+                </a:solidFill>
+                <a:latin typeface="Calibri Light" panose="020F0302020204030204" pitchFamily="34" charset="0"/>
+                <a:cs typeface="Calibri Light" panose="020F0302020204030204" pitchFamily="34" charset="0"/>
+              </a:rPr>
+              <a:t>], [</a:t>
+            </a:r>
+            <a:r>
+              <a:rPr lang="el-GR" sz="1200" b="1" dirty="0">
+                <a:solidFill>
+                  <a:srgbClr val="A31515"/>
+                </a:solidFill>
+                <a:latin typeface="Calibri Light" panose="020F0302020204030204" pitchFamily="34" charset="0"/>
+                <a:cs typeface="Calibri Light" panose="020F0302020204030204" pitchFamily="34" charset="0"/>
+              </a:rPr>
+              <a:t>'</a:t>
+            </a:r>
+            <a:r>
+              <a:rPr lang="pt-BR" sz="1200" b="1" dirty="0">
+                <a:solidFill>
+                  <a:srgbClr val="A31515"/>
+                </a:solidFill>
+                <a:latin typeface="Calibri Light" panose="020F0302020204030204" pitchFamily="34" charset="0"/>
+                <a:cs typeface="Calibri Light" panose="020F0302020204030204" pitchFamily="34" charset="0"/>
+              </a:rPr>
+              <a:t>b</a:t>
+            </a:r>
+            <a:r>
+              <a:rPr lang="el-GR" sz="1200" b="1" dirty="0">
+                <a:solidFill>
+                  <a:srgbClr val="A31515"/>
+                </a:solidFill>
+                <a:latin typeface="Calibri Light" panose="020F0302020204030204" pitchFamily="34" charset="0"/>
+                <a:cs typeface="Calibri Light" panose="020F0302020204030204" pitchFamily="34" charset="0"/>
+              </a:rPr>
+              <a:t>'</a:t>
+            </a:r>
+            <a:r>
+              <a:rPr lang="pt-BR" sz="1200" b="1" dirty="0">
+                <a:solidFill>
+                  <a:srgbClr val="000000"/>
+                </a:solidFill>
+                <a:latin typeface="Calibri Light" panose="020F0302020204030204" pitchFamily="34" charset="0"/>
+                <a:cs typeface="Calibri Light" panose="020F0302020204030204" pitchFamily="34" charset="0"/>
+              </a:rPr>
+              <a:t>, </a:t>
+            </a:r>
+            <a:r>
+              <a:rPr lang="pt-BR" sz="1200" b="1" dirty="0">
+                <a:solidFill>
+                  <a:srgbClr val="09885A"/>
+                </a:solidFill>
+                <a:latin typeface="Calibri Light" panose="020F0302020204030204" pitchFamily="34" charset="0"/>
+                <a:cs typeface="Calibri Light" panose="020F0302020204030204" pitchFamily="34" charset="0"/>
+              </a:rPr>
+              <a:t>0</a:t>
+            </a:r>
+            <a:r>
+              <a:rPr lang="pt-BR" sz="1200" b="1" dirty="0">
+                <a:solidFill>
+                  <a:srgbClr val="000000"/>
+                </a:solidFill>
+                <a:latin typeface="Calibri Light" panose="020F0302020204030204" pitchFamily="34" charset="0"/>
+                <a:cs typeface="Calibri Light" panose="020F0302020204030204" pitchFamily="34" charset="0"/>
+              </a:rPr>
+              <a:t>, </a:t>
+            </a:r>
+            <a:r>
+              <a:rPr lang="pt-BR" sz="1200" b="1" dirty="0">
+                <a:solidFill>
+                  <a:srgbClr val="09885A"/>
+                </a:solidFill>
+                <a:latin typeface="Calibri Light" panose="020F0302020204030204" pitchFamily="34" charset="0"/>
+                <a:cs typeface="Calibri Light" panose="020F0302020204030204" pitchFamily="34" charset="0"/>
+              </a:rPr>
+              <a:t>0</a:t>
+            </a:r>
+            <a:r>
+              <a:rPr lang="pt-BR" sz="1200" b="1" dirty="0">
+                <a:solidFill>
+                  <a:srgbClr val="000000"/>
+                </a:solidFill>
+                <a:latin typeface="Calibri Light" panose="020F0302020204030204" pitchFamily="34" charset="0"/>
+                <a:cs typeface="Calibri Light" panose="020F0302020204030204" pitchFamily="34" charset="0"/>
+              </a:rPr>
+              <a:t>, </a:t>
+            </a:r>
+            <a:r>
+              <a:rPr lang="pt-BR" sz="1200" b="1" dirty="0">
+                <a:solidFill>
+                  <a:srgbClr val="09885A"/>
+                </a:solidFill>
+                <a:latin typeface="Calibri Light" panose="020F0302020204030204" pitchFamily="34" charset="0"/>
+                <a:cs typeface="Calibri Light" panose="020F0302020204030204" pitchFamily="34" charset="0"/>
+              </a:rPr>
+              <a:t>1</a:t>
+            </a:r>
+            <a:r>
+              <a:rPr lang="pt-BR" sz="1200" b="1" dirty="0">
+                <a:solidFill>
+                  <a:srgbClr val="000000"/>
+                </a:solidFill>
+                <a:latin typeface="Calibri Light" panose="020F0302020204030204" pitchFamily="34" charset="0"/>
+                <a:cs typeface="Calibri Light" panose="020F0302020204030204" pitchFamily="34" charset="0"/>
+              </a:rPr>
+              <a:t>], [</a:t>
+            </a:r>
+            <a:r>
+              <a:rPr lang="el-GR" sz="1200" b="1" dirty="0">
+                <a:solidFill>
+                  <a:srgbClr val="A31515"/>
+                </a:solidFill>
+                <a:latin typeface="Calibri Light" panose="020F0302020204030204" pitchFamily="34" charset="0"/>
+                <a:cs typeface="Calibri Light" panose="020F0302020204030204" pitchFamily="34" charset="0"/>
+              </a:rPr>
+              <a:t>'</a:t>
+            </a:r>
+            <a:r>
+              <a:rPr lang="pt-BR" sz="1200" b="1" dirty="0">
+                <a:solidFill>
+                  <a:srgbClr val="A31515"/>
+                </a:solidFill>
+                <a:latin typeface="Calibri Light" panose="020F0302020204030204" pitchFamily="34" charset="0"/>
+                <a:cs typeface="Calibri Light" panose="020F0302020204030204" pitchFamily="34" charset="0"/>
+              </a:rPr>
+              <a:t>b</a:t>
+            </a:r>
+            <a:r>
+              <a:rPr lang="el-GR" sz="1200" b="1" dirty="0">
+                <a:solidFill>
+                  <a:srgbClr val="A31515"/>
+                </a:solidFill>
+                <a:latin typeface="Calibri Light" panose="020F0302020204030204" pitchFamily="34" charset="0"/>
+                <a:cs typeface="Calibri Light" panose="020F0302020204030204" pitchFamily="34" charset="0"/>
+              </a:rPr>
+              <a:t>'</a:t>
+            </a:r>
+            <a:r>
+              <a:rPr lang="pt-BR" sz="1200" b="1" dirty="0">
+                <a:solidFill>
+                  <a:srgbClr val="000000"/>
+                </a:solidFill>
+                <a:latin typeface="Calibri Light" panose="020F0302020204030204" pitchFamily="34" charset="0"/>
+                <a:cs typeface="Calibri Light" panose="020F0302020204030204" pitchFamily="34" charset="0"/>
+              </a:rPr>
+              <a:t>, </a:t>
+            </a:r>
+            <a:r>
+              <a:rPr lang="pt-BR" sz="1200" b="1" dirty="0">
+                <a:solidFill>
+                  <a:srgbClr val="09885A"/>
+                </a:solidFill>
+                <a:latin typeface="Calibri Light" panose="020F0302020204030204" pitchFamily="34" charset="0"/>
+                <a:cs typeface="Calibri Light" panose="020F0302020204030204" pitchFamily="34" charset="0"/>
+              </a:rPr>
+              <a:t>2</a:t>
+            </a:r>
+            <a:r>
+              <a:rPr lang="pt-BR" sz="1200" b="1" dirty="0">
+                <a:solidFill>
+                  <a:srgbClr val="000000"/>
+                </a:solidFill>
+                <a:latin typeface="Calibri Light" panose="020F0302020204030204" pitchFamily="34" charset="0"/>
+                <a:cs typeface="Calibri Light" panose="020F0302020204030204" pitchFamily="34" charset="0"/>
+              </a:rPr>
+              <a:t>, </a:t>
+            </a:r>
+            <a:r>
+              <a:rPr lang="pt-BR" sz="1200" b="1" dirty="0">
+                <a:solidFill>
+                  <a:srgbClr val="09885A"/>
+                </a:solidFill>
+                <a:latin typeface="Calibri Light" panose="020F0302020204030204" pitchFamily="34" charset="0"/>
+                <a:cs typeface="Calibri Light" panose="020F0302020204030204" pitchFamily="34" charset="0"/>
+              </a:rPr>
+              <a:t>0</a:t>
+            </a:r>
+            <a:r>
+              <a:rPr lang="pt-BR" sz="1200" b="1" dirty="0">
+                <a:solidFill>
+                  <a:srgbClr val="000000"/>
+                </a:solidFill>
+                <a:latin typeface="Calibri Light" panose="020F0302020204030204" pitchFamily="34" charset="0"/>
+                <a:cs typeface="Calibri Light" panose="020F0302020204030204" pitchFamily="34" charset="0"/>
+              </a:rPr>
+              <a:t>, </a:t>
+            </a:r>
+            <a:r>
+              <a:rPr lang="pt-BR" sz="1200" b="1" dirty="0">
+                <a:solidFill>
+                  <a:srgbClr val="09885A"/>
+                </a:solidFill>
+                <a:latin typeface="Calibri Light" panose="020F0302020204030204" pitchFamily="34" charset="0"/>
+                <a:cs typeface="Calibri Light" panose="020F0302020204030204" pitchFamily="34" charset="0"/>
+              </a:rPr>
+              <a:t>3</a:t>
+            </a:r>
+            <a:r>
+              <a:rPr lang="pt-BR" sz="1200" b="1" dirty="0">
+                <a:solidFill>
+                  <a:srgbClr val="000000"/>
+                </a:solidFill>
+                <a:latin typeface="Calibri Light" panose="020F0302020204030204" pitchFamily="34" charset="0"/>
+                <a:cs typeface="Calibri Light" panose="020F0302020204030204" pitchFamily="34" charset="0"/>
+              </a:rPr>
+              <a:t>]]]</a:t>
+            </a:r>
+          </a:p>
+          <a:p>
+            <a:r>
+              <a:rPr lang="pt-BR" sz="1200" b="1" dirty="0">
+                <a:solidFill>
+                  <a:srgbClr val="000000"/>
+                </a:solidFill>
+                <a:latin typeface="Calibri Light" panose="020F0302020204030204" pitchFamily="34" charset="0"/>
+                <a:cs typeface="Calibri Light" panose="020F0302020204030204" pitchFamily="34" charset="0"/>
+              </a:rPr>
+              <a:t>[[</a:t>
+            </a:r>
+            <a:r>
+              <a:rPr lang="pt-BR" sz="1200" b="1" dirty="0">
+                <a:solidFill>
+                  <a:srgbClr val="09885A"/>
+                </a:solidFill>
+                <a:latin typeface="Calibri Light" panose="020F0302020204030204" pitchFamily="34" charset="0"/>
+                <a:cs typeface="Calibri Light" panose="020F0302020204030204" pitchFamily="34" charset="0"/>
+              </a:rPr>
+              <a:t>0</a:t>
+            </a:r>
+            <a:r>
+              <a:rPr lang="pt-BR" sz="1200" b="1" dirty="0">
+                <a:solidFill>
+                  <a:srgbClr val="000000"/>
+                </a:solidFill>
+                <a:latin typeface="Calibri Light" panose="020F0302020204030204" pitchFamily="34" charset="0"/>
+                <a:cs typeface="Calibri Light" panose="020F0302020204030204" pitchFamily="34" charset="0"/>
+              </a:rPr>
+              <a:t>, </a:t>
+            </a:r>
+            <a:r>
+              <a:rPr lang="pt-BR" sz="1200" b="1" dirty="0">
+                <a:solidFill>
+                  <a:srgbClr val="09885A"/>
+                </a:solidFill>
+                <a:latin typeface="Calibri Light" panose="020F0302020204030204" pitchFamily="34" charset="0"/>
+                <a:cs typeface="Calibri Light" panose="020F0302020204030204" pitchFamily="34" charset="0"/>
+              </a:rPr>
+              <a:t>0</a:t>
+            </a:r>
+            <a:r>
+              <a:rPr lang="pt-BR" sz="1200" b="1" dirty="0">
+                <a:solidFill>
+                  <a:srgbClr val="000000"/>
+                </a:solidFill>
+                <a:latin typeface="Calibri Light" panose="020F0302020204030204" pitchFamily="34" charset="0"/>
+                <a:cs typeface="Calibri Light" panose="020F0302020204030204" pitchFamily="34" charset="0"/>
+              </a:rPr>
+              <a:t>], [[</a:t>
+            </a:r>
+            <a:r>
+              <a:rPr lang="el-GR" sz="1200" b="1" dirty="0">
+                <a:solidFill>
+                  <a:srgbClr val="A31515"/>
+                </a:solidFill>
+                <a:latin typeface="Calibri Light" panose="020F0302020204030204" pitchFamily="34" charset="0"/>
+                <a:cs typeface="Calibri Light" panose="020F0302020204030204" pitchFamily="34" charset="0"/>
+              </a:rPr>
+              <a:t>'</a:t>
+            </a:r>
+            <a:r>
+              <a:rPr lang="pt-BR" sz="1200" b="1" dirty="0">
+                <a:solidFill>
+                  <a:srgbClr val="A31515"/>
+                </a:solidFill>
+                <a:latin typeface="Calibri Light" panose="020F0302020204030204" pitchFamily="34" charset="0"/>
+                <a:cs typeface="Calibri Light" panose="020F0302020204030204" pitchFamily="34" charset="0"/>
+              </a:rPr>
+              <a:t>a</a:t>
+            </a:r>
+            <a:r>
+              <a:rPr lang="el-GR" sz="1200" b="1" dirty="0">
+                <a:solidFill>
+                  <a:srgbClr val="A31515"/>
+                </a:solidFill>
+                <a:latin typeface="Calibri Light" panose="020F0302020204030204" pitchFamily="34" charset="0"/>
+                <a:cs typeface="Calibri Light" panose="020F0302020204030204" pitchFamily="34" charset="0"/>
+              </a:rPr>
+              <a:t>'</a:t>
+            </a:r>
+            <a:r>
+              <a:rPr lang="pt-BR" sz="1200" b="1" dirty="0">
+                <a:solidFill>
+                  <a:srgbClr val="000000"/>
+                </a:solidFill>
+                <a:latin typeface="Calibri Light" panose="020F0302020204030204" pitchFamily="34" charset="0"/>
+                <a:cs typeface="Calibri Light" panose="020F0302020204030204" pitchFamily="34" charset="0"/>
+              </a:rPr>
+              <a:t>, </a:t>
+            </a:r>
+            <a:r>
+              <a:rPr lang="pt-BR" sz="1200" b="1" dirty="0">
+                <a:solidFill>
+                  <a:srgbClr val="09885A"/>
+                </a:solidFill>
+                <a:latin typeface="Calibri Light" panose="020F0302020204030204" pitchFamily="34" charset="0"/>
+                <a:cs typeface="Calibri Light" panose="020F0302020204030204" pitchFamily="34" charset="0"/>
+              </a:rPr>
+              <a:t>0</a:t>
+            </a:r>
+            <a:r>
+              <a:rPr lang="pt-BR" sz="1200" b="1" dirty="0">
+                <a:solidFill>
+                  <a:srgbClr val="000000"/>
+                </a:solidFill>
+                <a:latin typeface="Calibri Light" panose="020F0302020204030204" pitchFamily="34" charset="0"/>
+                <a:cs typeface="Calibri Light" panose="020F0302020204030204" pitchFamily="34" charset="0"/>
+              </a:rPr>
+              <a:t>, </a:t>
+            </a:r>
+            <a:r>
+              <a:rPr lang="pt-BR" sz="1200" b="1" dirty="0">
+                <a:solidFill>
+                  <a:srgbClr val="09885A"/>
+                </a:solidFill>
+                <a:latin typeface="Calibri Light" panose="020F0302020204030204" pitchFamily="34" charset="0"/>
+                <a:cs typeface="Calibri Light" panose="020F0302020204030204" pitchFamily="34" charset="0"/>
+              </a:rPr>
+              <a:t>0</a:t>
+            </a:r>
+            <a:r>
+              <a:rPr lang="pt-BR" sz="1200" b="1" dirty="0">
+                <a:solidFill>
+                  <a:srgbClr val="000000"/>
+                </a:solidFill>
+                <a:latin typeface="Calibri Light" panose="020F0302020204030204" pitchFamily="34" charset="0"/>
+                <a:cs typeface="Calibri Light" panose="020F0302020204030204" pitchFamily="34" charset="0"/>
+              </a:rPr>
+              <a:t>, </a:t>
+            </a:r>
+            <a:r>
+              <a:rPr lang="pt-BR" sz="1200" b="1" dirty="0">
+                <a:solidFill>
+                  <a:srgbClr val="09885A"/>
+                </a:solidFill>
+                <a:latin typeface="Calibri Light" panose="020F0302020204030204" pitchFamily="34" charset="0"/>
+                <a:cs typeface="Calibri Light" panose="020F0302020204030204" pitchFamily="34" charset="0"/>
+              </a:rPr>
+              <a:t>2</a:t>
+            </a:r>
+            <a:r>
+              <a:rPr lang="pt-BR" sz="1200" b="1" dirty="0">
+                <a:solidFill>
+                  <a:srgbClr val="000000"/>
+                </a:solidFill>
+                <a:latin typeface="Calibri Light" panose="020F0302020204030204" pitchFamily="34" charset="0"/>
+                <a:cs typeface="Calibri Light" panose="020F0302020204030204" pitchFamily="34" charset="0"/>
+              </a:rPr>
+              <a:t>], [</a:t>
+            </a:r>
+            <a:r>
+              <a:rPr lang="el-GR" sz="1200" b="1" dirty="0">
+                <a:solidFill>
+                  <a:srgbClr val="A31515"/>
+                </a:solidFill>
+                <a:latin typeface="Calibri Light" panose="020F0302020204030204" pitchFamily="34" charset="0"/>
+                <a:cs typeface="Calibri Light" panose="020F0302020204030204" pitchFamily="34" charset="0"/>
+              </a:rPr>
+              <a:t>'</a:t>
+            </a:r>
+            <a:r>
+              <a:rPr lang="pt-BR" sz="1200" b="1" dirty="0">
+                <a:solidFill>
+                  <a:srgbClr val="A31515"/>
+                </a:solidFill>
+                <a:latin typeface="Calibri Light" panose="020F0302020204030204" pitchFamily="34" charset="0"/>
+                <a:cs typeface="Calibri Light" panose="020F0302020204030204" pitchFamily="34" charset="0"/>
+              </a:rPr>
+              <a:t>a</a:t>
+            </a:r>
+            <a:r>
+              <a:rPr lang="el-GR" sz="1200" b="1" dirty="0">
+                <a:solidFill>
+                  <a:srgbClr val="A31515"/>
+                </a:solidFill>
+                <a:latin typeface="Calibri Light" panose="020F0302020204030204" pitchFamily="34" charset="0"/>
+                <a:cs typeface="Calibri Light" panose="020F0302020204030204" pitchFamily="34" charset="0"/>
+              </a:rPr>
+              <a:t>'</a:t>
+            </a:r>
+            <a:r>
+              <a:rPr lang="pt-BR" sz="1200" b="1" dirty="0">
+                <a:solidFill>
+                  <a:srgbClr val="000000"/>
+                </a:solidFill>
+                <a:latin typeface="Calibri Light" panose="020F0302020204030204" pitchFamily="34" charset="0"/>
+                <a:cs typeface="Calibri Light" panose="020F0302020204030204" pitchFamily="34" charset="0"/>
+              </a:rPr>
+              <a:t>, </a:t>
+            </a:r>
+            <a:r>
+              <a:rPr lang="pt-BR" sz="1200" b="1" dirty="0">
+                <a:solidFill>
+                  <a:srgbClr val="09885A"/>
+                </a:solidFill>
+                <a:latin typeface="Calibri Light" panose="020F0302020204030204" pitchFamily="34" charset="0"/>
+                <a:cs typeface="Calibri Light" panose="020F0302020204030204" pitchFamily="34" charset="0"/>
+              </a:rPr>
+              <a:t>0</a:t>
+            </a:r>
+            <a:r>
+              <a:rPr lang="pt-BR" sz="1200" b="1" dirty="0">
+                <a:solidFill>
+                  <a:srgbClr val="000000"/>
+                </a:solidFill>
+                <a:latin typeface="Calibri Light" panose="020F0302020204030204" pitchFamily="34" charset="0"/>
+                <a:cs typeface="Calibri Light" panose="020F0302020204030204" pitchFamily="34" charset="0"/>
+              </a:rPr>
+              <a:t>, </a:t>
+            </a:r>
+            <a:r>
+              <a:rPr lang="pt-BR" sz="1200" b="1" dirty="0">
+                <a:solidFill>
+                  <a:srgbClr val="09885A"/>
+                </a:solidFill>
+                <a:latin typeface="Calibri Light" panose="020F0302020204030204" pitchFamily="34" charset="0"/>
+                <a:cs typeface="Calibri Light" panose="020F0302020204030204" pitchFamily="34" charset="0"/>
+              </a:rPr>
+              <a:t>2</a:t>
+            </a:r>
+            <a:r>
+              <a:rPr lang="pt-BR" sz="1200" b="1" dirty="0">
+                <a:solidFill>
+                  <a:srgbClr val="000000"/>
+                </a:solidFill>
+                <a:latin typeface="Calibri Light" panose="020F0302020204030204" pitchFamily="34" charset="0"/>
+                <a:cs typeface="Calibri Light" panose="020F0302020204030204" pitchFamily="34" charset="0"/>
+              </a:rPr>
+              <a:t>, </a:t>
+            </a:r>
+            <a:r>
+              <a:rPr lang="pt-BR" sz="1200" b="1" dirty="0">
+                <a:solidFill>
+                  <a:srgbClr val="09885A"/>
+                </a:solidFill>
+                <a:latin typeface="Calibri Light" panose="020F0302020204030204" pitchFamily="34" charset="0"/>
+                <a:cs typeface="Calibri Light" panose="020F0302020204030204" pitchFamily="34" charset="0"/>
+              </a:rPr>
+              <a:t>1</a:t>
+            </a:r>
+            <a:r>
+              <a:rPr lang="pt-BR" sz="1200" b="1" dirty="0">
+                <a:solidFill>
+                  <a:srgbClr val="000000"/>
+                </a:solidFill>
+                <a:latin typeface="Calibri Light" panose="020F0302020204030204" pitchFamily="34" charset="0"/>
+                <a:cs typeface="Calibri Light" panose="020F0302020204030204" pitchFamily="34" charset="0"/>
+              </a:rPr>
+              <a:t>], [</a:t>
+            </a:r>
+            <a:r>
+              <a:rPr lang="el-GR" sz="1200" b="1" dirty="0">
+                <a:solidFill>
+                  <a:srgbClr val="A31515"/>
+                </a:solidFill>
+                <a:latin typeface="Calibri Light" panose="020F0302020204030204" pitchFamily="34" charset="0"/>
+                <a:cs typeface="Calibri Light" panose="020F0302020204030204" pitchFamily="34" charset="0"/>
+              </a:rPr>
+              <a:t>'</a:t>
+            </a:r>
+            <a:r>
+              <a:rPr lang="pt-BR" sz="1200" b="1" dirty="0">
+                <a:solidFill>
+                  <a:srgbClr val="A31515"/>
+                </a:solidFill>
+                <a:latin typeface="Calibri Light" panose="020F0302020204030204" pitchFamily="34" charset="0"/>
+                <a:cs typeface="Calibri Light" panose="020F0302020204030204" pitchFamily="34" charset="0"/>
+              </a:rPr>
+              <a:t>b</a:t>
+            </a:r>
+            <a:r>
+              <a:rPr lang="el-GR" sz="1200" b="1" dirty="0">
+                <a:solidFill>
+                  <a:srgbClr val="A31515"/>
+                </a:solidFill>
+                <a:latin typeface="Calibri Light" panose="020F0302020204030204" pitchFamily="34" charset="0"/>
+                <a:cs typeface="Calibri Light" panose="020F0302020204030204" pitchFamily="34" charset="0"/>
+              </a:rPr>
+              <a:t>'</a:t>
+            </a:r>
+            <a:r>
+              <a:rPr lang="pt-BR" sz="1200" b="1" dirty="0">
+                <a:solidFill>
+                  <a:srgbClr val="000000"/>
+                </a:solidFill>
+                <a:latin typeface="Calibri Light" panose="020F0302020204030204" pitchFamily="34" charset="0"/>
+                <a:cs typeface="Calibri Light" panose="020F0302020204030204" pitchFamily="34" charset="0"/>
+              </a:rPr>
+              <a:t>, </a:t>
+            </a:r>
+            <a:r>
+              <a:rPr lang="pt-BR" sz="1200" b="1" dirty="0">
+                <a:solidFill>
+                  <a:srgbClr val="09885A"/>
+                </a:solidFill>
+                <a:latin typeface="Calibri Light" panose="020F0302020204030204" pitchFamily="34" charset="0"/>
+                <a:cs typeface="Calibri Light" panose="020F0302020204030204" pitchFamily="34" charset="0"/>
+              </a:rPr>
+              <a:t>0</a:t>
+            </a:r>
+            <a:r>
+              <a:rPr lang="pt-BR" sz="1200" b="1" dirty="0">
+                <a:solidFill>
+                  <a:srgbClr val="000000"/>
+                </a:solidFill>
+                <a:latin typeface="Calibri Light" panose="020F0302020204030204" pitchFamily="34" charset="0"/>
+                <a:cs typeface="Calibri Light" panose="020F0302020204030204" pitchFamily="34" charset="0"/>
+              </a:rPr>
+              <a:t>, </a:t>
+            </a:r>
+            <a:r>
+              <a:rPr lang="pt-BR" sz="1200" b="1" dirty="0">
+                <a:solidFill>
+                  <a:srgbClr val="09885A"/>
+                </a:solidFill>
+                <a:latin typeface="Calibri Light" panose="020F0302020204030204" pitchFamily="34" charset="0"/>
+                <a:cs typeface="Calibri Light" panose="020F0302020204030204" pitchFamily="34" charset="0"/>
+              </a:rPr>
+              <a:t>0</a:t>
+            </a:r>
+            <a:r>
+              <a:rPr lang="pt-BR" sz="1200" b="1" dirty="0">
+                <a:solidFill>
+                  <a:srgbClr val="000000"/>
+                </a:solidFill>
+                <a:latin typeface="Calibri Light" panose="020F0302020204030204" pitchFamily="34" charset="0"/>
+                <a:cs typeface="Calibri Light" panose="020F0302020204030204" pitchFamily="34" charset="0"/>
+              </a:rPr>
+              <a:t>, </a:t>
+            </a:r>
+            <a:r>
+              <a:rPr lang="pt-BR" sz="1200" b="1" dirty="0">
+                <a:solidFill>
+                  <a:srgbClr val="09885A"/>
+                </a:solidFill>
+                <a:latin typeface="Calibri Light" panose="020F0302020204030204" pitchFamily="34" charset="0"/>
+                <a:cs typeface="Calibri Light" panose="020F0302020204030204" pitchFamily="34" charset="0"/>
+              </a:rPr>
+              <a:t>1</a:t>
+            </a:r>
+            <a:r>
+              <a:rPr lang="pt-BR" sz="1200" b="1" dirty="0">
+                <a:solidFill>
+                  <a:srgbClr val="000000"/>
+                </a:solidFill>
+                <a:latin typeface="Calibri Light" panose="020F0302020204030204" pitchFamily="34" charset="0"/>
+                <a:cs typeface="Calibri Light" panose="020F0302020204030204" pitchFamily="34" charset="0"/>
+              </a:rPr>
+              <a:t>], [</a:t>
+            </a:r>
+            <a:r>
+              <a:rPr lang="el-GR" sz="1200" b="1" dirty="0">
+                <a:solidFill>
+                  <a:srgbClr val="A31515"/>
+                </a:solidFill>
+                <a:latin typeface="Calibri Light" panose="020F0302020204030204" pitchFamily="34" charset="0"/>
+                <a:cs typeface="Calibri Light" panose="020F0302020204030204" pitchFamily="34" charset="0"/>
+              </a:rPr>
+              <a:t>'</a:t>
+            </a:r>
+            <a:r>
+              <a:rPr lang="pt-BR" sz="1200" b="1" dirty="0">
+                <a:solidFill>
+                  <a:srgbClr val="A31515"/>
+                </a:solidFill>
+                <a:latin typeface="Calibri Light" panose="020F0302020204030204" pitchFamily="34" charset="0"/>
+                <a:cs typeface="Calibri Light" panose="020F0302020204030204" pitchFamily="34" charset="0"/>
+              </a:rPr>
+              <a:t>b</a:t>
+            </a:r>
+            <a:r>
+              <a:rPr lang="el-GR" sz="1200" b="1" dirty="0">
+                <a:solidFill>
+                  <a:srgbClr val="A31515"/>
+                </a:solidFill>
+                <a:latin typeface="Calibri Light" panose="020F0302020204030204" pitchFamily="34" charset="0"/>
+                <a:cs typeface="Calibri Light" panose="020F0302020204030204" pitchFamily="34" charset="0"/>
+              </a:rPr>
+              <a:t>'</a:t>
+            </a:r>
+            <a:r>
+              <a:rPr lang="pt-BR" sz="1200" b="1" dirty="0">
+                <a:solidFill>
+                  <a:srgbClr val="000000"/>
+                </a:solidFill>
+                <a:latin typeface="Calibri Light" panose="020F0302020204030204" pitchFamily="34" charset="0"/>
+                <a:cs typeface="Calibri Light" panose="020F0302020204030204" pitchFamily="34" charset="0"/>
+              </a:rPr>
+              <a:t>, </a:t>
+            </a:r>
+            <a:r>
+              <a:rPr lang="pt-BR" sz="1200" b="1" dirty="0">
+                <a:solidFill>
+                  <a:srgbClr val="09885A"/>
+                </a:solidFill>
+                <a:latin typeface="Calibri Light" panose="020F0302020204030204" pitchFamily="34" charset="0"/>
+                <a:cs typeface="Calibri Light" panose="020F0302020204030204" pitchFamily="34" charset="0"/>
+              </a:rPr>
+              <a:t>2</a:t>
+            </a:r>
+            <a:r>
+              <a:rPr lang="pt-BR" sz="1200" b="1" dirty="0">
+                <a:solidFill>
+                  <a:srgbClr val="000000"/>
+                </a:solidFill>
+                <a:latin typeface="Calibri Light" panose="020F0302020204030204" pitchFamily="34" charset="0"/>
+                <a:cs typeface="Calibri Light" panose="020F0302020204030204" pitchFamily="34" charset="0"/>
+              </a:rPr>
+              <a:t>, </a:t>
+            </a:r>
+            <a:r>
+              <a:rPr lang="pt-BR" sz="1200" b="1" dirty="0">
+                <a:solidFill>
+                  <a:srgbClr val="09885A"/>
+                </a:solidFill>
+                <a:latin typeface="Calibri Light" panose="020F0302020204030204" pitchFamily="34" charset="0"/>
+                <a:cs typeface="Calibri Light" panose="020F0302020204030204" pitchFamily="34" charset="0"/>
+              </a:rPr>
+              <a:t>0</a:t>
+            </a:r>
+            <a:r>
+              <a:rPr lang="pt-BR" sz="1200" b="1" dirty="0">
+                <a:solidFill>
+                  <a:srgbClr val="000000"/>
+                </a:solidFill>
+                <a:latin typeface="Calibri Light" panose="020F0302020204030204" pitchFamily="34" charset="0"/>
+                <a:cs typeface="Calibri Light" panose="020F0302020204030204" pitchFamily="34" charset="0"/>
+              </a:rPr>
+              <a:t>, </a:t>
+            </a:r>
+            <a:r>
+              <a:rPr lang="pt-BR" sz="1200" b="1" dirty="0">
+                <a:solidFill>
+                  <a:srgbClr val="09885A"/>
+                </a:solidFill>
+                <a:latin typeface="Calibri Light" panose="020F0302020204030204" pitchFamily="34" charset="0"/>
+                <a:cs typeface="Calibri Light" panose="020F0302020204030204" pitchFamily="34" charset="0"/>
+              </a:rPr>
+              <a:t>3</a:t>
+            </a:r>
+            <a:r>
+              <a:rPr lang="pt-BR" sz="1200" b="1" dirty="0">
+                <a:solidFill>
+                  <a:srgbClr val="000000"/>
+                </a:solidFill>
+                <a:latin typeface="Calibri Light" panose="020F0302020204030204" pitchFamily="34" charset="0"/>
+                <a:cs typeface="Calibri Light" panose="020F0302020204030204" pitchFamily="34" charset="0"/>
+              </a:rPr>
+              <a:t>]]]</a:t>
+            </a:r>
+          </a:p>
+          <a:p>
+            <a:r>
+              <a:rPr lang="pt-BR" sz="1200" b="1" dirty="0">
+                <a:solidFill>
+                  <a:srgbClr val="000000"/>
+                </a:solidFill>
+                <a:latin typeface="Calibri Light" panose="020F0302020204030204" pitchFamily="34" charset="0"/>
+                <a:cs typeface="Calibri Light" panose="020F0302020204030204" pitchFamily="34" charset="0"/>
+              </a:rPr>
+              <a:t>[[</a:t>
+            </a:r>
+            <a:r>
+              <a:rPr lang="pt-BR" sz="1200" b="1" dirty="0">
+                <a:solidFill>
+                  <a:srgbClr val="09885A"/>
+                </a:solidFill>
+                <a:latin typeface="Calibri Light" panose="020F0302020204030204" pitchFamily="34" charset="0"/>
+                <a:cs typeface="Calibri Light" panose="020F0302020204030204" pitchFamily="34" charset="0"/>
+              </a:rPr>
+              <a:t>1</a:t>
+            </a:r>
+            <a:r>
+              <a:rPr lang="pt-BR" sz="1200" b="1" dirty="0">
+                <a:solidFill>
+                  <a:srgbClr val="000000"/>
+                </a:solidFill>
+                <a:latin typeface="Calibri Light" panose="020F0302020204030204" pitchFamily="34" charset="0"/>
+                <a:cs typeface="Calibri Light" panose="020F0302020204030204" pitchFamily="34" charset="0"/>
+              </a:rPr>
+              <a:t>, </a:t>
+            </a:r>
+            <a:r>
+              <a:rPr lang="pt-BR" sz="1200" b="1" dirty="0">
+                <a:solidFill>
+                  <a:srgbClr val="09885A"/>
+                </a:solidFill>
+                <a:latin typeface="Calibri Light" panose="020F0302020204030204" pitchFamily="34" charset="0"/>
+                <a:cs typeface="Calibri Light" panose="020F0302020204030204" pitchFamily="34" charset="0"/>
+              </a:rPr>
+              <a:t>1</a:t>
+            </a:r>
+            <a:r>
+              <a:rPr lang="pt-BR" sz="1200" b="1" dirty="0">
+                <a:solidFill>
+                  <a:srgbClr val="000000"/>
+                </a:solidFill>
+                <a:latin typeface="Calibri Light" panose="020F0302020204030204" pitchFamily="34" charset="0"/>
+                <a:cs typeface="Calibri Light" panose="020F0302020204030204" pitchFamily="34" charset="0"/>
+              </a:rPr>
+              <a:t>], [[</a:t>
+            </a:r>
+            <a:r>
+              <a:rPr lang="el-GR" sz="1200" b="1" dirty="0">
+                <a:solidFill>
+                  <a:srgbClr val="A31515"/>
+                </a:solidFill>
+                <a:latin typeface="Calibri Light" panose="020F0302020204030204" pitchFamily="34" charset="0"/>
+                <a:cs typeface="Calibri Light" panose="020F0302020204030204" pitchFamily="34" charset="0"/>
+              </a:rPr>
+              <a:t>'</a:t>
+            </a:r>
+            <a:r>
+              <a:rPr lang="pt-BR" sz="1200" b="1" dirty="0">
+                <a:solidFill>
+                  <a:srgbClr val="A31515"/>
+                </a:solidFill>
+                <a:latin typeface="Calibri Light" panose="020F0302020204030204" pitchFamily="34" charset="0"/>
+                <a:cs typeface="Calibri Light" panose="020F0302020204030204" pitchFamily="34" charset="0"/>
+              </a:rPr>
+              <a:t>a</a:t>
+            </a:r>
+            <a:r>
+              <a:rPr lang="el-GR" sz="1200" b="1" dirty="0">
+                <a:solidFill>
+                  <a:srgbClr val="A31515"/>
+                </a:solidFill>
+                <a:latin typeface="Calibri Light" panose="020F0302020204030204" pitchFamily="34" charset="0"/>
+                <a:cs typeface="Calibri Light" panose="020F0302020204030204" pitchFamily="34" charset="0"/>
+              </a:rPr>
+              <a:t>'</a:t>
+            </a:r>
+            <a:r>
+              <a:rPr lang="pt-BR" sz="1200" b="1" dirty="0">
+                <a:solidFill>
+                  <a:srgbClr val="000000"/>
+                </a:solidFill>
+                <a:latin typeface="Calibri Light" panose="020F0302020204030204" pitchFamily="34" charset="0"/>
+                <a:cs typeface="Calibri Light" panose="020F0302020204030204" pitchFamily="34" charset="0"/>
+              </a:rPr>
+              <a:t>, </a:t>
+            </a:r>
+            <a:r>
+              <a:rPr lang="pt-BR" sz="1200" b="1" dirty="0">
+                <a:solidFill>
+                  <a:srgbClr val="09885A"/>
+                </a:solidFill>
+                <a:latin typeface="Calibri Light" panose="020F0302020204030204" pitchFamily="34" charset="0"/>
+                <a:cs typeface="Calibri Light" panose="020F0302020204030204" pitchFamily="34" charset="0"/>
+              </a:rPr>
+              <a:t>1</a:t>
+            </a:r>
+            <a:r>
+              <a:rPr lang="pt-BR" sz="1200" b="1" dirty="0">
+                <a:solidFill>
+                  <a:srgbClr val="000000"/>
+                </a:solidFill>
+                <a:latin typeface="Calibri Light" panose="020F0302020204030204" pitchFamily="34" charset="0"/>
+                <a:cs typeface="Calibri Light" panose="020F0302020204030204" pitchFamily="34" charset="0"/>
+              </a:rPr>
+              <a:t>, </a:t>
+            </a:r>
+            <a:r>
+              <a:rPr lang="pt-BR" sz="1200" b="1" dirty="0">
+                <a:solidFill>
+                  <a:srgbClr val="09885A"/>
+                </a:solidFill>
+                <a:latin typeface="Calibri Light" panose="020F0302020204030204" pitchFamily="34" charset="0"/>
+                <a:cs typeface="Calibri Light" panose="020F0302020204030204" pitchFamily="34" charset="0"/>
+              </a:rPr>
+              <a:t>0</a:t>
+            </a:r>
+            <a:r>
+              <a:rPr lang="pt-BR" sz="1200" b="1" dirty="0">
+                <a:solidFill>
+                  <a:srgbClr val="000000"/>
+                </a:solidFill>
+                <a:latin typeface="Calibri Light" panose="020F0302020204030204" pitchFamily="34" charset="0"/>
+                <a:cs typeface="Calibri Light" panose="020F0302020204030204" pitchFamily="34" charset="0"/>
+              </a:rPr>
+              <a:t>, </a:t>
+            </a:r>
+            <a:r>
+              <a:rPr lang="pt-BR" sz="1200" b="1" dirty="0">
+                <a:solidFill>
+                  <a:srgbClr val="09885A"/>
+                </a:solidFill>
+                <a:latin typeface="Calibri Light" panose="020F0302020204030204" pitchFamily="34" charset="0"/>
+                <a:cs typeface="Calibri Light" panose="020F0302020204030204" pitchFamily="34" charset="0"/>
+              </a:rPr>
+              <a:t>4</a:t>
+            </a:r>
+            <a:r>
+              <a:rPr lang="pt-BR" sz="1200" b="1" dirty="0">
+                <a:solidFill>
+                  <a:srgbClr val="000000"/>
+                </a:solidFill>
+                <a:latin typeface="Calibri Light" panose="020F0302020204030204" pitchFamily="34" charset="0"/>
+                <a:cs typeface="Calibri Light" panose="020F0302020204030204" pitchFamily="34" charset="0"/>
+              </a:rPr>
+              <a:t>], [</a:t>
+            </a:r>
+            <a:r>
+              <a:rPr lang="el-GR" sz="1200" b="1" dirty="0">
+                <a:solidFill>
+                  <a:srgbClr val="A31515"/>
+                </a:solidFill>
+                <a:latin typeface="Calibri Light" panose="020F0302020204030204" pitchFamily="34" charset="0"/>
+                <a:cs typeface="Calibri Light" panose="020F0302020204030204" pitchFamily="34" charset="0"/>
+              </a:rPr>
+              <a:t>'</a:t>
+            </a:r>
+            <a:r>
+              <a:rPr lang="pt-BR" sz="1200" b="1" dirty="0">
+                <a:solidFill>
+                  <a:srgbClr val="A31515"/>
+                </a:solidFill>
+                <a:latin typeface="Calibri Light" panose="020F0302020204030204" pitchFamily="34" charset="0"/>
+                <a:cs typeface="Calibri Light" panose="020F0302020204030204" pitchFamily="34" charset="0"/>
+              </a:rPr>
+              <a:t>a</a:t>
+            </a:r>
+            <a:r>
+              <a:rPr lang="el-GR" sz="1200" b="1" dirty="0">
+                <a:solidFill>
+                  <a:srgbClr val="A31515"/>
+                </a:solidFill>
+                <a:latin typeface="Calibri Light" panose="020F0302020204030204" pitchFamily="34" charset="0"/>
+                <a:cs typeface="Calibri Light" panose="020F0302020204030204" pitchFamily="34" charset="0"/>
+              </a:rPr>
+              <a:t>'</a:t>
+            </a:r>
+            <a:r>
+              <a:rPr lang="pt-BR" sz="1200" b="1" dirty="0">
+                <a:solidFill>
+                  <a:srgbClr val="000000"/>
+                </a:solidFill>
+                <a:latin typeface="Calibri Light" panose="020F0302020204030204" pitchFamily="34" charset="0"/>
+                <a:cs typeface="Calibri Light" panose="020F0302020204030204" pitchFamily="34" charset="0"/>
+              </a:rPr>
+              <a:t>, </a:t>
+            </a:r>
+            <a:r>
+              <a:rPr lang="pt-BR" sz="1200" b="1" dirty="0">
+                <a:solidFill>
+                  <a:srgbClr val="09885A"/>
+                </a:solidFill>
+                <a:latin typeface="Calibri Light" panose="020F0302020204030204" pitchFamily="34" charset="0"/>
+                <a:cs typeface="Calibri Light" panose="020F0302020204030204" pitchFamily="34" charset="0"/>
+              </a:rPr>
+              <a:t>1</a:t>
+            </a:r>
+            <a:r>
+              <a:rPr lang="pt-BR" sz="1200" b="1" dirty="0">
+                <a:solidFill>
+                  <a:srgbClr val="000000"/>
+                </a:solidFill>
+                <a:latin typeface="Calibri Light" panose="020F0302020204030204" pitchFamily="34" charset="0"/>
+                <a:cs typeface="Calibri Light" panose="020F0302020204030204" pitchFamily="34" charset="0"/>
+              </a:rPr>
+              <a:t>, </a:t>
+            </a:r>
+            <a:r>
+              <a:rPr lang="pt-BR" sz="1200" b="1" dirty="0">
+                <a:solidFill>
+                  <a:srgbClr val="09885A"/>
+                </a:solidFill>
+                <a:latin typeface="Calibri Light" panose="020F0302020204030204" pitchFamily="34" charset="0"/>
+                <a:cs typeface="Calibri Light" panose="020F0302020204030204" pitchFamily="34" charset="0"/>
+              </a:rPr>
+              <a:t>2</a:t>
+            </a:r>
+            <a:r>
+              <a:rPr lang="pt-BR" sz="1200" b="1" dirty="0">
+                <a:solidFill>
+                  <a:srgbClr val="000000"/>
+                </a:solidFill>
+                <a:latin typeface="Calibri Light" panose="020F0302020204030204" pitchFamily="34" charset="0"/>
+                <a:cs typeface="Calibri Light" panose="020F0302020204030204" pitchFamily="34" charset="0"/>
+              </a:rPr>
+              <a:t>, </a:t>
+            </a:r>
+            <a:r>
+              <a:rPr lang="pt-BR" sz="1200" b="1" dirty="0">
+                <a:solidFill>
+                  <a:srgbClr val="09885A"/>
+                </a:solidFill>
+                <a:latin typeface="Calibri Light" panose="020F0302020204030204" pitchFamily="34" charset="0"/>
+                <a:cs typeface="Calibri Light" panose="020F0302020204030204" pitchFamily="34" charset="0"/>
+              </a:rPr>
+              <a:t>5</a:t>
+            </a:r>
+            <a:r>
+              <a:rPr lang="pt-BR" sz="1200" b="1" dirty="0">
+                <a:solidFill>
+                  <a:srgbClr val="000000"/>
+                </a:solidFill>
+                <a:latin typeface="Calibri Light" panose="020F0302020204030204" pitchFamily="34" charset="0"/>
+                <a:cs typeface="Calibri Light" panose="020F0302020204030204" pitchFamily="34" charset="0"/>
+              </a:rPr>
+              <a:t>], [</a:t>
+            </a:r>
+            <a:r>
+              <a:rPr lang="el-GR" sz="1200" b="1" dirty="0">
+                <a:solidFill>
+                  <a:srgbClr val="A31515"/>
+                </a:solidFill>
+                <a:latin typeface="Calibri Light" panose="020F0302020204030204" pitchFamily="34" charset="0"/>
+                <a:cs typeface="Calibri Light" panose="020F0302020204030204" pitchFamily="34" charset="0"/>
+              </a:rPr>
+              <a:t>'</a:t>
+            </a:r>
+            <a:r>
+              <a:rPr lang="pt-BR" sz="1200" b="1" dirty="0">
+                <a:solidFill>
+                  <a:srgbClr val="A31515"/>
+                </a:solidFill>
+                <a:latin typeface="Calibri Light" panose="020F0302020204030204" pitchFamily="34" charset="0"/>
+                <a:cs typeface="Calibri Light" panose="020F0302020204030204" pitchFamily="34" charset="0"/>
+              </a:rPr>
+              <a:t>b</a:t>
+            </a:r>
+            <a:r>
+              <a:rPr lang="el-GR" sz="1200" b="1" dirty="0">
+                <a:solidFill>
+                  <a:srgbClr val="A31515"/>
+                </a:solidFill>
+                <a:latin typeface="Calibri Light" panose="020F0302020204030204" pitchFamily="34" charset="0"/>
+                <a:cs typeface="Calibri Light" panose="020F0302020204030204" pitchFamily="34" charset="0"/>
+              </a:rPr>
+              <a:t>'</a:t>
+            </a:r>
+            <a:r>
+              <a:rPr lang="pt-BR" sz="1200" b="1" dirty="0">
+                <a:solidFill>
+                  <a:srgbClr val="000000"/>
+                </a:solidFill>
+                <a:latin typeface="Calibri Light" panose="020F0302020204030204" pitchFamily="34" charset="0"/>
+                <a:cs typeface="Calibri Light" panose="020F0302020204030204" pitchFamily="34" charset="0"/>
+              </a:rPr>
+              <a:t>, </a:t>
+            </a:r>
+            <a:r>
+              <a:rPr lang="pt-BR" sz="1200" b="1" dirty="0">
+                <a:solidFill>
+                  <a:srgbClr val="09885A"/>
+                </a:solidFill>
+                <a:latin typeface="Calibri Light" panose="020F0302020204030204" pitchFamily="34" charset="0"/>
+                <a:cs typeface="Calibri Light" panose="020F0302020204030204" pitchFamily="34" charset="0"/>
+              </a:rPr>
+              <a:t>0</a:t>
+            </a:r>
+            <a:r>
+              <a:rPr lang="pt-BR" sz="1200" b="1" dirty="0">
+                <a:solidFill>
+                  <a:srgbClr val="000000"/>
+                </a:solidFill>
+                <a:latin typeface="Calibri Light" panose="020F0302020204030204" pitchFamily="34" charset="0"/>
+                <a:cs typeface="Calibri Light" panose="020F0302020204030204" pitchFamily="34" charset="0"/>
+              </a:rPr>
+              <a:t>, </a:t>
+            </a:r>
+            <a:r>
+              <a:rPr lang="pt-BR" sz="1200" b="1" dirty="0">
+                <a:solidFill>
+                  <a:srgbClr val="09885A"/>
+                </a:solidFill>
+                <a:latin typeface="Calibri Light" panose="020F0302020204030204" pitchFamily="34" charset="0"/>
+                <a:cs typeface="Calibri Light" panose="020F0302020204030204" pitchFamily="34" charset="0"/>
+              </a:rPr>
+              <a:t>1</a:t>
+            </a:r>
+            <a:r>
+              <a:rPr lang="pt-BR" sz="1200" b="1" dirty="0">
+                <a:solidFill>
+                  <a:srgbClr val="000000"/>
+                </a:solidFill>
+                <a:latin typeface="Calibri Light" panose="020F0302020204030204" pitchFamily="34" charset="0"/>
+                <a:cs typeface="Calibri Light" panose="020F0302020204030204" pitchFamily="34" charset="0"/>
+              </a:rPr>
+              <a:t>, </a:t>
+            </a:r>
+            <a:r>
+              <a:rPr lang="pt-BR" sz="1200" b="1" dirty="0">
+                <a:solidFill>
+                  <a:srgbClr val="09885A"/>
+                </a:solidFill>
+                <a:latin typeface="Calibri Light" panose="020F0302020204030204" pitchFamily="34" charset="0"/>
+                <a:cs typeface="Calibri Light" panose="020F0302020204030204" pitchFamily="34" charset="0"/>
+              </a:rPr>
+              <a:t>7</a:t>
+            </a:r>
+            <a:r>
+              <a:rPr lang="pt-BR" sz="1200" b="1" dirty="0">
+                <a:solidFill>
+                  <a:srgbClr val="000000"/>
+                </a:solidFill>
+                <a:latin typeface="Calibri Light" panose="020F0302020204030204" pitchFamily="34" charset="0"/>
+                <a:cs typeface="Calibri Light" panose="020F0302020204030204" pitchFamily="34" charset="0"/>
+              </a:rPr>
+              <a:t>]]]</a:t>
+            </a:r>
+            <a:endParaRPr lang="pt-BR" sz="1200" b="1" dirty="0">
+              <a:solidFill>
+                <a:srgbClr val="000000"/>
+              </a:solidFill>
+              <a:effectLst/>
+              <a:latin typeface="Calibri Light" panose="020F0302020204030204" pitchFamily="34" charset="0"/>
+              <a:cs typeface="Calibri Light" panose="020F0302020204030204" pitchFamily="34" charset="0"/>
+            </a:endParaRPr>
+          </a:p>
+        </p:txBody>
+      </p:sp>
+      <p:sp>
+        <p:nvSpPr>
+          <p:cNvPr id="4" name="Βέλος: Δεξιό 3">
+            <a:extLst>
+              <a:ext uri="{FF2B5EF4-FFF2-40B4-BE49-F238E27FC236}">
+                <a16:creationId xmlns:a16="http://schemas.microsoft.com/office/drawing/2014/main" id="{FDC298CF-4F41-4870-BAF4-8D2AB3000C3D}"/>
+              </a:ext>
+            </a:extLst>
+          </p:cNvPr>
+          <p:cNvSpPr/>
+          <p:nvPr/>
+        </p:nvSpPr>
+        <p:spPr>
+          <a:xfrm>
+            <a:off x="7789626" y="4990898"/>
+            <a:ext cx="337920" cy="352828"/>
+          </a:xfrm>
+          <a:prstGeom prst="rightArrow">
+            <a:avLst/>
+          </a:prstGeom>
+        </p:spPr>
+        <p:style>
+          <a:lnRef idx="2">
+            <a:schemeClr val="accent1">
+              <a:shade val="50000"/>
+            </a:schemeClr>
+          </a:lnRef>
+          <a:fillRef idx="1">
+            <a:schemeClr val="accent1"/>
+          </a:fillRef>
+          <a:effectRef idx="0">
+            <a:schemeClr val="accent1"/>
+          </a:effectRef>
+          <a:fontRef idx="minor">
+            <a:schemeClr val="lt1"/>
+          </a:fontRef>
+        </p:style>
+        <p:txBody>
+          <a:bodyPr rtlCol="0" anchor="ctr"/>
+          <a:lstStyle/>
+          <a:p>
+            <a:pPr algn="ctr"/>
+            <a:endParaRPr lang="el-GR"/>
+          </a:p>
+        </p:txBody>
+      </p:sp>
+      <p:pic>
+        <p:nvPicPr>
+          <p:cNvPr id="8" name="Εικόνα 7">
+            <a:extLst>
+              <a:ext uri="{FF2B5EF4-FFF2-40B4-BE49-F238E27FC236}">
+                <a16:creationId xmlns:a16="http://schemas.microsoft.com/office/drawing/2014/main" id="{A5C989A1-E8D7-411F-B41D-A10001E37AEC}"/>
+              </a:ext>
+            </a:extLst>
+          </p:cNvPr>
+          <p:cNvPicPr>
+            <a:picLocks noChangeAspect="1"/>
+          </p:cNvPicPr>
+          <p:nvPr/>
+        </p:nvPicPr>
+        <p:blipFill>
+          <a:blip r:embed="rId3"/>
+          <a:stretch>
+            <a:fillRect/>
+          </a:stretch>
+        </p:blipFill>
+        <p:spPr>
+          <a:xfrm>
+            <a:off x="8082642" y="457081"/>
+            <a:ext cx="3606014" cy="928149"/>
+          </a:xfrm>
+          <a:prstGeom prst="rect">
+            <a:avLst/>
+          </a:prstGeom>
+        </p:spPr>
+      </p:pic>
     </p:spTree>
     <p:extLst>
       <p:ext uri="{BB962C8B-B14F-4D97-AF65-F5344CB8AC3E}">
-        <p14:creationId xmlns:p14="http://schemas.microsoft.com/office/powerpoint/2010/main" val="3374282458"/>
+        <p14:creationId xmlns:p14="http://schemas.microsoft.com/office/powerpoint/2010/main" val="263651786"/>
       </p:ext>
     </p:extLst>
   </p:cSld>
   <p:clrMapOvr>
     <a:masterClrMapping/>
   </p:clrMapOvr>
+  <p:timing>
+    <p:tnLst>
+      <p:par>
+        <p:cTn id="1" dur="indefinite" restart="never" nodeType="tmRoot">
+          <p:childTnLst>
+            <p:seq concurrent="1" nextAc="seek">
+              <p:cTn id="2" dur="indefinite" nodeType="mainSeq">
+                <p:childTnLst>
+                  <p:par>
+                    <p:cTn id="3" fill="hold">
+                      <p:stCondLst>
+                        <p:cond delay="indefinite"/>
+                      </p:stCondLst>
+                      <p:childTnLst>
+                        <p:par>
+                          <p:cTn id="4" fill="hold">
+                            <p:stCondLst>
+                              <p:cond delay="0"/>
+                            </p:stCondLst>
+                            <p:childTnLst>
+                              <p:par>
+                                <p:cTn id="5" presetID="1" presetClass="entr" presetSubtype="0" fill="hold" grpId="0" nodeType="clickEffect">
+                                  <p:stCondLst>
+                                    <p:cond delay="0"/>
+                                  </p:stCondLst>
+                                  <p:childTnLst>
+                                    <p:set>
+                                      <p:cBhvr>
+                                        <p:cTn id="6" dur="1" fill="hold">
+                                          <p:stCondLst>
+                                            <p:cond delay="0"/>
+                                          </p:stCondLst>
+                                        </p:cTn>
+                                        <p:tgtEl>
+                                          <p:spTgt spid="4"/>
+                                        </p:tgtEl>
+                                        <p:attrNameLst>
+                                          <p:attrName>style.visibility</p:attrName>
+                                        </p:attrNameLst>
+                                      </p:cBhvr>
+                                      <p:to>
+                                        <p:strVal val="visible"/>
+                                      </p:to>
+                                    </p:set>
+                                  </p:childTnLst>
+                                </p:cTn>
+                              </p:par>
+                              <p:par>
+                                <p:cTn id="7" presetID="1" presetClass="entr" presetSubtype="0" fill="hold" grpId="0" nodeType="withEffect">
+                                  <p:stCondLst>
+                                    <p:cond delay="0"/>
+                                  </p:stCondLst>
+                                  <p:childTnLst>
+                                    <p:set>
+                                      <p:cBhvr>
+                                        <p:cTn id="8" dur="1" fill="hold">
+                                          <p:stCondLst>
+                                            <p:cond delay="0"/>
+                                          </p:stCondLst>
+                                        </p:cTn>
+                                        <p:tgtEl>
+                                          <p:spTgt spid="3"/>
+                                        </p:tgtEl>
+                                        <p:attrNameLst>
+                                          <p:attrName>style.visibility</p:attrName>
+                                        </p:attrNameLst>
+                                      </p:cBhvr>
+                                      <p:to>
+                                        <p:strVal val="visible"/>
+                                      </p:to>
+                                    </p:set>
+                                  </p:childTnLst>
+                                </p:cTn>
+                              </p:par>
+                            </p:childTnLst>
+                          </p:cTn>
+                        </p:par>
+                      </p:childTnLst>
+                    </p:cTn>
+                  </p:par>
+                  <p:par>
+                    <p:cTn id="9" fill="hold">
+                      <p:stCondLst>
+                        <p:cond delay="indefinite"/>
+                      </p:stCondLst>
+                      <p:childTnLst>
+                        <p:par>
+                          <p:cTn id="10" fill="hold">
+                            <p:stCondLst>
+                              <p:cond delay="0"/>
+                            </p:stCondLst>
+                            <p:childTnLst>
+                              <p:par>
+                                <p:cTn id="11" presetID="1" presetClass="entr" presetSubtype="0" fill="hold" grpId="0" nodeType="clickEffect">
+                                  <p:stCondLst>
+                                    <p:cond delay="0"/>
+                                  </p:stCondLst>
+                                  <p:childTnLst>
+                                    <p:set>
+                                      <p:cBhvr>
+                                        <p:cTn id="12" dur="1" fill="hold">
+                                          <p:stCondLst>
+                                            <p:cond delay="0"/>
+                                          </p:stCondLst>
+                                        </p:cTn>
+                                        <p:tgtEl>
+                                          <p:spTgt spid="7"/>
+                                        </p:tgtEl>
+                                        <p:attrNameLst>
+                                          <p:attrName>style.visibility</p:attrName>
+                                        </p:attrNameLst>
+                                      </p:cBhvr>
+                                      <p:to>
+                                        <p:strVal val="visible"/>
+                                      </p:to>
+                                    </p:set>
+                                  </p:childTnLst>
+                                </p:cTn>
+                              </p:par>
+                              <p:par>
+                                <p:cTn id="13" presetID="1" presetClass="entr" presetSubtype="0" fill="hold" grpId="0" nodeType="withEffect">
+                                  <p:stCondLst>
+                                    <p:cond delay="0"/>
+                                  </p:stCondLst>
+                                  <p:childTnLst>
+                                    <p:set>
+                                      <p:cBhvr>
+                                        <p:cTn id="14" dur="1" fill="hold">
+                                          <p:stCondLst>
+                                            <p:cond delay="0"/>
+                                          </p:stCondLst>
+                                        </p:cTn>
+                                        <p:tgtEl>
+                                          <p:spTgt spid="10"/>
+                                        </p:tgtEl>
+                                        <p:attrNameLst>
+                                          <p:attrName>style.visibility</p:attrName>
+                                        </p:attrNameLst>
+                                      </p:cBhvr>
+                                      <p:to>
+                                        <p:strVal val="visible"/>
+                                      </p:to>
+                                    </p:set>
+                                  </p:childTnLst>
+                                </p:cTn>
+                              </p:par>
+                            </p:childTnLst>
+                          </p:cTn>
+                        </p:par>
+                      </p:childTnLst>
+                    </p:cTn>
+                  </p:par>
+                </p:childTnLst>
+              </p:cTn>
+              <p:prevCondLst>
+                <p:cond evt="onPrev" delay="0">
+                  <p:tgtEl>
+                    <p:sldTgt/>
+                  </p:tgtEl>
+                </p:cond>
+              </p:prevCondLst>
+              <p:nextCondLst>
+                <p:cond evt="onNext" delay="0">
+                  <p:tgtEl>
+                    <p:sldTgt/>
+                  </p:tgtEl>
+                </p:cond>
+              </p:nextCondLst>
+            </p:seq>
+          </p:childTnLst>
+        </p:cTn>
+      </p:par>
+    </p:tnLst>
+    <p:bldLst>
+      <p:bldP spid="7" grpId="0" animBg="1"/>
+      <p:bldP spid="10" grpId="0" animBg="1"/>
+      <p:bldP spid="3" grpId="0"/>
+      <p:bldP spid="4" grpId="0" animBg="1"/>
+    </p:bldLst>
+  </p:timing>
 </p:sld>
 </file>
 
@@ -14529,7 +18290,7 @@
           <a:p>
             <a:r>
               <a:rPr lang="el-GR" dirty="0"/>
-              <a:t>Θα χρησιμοποιηθεί η </a:t>
+              <a:t>Θα χρησιμοποιηθεί το </a:t>
             </a:r>
             <a:r>
               <a:rPr lang="en-US" dirty="0"/>
@@ -14537,7 +18298,7 @@
             </a:r>
             <a:r>
               <a:rPr lang="el-GR" dirty="0"/>
-              <a:t>βιβλιοθήκη </a:t>
+              <a:t>πρόγραμμα </a:t>
             </a:r>
             <a:r>
               <a:rPr lang="en-US" dirty="0"/>
@@ -14564,7 +18325,7 @@
           <a:p>
             <a:r>
               <a:rPr lang="el-GR" dirty="0"/>
-              <a:t>Η βιβλιοθήκη </a:t>
+              <a:t>Το πρόγραμμα </a:t>
             </a:r>
             <a:r>
               <a:rPr lang="en-US" dirty="0"/>
@@ -14588,15 +18349,7 @@
             </a:r>
             <a:r>
               <a:rPr lang="el-GR" dirty="0"/>
-              <a:t>στα πλαίσια του </a:t>
-            </a:r>
-            <a:r>
-              <a:rPr lang="en-US" dirty="0"/>
-              <a:t>specialization</a:t>
-            </a:r>
-            <a:r>
-              <a:rPr lang="el-GR" dirty="0"/>
-              <a:t> </a:t>
+              <a:t>στα πλαίσια της εξειδίκευσης </a:t>
             </a:r>
             <a:r>
               <a:rPr lang="en-US" dirty="0"/>
@@ -14667,6 +18420,135 @@
     <p:extLst>
       <p:ext uri="{BB962C8B-B14F-4D97-AF65-F5344CB8AC3E}">
         <p14:creationId xmlns:p14="http://schemas.microsoft.com/office/powerpoint/2010/main" val="3445364723"/>
+      </p:ext>
+    </p:extLst>
+  </p:cSld>
+  <p:clrMapOvr>
+    <a:masterClrMapping/>
+  </p:clrMapOvr>
+</p:sld>
+</file>
+
+<file path=ppt/slides/slide20.xml><?xml version="1.0" encoding="utf-8"?>
+<p:sld xmlns:a="http://schemas.openxmlformats.org/drawingml/2006/main" xmlns:r="http://schemas.openxmlformats.org/officeDocument/2006/relationships" xmlns:p="http://schemas.openxmlformats.org/presentationml/2006/main">
+  <p:cSld>
+    <p:spTree>
+      <p:nvGrpSpPr>
+        <p:cNvPr id="1" name=""/>
+        <p:cNvGrpSpPr/>
+        <p:nvPr/>
+      </p:nvGrpSpPr>
+      <p:grpSpPr>
+        <a:xfrm>
+          <a:off x="0" y="0"/>
+          <a:ext cx="0" cy="0"/>
+          <a:chOff x="0" y="0"/>
+          <a:chExt cx="0" cy="0"/>
+        </a:xfrm>
+      </p:grpSpPr>
+      <p:sp>
+        <p:nvSpPr>
+          <p:cNvPr id="2" name="Τίτλος 1">
+            <a:extLst>
+              <a:ext uri="{FF2B5EF4-FFF2-40B4-BE49-F238E27FC236}">
+                <a16:creationId xmlns:a16="http://schemas.microsoft.com/office/drawing/2014/main" id="{A679B039-F170-4017-ABEE-92BCA3B2EE68}"/>
+              </a:ext>
+            </a:extLst>
+          </p:cNvPr>
+          <p:cNvSpPr>
+            <a:spLocks noGrp="1"/>
+          </p:cNvSpPr>
+          <p:nvPr>
+            <p:ph type="title"/>
+          </p:nvPr>
+        </p:nvSpPr>
+        <p:spPr/>
+        <p:txBody>
+          <a:bodyPr/>
+          <a:lstStyle/>
+          <a:p>
+            <a:r>
+              <a:rPr lang="el-GR" dirty="0"/>
+              <a:t>Αναφορές</a:t>
+            </a:r>
+          </a:p>
+        </p:txBody>
+      </p:sp>
+      <p:sp>
+        <p:nvSpPr>
+          <p:cNvPr id="4" name="Θέση περιεχομένου 3">
+            <a:extLst>
+              <a:ext uri="{FF2B5EF4-FFF2-40B4-BE49-F238E27FC236}">
+                <a16:creationId xmlns:a16="http://schemas.microsoft.com/office/drawing/2014/main" id="{672F0AFA-1AFC-4F0A-B162-41E5B372107A}"/>
+              </a:ext>
+            </a:extLst>
+          </p:cNvPr>
+          <p:cNvSpPr>
+            <a:spLocks noGrp="1"/>
+          </p:cNvSpPr>
+          <p:nvPr>
+            <p:ph idx="1"/>
+          </p:nvPr>
+        </p:nvSpPr>
+        <p:spPr/>
+        <p:txBody>
+          <a:bodyPr/>
+          <a:lstStyle/>
+          <a:p>
+            <a:r>
+              <a:rPr lang="en-US" dirty="0"/>
+              <a:t>Coursera. Data Manipulation at Scale: Systems and Algorithms by University of Washington (Bill Howe)</a:t>
+            </a:r>
+          </a:p>
+          <a:p>
+            <a:r>
+              <a:rPr lang="en-US" dirty="0">
+                <a:hlinkClick r:id="rId2"/>
+              </a:rPr>
+              <a:t>https://hadoop.apache.org/docs/current/hadoop-mapreduce-client/hadoop-mapreduce-client-core/MapReduceTutorial.html</a:t>
+            </a:r>
+            <a:endParaRPr lang="en-US" dirty="0">
+              <a:hlinkClick r:id="rId3"/>
+            </a:endParaRPr>
+          </a:p>
+          <a:p>
+            <a:endParaRPr lang="el-GR" dirty="0"/>
+          </a:p>
+        </p:txBody>
+      </p:sp>
+      <p:sp>
+        <p:nvSpPr>
+          <p:cNvPr id="3" name="Θέση αριθμού διαφάνειας 2">
+            <a:extLst>
+              <a:ext uri="{FF2B5EF4-FFF2-40B4-BE49-F238E27FC236}">
+                <a16:creationId xmlns:a16="http://schemas.microsoft.com/office/drawing/2014/main" id="{B58CAB1B-C233-4EA7-8E52-F315D2C5F99A}"/>
+              </a:ext>
+            </a:extLst>
+          </p:cNvPr>
+          <p:cNvSpPr>
+            <a:spLocks noGrp="1"/>
+          </p:cNvSpPr>
+          <p:nvPr>
+            <p:ph type="sldNum" sz="quarter" idx="12"/>
+          </p:nvPr>
+        </p:nvSpPr>
+        <p:spPr/>
+        <p:txBody>
+          <a:bodyPr/>
+          <a:lstStyle/>
+          <a:p>
+            <a:fld id="{3C0D2874-9FE3-403B-82C8-3DB60AEBAF49}" type="slidenum">
+              <a:rPr lang="el-GR" smtClean="0"/>
+              <a:t>20</a:t>
+            </a:fld>
+            <a:endParaRPr lang="el-GR"/>
+          </a:p>
+        </p:txBody>
+      </p:sp>
+    </p:spTree>
+    <p:extLst>
+      <p:ext uri="{BB962C8B-B14F-4D97-AF65-F5344CB8AC3E}">
+        <p14:creationId xmlns:p14="http://schemas.microsoft.com/office/powerpoint/2010/main" val="3374282458"/>
       </p:ext>
     </p:extLst>
   </p:cSld>

--- a/05. Map Reduce παραδείγματα.pptx
+++ b/05. Map Reduce παραδείγματα.pptx
@@ -216,7 +216,7 @@
           <a:p>
             <a:fld id="{4BB23C5E-D2A1-436A-9C05-1A4AA2518BB1}" type="datetimeFigureOut">
               <a:rPr lang="el-GR" smtClean="0"/>
-              <a:t>17/5/2020</a:t>
+              <a:t>24/11/2020</a:t>
             </a:fld>
             <a:endParaRPr lang="el-GR"/>
           </a:p>
@@ -730,7 +730,7 @@
           <a:p>
             <a:fld id="{5F4E8635-A364-4D56-A16B-E41E9FA091F6}" type="datetime1">
               <a:rPr lang="el-GR" smtClean="0"/>
-              <a:t>17/5/2020</a:t>
+              <a:t>24/11/2020</a:t>
             </a:fld>
             <a:endParaRPr lang="el-GR"/>
           </a:p>
@@ -928,7 +928,7 @@
           <a:p>
             <a:fld id="{4E131DBA-F5D1-489B-8C02-BDD2B35EB4DE}" type="datetime1">
               <a:rPr lang="el-GR" smtClean="0"/>
-              <a:t>17/5/2020</a:t>
+              <a:t>24/11/2020</a:t>
             </a:fld>
             <a:endParaRPr lang="el-GR"/>
           </a:p>
@@ -1136,7 +1136,7 @@
           <a:p>
             <a:fld id="{0DA43FA4-BCCB-4028-8472-A7034677EE97}" type="datetime1">
               <a:rPr lang="el-GR" smtClean="0"/>
-              <a:t>17/5/2020</a:t>
+              <a:t>24/11/2020</a:t>
             </a:fld>
             <a:endParaRPr lang="el-GR"/>
           </a:p>
@@ -1334,7 +1334,7 @@
           <a:p>
             <a:fld id="{CF3DFA95-DECF-422D-A72A-3E4173CD611C}" type="datetime1">
               <a:rPr lang="el-GR" smtClean="0"/>
-              <a:t>17/5/2020</a:t>
+              <a:t>24/11/2020</a:t>
             </a:fld>
             <a:endParaRPr lang="el-GR"/>
           </a:p>
@@ -1609,7 +1609,7 @@
           <a:p>
             <a:fld id="{C65D9C0E-E7DA-4274-A5E0-0DF4F330584E}" type="datetime1">
               <a:rPr lang="el-GR" smtClean="0"/>
-              <a:t>17/5/2020</a:t>
+              <a:t>24/11/2020</a:t>
             </a:fld>
             <a:endParaRPr lang="el-GR"/>
           </a:p>
@@ -1874,7 +1874,7 @@
           <a:p>
             <a:fld id="{08D726C5-1810-4B12-9D44-2BE5A139C34C}" type="datetime1">
               <a:rPr lang="el-GR" smtClean="0"/>
-              <a:t>17/5/2020</a:t>
+              <a:t>24/11/2020</a:t>
             </a:fld>
             <a:endParaRPr lang="el-GR"/>
           </a:p>
@@ -2286,7 +2286,7 @@
           <a:p>
             <a:fld id="{D4C681F9-A035-4BC9-A256-BA38B1B94BD3}" type="datetime1">
               <a:rPr lang="el-GR" smtClean="0"/>
-              <a:t>17/5/2020</a:t>
+              <a:t>24/11/2020</a:t>
             </a:fld>
             <a:endParaRPr lang="el-GR"/>
           </a:p>
@@ -2427,7 +2427,7 @@
           <a:p>
             <a:fld id="{51E73F00-DF2E-4672-B5AF-F4AF52D2EC7F}" type="datetime1">
               <a:rPr lang="el-GR" smtClean="0"/>
-              <a:t>17/5/2020</a:t>
+              <a:t>24/11/2020</a:t>
             </a:fld>
             <a:endParaRPr lang="el-GR"/>
           </a:p>
@@ -2540,7 +2540,7 @@
           <a:p>
             <a:fld id="{E68DEB75-453B-4A1B-B5DC-E4E3985DEC3A}" type="datetime1">
               <a:rPr lang="el-GR" smtClean="0"/>
-              <a:t>17/5/2020</a:t>
+              <a:t>24/11/2020</a:t>
             </a:fld>
             <a:endParaRPr lang="el-GR"/>
           </a:p>
@@ -2851,7 +2851,7 @@
           <a:p>
             <a:fld id="{4DC479BF-546D-4727-B394-515D724753B0}" type="datetime1">
               <a:rPr lang="el-GR" smtClean="0"/>
-              <a:t>17/5/2020</a:t>
+              <a:t>24/11/2020</a:t>
             </a:fld>
             <a:endParaRPr lang="el-GR"/>
           </a:p>
@@ -3139,7 +3139,7 @@
           <a:p>
             <a:fld id="{272D9275-AEAC-4CC7-8959-F7BF56D76948}" type="datetime1">
               <a:rPr lang="el-GR" smtClean="0"/>
-              <a:t>17/5/2020</a:t>
+              <a:t>24/11/2020</a:t>
             </a:fld>
             <a:endParaRPr lang="el-GR"/>
           </a:p>
@@ -3380,7 +3380,7 @@
           <a:p>
             <a:fld id="{78626D7C-F468-4B9B-A189-8D8CEE015935}" type="datetime1">
               <a:rPr lang="el-GR" smtClean="0"/>
-              <a:t>17/5/2020</a:t>
+              <a:t>24/11/2020</a:t>
             </a:fld>
             <a:endParaRPr lang="el-GR"/>
           </a:p>
@@ -4162,7 +4162,7 @@
                 <a:ea typeface="+mn-ea"/>
                 <a:cs typeface="+mn-cs"/>
               </a:rPr>
-              <a:t>11/05/2020</a:t>
+              <a:t>24/11/2020</a:t>
             </a:r>
           </a:p>
           <a:p>
@@ -4356,7 +4356,31 @@
             </a:r>
             <a:r>
               <a:rPr lang="el-GR" dirty="0"/>
-              <a:t> είναι φίλος του. Ο κώδικας </a:t>
+              <a:t> είναι φίλος του</a:t>
+            </a:r>
+            <a:r>
+              <a:rPr lang="en-US" dirty="0"/>
+              <a:t> (</a:t>
+            </a:r>
+            <a:r>
+              <a:rPr lang="el-GR" dirty="0"/>
+              <a:t>δεν σημαίνει και το αντίστροφο, δηλαδή ότι ο </a:t>
+            </a:r>
+            <a:r>
+              <a:rPr lang="en-US" dirty="0"/>
+              <a:t>C </a:t>
+            </a:r>
+            <a:r>
+              <a:rPr lang="el-GR" dirty="0"/>
+              <a:t>θεωρεί ότι ο Α είναι φίλος του</a:t>
+            </a:r>
+            <a:r>
+              <a:rPr lang="en-US" dirty="0"/>
+              <a:t>)</a:t>
+            </a:r>
+            <a:r>
+              <a:rPr lang="el-GR" dirty="0"/>
+              <a:t>. Ο κώδικας </a:t>
             </a:r>
             <a:r>
               <a:rPr lang="en-US" dirty="0"/>
@@ -7174,7 +7198,7 @@
           <a:p>
             <a:r>
               <a:rPr lang="el-GR" dirty="0"/>
-              <a:t>Θεωρείστε ένα σύνολο από ζεύγη κλειδί-τιμή κάθε κλειδί είναι ένα αναγνωριστικό ακολουθίας και κάθε τιμή είναι μια ακολουθία </a:t>
+              <a:t>Θεωρείστε ένα σύνολο από ζεύγη κλειδί-τιμή με κάθε κλειδί να είναι ένα αναγνωριστικό ακολουθίας και κάθε τιμή είναι μια ακολουθία </a:t>
             </a:r>
             <a:r>
               <a:rPr lang="el-GR" dirty="0" err="1"/>
@@ -7206,7 +7230,7 @@
             </a:r>
             <a:r>
               <a:rPr lang="el-GR" dirty="0" err="1"/>
-              <a:t>νουκλοτιδίων</a:t>
+              <a:t>νουκλεοτιδίων</a:t>
             </a:r>
             <a:r>
               <a:rPr lang="el-GR" dirty="0"/>
@@ -18276,7 +18300,7 @@
           <a:p>
             <a:r>
               <a:rPr lang="el-GR" dirty="0"/>
-              <a:t>Στις ακόλουθες διαφάνειες θα παρουσιαστούν διάφορα προβλήματα στα οποία επιδεικνύεται η λειτουργία του </a:t>
+              <a:t>Στη συνέχεια θα παρουσιαστούν διάφορα προβλήματα στα οποία επιδεικνύεται η λειτουργία του </a:t>
             </a:r>
             <a:r>
               <a:rPr lang="en-US" dirty="0"/>
@@ -18577,6 +18601,60 @@
       </p:grpSpPr>
       <p:sp>
         <p:nvSpPr>
+          <p:cNvPr id="4" name="Οβάλ 3">
+            <a:extLst>
+              <a:ext uri="{FF2B5EF4-FFF2-40B4-BE49-F238E27FC236}">
+                <a16:creationId xmlns:a16="http://schemas.microsoft.com/office/drawing/2014/main" id="{E89950DA-CE99-4148-BBAF-DFCF6FF6D5B4}"/>
+              </a:ext>
+            </a:extLst>
+          </p:cNvPr>
+          <p:cNvSpPr/>
+          <p:nvPr/>
+        </p:nvSpPr>
+        <p:spPr>
+          <a:xfrm>
+            <a:off x="4660776" y="2961411"/>
+            <a:ext cx="1041647" cy="341083"/>
+          </a:xfrm>
+          <a:prstGeom prst="ellipse">
+            <a:avLst/>
+          </a:prstGeom>
+          <a:solidFill>
+            <a:schemeClr val="bg1"/>
+          </a:solidFill>
+          <a:ln>
+            <a:solidFill>
+              <a:schemeClr val="accent1"/>
+            </a:solidFill>
+          </a:ln>
+        </p:spPr>
+        <p:style>
+          <a:lnRef idx="2">
+            <a:schemeClr val="accent1">
+              <a:shade val="50000"/>
+            </a:schemeClr>
+          </a:lnRef>
+          <a:fillRef idx="1">
+            <a:schemeClr val="accent1"/>
+          </a:fillRef>
+          <a:effectRef idx="0">
+            <a:schemeClr val="accent1"/>
+          </a:effectRef>
+          <a:fontRef idx="minor">
+            <a:schemeClr val="lt1"/>
+          </a:fontRef>
+        </p:style>
+        <p:txBody>
+          <a:bodyPr rtlCol="0" anchor="ctr"/>
+          <a:lstStyle/>
+          <a:p>
+            <a:pPr algn="ctr"/>
+            <a:endParaRPr lang="el-GR"/>
+          </a:p>
+        </p:txBody>
+      </p:sp>
+      <p:sp>
+        <p:nvSpPr>
           <p:cNvPr id="2" name="Τίτλος 1">
             <a:extLst>
               <a:ext uri="{FF2B5EF4-FFF2-40B4-BE49-F238E27FC236}">
@@ -19101,6 +19179,207 @@
               <a:rPr lang="el-GR" smtClean="0"/>
               <a:t>3</a:t>
             </a:fld>
+            <a:endParaRPr lang="el-GR"/>
+          </a:p>
+        </p:txBody>
+      </p:sp>
+      <p:sp>
+        <p:nvSpPr>
+          <p:cNvPr id="8" name="TextBox 7">
+            <a:extLst>
+              <a:ext uri="{FF2B5EF4-FFF2-40B4-BE49-F238E27FC236}">
+                <a16:creationId xmlns:a16="http://schemas.microsoft.com/office/drawing/2014/main" id="{3F2B956D-7321-4762-8860-D0C41F8944D9}"/>
+              </a:ext>
+            </a:extLst>
+          </p:cNvPr>
+          <p:cNvSpPr txBox="1"/>
+          <p:nvPr/>
+        </p:nvSpPr>
+        <p:spPr>
+          <a:xfrm>
+            <a:off x="3213716" y="3192243"/>
+            <a:ext cx="499560" cy="369332"/>
+          </a:xfrm>
+          <a:prstGeom prst="rect">
+            <a:avLst/>
+          </a:prstGeom>
+          <a:noFill/>
+        </p:spPr>
+        <p:txBody>
+          <a:bodyPr wrap="none" rtlCol="0">
+            <a:spAutoFit/>
+          </a:bodyPr>
+          <a:lstStyle/>
+          <a:p>
+            <a:r>
+              <a:rPr lang="en-US" dirty="0"/>
+              <a:t>key</a:t>
+            </a:r>
+            <a:endParaRPr lang="el-GR" dirty="0"/>
+          </a:p>
+        </p:txBody>
+      </p:sp>
+      <p:cxnSp>
+        <p:nvCxnSpPr>
+          <p:cNvPr id="10" name="Ευθύγραμμο βέλος σύνδεσης 9">
+            <a:extLst>
+              <a:ext uri="{FF2B5EF4-FFF2-40B4-BE49-F238E27FC236}">
+                <a16:creationId xmlns:a16="http://schemas.microsoft.com/office/drawing/2014/main" id="{7F36DA02-4EB2-45A0-955D-E11C6C38E2C7}"/>
+              </a:ext>
+            </a:extLst>
+          </p:cNvPr>
+          <p:cNvCxnSpPr/>
+          <p:nvPr/>
+        </p:nvCxnSpPr>
+        <p:spPr>
+          <a:xfrm flipV="1">
+            <a:off x="3755254" y="3131952"/>
+            <a:ext cx="905522" cy="170542"/>
+          </a:xfrm>
+          <a:prstGeom prst="straightConnector1">
+            <a:avLst/>
+          </a:prstGeom>
+          <a:ln>
+            <a:tailEnd type="triangle"/>
+          </a:ln>
+        </p:spPr>
+        <p:style>
+          <a:lnRef idx="1">
+            <a:schemeClr val="accent1"/>
+          </a:lnRef>
+          <a:fillRef idx="0">
+            <a:schemeClr val="accent1"/>
+          </a:fillRef>
+          <a:effectRef idx="0">
+            <a:schemeClr val="accent1"/>
+          </a:effectRef>
+          <a:fontRef idx="minor">
+            <a:schemeClr val="tx1"/>
+          </a:fontRef>
+        </p:style>
+      </p:cxnSp>
+      <p:sp>
+        <p:nvSpPr>
+          <p:cNvPr id="11" name="TextBox 10">
+            <a:extLst>
+              <a:ext uri="{FF2B5EF4-FFF2-40B4-BE49-F238E27FC236}">
+                <a16:creationId xmlns:a16="http://schemas.microsoft.com/office/drawing/2014/main" id="{B4F0D52E-1CCA-4BF6-9F8C-51D82B1B2464}"/>
+              </a:ext>
+            </a:extLst>
+          </p:cNvPr>
+          <p:cNvSpPr txBox="1"/>
+          <p:nvPr/>
+        </p:nvSpPr>
+        <p:spPr>
+          <a:xfrm>
+            <a:off x="8749396" y="3244334"/>
+            <a:ext cx="686213" cy="369332"/>
+          </a:xfrm>
+          <a:prstGeom prst="rect">
+            <a:avLst/>
+          </a:prstGeom>
+          <a:noFill/>
+        </p:spPr>
+        <p:txBody>
+          <a:bodyPr wrap="none" rtlCol="0">
+            <a:spAutoFit/>
+          </a:bodyPr>
+          <a:lstStyle/>
+          <a:p>
+            <a:r>
+              <a:rPr lang="en-US" dirty="0"/>
+              <a:t>value</a:t>
+            </a:r>
+            <a:endParaRPr lang="el-GR" dirty="0"/>
+          </a:p>
+        </p:txBody>
+      </p:sp>
+      <p:cxnSp>
+        <p:nvCxnSpPr>
+          <p:cNvPr id="12" name="Ευθύγραμμο βέλος σύνδεσης 11">
+            <a:extLst>
+              <a:ext uri="{FF2B5EF4-FFF2-40B4-BE49-F238E27FC236}">
+                <a16:creationId xmlns:a16="http://schemas.microsoft.com/office/drawing/2014/main" id="{B327007F-9998-4C93-BB4B-857BEAB38F92}"/>
+              </a:ext>
+            </a:extLst>
+          </p:cNvPr>
+          <p:cNvCxnSpPr>
+            <a:cxnSpLocks/>
+            <a:stCxn id="11" idx="1"/>
+            <a:endCxn id="16" idx="6"/>
+          </p:cNvCxnSpPr>
+          <p:nvPr/>
+        </p:nvCxnSpPr>
+        <p:spPr>
+          <a:xfrm flipH="1" flipV="1">
+            <a:off x="7279688" y="3147676"/>
+            <a:ext cx="1469708" cy="281324"/>
+          </a:xfrm>
+          <a:prstGeom prst="straightConnector1">
+            <a:avLst/>
+          </a:prstGeom>
+          <a:ln>
+            <a:tailEnd type="triangle"/>
+          </a:ln>
+        </p:spPr>
+        <p:style>
+          <a:lnRef idx="1">
+            <a:schemeClr val="accent1"/>
+          </a:lnRef>
+          <a:fillRef idx="0">
+            <a:schemeClr val="accent1"/>
+          </a:fillRef>
+          <a:effectRef idx="0">
+            <a:schemeClr val="accent1"/>
+          </a:effectRef>
+          <a:fontRef idx="minor">
+            <a:schemeClr val="tx1"/>
+          </a:fontRef>
+        </p:style>
+      </p:cxnSp>
+      <p:sp>
+        <p:nvSpPr>
+          <p:cNvPr id="16" name="Οβάλ 15">
+            <a:extLst>
+              <a:ext uri="{FF2B5EF4-FFF2-40B4-BE49-F238E27FC236}">
+                <a16:creationId xmlns:a16="http://schemas.microsoft.com/office/drawing/2014/main" id="{8E0AE279-C0A4-4AF4-ABE4-B99C1EA7581E}"/>
+              </a:ext>
+            </a:extLst>
+          </p:cNvPr>
+          <p:cNvSpPr/>
+          <p:nvPr/>
+        </p:nvSpPr>
+        <p:spPr>
+          <a:xfrm>
+            <a:off x="5832627" y="2992857"/>
+            <a:ext cx="1447061" cy="309637"/>
+          </a:xfrm>
+          <a:prstGeom prst="ellipse">
+            <a:avLst/>
+          </a:prstGeom>
+          <a:noFill/>
+        </p:spPr>
+        <p:style>
+          <a:lnRef idx="2">
+            <a:schemeClr val="accent1">
+              <a:shade val="50000"/>
+            </a:schemeClr>
+          </a:lnRef>
+          <a:fillRef idx="1">
+            <a:schemeClr val="accent1"/>
+          </a:fillRef>
+          <a:effectRef idx="0">
+            <a:schemeClr val="accent1"/>
+          </a:effectRef>
+          <a:fontRef idx="minor">
+            <a:schemeClr val="lt1"/>
+          </a:fontRef>
+        </p:style>
+        <p:txBody>
+          <a:bodyPr rtlCol="0" anchor="ctr"/>
+          <a:lstStyle/>
+          <a:p>
+            <a:pPr algn="ctr"/>
             <a:endParaRPr lang="el-GR"/>
           </a:p>
         </p:txBody>
@@ -19168,6 +19447,19 @@
               <a:rPr lang="el-GR" dirty="0"/>
               <a:t>κώδικα</a:t>
             </a:r>
+            <a:r>
+              <a:rPr lang="en-US" dirty="0"/>
+              <a:t> (</a:t>
+            </a:r>
+            <a:r>
+              <a:rPr lang="el-GR" dirty="0"/>
+              <a:t>όπως είναι στο πρόβλημα καταμέτρησης λέξεων</a:t>
+            </a:r>
+            <a:r>
+              <a:rPr lang="en-US" dirty="0"/>
+              <a:t>)</a:t>
+            </a:r>
+            <a:endParaRPr lang="el-GR" dirty="0"/>
           </a:p>
         </p:txBody>
       </p:sp>

--- a/05. Map Reduce παραδείγματα.pptx
+++ b/05. Map Reduce παραδείγματα.pptx
@@ -216,7 +216,7 @@
           <a:p>
             <a:fld id="{4BB23C5E-D2A1-436A-9C05-1A4AA2518BB1}" type="datetimeFigureOut">
               <a:rPr lang="el-GR" smtClean="0"/>
-              <a:t>24/11/2020</a:t>
+              <a:t>23/1/2022</a:t>
             </a:fld>
             <a:endParaRPr lang="el-GR"/>
           </a:p>
@@ -730,7 +730,7 @@
           <a:p>
             <a:fld id="{5F4E8635-A364-4D56-A16B-E41E9FA091F6}" type="datetime1">
               <a:rPr lang="el-GR" smtClean="0"/>
-              <a:t>24/11/2020</a:t>
+              <a:t>23/1/2022</a:t>
             </a:fld>
             <a:endParaRPr lang="el-GR"/>
           </a:p>
@@ -928,7 +928,7 @@
           <a:p>
             <a:fld id="{4E131DBA-F5D1-489B-8C02-BDD2B35EB4DE}" type="datetime1">
               <a:rPr lang="el-GR" smtClean="0"/>
-              <a:t>24/11/2020</a:t>
+              <a:t>23/1/2022</a:t>
             </a:fld>
             <a:endParaRPr lang="el-GR"/>
           </a:p>
@@ -1136,7 +1136,7 @@
           <a:p>
             <a:fld id="{0DA43FA4-BCCB-4028-8472-A7034677EE97}" type="datetime1">
               <a:rPr lang="el-GR" smtClean="0"/>
-              <a:t>24/11/2020</a:t>
+              <a:t>23/1/2022</a:t>
             </a:fld>
             <a:endParaRPr lang="el-GR"/>
           </a:p>
@@ -1334,7 +1334,7 @@
           <a:p>
             <a:fld id="{CF3DFA95-DECF-422D-A72A-3E4173CD611C}" type="datetime1">
               <a:rPr lang="el-GR" smtClean="0"/>
-              <a:t>24/11/2020</a:t>
+              <a:t>23/1/2022</a:t>
             </a:fld>
             <a:endParaRPr lang="el-GR"/>
           </a:p>
@@ -1609,7 +1609,7 @@
           <a:p>
             <a:fld id="{C65D9C0E-E7DA-4274-A5E0-0DF4F330584E}" type="datetime1">
               <a:rPr lang="el-GR" smtClean="0"/>
-              <a:t>24/11/2020</a:t>
+              <a:t>23/1/2022</a:t>
             </a:fld>
             <a:endParaRPr lang="el-GR"/>
           </a:p>
@@ -1874,7 +1874,7 @@
           <a:p>
             <a:fld id="{08D726C5-1810-4B12-9D44-2BE5A139C34C}" type="datetime1">
               <a:rPr lang="el-GR" smtClean="0"/>
-              <a:t>24/11/2020</a:t>
+              <a:t>23/1/2022</a:t>
             </a:fld>
             <a:endParaRPr lang="el-GR"/>
           </a:p>
@@ -2286,7 +2286,7 @@
           <a:p>
             <a:fld id="{D4C681F9-A035-4BC9-A256-BA38B1B94BD3}" type="datetime1">
               <a:rPr lang="el-GR" smtClean="0"/>
-              <a:t>24/11/2020</a:t>
+              <a:t>23/1/2022</a:t>
             </a:fld>
             <a:endParaRPr lang="el-GR"/>
           </a:p>
@@ -2427,7 +2427,7 @@
           <a:p>
             <a:fld id="{51E73F00-DF2E-4672-B5AF-F4AF52D2EC7F}" type="datetime1">
               <a:rPr lang="el-GR" smtClean="0"/>
-              <a:t>24/11/2020</a:t>
+              <a:t>23/1/2022</a:t>
             </a:fld>
             <a:endParaRPr lang="el-GR"/>
           </a:p>
@@ -2540,7 +2540,7 @@
           <a:p>
             <a:fld id="{E68DEB75-453B-4A1B-B5DC-E4E3985DEC3A}" type="datetime1">
               <a:rPr lang="el-GR" smtClean="0"/>
-              <a:t>24/11/2020</a:t>
+              <a:t>23/1/2022</a:t>
             </a:fld>
             <a:endParaRPr lang="el-GR"/>
           </a:p>
@@ -2851,7 +2851,7 @@
           <a:p>
             <a:fld id="{4DC479BF-546D-4727-B394-515D724753B0}" type="datetime1">
               <a:rPr lang="el-GR" smtClean="0"/>
-              <a:t>24/11/2020</a:t>
+              <a:t>23/1/2022</a:t>
             </a:fld>
             <a:endParaRPr lang="el-GR"/>
           </a:p>
@@ -3139,7 +3139,7 @@
           <a:p>
             <a:fld id="{272D9275-AEAC-4CC7-8959-F7BF56D76948}" type="datetime1">
               <a:rPr lang="el-GR" smtClean="0"/>
-              <a:t>24/11/2020</a:t>
+              <a:t>23/1/2022</a:t>
             </a:fld>
             <a:endParaRPr lang="el-GR"/>
           </a:p>
@@ -3380,7 +3380,7 @@
           <a:p>
             <a:fld id="{78626D7C-F468-4B9B-A189-8D8CEE015935}" type="datetime1">
               <a:rPr lang="el-GR" smtClean="0"/>
-              <a:t>24/11/2020</a:t>
+              <a:t>23/1/2022</a:t>
             </a:fld>
             <a:endParaRPr lang="el-GR"/>
           </a:p>
@@ -6785,7 +6785,7 @@
                 <a:effectLst/>
                 <a:latin typeface="Consolas" panose="020B0609020204030204" pitchFamily="49" charset="0"/>
               </a:rPr>
-              <a:t> (v[</a:t>
+              <a:t> v[</a:t>
             </a:r>
             <a:r>
               <a:rPr lang="en-US" b="0" dirty="0">
@@ -6805,7 +6805,7 @@
                 <a:effectLst/>
                 <a:latin typeface="Consolas" panose="020B0609020204030204" pitchFamily="49" charset="0"/>
               </a:rPr>
-              <a:t>] == key):</a:t>
+              <a:t>] == key:</a:t>
             </a:r>
           </a:p>
           <a:p>
@@ -7304,7 +7304,27 @@
                 <a:effectLst/>
                 <a:latin typeface="Consolas" panose="020B0609020204030204" pitchFamily="49" charset="0"/>
               </a:rPr>
-              <a:t>"GGGGTGGCTACC"</a:t>
+              <a:t>"</a:t>
+            </a:r>
+            <a:r>
+              <a:rPr lang="en-US" b="1" dirty="0">
+                <a:solidFill>
+                  <a:srgbClr val="A31515"/>
+                </a:solidFill>
+                <a:effectLst/>
+                <a:latin typeface="Consolas" panose="020B0609020204030204" pitchFamily="49" charset="0"/>
+              </a:rPr>
+              <a:t>GG</a:t>
+            </a:r>
+            <a:r>
+              <a:rPr lang="en-US" b="0" dirty="0">
+                <a:solidFill>
+                  <a:srgbClr val="A31515"/>
+                </a:solidFill>
+                <a:effectLst/>
+                <a:latin typeface="Consolas" panose="020B0609020204030204" pitchFamily="49" charset="0"/>
+              </a:rPr>
+              <a:t>GGTGGCTACC"</a:t>
             </a:r>
             <a:r>
               <a:rPr lang="en-US" b="0" dirty="0">
@@ -7356,7 +7376,27 @@
                 <a:effectLst/>
                 <a:latin typeface="Consolas" panose="020B0609020204030204" pitchFamily="49" charset="0"/>
               </a:rPr>
-              <a:t>"AAGAACAACCTT"</a:t>
+              <a:t>"</a:t>
+            </a:r>
+            <a:r>
+              <a:rPr lang="en-US" b="1" dirty="0">
+                <a:solidFill>
+                  <a:srgbClr val="A31515"/>
+                </a:solidFill>
+                <a:effectLst/>
+                <a:latin typeface="Consolas" panose="020B0609020204030204" pitchFamily="49" charset="0"/>
+              </a:rPr>
+              <a:t>AA</a:t>
+            </a:r>
+            <a:r>
+              <a:rPr lang="en-US" b="0" dirty="0">
+                <a:solidFill>
+                  <a:srgbClr val="A31515"/>
+                </a:solidFill>
+                <a:effectLst/>
+                <a:latin typeface="Consolas" panose="020B0609020204030204" pitchFamily="49" charset="0"/>
+              </a:rPr>
+              <a:t>GAACAACCTT"</a:t>
             </a:r>
             <a:r>
               <a:rPr lang="en-US" b="0" dirty="0">
@@ -7408,7 +7448,27 @@
                 <a:effectLst/>
                 <a:latin typeface="Consolas" panose="020B0609020204030204" pitchFamily="49" charset="0"/>
               </a:rPr>
-              <a:t>"AAGATCAACCTT"</a:t>
+              <a:t>"</a:t>
+            </a:r>
+            <a:r>
+              <a:rPr lang="en-US" b="1" dirty="0">
+                <a:solidFill>
+                  <a:srgbClr val="A31515"/>
+                </a:solidFill>
+                <a:effectLst/>
+                <a:latin typeface="Consolas" panose="020B0609020204030204" pitchFamily="49" charset="0"/>
+              </a:rPr>
+              <a:t>AA</a:t>
+            </a:r>
+            <a:r>
+              <a:rPr lang="en-US" b="0" dirty="0">
+                <a:solidFill>
+                  <a:srgbClr val="A31515"/>
+                </a:solidFill>
+                <a:effectLst/>
+                <a:latin typeface="Consolas" panose="020B0609020204030204" pitchFamily="49" charset="0"/>
+              </a:rPr>
+              <a:t>GATCAACCTT"</a:t>
             </a:r>
             <a:r>
               <a:rPr lang="en-US" b="0" dirty="0">
@@ -7460,7 +7520,27 @@
                 <a:effectLst/>
                 <a:latin typeface="Consolas" panose="020B0609020204030204" pitchFamily="49" charset="0"/>
               </a:rPr>
-              <a:t>"GGGATCAACCTT"</a:t>
+              <a:t>"</a:t>
+            </a:r>
+            <a:r>
+              <a:rPr lang="en-US" b="1" dirty="0">
+                <a:solidFill>
+                  <a:srgbClr val="A31515"/>
+                </a:solidFill>
+                <a:effectLst/>
+                <a:latin typeface="Consolas" panose="020B0609020204030204" pitchFamily="49" charset="0"/>
+              </a:rPr>
+              <a:t>GG</a:t>
+            </a:r>
+            <a:r>
+              <a:rPr lang="en-US" b="0" dirty="0">
+                <a:solidFill>
+                  <a:srgbClr val="A31515"/>
+                </a:solidFill>
+                <a:effectLst/>
+                <a:latin typeface="Consolas" panose="020B0609020204030204" pitchFamily="49" charset="0"/>
+              </a:rPr>
+              <a:t>GATCAACCTT"</a:t>
             </a:r>
             <a:r>
               <a:rPr lang="en-US" b="0" dirty="0">
@@ -7512,7 +7592,27 @@
                 <a:effectLst/>
                 <a:latin typeface="Consolas" panose="020B0609020204030204" pitchFamily="49" charset="0"/>
               </a:rPr>
-              <a:t>"GAGATCAACCCC"</a:t>
+              <a:t>"</a:t>
+            </a:r>
+            <a:r>
+              <a:rPr lang="en-US" b="1" dirty="0">
+                <a:solidFill>
+                  <a:srgbClr val="A31515"/>
+                </a:solidFill>
+                <a:effectLst/>
+                <a:latin typeface="Consolas" panose="020B0609020204030204" pitchFamily="49" charset="0"/>
+              </a:rPr>
+              <a:t>GA</a:t>
+            </a:r>
+            <a:r>
+              <a:rPr lang="en-US" b="0" dirty="0">
+                <a:solidFill>
+                  <a:srgbClr val="A31515"/>
+                </a:solidFill>
+                <a:effectLst/>
+                <a:latin typeface="Consolas" panose="020B0609020204030204" pitchFamily="49" charset="0"/>
+              </a:rPr>
+              <a:t>GATCAACCCC"</a:t>
             </a:r>
             <a:r>
               <a:rPr lang="en-US" b="0" dirty="0">
@@ -8209,7 +8309,7 @@
           <a:p>
             <a:r>
               <a:rPr lang="el-GR" dirty="0"/>
-              <a:t>Θεωρείστε ότι διαθέτετε δεδομένα δύο πινάκων Α(</a:t>
+              <a:t>Θεωρείστε ότι διαθέτετε δεδομένα δύο αραιών πινάκων Α(</a:t>
             </a:r>
             <a:r>
               <a:rPr lang="en-US" dirty="0"/>
@@ -8225,7 +8325,7 @@
             </a:r>
             <a:r>
               <a:rPr lang="el-GR" dirty="0"/>
-              <a:t>σε μορφή αραιών πινάκων, δηλαδή </a:t>
+              <a:t>και </a:t>
             </a:r>
             <a:r>
               <a:rPr lang="el-GR" u="sng" dirty="0"/>
@@ -10445,7 +10545,7 @@
         <p:spPr>
           <a:xfrm>
             <a:off x="4724656" y="2164024"/>
-            <a:ext cx="2957797" cy="369332"/>
+            <a:ext cx="3467552" cy="369332"/>
           </a:xfrm>
           <a:prstGeom prst="rect">
             <a:avLst/>
@@ -10477,6 +10577,11 @@
               <a:rPr lang="el-GR" dirty="0"/>
               <a:t>1.json</a:t>
             </a:r>
+            <a:r>
+              <a:rPr lang="en-US" dirty="0"/>
+              <a:t> 2 3 2</a:t>
+            </a:r>
+            <a:endParaRPr lang="el-GR" dirty="0"/>
           </a:p>
         </p:txBody>
       </p:sp>
@@ -10494,7 +10599,7 @@
         </p:nvSpPr>
         <p:spPr>
           <a:xfrm>
-            <a:off x="8010830" y="2120090"/>
+            <a:off x="8713255" y="1954464"/>
             <a:ext cx="2191517" cy="1200329"/>
           </a:xfrm>
           <a:prstGeom prst="rect">
@@ -18365,19 +18470,21 @@
             </a:r>
             <a:r>
               <a:rPr lang="el-GR" dirty="0"/>
-              <a:t>του </a:t>
+              <a:t>στα πλαίσια της εξειδίκευσης </a:t>
             </a:r>
             <a:r>
               <a:rPr lang="en-US" dirty="0"/>
-              <a:t>Univ. of Washington </a:t>
-            </a:r>
-            <a:r>
-              <a:rPr lang="el-GR" dirty="0"/>
-              <a:t>στα πλαίσια της εξειδίκευσης </a:t>
+              <a:t>“</a:t>
+            </a:r>
+            <a:r>
+              <a:rPr lang="en-US" dirty="0">
+                <a:hlinkClick r:id="rId2"/>
+              </a:rPr>
+              <a:t>Data Science at Scale</a:t>
             </a:r>
             <a:r>
               <a:rPr lang="en-US" dirty="0"/>
-              <a:t>“Data Science at Scale” </a:t>
+              <a:t>” by Univ. of Washington </a:t>
             </a:r>
             <a:r>
               <a:rPr lang="el-GR" dirty="0"/>
@@ -23413,7 +23520,12 @@
             <p:ph sz="half" idx="2"/>
           </p:nvPr>
         </p:nvSpPr>
-        <p:spPr/>
+        <p:spPr>
+          <a:xfrm>
+            <a:off x="6172200" y="1825625"/>
+            <a:ext cx="5648498" cy="4351338"/>
+          </a:xfrm>
+        </p:spPr>
         <p:txBody>
           <a:bodyPr/>
           <a:lstStyle/>
@@ -24722,6 +24834,147 @@
               <a:rPr lang="el-GR" smtClean="0"/>
               <a:t>8</a:t>
             </a:fld>
+            <a:endParaRPr lang="el-GR"/>
+          </a:p>
+        </p:txBody>
+      </p:sp>
+      <p:sp>
+        <p:nvSpPr>
+          <p:cNvPr id="6" name="Οβάλ 5">
+            <a:extLst>
+              <a:ext uri="{FF2B5EF4-FFF2-40B4-BE49-F238E27FC236}">
+                <a16:creationId xmlns:a16="http://schemas.microsoft.com/office/drawing/2014/main" id="{F2EC923B-36EA-4855-ADAC-FCF4C48DB136}"/>
+              </a:ext>
+            </a:extLst>
+          </p:cNvPr>
+          <p:cNvSpPr/>
+          <p:nvPr/>
+        </p:nvSpPr>
+        <p:spPr>
+          <a:xfrm>
+            <a:off x="7028411" y="4001294"/>
+            <a:ext cx="299258" cy="308855"/>
+          </a:xfrm>
+          <a:prstGeom prst="ellipse">
+            <a:avLst/>
+          </a:prstGeom>
+          <a:noFill/>
+        </p:spPr>
+        <p:style>
+          <a:lnRef idx="2">
+            <a:schemeClr val="accent1">
+              <a:shade val="50000"/>
+            </a:schemeClr>
+          </a:lnRef>
+          <a:fillRef idx="1">
+            <a:schemeClr val="accent1"/>
+          </a:fillRef>
+          <a:effectRef idx="0">
+            <a:schemeClr val="accent1"/>
+          </a:effectRef>
+          <a:fontRef idx="minor">
+            <a:schemeClr val="lt1"/>
+          </a:fontRef>
+        </p:style>
+        <p:txBody>
+          <a:bodyPr rtlCol="0" anchor="ctr"/>
+          <a:lstStyle/>
+          <a:p>
+            <a:pPr algn="ctr"/>
+            <a:endParaRPr lang="el-GR"/>
+          </a:p>
+        </p:txBody>
+      </p:sp>
+      <p:sp>
+        <p:nvSpPr>
+          <p:cNvPr id="11" name="Οβάλ 10">
+            <a:extLst>
+              <a:ext uri="{FF2B5EF4-FFF2-40B4-BE49-F238E27FC236}">
+                <a16:creationId xmlns:a16="http://schemas.microsoft.com/office/drawing/2014/main" id="{11104A17-6DD0-4E90-A174-8AE89B09D9E1}"/>
+              </a:ext>
+            </a:extLst>
+          </p:cNvPr>
+          <p:cNvSpPr/>
+          <p:nvPr/>
+        </p:nvSpPr>
+        <p:spPr>
+          <a:xfrm>
+            <a:off x="7417724" y="4631676"/>
+            <a:ext cx="299258" cy="308855"/>
+          </a:xfrm>
+          <a:prstGeom prst="ellipse">
+            <a:avLst/>
+          </a:prstGeom>
+          <a:noFill/>
+        </p:spPr>
+        <p:style>
+          <a:lnRef idx="2">
+            <a:schemeClr val="accent1">
+              <a:shade val="50000"/>
+            </a:schemeClr>
+          </a:lnRef>
+          <a:fillRef idx="1">
+            <a:schemeClr val="accent1"/>
+          </a:fillRef>
+          <a:effectRef idx="0">
+            <a:schemeClr val="accent1"/>
+          </a:effectRef>
+          <a:fontRef idx="minor">
+            <a:schemeClr val="lt1"/>
+          </a:fontRef>
+        </p:style>
+        <p:txBody>
+          <a:bodyPr rtlCol="0" anchor="ctr"/>
+          <a:lstStyle/>
+          <a:p>
+            <a:pPr algn="ctr"/>
+            <a:endParaRPr lang="el-GR"/>
+          </a:p>
+        </p:txBody>
+      </p:sp>
+      <p:sp>
+        <p:nvSpPr>
+          <p:cNvPr id="12" name="Οβάλ 11">
+            <a:extLst>
+              <a:ext uri="{FF2B5EF4-FFF2-40B4-BE49-F238E27FC236}">
+                <a16:creationId xmlns:a16="http://schemas.microsoft.com/office/drawing/2014/main" id="{6356ED6F-6730-46EB-96E9-5CCA35CF4957}"/>
+              </a:ext>
+            </a:extLst>
+          </p:cNvPr>
+          <p:cNvSpPr/>
+          <p:nvPr/>
+        </p:nvSpPr>
+        <p:spPr>
+          <a:xfrm>
+            <a:off x="7417724" y="4874900"/>
+            <a:ext cx="299258" cy="308855"/>
+          </a:xfrm>
+          <a:prstGeom prst="ellipse">
+            <a:avLst/>
+          </a:prstGeom>
+          <a:noFill/>
+        </p:spPr>
+        <p:style>
+          <a:lnRef idx="2">
+            <a:schemeClr val="accent1">
+              <a:shade val="50000"/>
+            </a:schemeClr>
+          </a:lnRef>
+          <a:fillRef idx="1">
+            <a:schemeClr val="accent1"/>
+          </a:fillRef>
+          <a:effectRef idx="0">
+            <a:schemeClr val="accent1"/>
+          </a:effectRef>
+          <a:fontRef idx="minor">
+            <a:schemeClr val="lt1"/>
+          </a:fontRef>
+        </p:style>
+        <p:txBody>
+          <a:bodyPr rtlCol="0" anchor="ctr"/>
+          <a:lstStyle/>
+          <a:p>
+            <a:pPr algn="ctr"/>
             <a:endParaRPr lang="el-GR"/>
           </a:p>
         </p:txBody>
@@ -25266,7 +25519,7 @@
         <p:spPr>
           <a:xfrm>
             <a:off x="5766303" y="5301835"/>
-            <a:ext cx="6196100" cy="738664"/>
+            <a:ext cx="6196100" cy="954107"/>
           </a:xfrm>
           <a:prstGeom prst="rect">
             <a:avLst/>
@@ -25572,6 +25825,168 @@
                 <a:solidFill>
                   <a:srgbClr val="A31515"/>
                 </a:solidFill>
+                <a:latin typeface="Consolas" panose="020B0609020204030204" pitchFamily="49" charset="0"/>
+              </a:rPr>
+              <a:t>...</a:t>
+            </a:r>
+            <a:r>
+              <a:rPr lang="el-GR" sz="1400" b="0" dirty="0">
+                <a:solidFill>
+                  <a:srgbClr val="000000"/>
+                </a:solidFill>
+                <a:effectLst/>
+                <a:latin typeface="Consolas" panose="020B0609020204030204" pitchFamily="49" charset="0"/>
+              </a:rPr>
+              <a:t> ,</a:t>
+            </a:r>
+          </a:p>
+          <a:p>
+            <a:r>
+              <a:rPr lang="en-US" sz="1400" b="0" dirty="0">
+                <a:solidFill>
+                  <a:srgbClr val="A31515"/>
+                </a:solidFill>
+                <a:effectLst/>
+                <a:latin typeface="Consolas" panose="020B0609020204030204" pitchFamily="49" charset="0"/>
+              </a:rPr>
+              <a:t>"</a:t>
+            </a:r>
+            <a:r>
+              <a:rPr lang="en-US" sz="1400" b="0" dirty="0" err="1">
+                <a:solidFill>
+                  <a:srgbClr val="A31515"/>
+                </a:solidFill>
+                <a:effectLst/>
+                <a:latin typeface="Consolas" panose="020B0609020204030204" pitchFamily="49" charset="0"/>
+              </a:rPr>
+              <a:t>line_item</a:t>
+            </a:r>
+            <a:r>
+              <a:rPr lang="en-US" sz="1400" b="0" dirty="0">
+                <a:solidFill>
+                  <a:srgbClr val="A31515"/>
+                </a:solidFill>
+                <a:effectLst/>
+                <a:latin typeface="Consolas" panose="020B0609020204030204" pitchFamily="49" charset="0"/>
+              </a:rPr>
+              <a:t>"</a:t>
+            </a:r>
+            <a:r>
+              <a:rPr lang="en-US" sz="1400" b="0" dirty="0">
+                <a:solidFill>
+                  <a:srgbClr val="000000"/>
+                </a:solidFill>
+                <a:effectLst/>
+                <a:latin typeface="Consolas" panose="020B0609020204030204" pitchFamily="49" charset="0"/>
+              </a:rPr>
+              <a:t>, </a:t>
+            </a:r>
+            <a:r>
+              <a:rPr lang="en-US" sz="1400" b="0" dirty="0">
+                <a:solidFill>
+                  <a:srgbClr val="A31515"/>
+                </a:solidFill>
+                <a:effectLst/>
+                <a:latin typeface="Consolas" panose="020B0609020204030204" pitchFamily="49" charset="0"/>
+              </a:rPr>
+              <a:t>"1"</a:t>
+            </a:r>
+            <a:r>
+              <a:rPr lang="en-US" sz="1400" b="0" dirty="0">
+                <a:solidFill>
+                  <a:srgbClr val="000000"/>
+                </a:solidFill>
+                <a:effectLst/>
+                <a:latin typeface="Consolas" panose="020B0609020204030204" pitchFamily="49" charset="0"/>
+              </a:rPr>
+              <a:t>, </a:t>
+            </a:r>
+            <a:r>
+              <a:rPr lang="en-US" sz="1400" b="0" dirty="0">
+                <a:solidFill>
+                  <a:srgbClr val="A31515"/>
+                </a:solidFill>
+                <a:effectLst/>
+                <a:latin typeface="Consolas" panose="020B0609020204030204" pitchFamily="49" charset="0"/>
+              </a:rPr>
+              <a:t>"67310"</a:t>
+            </a:r>
+            <a:r>
+              <a:rPr lang="en-US" sz="1400" b="0" dirty="0">
+                <a:solidFill>
+                  <a:srgbClr val="000000"/>
+                </a:solidFill>
+                <a:effectLst/>
+                <a:latin typeface="Consolas" panose="020B0609020204030204" pitchFamily="49" charset="0"/>
+              </a:rPr>
+              <a:t>, </a:t>
+            </a:r>
+            <a:r>
+              <a:rPr lang="en-US" sz="1400" b="0" dirty="0">
+                <a:solidFill>
+                  <a:srgbClr val="A31515"/>
+                </a:solidFill>
+                <a:effectLst/>
+                <a:latin typeface="Consolas" panose="020B0609020204030204" pitchFamily="49" charset="0"/>
+              </a:rPr>
+              <a:t>"7311"</a:t>
+            </a:r>
+            <a:r>
+              <a:rPr lang="en-US" sz="1400" b="0" dirty="0">
+                <a:solidFill>
+                  <a:srgbClr val="000000"/>
+                </a:solidFill>
+                <a:effectLst/>
+                <a:latin typeface="Consolas" panose="020B0609020204030204" pitchFamily="49" charset="0"/>
+              </a:rPr>
+              <a:t>, </a:t>
+            </a:r>
+            <a:r>
+              <a:rPr lang="en-US" sz="1400" b="0" dirty="0">
+                <a:solidFill>
+                  <a:srgbClr val="A31515"/>
+                </a:solidFill>
+                <a:effectLst/>
+                <a:latin typeface="Consolas" panose="020B0609020204030204" pitchFamily="49" charset="0"/>
+              </a:rPr>
+              <a:t>"2"</a:t>
+            </a:r>
+            <a:r>
+              <a:rPr lang="en-US" sz="1400" b="0" dirty="0">
+                <a:solidFill>
+                  <a:srgbClr val="000000"/>
+                </a:solidFill>
+                <a:effectLst/>
+                <a:latin typeface="Consolas" panose="020B0609020204030204" pitchFamily="49" charset="0"/>
+              </a:rPr>
+              <a:t>, </a:t>
+            </a:r>
+            <a:r>
+              <a:rPr lang="en-US" sz="1400" b="0" dirty="0">
+                <a:solidFill>
+                  <a:srgbClr val="A31515"/>
+                </a:solidFill>
+                <a:effectLst/>
+                <a:latin typeface="Consolas" panose="020B0609020204030204" pitchFamily="49" charset="0"/>
+              </a:rPr>
+              <a:t>"36"</a:t>
+            </a:r>
+            <a:r>
+              <a:rPr lang="en-US" sz="1400" b="0" dirty="0">
+                <a:solidFill>
+                  <a:srgbClr val="000000"/>
+                </a:solidFill>
+                <a:effectLst/>
+                <a:latin typeface="Consolas" panose="020B0609020204030204" pitchFamily="49" charset="0"/>
+              </a:rPr>
+              <a:t>, </a:t>
+            </a:r>
+            <a:r>
+              <a:rPr lang="en-US" sz="1400" b="0" dirty="0">
+                <a:solidFill>
+                  <a:srgbClr val="A31515"/>
+                </a:solidFill>
+                <a:effectLst/>
                 <a:latin typeface="Consolas" panose="020B0609020204030204" pitchFamily="49" charset="0"/>
               </a:rPr>
               <a:t>...</a:t>
@@ -26856,6 +27271,147 @@
               <a:rPr lang="el-GR" smtClean="0"/>
               <a:t>9</a:t>
             </a:fld>
+            <a:endParaRPr lang="el-GR"/>
+          </a:p>
+        </p:txBody>
+      </p:sp>
+      <p:sp>
+        <p:nvSpPr>
+          <p:cNvPr id="13" name="Οβάλ 12">
+            <a:extLst>
+              <a:ext uri="{FF2B5EF4-FFF2-40B4-BE49-F238E27FC236}">
+                <a16:creationId xmlns:a16="http://schemas.microsoft.com/office/drawing/2014/main" id="{CCFEDFCD-FB96-4659-A35E-376278898087}"/>
+              </a:ext>
+            </a:extLst>
+          </p:cNvPr>
+          <p:cNvSpPr/>
+          <p:nvPr/>
+        </p:nvSpPr>
+        <p:spPr>
+          <a:xfrm>
+            <a:off x="6845531" y="5301835"/>
+            <a:ext cx="299258" cy="308855"/>
+          </a:xfrm>
+          <a:prstGeom prst="ellipse">
+            <a:avLst/>
+          </a:prstGeom>
+          <a:noFill/>
+        </p:spPr>
+        <p:style>
+          <a:lnRef idx="2">
+            <a:schemeClr val="accent1">
+              <a:shade val="50000"/>
+            </a:schemeClr>
+          </a:lnRef>
+          <a:fillRef idx="1">
+            <a:schemeClr val="accent1"/>
+          </a:fillRef>
+          <a:effectRef idx="0">
+            <a:schemeClr val="accent1"/>
+          </a:effectRef>
+          <a:fontRef idx="minor">
+            <a:schemeClr val="lt1"/>
+          </a:fontRef>
+        </p:style>
+        <p:txBody>
+          <a:bodyPr rtlCol="0" anchor="ctr"/>
+          <a:lstStyle/>
+          <a:p>
+            <a:pPr algn="ctr"/>
+            <a:endParaRPr lang="el-GR"/>
+          </a:p>
+        </p:txBody>
+      </p:sp>
+      <p:sp>
+        <p:nvSpPr>
+          <p:cNvPr id="14" name="Οβάλ 13">
+            <a:extLst>
+              <a:ext uri="{FF2B5EF4-FFF2-40B4-BE49-F238E27FC236}">
+                <a16:creationId xmlns:a16="http://schemas.microsoft.com/office/drawing/2014/main" id="{B7175383-6D59-4171-AC16-C314F228CA6D}"/>
+              </a:ext>
+            </a:extLst>
+          </p:cNvPr>
+          <p:cNvSpPr/>
+          <p:nvPr/>
+        </p:nvSpPr>
+        <p:spPr>
+          <a:xfrm>
+            <a:off x="7136477" y="5495959"/>
+            <a:ext cx="299258" cy="308855"/>
+          </a:xfrm>
+          <a:prstGeom prst="ellipse">
+            <a:avLst/>
+          </a:prstGeom>
+          <a:noFill/>
+        </p:spPr>
+        <p:style>
+          <a:lnRef idx="2">
+            <a:schemeClr val="accent1">
+              <a:shade val="50000"/>
+            </a:schemeClr>
+          </a:lnRef>
+          <a:fillRef idx="1">
+            <a:schemeClr val="accent1"/>
+          </a:fillRef>
+          <a:effectRef idx="0">
+            <a:schemeClr val="accent1"/>
+          </a:effectRef>
+          <a:fontRef idx="minor">
+            <a:schemeClr val="lt1"/>
+          </a:fontRef>
+        </p:style>
+        <p:txBody>
+          <a:bodyPr rtlCol="0" anchor="ctr"/>
+          <a:lstStyle/>
+          <a:p>
+            <a:pPr algn="ctr"/>
+            <a:endParaRPr lang="el-GR"/>
+          </a:p>
+        </p:txBody>
+      </p:sp>
+      <p:sp>
+        <p:nvSpPr>
+          <p:cNvPr id="15" name="Οβάλ 14">
+            <a:extLst>
+              <a:ext uri="{FF2B5EF4-FFF2-40B4-BE49-F238E27FC236}">
+                <a16:creationId xmlns:a16="http://schemas.microsoft.com/office/drawing/2014/main" id="{221A5DA9-09CC-4B6F-AF35-4BE47D5C3EE7}"/>
+              </a:ext>
+            </a:extLst>
+          </p:cNvPr>
+          <p:cNvSpPr/>
+          <p:nvPr/>
+        </p:nvSpPr>
+        <p:spPr>
+          <a:xfrm>
+            <a:off x="7136477" y="5752802"/>
+            <a:ext cx="299258" cy="308855"/>
+          </a:xfrm>
+          <a:prstGeom prst="ellipse">
+            <a:avLst/>
+          </a:prstGeom>
+          <a:noFill/>
+        </p:spPr>
+        <p:style>
+          <a:lnRef idx="2">
+            <a:schemeClr val="accent1">
+              <a:shade val="50000"/>
+            </a:schemeClr>
+          </a:lnRef>
+          <a:fillRef idx="1">
+            <a:schemeClr val="accent1"/>
+          </a:fillRef>
+          <a:effectRef idx="0">
+            <a:schemeClr val="accent1"/>
+          </a:effectRef>
+          <a:fontRef idx="minor">
+            <a:schemeClr val="lt1"/>
+          </a:fontRef>
+        </p:style>
+        <p:txBody>
+          <a:bodyPr rtlCol="0" anchor="ctr"/>
+          <a:lstStyle/>
+          <a:p>
+            <a:pPr algn="ctr"/>
             <a:endParaRPr lang="el-GR"/>
           </a:p>
         </p:txBody>
